--- a/English/5.DAX/6.COUNTNOBLANK and DISTINCTCOUNTNOBLANK.pptx
+++ b/English/5.DAX/6.COUNTNOBLANK and DISTINCTCOUNTNOBLANK.pptx
@@ -19,7 +19,7 @@
   <p:notesSz cx="6858000" cy="9144000"/>
   <p:defaultTextStyle>
     <a:defPPr>
-      <a:defRPr lang="en-US"/>
+      <a:defRPr lang="en"/>
     </a:defPPr>
     <a:lvl1pPr marL="0" algn="l" defTabSz="914400" rtl="0" eaLnBrk="1" latinLnBrk="0" hangingPunct="1">
       <a:defRPr sz="1800" kern="1200">
@@ -202,7 +202,7 @@
           <a:p>
             <a:fld id="{056BA3B8-9F76-4D81-B71D-76CB85363062}" type="datetimeFigureOut">
               <a:rPr lang="en-US" smtClean="0"/>
-              <a:t>1/3/2025</a:t>
+              <a:t>2/26/2025</a:t>
             </a:fld>
             <a:endParaRPr lang="en-US"/>
           </a:p>
@@ -601,7 +601,7 @@
           <a:p>
             <a:fld id="{6F01DA4D-20EA-48D2-973C-0311EC3005D6}" type="datetimeFigureOut">
               <a:rPr lang="en-US" smtClean="0"/>
-              <a:t>1/3/2025</a:t>
+              <a:t>2/26/2025</a:t>
             </a:fld>
             <a:endParaRPr lang="en-US"/>
           </a:p>
@@ -771,7 +771,7 @@
           <a:p>
             <a:fld id="{6F01DA4D-20EA-48D2-973C-0311EC3005D6}" type="datetimeFigureOut">
               <a:rPr lang="en-US" smtClean="0"/>
-              <a:t>1/3/2025</a:t>
+              <a:t>2/26/2025</a:t>
             </a:fld>
             <a:endParaRPr lang="en-US"/>
           </a:p>
@@ -951,7 +951,7 @@
           <a:p>
             <a:fld id="{6F01DA4D-20EA-48D2-973C-0311EC3005D6}" type="datetimeFigureOut">
               <a:rPr lang="en-US" smtClean="0"/>
-              <a:t>1/3/2025</a:t>
+              <a:t>2/26/2025</a:t>
             </a:fld>
             <a:endParaRPr lang="en-US"/>
           </a:p>
@@ -1121,7 +1121,7 @@
           <a:p>
             <a:fld id="{6F01DA4D-20EA-48D2-973C-0311EC3005D6}" type="datetimeFigureOut">
               <a:rPr lang="en-US" smtClean="0"/>
-              <a:t>1/3/2025</a:t>
+              <a:t>2/26/2025</a:t>
             </a:fld>
             <a:endParaRPr lang="en-US"/>
           </a:p>
@@ -1367,7 +1367,7 @@
           <a:p>
             <a:fld id="{6F01DA4D-20EA-48D2-973C-0311EC3005D6}" type="datetimeFigureOut">
               <a:rPr lang="en-US" smtClean="0"/>
-              <a:t>1/3/2025</a:t>
+              <a:t>2/26/2025</a:t>
             </a:fld>
             <a:endParaRPr lang="en-US"/>
           </a:p>
@@ -1599,7 +1599,7 @@
           <a:p>
             <a:fld id="{6F01DA4D-20EA-48D2-973C-0311EC3005D6}" type="datetimeFigureOut">
               <a:rPr lang="en-US" smtClean="0"/>
-              <a:t>1/3/2025</a:t>
+              <a:t>2/26/2025</a:t>
             </a:fld>
             <a:endParaRPr lang="en-US"/>
           </a:p>
@@ -1966,7 +1966,7 @@
           <a:p>
             <a:fld id="{6F01DA4D-20EA-48D2-973C-0311EC3005D6}" type="datetimeFigureOut">
               <a:rPr lang="en-US" smtClean="0"/>
-              <a:t>1/3/2025</a:t>
+              <a:t>2/26/2025</a:t>
             </a:fld>
             <a:endParaRPr lang="en-US"/>
           </a:p>
@@ -2084,7 +2084,7 @@
           <a:p>
             <a:fld id="{6F01DA4D-20EA-48D2-973C-0311EC3005D6}" type="datetimeFigureOut">
               <a:rPr lang="en-US" smtClean="0"/>
-              <a:t>1/3/2025</a:t>
+              <a:t>2/26/2025</a:t>
             </a:fld>
             <a:endParaRPr lang="en-US"/>
           </a:p>
@@ -2179,7 +2179,7 @@
           <a:p>
             <a:fld id="{6F01DA4D-20EA-48D2-973C-0311EC3005D6}" type="datetimeFigureOut">
               <a:rPr lang="en-US" smtClean="0"/>
-              <a:t>1/3/2025</a:t>
+              <a:t>2/26/2025</a:t>
             </a:fld>
             <a:endParaRPr lang="en-US"/>
           </a:p>
@@ -2456,7 +2456,7 @@
           <a:p>
             <a:fld id="{6F01DA4D-20EA-48D2-973C-0311EC3005D6}" type="datetimeFigureOut">
               <a:rPr lang="en-US" smtClean="0"/>
-              <a:t>1/3/2025</a:t>
+              <a:t>2/26/2025</a:t>
             </a:fld>
             <a:endParaRPr lang="en-US"/>
           </a:p>
@@ -2709,7 +2709,7 @@
           <a:p>
             <a:fld id="{6F01DA4D-20EA-48D2-973C-0311EC3005D6}" type="datetimeFigureOut">
               <a:rPr lang="en-US" smtClean="0"/>
-              <a:t>1/3/2025</a:t>
+              <a:t>2/26/2025</a:t>
             </a:fld>
             <a:endParaRPr lang="en-US"/>
           </a:p>
@@ -2922,7 +2922,7 @@
           <a:p>
             <a:fld id="{6F01DA4D-20EA-48D2-973C-0311EC3005D6}" type="datetimeFigureOut">
               <a:rPr lang="en-US" smtClean="0"/>
-              <a:t>1/3/2025</a:t>
+              <a:t>2/26/2025</a:t>
             </a:fld>
             <a:endParaRPr lang="en-US"/>
           </a:p>
@@ -3343,7 +3343,7 @@
         </p:nvSpPr>
         <p:spPr>
           <a:xfrm>
-            <a:off x="1418593" y="1081525"/>
+            <a:off x="1308590" y="1280905"/>
             <a:ext cx="9199606" cy="4154984"/>
           </a:xfrm>
           <a:prstGeom prst="rect">
@@ -3357,9 +3357,9 @@
           </a:bodyPr>
           <a:lstStyle/>
           <a:p>
-            <a:pPr algn="ctr"/>
-            <a:r>
-              <a:rPr lang="fr-FR" sz="6600" b="1" dirty="0" smtClean="0">
+            <a:pPr xmlns:a="http://schemas.openxmlformats.org/drawingml/2006/main" algn="ctr"/>
+            <a:r xmlns:a="http://schemas.openxmlformats.org/drawingml/2006/main">
+              <a:rPr lang="en" sz="6600" b="1" dirty="0" smtClean="0">
                 <a:solidFill>
                   <a:srgbClr val="7030A0"/>
                 </a:solidFill>
@@ -3371,9 +3371,9 @@
             </a:r>
           </a:p>
           <a:p>
-            <a:pPr algn="ctr"/>
-            <a:r>
-              <a:rPr lang="fr-FR" sz="6600" b="1" dirty="0" smtClean="0">
+            <a:pPr xmlns:a="http://schemas.openxmlformats.org/drawingml/2006/main" algn="ctr"/>
+            <a:r xmlns:a="http://schemas.openxmlformats.org/drawingml/2006/main">
+              <a:rPr lang="en" sz="6600" b="1" dirty="0" smtClean="0">
                 <a:solidFill>
                   <a:srgbClr val="7030A0"/>
                 </a:solidFill>
@@ -3381,13 +3381,21 @@
                 <a:ea typeface="Verdana" panose="020B0604030504040204" pitchFamily="34" charset="0"/>
                 <a:cs typeface="Segoe UI" panose="020B0502040204020203" pitchFamily="34" charset="0"/>
               </a:rPr>
-              <a:t>And</a:t>
-            </a:r>
-          </a:p>
-          <a:p>
-            <a:pPr algn="ctr"/>
-            <a:r>
-              <a:rPr lang="fr-FR" sz="6600" b="1" dirty="0" smtClean="0">
+              <a:t>&amp;</a:t>
+            </a:r>
+            <a:endParaRPr xmlns:a="http://schemas.openxmlformats.org/drawingml/2006/main" lang="fr-FR" sz="6600" b="1" dirty="0" smtClean="0">
+              <a:solidFill>
+                <a:srgbClr val="7030A0"/>
+              </a:solidFill>
+              <a:latin typeface="Segoe UI" panose="020B0502040204020203" pitchFamily="34" charset="0"/>
+              <a:ea typeface="Verdana" panose="020B0604030504040204" pitchFamily="34" charset="0"/>
+              <a:cs typeface="Segoe UI" panose="020B0502040204020203" pitchFamily="34" charset="0"/>
+            </a:endParaRPr>
+          </a:p>
+          <a:p>
+            <a:pPr xmlns:a="http://schemas.openxmlformats.org/drawingml/2006/main" algn="ctr"/>
+            <a:r xmlns:a="http://schemas.openxmlformats.org/drawingml/2006/main">
+              <a:rPr lang="en" sz="6600" b="1" dirty="0" smtClean="0">
                 <a:solidFill>
                   <a:srgbClr val="7030A0"/>
                 </a:solidFill>
@@ -3408,7 +3416,7 @@
         </p:nvSpPr>
         <p:spPr>
           <a:xfrm>
-            <a:off x="1418593" y="1000169"/>
+            <a:off x="1377342" y="1213300"/>
             <a:ext cx="9199606" cy="4154984"/>
           </a:xfrm>
           <a:prstGeom prst="rect">
@@ -3422,9 +3430,9 @@
           </a:bodyPr>
           <a:lstStyle/>
           <a:p>
-            <a:pPr algn="ctr"/>
-            <a:r>
-              <a:rPr lang="fr-FR" sz="6600" b="1" dirty="0" smtClean="0">
+            <a:pPr xmlns:a="http://schemas.openxmlformats.org/drawingml/2006/main" algn="ctr"/>
+            <a:r xmlns:a="http://schemas.openxmlformats.org/drawingml/2006/main">
+              <a:rPr lang="en" sz="6600" b="1" dirty="0" smtClean="0">
                 <a:solidFill>
                   <a:schemeClr val="bg1"/>
                 </a:solidFill>
@@ -3436,9 +3444,9 @@
             </a:r>
           </a:p>
           <a:p>
-            <a:pPr algn="ctr"/>
-            <a:r>
-              <a:rPr lang="fr-FR" sz="6600" b="1" dirty="0" smtClean="0">
+            <a:pPr xmlns:a="http://schemas.openxmlformats.org/drawingml/2006/main" algn="ctr"/>
+            <a:r xmlns:a="http://schemas.openxmlformats.org/drawingml/2006/main">
+              <a:rPr lang="en" sz="6600" b="1" dirty="0" smtClean="0">
                 <a:solidFill>
                   <a:schemeClr val="bg1"/>
                 </a:solidFill>
@@ -3446,13 +3454,21 @@
                 <a:ea typeface="Verdana" panose="020B0604030504040204" pitchFamily="34" charset="0"/>
                 <a:cs typeface="Segoe UI" panose="020B0502040204020203" pitchFamily="34" charset="0"/>
               </a:rPr>
-              <a:t>And</a:t>
-            </a:r>
-          </a:p>
-          <a:p>
-            <a:pPr algn="ctr"/>
-            <a:r>
-              <a:rPr lang="fr-FR" sz="6600" b="1" dirty="0" smtClean="0">
+              <a:t>&amp;</a:t>
+            </a:r>
+            <a:endParaRPr xmlns:a="http://schemas.openxmlformats.org/drawingml/2006/main" lang="fr-FR" sz="6600" b="1" dirty="0" smtClean="0">
+              <a:solidFill>
+                <a:schemeClr val="bg1"/>
+              </a:solidFill>
+              <a:latin typeface="Segoe UI" panose="020B0502040204020203" pitchFamily="34" charset="0"/>
+              <a:ea typeface="Verdana" panose="020B0604030504040204" pitchFamily="34" charset="0"/>
+              <a:cs typeface="Segoe UI" panose="020B0502040204020203" pitchFamily="34" charset="0"/>
+            </a:endParaRPr>
+          </a:p>
+          <a:p>
+            <a:pPr xmlns:a="http://schemas.openxmlformats.org/drawingml/2006/main" algn="ctr"/>
+            <a:r xmlns:a="http://schemas.openxmlformats.org/drawingml/2006/main">
+              <a:rPr lang="en" sz="6600" b="1" dirty="0" smtClean="0">
                 <a:solidFill>
                   <a:schemeClr val="bg1"/>
                 </a:solidFill>
@@ -3503,8 +3519,8 @@
         </p:nvSpPr>
         <p:spPr>
           <a:xfrm>
-            <a:off x="350634" y="226881"/>
-            <a:ext cx="4721485" cy="369332"/>
+            <a:off x="350634" y="217665"/>
+            <a:ext cx="4612288" cy="369332"/>
           </a:xfrm>
           <a:prstGeom prst="rect">
             <a:avLst/>
@@ -3517,68 +3533,11 @@
           </a:bodyPr>
           <a:lstStyle/>
           <a:p>
-            <a:r>
-              <a:rPr lang="fr-FR" dirty="0" smtClean="0"/>
-              <a:t>COUNTNOBLANC and DISTINCTCOUNTNOBLANK</a:t>
-            </a:r>
-            <a:endParaRPr lang="en-US" dirty="0"/>
-          </a:p>
-        </p:txBody>
-      </p:sp>
-      <p:sp>
-        <p:nvSpPr>
-          <p:cNvPr id="3" name="Rectangle 2"/>
-          <p:cNvSpPr/>
-          <p:nvPr/>
-        </p:nvSpPr>
-        <p:spPr>
-          <a:xfrm>
-            <a:off x="350634" y="670207"/>
-            <a:ext cx="6101350" cy="366895"/>
-          </a:xfrm>
-          <a:prstGeom prst="rect">
-            <a:avLst/>
-          </a:prstGeom>
-        </p:spPr>
-        <p:txBody>
-          <a:bodyPr wrap="none">
-            <a:spAutoFit/>
-          </a:bodyPr>
-          <a:lstStyle/>
-          <a:p>
-            <a:pPr>
-              <a:lnSpc>
-                <a:spcPct val="107000"/>
-              </a:lnSpc>
-              <a:spcBef>
-                <a:spcPts val="1200"/>
-              </a:spcBef>
-              <a:spcAft>
-                <a:spcPts val="0"/>
-              </a:spcAft>
-            </a:pPr>
-            <a:r>
-              <a:rPr lang="en-US" b="1" kern="0" dirty="0" smtClean="0">
-                <a:latin typeface="Segoe UI" panose="020B0502040204020203" pitchFamily="34" charset="0"/>
-                <a:ea typeface="Times New Roman" panose="02020603050405020304" pitchFamily="18" charset="0"/>
-                <a:cs typeface="Times New Roman" panose="02020603050405020304" pitchFamily="18" charset="0"/>
-              </a:rPr>
-              <a:t>Note: </a:t>
-            </a:r>
-            <a:r>
-              <a:rPr lang="en-US" kern="0" dirty="0" smtClean="0">
-                <a:latin typeface="Segoe UI" panose="020B0502040204020203" pitchFamily="34" charset="0"/>
-                <a:ea typeface="Times New Roman" panose="02020603050405020304" pitchFamily="18" charset="0"/>
-                <a:cs typeface="Times New Roman" panose="02020603050405020304" pitchFamily="18" charset="0"/>
-              </a:rPr>
-              <a:t>This demo uses a manually entered table for testing</a:t>
-            </a:r>
-            <a:endParaRPr lang="en-US" sz="2800" b="1" kern="0" dirty="0">
-              <a:effectLst/>
-              <a:latin typeface="Segoe UI" panose="020B0502040204020203" pitchFamily="34" charset="0"/>
-              <a:ea typeface="Times New Roman" panose="02020603050405020304" pitchFamily="18" charset="0"/>
-              <a:cs typeface="Times New Roman" panose="02020603050405020304" pitchFamily="18" charset="0"/>
-            </a:endParaRPr>
+            <a:r xmlns:a="http://schemas.openxmlformats.org/drawingml/2006/main">
+              <a:rPr lang="en" b="1" dirty="0" smtClean="0"/>
+              <a:t>COUNTNOBLANC &amp; DISTINCTCOUNTNOBLANK</a:t>
+            </a:r>
+            <a:endParaRPr xmlns:a="http://schemas.openxmlformats.org/drawingml/2006/main" lang="en-US" b="1" dirty="0"/>
           </a:p>
         </p:txBody>
       </p:sp>
@@ -3642,108 +3601,108 @@
                     <a:bodyPr/>
                     <a:lstStyle/>
                     <a:p>
-                      <a:pPr>
-                        <a:lnSpc>
-                          <a:spcPct val="107000"/>
-                        </a:lnSpc>
-                        <a:spcAft>
-                          <a:spcPts val="0"/>
-                        </a:spcAft>
-                      </a:pPr>
-                      <a:r>
-                        <a:rPr lang="en-US" sz="1400" dirty="0">
+                      <a:pPr xmlns:a="http://schemas.openxmlformats.org/drawingml/2006/main">
+                        <a:lnSpc>
+                          <a:spcPct val="107000"/>
+                        </a:lnSpc>
+                        <a:spcAft>
+                          <a:spcPts val="0"/>
+                        </a:spcAft>
+                      </a:pPr>
+                      <a:r xmlns:a="http://schemas.openxmlformats.org/drawingml/2006/main">
+                        <a:rPr lang="en" sz="1400" dirty="0">
                           <a:effectLst/>
                         </a:rPr>
                         <a:t>ID</a:t>
                       </a:r>
-                      <a:endParaRPr lang="en-US" sz="1400" dirty="0">
-                        <a:effectLst/>
-                        <a:latin typeface="Calibri" panose="020F0502020204030204" pitchFamily="34" charset="0"/>
-                        <a:ea typeface="Calibri" panose="020F0502020204030204" pitchFamily="34" charset="0"/>
-                        <a:cs typeface="Times New Roman" panose="02020603050405020304" pitchFamily="18" charset="0"/>
-                      </a:endParaRPr>
-                    </a:p>
-                  </a:txBody>
-                  <a:tcPr marL="68580" marR="68580" marT="0" marB="0" anchor="b"/>
-                </a:tc>
-                <a:tc>
-                  <a:txBody>
-                    <a:bodyPr/>
-                    <a:lstStyle/>
-                    <a:p>
-                      <a:pPr>
-                        <a:lnSpc>
-                          <a:spcPct val="107000"/>
-                        </a:lnSpc>
-                        <a:spcAft>
-                          <a:spcPts val="0"/>
-                        </a:spcAft>
-                      </a:pPr>
-                      <a:r>
-                        <a:rPr lang="en-US" sz="1400">
+                      <a:endParaRPr xmlns:a="http://schemas.openxmlformats.org/drawingml/2006/main" lang="en-US" sz="1400" dirty="0">
+                        <a:effectLst/>
+                        <a:latin typeface="Calibri" panose="020F0502020204030204" pitchFamily="34" charset="0"/>
+                        <a:ea typeface="Calibri" panose="020F0502020204030204" pitchFamily="34" charset="0"/>
+                        <a:cs typeface="Times New Roman" panose="02020603050405020304" pitchFamily="18" charset="0"/>
+                      </a:endParaRPr>
+                    </a:p>
+                  </a:txBody>
+                  <a:tcPr marL="68580" marR="68580" marT="0" marB="0" anchor="b"/>
+                </a:tc>
+                <a:tc>
+                  <a:txBody>
+                    <a:bodyPr/>
+                    <a:lstStyle/>
+                    <a:p>
+                      <a:pPr xmlns:a="http://schemas.openxmlformats.org/drawingml/2006/main">
+                        <a:lnSpc>
+                          <a:spcPct val="107000"/>
+                        </a:lnSpc>
+                        <a:spcAft>
+                          <a:spcPts val="0"/>
+                        </a:spcAft>
+                      </a:pPr>
+                      <a:r xmlns:a="http://schemas.openxmlformats.org/drawingml/2006/main">
+                        <a:rPr lang="en" sz="1400">
                           <a:effectLst/>
                         </a:rPr>
                         <a:t>Name</a:t>
                       </a:r>
-                      <a:endParaRPr lang="en-US" sz="1400">
-                        <a:effectLst/>
-                        <a:latin typeface="Calibri" panose="020F0502020204030204" pitchFamily="34" charset="0"/>
-                        <a:ea typeface="Calibri" panose="020F0502020204030204" pitchFamily="34" charset="0"/>
-                        <a:cs typeface="Times New Roman" panose="02020603050405020304" pitchFamily="18" charset="0"/>
-                      </a:endParaRPr>
-                    </a:p>
-                  </a:txBody>
-                  <a:tcPr marL="68580" marR="68580" marT="0" marB="0" anchor="b"/>
-                </a:tc>
-                <a:tc>
-                  <a:txBody>
-                    <a:bodyPr/>
-                    <a:lstStyle/>
-                    <a:p>
-                      <a:pPr>
-                        <a:lnSpc>
-                          <a:spcPct val="107000"/>
-                        </a:lnSpc>
-                        <a:spcAft>
-                          <a:spcPts val="0"/>
-                        </a:spcAft>
-                      </a:pPr>
-                      <a:r>
-                        <a:rPr lang="en-US" sz="1400">
+                      <a:endParaRPr xmlns:a="http://schemas.openxmlformats.org/drawingml/2006/main" lang="en-US" sz="1400">
+                        <a:effectLst/>
+                        <a:latin typeface="Calibri" panose="020F0502020204030204" pitchFamily="34" charset="0"/>
+                        <a:ea typeface="Calibri" panose="020F0502020204030204" pitchFamily="34" charset="0"/>
+                        <a:cs typeface="Times New Roman" panose="02020603050405020304" pitchFamily="18" charset="0"/>
+                      </a:endParaRPr>
+                    </a:p>
+                  </a:txBody>
+                  <a:tcPr marL="68580" marR="68580" marT="0" marB="0" anchor="b"/>
+                </a:tc>
+                <a:tc>
+                  <a:txBody>
+                    <a:bodyPr/>
+                    <a:lstStyle/>
+                    <a:p>
+                      <a:pPr xmlns:a="http://schemas.openxmlformats.org/drawingml/2006/main">
+                        <a:lnSpc>
+                          <a:spcPct val="107000"/>
+                        </a:lnSpc>
+                        <a:spcAft>
+                          <a:spcPts val="0"/>
+                        </a:spcAft>
+                      </a:pPr>
+                      <a:r xmlns:a="http://schemas.openxmlformats.org/drawingml/2006/main">
+                        <a:rPr lang="en" sz="1400">
                           <a:effectLst/>
                         </a:rPr>
                         <a:t>Quantity</a:t>
                       </a:r>
-                      <a:endParaRPr lang="en-US" sz="1400">
-                        <a:effectLst/>
-                        <a:latin typeface="Calibri" panose="020F0502020204030204" pitchFamily="34" charset="0"/>
-                        <a:ea typeface="Calibri" panose="020F0502020204030204" pitchFamily="34" charset="0"/>
-                        <a:cs typeface="Times New Roman" panose="02020603050405020304" pitchFamily="18" charset="0"/>
-                      </a:endParaRPr>
-                    </a:p>
-                  </a:txBody>
-                  <a:tcPr marL="68580" marR="68580" marT="0" marB="0" anchor="b"/>
-                </a:tc>
-                <a:tc>
-                  <a:txBody>
-                    <a:bodyPr/>
-                    <a:lstStyle/>
-                    <a:p>
-                      <a:pPr>
-                        <a:lnSpc>
-                          <a:spcPct val="107000"/>
-                        </a:lnSpc>
-                        <a:spcAft>
-                          <a:spcPts val="0"/>
-                        </a:spcAft>
-                      </a:pPr>
-                      <a:r>
-                        <a:rPr lang="en-US" sz="1400">
+                      <a:endParaRPr xmlns:a="http://schemas.openxmlformats.org/drawingml/2006/main" lang="en-US" sz="1400">
+                        <a:effectLst/>
+                        <a:latin typeface="Calibri" panose="020F0502020204030204" pitchFamily="34" charset="0"/>
+                        <a:ea typeface="Calibri" panose="020F0502020204030204" pitchFamily="34" charset="0"/>
+                        <a:cs typeface="Times New Roman" panose="02020603050405020304" pitchFamily="18" charset="0"/>
+                      </a:endParaRPr>
+                    </a:p>
+                  </a:txBody>
+                  <a:tcPr marL="68580" marR="68580" marT="0" marB="0" anchor="b"/>
+                </a:tc>
+                <a:tc>
+                  <a:txBody>
+                    <a:bodyPr/>
+                    <a:lstStyle/>
+                    <a:p>
+                      <a:pPr xmlns:a="http://schemas.openxmlformats.org/drawingml/2006/main">
+                        <a:lnSpc>
+                          <a:spcPct val="107000"/>
+                        </a:lnSpc>
+                        <a:spcAft>
+                          <a:spcPts val="0"/>
+                        </a:spcAft>
+                      </a:pPr>
+                      <a:r xmlns:a="http://schemas.openxmlformats.org/drawingml/2006/main">
+                        <a:rPr lang="en" sz="1400">
                           <a:effectLst/>
                         </a:rPr>
                         <a:t>Price</a:t>
                       </a:r>
-                      <a:endParaRPr lang="en-US" sz="1400">
+                      <a:endParaRPr xmlns:a="http://schemas.openxmlformats.org/drawingml/2006/main" lang="en-US" sz="1400">
                         <a:effectLst/>
                         <a:latin typeface="Calibri" panose="020F0502020204030204" pitchFamily="34" charset="0"/>
                         <a:ea typeface="Calibri" panose="020F0502020204030204" pitchFamily="34" charset="0"/>
@@ -3765,108 +3724,108 @@
                     <a:bodyPr/>
                     <a:lstStyle/>
                     <a:p>
-                      <a:pPr algn="r">
-                        <a:lnSpc>
-                          <a:spcPct val="107000"/>
-                        </a:lnSpc>
-                        <a:spcAft>
-                          <a:spcPts val="0"/>
-                        </a:spcAft>
-                      </a:pPr>
-                      <a:r>
-                        <a:rPr lang="en-US" sz="1400">
+                      <a:pPr xmlns:a="http://schemas.openxmlformats.org/drawingml/2006/main" algn="r">
+                        <a:lnSpc>
+                          <a:spcPct val="107000"/>
+                        </a:lnSpc>
+                        <a:spcAft>
+                          <a:spcPts val="0"/>
+                        </a:spcAft>
+                      </a:pPr>
+                      <a:r xmlns:a="http://schemas.openxmlformats.org/drawingml/2006/main">
+                        <a:rPr lang="en" sz="1400">
                           <a:effectLst/>
                         </a:rPr>
                         <a:t>1</a:t>
                       </a:r>
-                      <a:endParaRPr lang="en-US" sz="1400">
-                        <a:effectLst/>
-                        <a:latin typeface="Calibri" panose="020F0502020204030204" pitchFamily="34" charset="0"/>
-                        <a:ea typeface="Calibri" panose="020F0502020204030204" pitchFamily="34" charset="0"/>
-                        <a:cs typeface="Times New Roman" panose="02020603050405020304" pitchFamily="18" charset="0"/>
-                      </a:endParaRPr>
-                    </a:p>
-                  </a:txBody>
-                  <a:tcPr marL="68580" marR="68580" marT="0" marB="0" anchor="b"/>
-                </a:tc>
-                <a:tc>
-                  <a:txBody>
-                    <a:bodyPr/>
-                    <a:lstStyle/>
-                    <a:p>
-                      <a:pPr>
-                        <a:lnSpc>
-                          <a:spcPct val="107000"/>
-                        </a:lnSpc>
-                        <a:spcAft>
-                          <a:spcPts val="0"/>
-                        </a:spcAft>
-                      </a:pPr>
-                      <a:r>
-                        <a:rPr lang="en-US" sz="1400">
+                      <a:endParaRPr xmlns:a="http://schemas.openxmlformats.org/drawingml/2006/main" lang="en-US" sz="1400">
+                        <a:effectLst/>
+                        <a:latin typeface="Calibri" panose="020F0502020204030204" pitchFamily="34" charset="0"/>
+                        <a:ea typeface="Calibri" panose="020F0502020204030204" pitchFamily="34" charset="0"/>
+                        <a:cs typeface="Times New Roman" panose="02020603050405020304" pitchFamily="18" charset="0"/>
+                      </a:endParaRPr>
+                    </a:p>
+                  </a:txBody>
+                  <a:tcPr marL="68580" marR="68580" marT="0" marB="0" anchor="b"/>
+                </a:tc>
+                <a:tc>
+                  <a:txBody>
+                    <a:bodyPr/>
+                    <a:lstStyle/>
+                    <a:p>
+                      <a:pPr xmlns:a="http://schemas.openxmlformats.org/drawingml/2006/main">
+                        <a:lnSpc>
+                          <a:spcPct val="107000"/>
+                        </a:lnSpc>
+                        <a:spcAft>
+                          <a:spcPts val="0"/>
+                        </a:spcAft>
+                      </a:pPr>
+                      <a:r xmlns:a="http://schemas.openxmlformats.org/drawingml/2006/main">
+                        <a:rPr lang="en" sz="1400">
                           <a:effectLst/>
                         </a:rPr>
                         <a:t>ProductA</a:t>
                       </a:r>
-                      <a:endParaRPr lang="en-US" sz="1400">
-                        <a:effectLst/>
-                        <a:latin typeface="Calibri" panose="020F0502020204030204" pitchFamily="34" charset="0"/>
-                        <a:ea typeface="Calibri" panose="020F0502020204030204" pitchFamily="34" charset="0"/>
-                        <a:cs typeface="Times New Roman" panose="02020603050405020304" pitchFamily="18" charset="0"/>
-                      </a:endParaRPr>
-                    </a:p>
-                  </a:txBody>
-                  <a:tcPr marL="68580" marR="68580" marT="0" marB="0" anchor="b"/>
-                </a:tc>
-                <a:tc>
-                  <a:txBody>
-                    <a:bodyPr/>
-                    <a:lstStyle/>
-                    <a:p>
-                      <a:pPr algn="r">
-                        <a:lnSpc>
-                          <a:spcPct val="107000"/>
-                        </a:lnSpc>
-                        <a:spcAft>
-                          <a:spcPts val="0"/>
-                        </a:spcAft>
-                      </a:pPr>
-                      <a:r>
-                        <a:rPr lang="en-US" sz="1400">
+                      <a:endParaRPr xmlns:a="http://schemas.openxmlformats.org/drawingml/2006/main" lang="en-US" sz="1400">
+                        <a:effectLst/>
+                        <a:latin typeface="Calibri" panose="020F0502020204030204" pitchFamily="34" charset="0"/>
+                        <a:ea typeface="Calibri" panose="020F0502020204030204" pitchFamily="34" charset="0"/>
+                        <a:cs typeface="Times New Roman" panose="02020603050405020304" pitchFamily="18" charset="0"/>
+                      </a:endParaRPr>
+                    </a:p>
+                  </a:txBody>
+                  <a:tcPr marL="68580" marR="68580" marT="0" marB="0" anchor="b"/>
+                </a:tc>
+                <a:tc>
+                  <a:txBody>
+                    <a:bodyPr/>
+                    <a:lstStyle/>
+                    <a:p>
+                      <a:pPr xmlns:a="http://schemas.openxmlformats.org/drawingml/2006/main" algn="r">
+                        <a:lnSpc>
+                          <a:spcPct val="107000"/>
+                        </a:lnSpc>
+                        <a:spcAft>
+                          <a:spcPts val="0"/>
+                        </a:spcAft>
+                      </a:pPr>
+                      <a:r xmlns:a="http://schemas.openxmlformats.org/drawingml/2006/main">
+                        <a:rPr lang="en" sz="1400">
                           <a:effectLst/>
                         </a:rPr>
                         <a:t>296</a:t>
                       </a:r>
-                      <a:endParaRPr lang="en-US" sz="1400">
-                        <a:effectLst/>
-                        <a:latin typeface="Calibri" panose="020F0502020204030204" pitchFamily="34" charset="0"/>
-                        <a:ea typeface="Calibri" panose="020F0502020204030204" pitchFamily="34" charset="0"/>
-                        <a:cs typeface="Times New Roman" panose="02020603050405020304" pitchFamily="18" charset="0"/>
-                      </a:endParaRPr>
-                    </a:p>
-                  </a:txBody>
-                  <a:tcPr marL="68580" marR="68580" marT="0" marB="0" anchor="b"/>
-                </a:tc>
-                <a:tc>
-                  <a:txBody>
-                    <a:bodyPr/>
-                    <a:lstStyle/>
-                    <a:p>
-                      <a:pPr algn="r">
-                        <a:lnSpc>
-                          <a:spcPct val="107000"/>
-                        </a:lnSpc>
-                        <a:spcAft>
-                          <a:spcPts val="0"/>
-                        </a:spcAft>
-                      </a:pPr>
-                      <a:r>
-                        <a:rPr lang="en-US" sz="1400">
+                      <a:endParaRPr xmlns:a="http://schemas.openxmlformats.org/drawingml/2006/main" lang="en-US" sz="1400">
+                        <a:effectLst/>
+                        <a:latin typeface="Calibri" panose="020F0502020204030204" pitchFamily="34" charset="0"/>
+                        <a:ea typeface="Calibri" panose="020F0502020204030204" pitchFamily="34" charset="0"/>
+                        <a:cs typeface="Times New Roman" panose="02020603050405020304" pitchFamily="18" charset="0"/>
+                      </a:endParaRPr>
+                    </a:p>
+                  </a:txBody>
+                  <a:tcPr marL="68580" marR="68580" marT="0" marB="0" anchor="b"/>
+                </a:tc>
+                <a:tc>
+                  <a:txBody>
+                    <a:bodyPr/>
+                    <a:lstStyle/>
+                    <a:p>
+                      <a:pPr xmlns:a="http://schemas.openxmlformats.org/drawingml/2006/main" algn="r">
+                        <a:lnSpc>
+                          <a:spcPct val="107000"/>
+                        </a:lnSpc>
+                        <a:spcAft>
+                          <a:spcPts val="0"/>
+                        </a:spcAft>
+                      </a:pPr>
+                      <a:r xmlns:a="http://schemas.openxmlformats.org/drawingml/2006/main">
+                        <a:rPr lang="en" sz="1400">
                           <a:effectLst/>
                         </a:rPr>
                         <a:t>29</a:t>
                       </a:r>
-                      <a:endParaRPr lang="en-US" sz="1400">
+                      <a:endParaRPr xmlns:a="http://schemas.openxmlformats.org/drawingml/2006/main" lang="en-US" sz="1400">
                         <a:effectLst/>
                         <a:latin typeface="Calibri" panose="020F0502020204030204" pitchFamily="34" charset="0"/>
                         <a:ea typeface="Calibri" panose="020F0502020204030204" pitchFamily="34" charset="0"/>
@@ -3888,108 +3847,108 @@
                     <a:bodyPr/>
                     <a:lstStyle/>
                     <a:p>
-                      <a:pPr algn="r">
-                        <a:lnSpc>
-                          <a:spcPct val="107000"/>
-                        </a:lnSpc>
-                        <a:spcAft>
-                          <a:spcPts val="0"/>
-                        </a:spcAft>
-                      </a:pPr>
-                      <a:r>
-                        <a:rPr lang="en-US" sz="1400">
+                      <a:pPr xmlns:a="http://schemas.openxmlformats.org/drawingml/2006/main" algn="r">
+                        <a:lnSpc>
+                          <a:spcPct val="107000"/>
+                        </a:lnSpc>
+                        <a:spcAft>
+                          <a:spcPts val="0"/>
+                        </a:spcAft>
+                      </a:pPr>
+                      <a:r xmlns:a="http://schemas.openxmlformats.org/drawingml/2006/main">
+                        <a:rPr lang="en" sz="1400">
                           <a:effectLst/>
                         </a:rPr>
                         <a:t>2</a:t>
                       </a:r>
-                      <a:endParaRPr lang="en-US" sz="1400">
-                        <a:effectLst/>
-                        <a:latin typeface="Calibri" panose="020F0502020204030204" pitchFamily="34" charset="0"/>
-                        <a:ea typeface="Calibri" panose="020F0502020204030204" pitchFamily="34" charset="0"/>
-                        <a:cs typeface="Times New Roman" panose="02020603050405020304" pitchFamily="18" charset="0"/>
-                      </a:endParaRPr>
-                    </a:p>
-                  </a:txBody>
-                  <a:tcPr marL="68580" marR="68580" marT="0" marB="0" anchor="b"/>
-                </a:tc>
-                <a:tc>
-                  <a:txBody>
-                    <a:bodyPr/>
-                    <a:lstStyle/>
-                    <a:p>
-                      <a:pPr>
-                        <a:lnSpc>
-                          <a:spcPct val="107000"/>
-                        </a:lnSpc>
-                        <a:spcAft>
-                          <a:spcPts val="0"/>
-                        </a:spcAft>
-                      </a:pPr>
-                      <a:r>
-                        <a:rPr lang="en-US" sz="1400">
+                      <a:endParaRPr xmlns:a="http://schemas.openxmlformats.org/drawingml/2006/main" lang="en-US" sz="1400">
+                        <a:effectLst/>
+                        <a:latin typeface="Calibri" panose="020F0502020204030204" pitchFamily="34" charset="0"/>
+                        <a:ea typeface="Calibri" panose="020F0502020204030204" pitchFamily="34" charset="0"/>
+                        <a:cs typeface="Times New Roman" panose="02020603050405020304" pitchFamily="18" charset="0"/>
+                      </a:endParaRPr>
+                    </a:p>
+                  </a:txBody>
+                  <a:tcPr marL="68580" marR="68580" marT="0" marB="0" anchor="b"/>
+                </a:tc>
+                <a:tc>
+                  <a:txBody>
+                    <a:bodyPr/>
+                    <a:lstStyle/>
+                    <a:p>
+                      <a:pPr xmlns:a="http://schemas.openxmlformats.org/drawingml/2006/main">
+                        <a:lnSpc>
+                          <a:spcPct val="107000"/>
+                        </a:lnSpc>
+                        <a:spcAft>
+                          <a:spcPts val="0"/>
+                        </a:spcAft>
+                      </a:pPr>
+                      <a:r xmlns:a="http://schemas.openxmlformats.org/drawingml/2006/main">
+                        <a:rPr lang="en" sz="1400">
                           <a:effectLst/>
                         </a:rPr>
                         <a:t>ProductB</a:t>
                       </a:r>
-                      <a:endParaRPr lang="en-US" sz="1400">
-                        <a:effectLst/>
-                        <a:latin typeface="Calibri" panose="020F0502020204030204" pitchFamily="34" charset="0"/>
-                        <a:ea typeface="Calibri" panose="020F0502020204030204" pitchFamily="34" charset="0"/>
-                        <a:cs typeface="Times New Roman" panose="02020603050405020304" pitchFamily="18" charset="0"/>
-                      </a:endParaRPr>
-                    </a:p>
-                  </a:txBody>
-                  <a:tcPr marL="68580" marR="68580" marT="0" marB="0" anchor="b"/>
-                </a:tc>
-                <a:tc>
-                  <a:txBody>
-                    <a:bodyPr/>
-                    <a:lstStyle/>
-                    <a:p>
-                      <a:pPr algn="r">
-                        <a:lnSpc>
-                          <a:spcPct val="107000"/>
-                        </a:lnSpc>
-                        <a:spcAft>
-                          <a:spcPts val="0"/>
-                        </a:spcAft>
-                      </a:pPr>
-                      <a:r>
-                        <a:rPr lang="en-US" sz="1400">
+                      <a:endParaRPr xmlns:a="http://schemas.openxmlformats.org/drawingml/2006/main" lang="en-US" sz="1400">
+                        <a:effectLst/>
+                        <a:latin typeface="Calibri" panose="020F0502020204030204" pitchFamily="34" charset="0"/>
+                        <a:ea typeface="Calibri" panose="020F0502020204030204" pitchFamily="34" charset="0"/>
+                        <a:cs typeface="Times New Roman" panose="02020603050405020304" pitchFamily="18" charset="0"/>
+                      </a:endParaRPr>
+                    </a:p>
+                  </a:txBody>
+                  <a:tcPr marL="68580" marR="68580" marT="0" marB="0" anchor="b"/>
+                </a:tc>
+                <a:tc>
+                  <a:txBody>
+                    <a:bodyPr/>
+                    <a:lstStyle/>
+                    <a:p>
+                      <a:pPr xmlns:a="http://schemas.openxmlformats.org/drawingml/2006/main" algn="r">
+                        <a:lnSpc>
+                          <a:spcPct val="107000"/>
+                        </a:lnSpc>
+                        <a:spcAft>
+                          <a:spcPts val="0"/>
+                        </a:spcAft>
+                      </a:pPr>
+                      <a:r xmlns:a="http://schemas.openxmlformats.org/drawingml/2006/main">
+                        <a:rPr lang="en" sz="1400">
                           <a:effectLst/>
                         </a:rPr>
                         <a:t>387</a:t>
                       </a:r>
-                      <a:endParaRPr lang="en-US" sz="1400">
-                        <a:effectLst/>
-                        <a:latin typeface="Calibri" panose="020F0502020204030204" pitchFamily="34" charset="0"/>
-                        <a:ea typeface="Calibri" panose="020F0502020204030204" pitchFamily="34" charset="0"/>
-                        <a:cs typeface="Times New Roman" panose="02020603050405020304" pitchFamily="18" charset="0"/>
-                      </a:endParaRPr>
-                    </a:p>
-                  </a:txBody>
-                  <a:tcPr marL="68580" marR="68580" marT="0" marB="0" anchor="b"/>
-                </a:tc>
-                <a:tc>
-                  <a:txBody>
-                    <a:bodyPr/>
-                    <a:lstStyle/>
-                    <a:p>
-                      <a:pPr algn="r">
-                        <a:lnSpc>
-                          <a:spcPct val="107000"/>
-                        </a:lnSpc>
-                        <a:spcAft>
-                          <a:spcPts val="0"/>
-                        </a:spcAft>
-                      </a:pPr>
-                      <a:r>
-                        <a:rPr lang="en-US" sz="1400">
+                      <a:endParaRPr xmlns:a="http://schemas.openxmlformats.org/drawingml/2006/main" lang="en-US" sz="1400">
+                        <a:effectLst/>
+                        <a:latin typeface="Calibri" panose="020F0502020204030204" pitchFamily="34" charset="0"/>
+                        <a:ea typeface="Calibri" panose="020F0502020204030204" pitchFamily="34" charset="0"/>
+                        <a:cs typeface="Times New Roman" panose="02020603050405020304" pitchFamily="18" charset="0"/>
+                      </a:endParaRPr>
+                    </a:p>
+                  </a:txBody>
+                  <a:tcPr marL="68580" marR="68580" marT="0" marB="0" anchor="b"/>
+                </a:tc>
+                <a:tc>
+                  <a:txBody>
+                    <a:bodyPr/>
+                    <a:lstStyle/>
+                    <a:p>
+                      <a:pPr xmlns:a="http://schemas.openxmlformats.org/drawingml/2006/main" algn="r">
+                        <a:lnSpc>
+                          <a:spcPct val="107000"/>
+                        </a:lnSpc>
+                        <a:spcAft>
+                          <a:spcPts val="0"/>
+                        </a:spcAft>
+                      </a:pPr>
+                      <a:r xmlns:a="http://schemas.openxmlformats.org/drawingml/2006/main">
+                        <a:rPr lang="en" sz="1400">
                           <a:effectLst/>
                         </a:rPr>
                         <a:t>22</a:t>
                       </a:r>
-                      <a:endParaRPr lang="en-US" sz="1400">
+                      <a:endParaRPr xmlns:a="http://schemas.openxmlformats.org/drawingml/2006/main" lang="en-US" sz="1400">
                         <a:effectLst/>
                         <a:latin typeface="Calibri" panose="020F0502020204030204" pitchFamily="34" charset="0"/>
                         <a:ea typeface="Calibri" panose="020F0502020204030204" pitchFamily="34" charset="0"/>
@@ -4011,108 +3970,108 @@
                     <a:bodyPr/>
                     <a:lstStyle/>
                     <a:p>
-                      <a:pPr algn="r">
-                        <a:lnSpc>
-                          <a:spcPct val="107000"/>
-                        </a:lnSpc>
-                        <a:spcAft>
-                          <a:spcPts val="0"/>
-                        </a:spcAft>
-                      </a:pPr>
-                      <a:r>
-                        <a:rPr lang="en-US" sz="1400">
+                      <a:pPr xmlns:a="http://schemas.openxmlformats.org/drawingml/2006/main" algn="r">
+                        <a:lnSpc>
+                          <a:spcPct val="107000"/>
+                        </a:lnSpc>
+                        <a:spcAft>
+                          <a:spcPts val="0"/>
+                        </a:spcAft>
+                      </a:pPr>
+                      <a:r xmlns:a="http://schemas.openxmlformats.org/drawingml/2006/main">
+                        <a:rPr lang="en" sz="1400">
                           <a:effectLst/>
                         </a:rPr>
                         <a:t>3</a:t>
                       </a:r>
-                      <a:endParaRPr lang="en-US" sz="1400">
-                        <a:effectLst/>
-                        <a:latin typeface="Calibri" panose="020F0502020204030204" pitchFamily="34" charset="0"/>
-                        <a:ea typeface="Calibri" panose="020F0502020204030204" pitchFamily="34" charset="0"/>
-                        <a:cs typeface="Times New Roman" panose="02020603050405020304" pitchFamily="18" charset="0"/>
-                      </a:endParaRPr>
-                    </a:p>
-                  </a:txBody>
-                  <a:tcPr marL="68580" marR="68580" marT="0" marB="0" anchor="b"/>
-                </a:tc>
-                <a:tc>
-                  <a:txBody>
-                    <a:bodyPr/>
-                    <a:lstStyle/>
-                    <a:p>
-                      <a:pPr>
-                        <a:lnSpc>
-                          <a:spcPct val="107000"/>
-                        </a:lnSpc>
-                        <a:spcAft>
-                          <a:spcPts val="0"/>
-                        </a:spcAft>
-                      </a:pPr>
-                      <a:r>
-                        <a:rPr lang="en-US" sz="1400">
+                      <a:endParaRPr xmlns:a="http://schemas.openxmlformats.org/drawingml/2006/main" lang="en-US" sz="1400">
+                        <a:effectLst/>
+                        <a:latin typeface="Calibri" panose="020F0502020204030204" pitchFamily="34" charset="0"/>
+                        <a:ea typeface="Calibri" panose="020F0502020204030204" pitchFamily="34" charset="0"/>
+                        <a:cs typeface="Times New Roman" panose="02020603050405020304" pitchFamily="18" charset="0"/>
+                      </a:endParaRPr>
+                    </a:p>
+                  </a:txBody>
+                  <a:tcPr marL="68580" marR="68580" marT="0" marB="0" anchor="b"/>
+                </a:tc>
+                <a:tc>
+                  <a:txBody>
+                    <a:bodyPr/>
+                    <a:lstStyle/>
+                    <a:p>
+                      <a:pPr xmlns:a="http://schemas.openxmlformats.org/drawingml/2006/main">
+                        <a:lnSpc>
+                          <a:spcPct val="107000"/>
+                        </a:lnSpc>
+                        <a:spcAft>
+                          <a:spcPts val="0"/>
+                        </a:spcAft>
+                      </a:pPr>
+                      <a:r xmlns:a="http://schemas.openxmlformats.org/drawingml/2006/main">
+                        <a:rPr lang="en" sz="1400">
                           <a:effectLst/>
                         </a:rPr>
                         <a:t>ProductC</a:t>
                       </a:r>
-                      <a:endParaRPr lang="en-US" sz="1400">
-                        <a:effectLst/>
-                        <a:latin typeface="Calibri" panose="020F0502020204030204" pitchFamily="34" charset="0"/>
-                        <a:ea typeface="Calibri" panose="020F0502020204030204" pitchFamily="34" charset="0"/>
-                        <a:cs typeface="Times New Roman" panose="02020603050405020304" pitchFamily="18" charset="0"/>
-                      </a:endParaRPr>
-                    </a:p>
-                  </a:txBody>
-                  <a:tcPr marL="68580" marR="68580" marT="0" marB="0" anchor="b"/>
-                </a:tc>
-                <a:tc>
-                  <a:txBody>
-                    <a:bodyPr/>
-                    <a:lstStyle/>
-                    <a:p>
-                      <a:pPr algn="r">
-                        <a:lnSpc>
-                          <a:spcPct val="107000"/>
-                        </a:lnSpc>
-                        <a:spcAft>
-                          <a:spcPts val="0"/>
-                        </a:spcAft>
-                      </a:pPr>
-                      <a:r>
-                        <a:rPr lang="en-US" sz="1400">
+                      <a:endParaRPr xmlns:a="http://schemas.openxmlformats.org/drawingml/2006/main" lang="en-US" sz="1400">
+                        <a:effectLst/>
+                        <a:latin typeface="Calibri" panose="020F0502020204030204" pitchFamily="34" charset="0"/>
+                        <a:ea typeface="Calibri" panose="020F0502020204030204" pitchFamily="34" charset="0"/>
+                        <a:cs typeface="Times New Roman" panose="02020603050405020304" pitchFamily="18" charset="0"/>
+                      </a:endParaRPr>
+                    </a:p>
+                  </a:txBody>
+                  <a:tcPr marL="68580" marR="68580" marT="0" marB="0" anchor="b"/>
+                </a:tc>
+                <a:tc>
+                  <a:txBody>
+                    <a:bodyPr/>
+                    <a:lstStyle/>
+                    <a:p>
+                      <a:pPr xmlns:a="http://schemas.openxmlformats.org/drawingml/2006/main" algn="r">
+                        <a:lnSpc>
+                          <a:spcPct val="107000"/>
+                        </a:lnSpc>
+                        <a:spcAft>
+                          <a:spcPts val="0"/>
+                        </a:spcAft>
+                      </a:pPr>
+                      <a:r xmlns:a="http://schemas.openxmlformats.org/drawingml/2006/main">
+                        <a:rPr lang="en" sz="1400">
                           <a:effectLst/>
                         </a:rPr>
                         <a:t>331</a:t>
                       </a:r>
-                      <a:endParaRPr lang="en-US" sz="1400">
-                        <a:effectLst/>
-                        <a:latin typeface="Calibri" panose="020F0502020204030204" pitchFamily="34" charset="0"/>
-                        <a:ea typeface="Calibri" panose="020F0502020204030204" pitchFamily="34" charset="0"/>
-                        <a:cs typeface="Times New Roman" panose="02020603050405020304" pitchFamily="18" charset="0"/>
-                      </a:endParaRPr>
-                    </a:p>
-                  </a:txBody>
-                  <a:tcPr marL="68580" marR="68580" marT="0" marB="0" anchor="b"/>
-                </a:tc>
-                <a:tc>
-                  <a:txBody>
-                    <a:bodyPr/>
-                    <a:lstStyle/>
-                    <a:p>
-                      <a:pPr algn="r">
-                        <a:lnSpc>
-                          <a:spcPct val="107000"/>
-                        </a:lnSpc>
-                        <a:spcAft>
-                          <a:spcPts val="0"/>
-                        </a:spcAft>
-                      </a:pPr>
-                      <a:r>
-                        <a:rPr lang="en-US" sz="1400">
+                      <a:endParaRPr xmlns:a="http://schemas.openxmlformats.org/drawingml/2006/main" lang="en-US" sz="1400">
+                        <a:effectLst/>
+                        <a:latin typeface="Calibri" panose="020F0502020204030204" pitchFamily="34" charset="0"/>
+                        <a:ea typeface="Calibri" panose="020F0502020204030204" pitchFamily="34" charset="0"/>
+                        <a:cs typeface="Times New Roman" panose="02020603050405020304" pitchFamily="18" charset="0"/>
+                      </a:endParaRPr>
+                    </a:p>
+                  </a:txBody>
+                  <a:tcPr marL="68580" marR="68580" marT="0" marB="0" anchor="b"/>
+                </a:tc>
+                <a:tc>
+                  <a:txBody>
+                    <a:bodyPr/>
+                    <a:lstStyle/>
+                    <a:p>
+                      <a:pPr xmlns:a="http://schemas.openxmlformats.org/drawingml/2006/main" algn="r">
+                        <a:lnSpc>
+                          <a:spcPct val="107000"/>
+                        </a:lnSpc>
+                        <a:spcAft>
+                          <a:spcPts val="0"/>
+                        </a:spcAft>
+                      </a:pPr>
+                      <a:r xmlns:a="http://schemas.openxmlformats.org/drawingml/2006/main">
+                        <a:rPr lang="en" sz="1400">
                           <a:effectLst/>
                         </a:rPr>
                         <a:t>24</a:t>
                       </a:r>
-                      <a:endParaRPr lang="en-US" sz="1400">
+                      <a:endParaRPr xmlns:a="http://schemas.openxmlformats.org/drawingml/2006/main" lang="en-US" sz="1400">
                         <a:effectLst/>
                         <a:latin typeface="Calibri" panose="020F0502020204030204" pitchFamily="34" charset="0"/>
                         <a:ea typeface="Calibri" panose="020F0502020204030204" pitchFamily="34" charset="0"/>
@@ -4134,108 +4093,108 @@
                     <a:bodyPr/>
                     <a:lstStyle/>
                     <a:p>
-                      <a:pPr algn="r">
-                        <a:lnSpc>
-                          <a:spcPct val="107000"/>
-                        </a:lnSpc>
-                        <a:spcAft>
-                          <a:spcPts val="0"/>
-                        </a:spcAft>
-                      </a:pPr>
-                      <a:r>
-                        <a:rPr lang="en-US" sz="1400">
+                      <a:pPr xmlns:a="http://schemas.openxmlformats.org/drawingml/2006/main" algn="r">
+                        <a:lnSpc>
+                          <a:spcPct val="107000"/>
+                        </a:lnSpc>
+                        <a:spcAft>
+                          <a:spcPts val="0"/>
+                        </a:spcAft>
+                      </a:pPr>
+                      <a:r xmlns:a="http://schemas.openxmlformats.org/drawingml/2006/main">
+                        <a:rPr lang="en" sz="1400">
                           <a:effectLst/>
                         </a:rPr>
                         <a:t>4</a:t>
                       </a:r>
-                      <a:endParaRPr lang="en-US" sz="1400">
-                        <a:effectLst/>
-                        <a:latin typeface="Calibri" panose="020F0502020204030204" pitchFamily="34" charset="0"/>
-                        <a:ea typeface="Calibri" panose="020F0502020204030204" pitchFamily="34" charset="0"/>
-                        <a:cs typeface="Times New Roman" panose="02020603050405020304" pitchFamily="18" charset="0"/>
-                      </a:endParaRPr>
-                    </a:p>
-                  </a:txBody>
-                  <a:tcPr marL="68580" marR="68580" marT="0" marB="0" anchor="b"/>
-                </a:tc>
-                <a:tc>
-                  <a:txBody>
-                    <a:bodyPr/>
-                    <a:lstStyle/>
-                    <a:p>
-                      <a:pPr>
-                        <a:lnSpc>
-                          <a:spcPct val="107000"/>
-                        </a:lnSpc>
-                        <a:spcAft>
-                          <a:spcPts val="0"/>
-                        </a:spcAft>
-                      </a:pPr>
-                      <a:r>
-                        <a:rPr lang="en-US" sz="1400">
+                      <a:endParaRPr xmlns:a="http://schemas.openxmlformats.org/drawingml/2006/main" lang="en-US" sz="1400">
+                        <a:effectLst/>
+                        <a:latin typeface="Calibri" panose="020F0502020204030204" pitchFamily="34" charset="0"/>
+                        <a:ea typeface="Calibri" panose="020F0502020204030204" pitchFamily="34" charset="0"/>
+                        <a:cs typeface="Times New Roman" panose="02020603050405020304" pitchFamily="18" charset="0"/>
+                      </a:endParaRPr>
+                    </a:p>
+                  </a:txBody>
+                  <a:tcPr marL="68580" marR="68580" marT="0" marB="0" anchor="b"/>
+                </a:tc>
+                <a:tc>
+                  <a:txBody>
+                    <a:bodyPr/>
+                    <a:lstStyle/>
+                    <a:p>
+                      <a:pPr xmlns:a="http://schemas.openxmlformats.org/drawingml/2006/main">
+                        <a:lnSpc>
+                          <a:spcPct val="107000"/>
+                        </a:lnSpc>
+                        <a:spcAft>
+                          <a:spcPts val="0"/>
+                        </a:spcAft>
+                      </a:pPr>
+                      <a:r xmlns:a="http://schemas.openxmlformats.org/drawingml/2006/main">
+                        <a:rPr lang="en" sz="1400">
                           <a:effectLst/>
                         </a:rPr>
                         <a:t>ProductD</a:t>
                       </a:r>
-                      <a:endParaRPr lang="en-US" sz="1400">
-                        <a:effectLst/>
-                        <a:latin typeface="Calibri" panose="020F0502020204030204" pitchFamily="34" charset="0"/>
-                        <a:ea typeface="Calibri" panose="020F0502020204030204" pitchFamily="34" charset="0"/>
-                        <a:cs typeface="Times New Roman" panose="02020603050405020304" pitchFamily="18" charset="0"/>
-                      </a:endParaRPr>
-                    </a:p>
-                  </a:txBody>
-                  <a:tcPr marL="68580" marR="68580" marT="0" marB="0" anchor="b"/>
-                </a:tc>
-                <a:tc>
-                  <a:txBody>
-                    <a:bodyPr/>
-                    <a:lstStyle/>
-                    <a:p>
-                      <a:pPr algn="r">
-                        <a:lnSpc>
-                          <a:spcPct val="107000"/>
-                        </a:lnSpc>
-                        <a:spcAft>
-                          <a:spcPts val="0"/>
-                        </a:spcAft>
-                      </a:pPr>
-                      <a:r>
-                        <a:rPr lang="en-US" sz="1400">
+                      <a:endParaRPr xmlns:a="http://schemas.openxmlformats.org/drawingml/2006/main" lang="en-US" sz="1400">
+                        <a:effectLst/>
+                        <a:latin typeface="Calibri" panose="020F0502020204030204" pitchFamily="34" charset="0"/>
+                        <a:ea typeface="Calibri" panose="020F0502020204030204" pitchFamily="34" charset="0"/>
+                        <a:cs typeface="Times New Roman" panose="02020603050405020304" pitchFamily="18" charset="0"/>
+                      </a:endParaRPr>
+                    </a:p>
+                  </a:txBody>
+                  <a:tcPr marL="68580" marR="68580" marT="0" marB="0" anchor="b"/>
+                </a:tc>
+                <a:tc>
+                  <a:txBody>
+                    <a:bodyPr/>
+                    <a:lstStyle/>
+                    <a:p>
+                      <a:pPr xmlns:a="http://schemas.openxmlformats.org/drawingml/2006/main" algn="r">
+                        <a:lnSpc>
+                          <a:spcPct val="107000"/>
+                        </a:lnSpc>
+                        <a:spcAft>
+                          <a:spcPts val="0"/>
+                        </a:spcAft>
+                      </a:pPr>
+                      <a:r xmlns:a="http://schemas.openxmlformats.org/drawingml/2006/main">
+                        <a:rPr lang="en" sz="1400">
                           <a:effectLst/>
                         </a:rPr>
                         <a:t>268</a:t>
                       </a:r>
-                      <a:endParaRPr lang="en-US" sz="1400">
-                        <a:effectLst/>
-                        <a:latin typeface="Calibri" panose="020F0502020204030204" pitchFamily="34" charset="0"/>
-                        <a:ea typeface="Calibri" panose="020F0502020204030204" pitchFamily="34" charset="0"/>
-                        <a:cs typeface="Times New Roman" panose="02020603050405020304" pitchFamily="18" charset="0"/>
-                      </a:endParaRPr>
-                    </a:p>
-                  </a:txBody>
-                  <a:tcPr marL="68580" marR="68580" marT="0" marB="0" anchor="b"/>
-                </a:tc>
-                <a:tc>
-                  <a:txBody>
-                    <a:bodyPr/>
-                    <a:lstStyle/>
-                    <a:p>
-                      <a:pPr algn="r">
-                        <a:lnSpc>
-                          <a:spcPct val="107000"/>
-                        </a:lnSpc>
-                        <a:spcAft>
-                          <a:spcPts val="0"/>
-                        </a:spcAft>
-                      </a:pPr>
-                      <a:r>
-                        <a:rPr lang="en-US" sz="1400">
+                      <a:endParaRPr xmlns:a="http://schemas.openxmlformats.org/drawingml/2006/main" lang="en-US" sz="1400">
+                        <a:effectLst/>
+                        <a:latin typeface="Calibri" panose="020F0502020204030204" pitchFamily="34" charset="0"/>
+                        <a:ea typeface="Calibri" panose="020F0502020204030204" pitchFamily="34" charset="0"/>
+                        <a:cs typeface="Times New Roman" panose="02020603050405020304" pitchFamily="18" charset="0"/>
+                      </a:endParaRPr>
+                    </a:p>
+                  </a:txBody>
+                  <a:tcPr marL="68580" marR="68580" marT="0" marB="0" anchor="b"/>
+                </a:tc>
+                <a:tc>
+                  <a:txBody>
+                    <a:bodyPr/>
+                    <a:lstStyle/>
+                    <a:p>
+                      <a:pPr xmlns:a="http://schemas.openxmlformats.org/drawingml/2006/main" algn="r">
+                        <a:lnSpc>
+                          <a:spcPct val="107000"/>
+                        </a:lnSpc>
+                        <a:spcAft>
+                          <a:spcPts val="0"/>
+                        </a:spcAft>
+                      </a:pPr>
+                      <a:r xmlns:a="http://schemas.openxmlformats.org/drawingml/2006/main">
+                        <a:rPr lang="en" sz="1400">
                           <a:effectLst/>
                         </a:rPr>
                         <a:t>25</a:t>
                       </a:r>
-                      <a:endParaRPr lang="en-US" sz="1400">
+                      <a:endParaRPr xmlns:a="http://schemas.openxmlformats.org/drawingml/2006/main" lang="en-US" sz="1400">
                         <a:effectLst/>
                         <a:latin typeface="Calibri" panose="020F0502020204030204" pitchFamily="34" charset="0"/>
                         <a:ea typeface="Calibri" panose="020F0502020204030204" pitchFamily="34" charset="0"/>
@@ -4257,108 +4216,108 @@
                     <a:bodyPr/>
                     <a:lstStyle/>
                     <a:p>
-                      <a:pPr algn="r">
-                        <a:lnSpc>
-                          <a:spcPct val="107000"/>
-                        </a:lnSpc>
-                        <a:spcAft>
-                          <a:spcPts val="0"/>
-                        </a:spcAft>
-                      </a:pPr>
-                      <a:r>
-                        <a:rPr lang="en-US" sz="1400">
+                      <a:pPr xmlns:a="http://schemas.openxmlformats.org/drawingml/2006/main" algn="r">
+                        <a:lnSpc>
+                          <a:spcPct val="107000"/>
+                        </a:lnSpc>
+                        <a:spcAft>
+                          <a:spcPts val="0"/>
+                        </a:spcAft>
+                      </a:pPr>
+                      <a:r xmlns:a="http://schemas.openxmlformats.org/drawingml/2006/main">
+                        <a:rPr lang="en" sz="1400">
                           <a:effectLst/>
                         </a:rPr>
                         <a:t>5</a:t>
                       </a:r>
-                      <a:endParaRPr lang="en-US" sz="1400">
-                        <a:effectLst/>
-                        <a:latin typeface="Calibri" panose="020F0502020204030204" pitchFamily="34" charset="0"/>
-                        <a:ea typeface="Calibri" panose="020F0502020204030204" pitchFamily="34" charset="0"/>
-                        <a:cs typeface="Times New Roman" panose="02020603050405020304" pitchFamily="18" charset="0"/>
-                      </a:endParaRPr>
-                    </a:p>
-                  </a:txBody>
-                  <a:tcPr marL="68580" marR="68580" marT="0" marB="0" anchor="b"/>
-                </a:tc>
-                <a:tc>
-                  <a:txBody>
-                    <a:bodyPr/>
-                    <a:lstStyle/>
-                    <a:p>
-                      <a:pPr>
-                        <a:lnSpc>
-                          <a:spcPct val="107000"/>
-                        </a:lnSpc>
-                        <a:spcAft>
-                          <a:spcPts val="0"/>
-                        </a:spcAft>
-                      </a:pPr>
-                      <a:r>
-                        <a:rPr lang="en-US" sz="1400">
+                      <a:endParaRPr xmlns:a="http://schemas.openxmlformats.org/drawingml/2006/main" lang="en-US" sz="1400">
+                        <a:effectLst/>
+                        <a:latin typeface="Calibri" panose="020F0502020204030204" pitchFamily="34" charset="0"/>
+                        <a:ea typeface="Calibri" panose="020F0502020204030204" pitchFamily="34" charset="0"/>
+                        <a:cs typeface="Times New Roman" panose="02020603050405020304" pitchFamily="18" charset="0"/>
+                      </a:endParaRPr>
+                    </a:p>
+                  </a:txBody>
+                  <a:tcPr marL="68580" marR="68580" marT="0" marB="0" anchor="b"/>
+                </a:tc>
+                <a:tc>
+                  <a:txBody>
+                    <a:bodyPr/>
+                    <a:lstStyle/>
+                    <a:p>
+                      <a:pPr xmlns:a="http://schemas.openxmlformats.org/drawingml/2006/main">
+                        <a:lnSpc>
+                          <a:spcPct val="107000"/>
+                        </a:lnSpc>
+                        <a:spcAft>
+                          <a:spcPts val="0"/>
+                        </a:spcAft>
+                      </a:pPr>
+                      <a:r xmlns:a="http://schemas.openxmlformats.org/drawingml/2006/main">
+                        <a:rPr lang="en" sz="1400">
                           <a:effectLst/>
                         </a:rPr>
                         <a:t>ProductE</a:t>
                       </a:r>
-                      <a:endParaRPr lang="en-US" sz="1400">
-                        <a:effectLst/>
-                        <a:latin typeface="Calibri" panose="020F0502020204030204" pitchFamily="34" charset="0"/>
-                        <a:ea typeface="Calibri" panose="020F0502020204030204" pitchFamily="34" charset="0"/>
-                        <a:cs typeface="Times New Roman" panose="02020603050405020304" pitchFamily="18" charset="0"/>
-                      </a:endParaRPr>
-                    </a:p>
-                  </a:txBody>
-                  <a:tcPr marL="68580" marR="68580" marT="0" marB="0" anchor="b"/>
-                </a:tc>
-                <a:tc>
-                  <a:txBody>
-                    <a:bodyPr/>
-                    <a:lstStyle/>
-                    <a:p>
-                      <a:pPr algn="r">
-                        <a:lnSpc>
-                          <a:spcPct val="107000"/>
-                        </a:lnSpc>
-                        <a:spcAft>
-                          <a:spcPts val="0"/>
-                        </a:spcAft>
-                      </a:pPr>
-                      <a:r>
-                        <a:rPr lang="en-US" sz="1400">
+                      <a:endParaRPr xmlns:a="http://schemas.openxmlformats.org/drawingml/2006/main" lang="en-US" sz="1400">
+                        <a:effectLst/>
+                        <a:latin typeface="Calibri" panose="020F0502020204030204" pitchFamily="34" charset="0"/>
+                        <a:ea typeface="Calibri" panose="020F0502020204030204" pitchFamily="34" charset="0"/>
+                        <a:cs typeface="Times New Roman" panose="02020603050405020304" pitchFamily="18" charset="0"/>
+                      </a:endParaRPr>
+                    </a:p>
+                  </a:txBody>
+                  <a:tcPr marL="68580" marR="68580" marT="0" marB="0" anchor="b"/>
+                </a:tc>
+                <a:tc>
+                  <a:txBody>
+                    <a:bodyPr/>
+                    <a:lstStyle/>
+                    <a:p>
+                      <a:pPr xmlns:a="http://schemas.openxmlformats.org/drawingml/2006/main" algn="r">
+                        <a:lnSpc>
+                          <a:spcPct val="107000"/>
+                        </a:lnSpc>
+                        <a:spcAft>
+                          <a:spcPts val="0"/>
+                        </a:spcAft>
+                      </a:pPr>
+                      <a:r xmlns:a="http://schemas.openxmlformats.org/drawingml/2006/main">
+                        <a:rPr lang="en" sz="1400">
                           <a:effectLst/>
                         </a:rPr>
                         <a:t>391</a:t>
                       </a:r>
-                      <a:endParaRPr lang="en-US" sz="1400">
-                        <a:effectLst/>
-                        <a:latin typeface="Calibri" panose="020F0502020204030204" pitchFamily="34" charset="0"/>
-                        <a:ea typeface="Calibri" panose="020F0502020204030204" pitchFamily="34" charset="0"/>
-                        <a:cs typeface="Times New Roman" panose="02020603050405020304" pitchFamily="18" charset="0"/>
-                      </a:endParaRPr>
-                    </a:p>
-                  </a:txBody>
-                  <a:tcPr marL="68580" marR="68580" marT="0" marB="0" anchor="b"/>
-                </a:tc>
-                <a:tc>
-                  <a:txBody>
-                    <a:bodyPr/>
-                    <a:lstStyle/>
-                    <a:p>
-                      <a:pPr algn="r">
-                        <a:lnSpc>
-                          <a:spcPct val="107000"/>
-                        </a:lnSpc>
-                        <a:spcAft>
-                          <a:spcPts val="0"/>
-                        </a:spcAft>
-                      </a:pPr>
-                      <a:r>
-                        <a:rPr lang="en-US" sz="1400">
+                      <a:endParaRPr xmlns:a="http://schemas.openxmlformats.org/drawingml/2006/main" lang="en-US" sz="1400">
+                        <a:effectLst/>
+                        <a:latin typeface="Calibri" panose="020F0502020204030204" pitchFamily="34" charset="0"/>
+                        <a:ea typeface="Calibri" panose="020F0502020204030204" pitchFamily="34" charset="0"/>
+                        <a:cs typeface="Times New Roman" panose="02020603050405020304" pitchFamily="18" charset="0"/>
+                      </a:endParaRPr>
+                    </a:p>
+                  </a:txBody>
+                  <a:tcPr marL="68580" marR="68580" marT="0" marB="0" anchor="b"/>
+                </a:tc>
+                <a:tc>
+                  <a:txBody>
+                    <a:bodyPr/>
+                    <a:lstStyle/>
+                    <a:p>
+                      <a:pPr xmlns:a="http://schemas.openxmlformats.org/drawingml/2006/main" algn="r">
+                        <a:lnSpc>
+                          <a:spcPct val="107000"/>
+                        </a:lnSpc>
+                        <a:spcAft>
+                          <a:spcPts val="0"/>
+                        </a:spcAft>
+                      </a:pPr>
+                      <a:r xmlns:a="http://schemas.openxmlformats.org/drawingml/2006/main">
+                        <a:rPr lang="en" sz="1400">
                           <a:effectLst/>
                         </a:rPr>
                         <a:t>27</a:t>
                       </a:r>
-                      <a:endParaRPr lang="en-US" sz="1400">
+                      <a:endParaRPr xmlns:a="http://schemas.openxmlformats.org/drawingml/2006/main" lang="en-US" sz="1400">
                         <a:effectLst/>
                         <a:latin typeface="Calibri" panose="020F0502020204030204" pitchFamily="34" charset="0"/>
                         <a:ea typeface="Calibri" panose="020F0502020204030204" pitchFamily="34" charset="0"/>
@@ -4380,108 +4339,108 @@
                     <a:bodyPr/>
                     <a:lstStyle/>
                     <a:p>
-                      <a:pPr algn="r">
-                        <a:lnSpc>
-                          <a:spcPct val="107000"/>
-                        </a:lnSpc>
-                        <a:spcAft>
-                          <a:spcPts val="0"/>
-                        </a:spcAft>
-                      </a:pPr>
-                      <a:r>
-                        <a:rPr lang="en-US" sz="1400">
+                      <a:pPr xmlns:a="http://schemas.openxmlformats.org/drawingml/2006/main" algn="r">
+                        <a:lnSpc>
+                          <a:spcPct val="107000"/>
+                        </a:lnSpc>
+                        <a:spcAft>
+                          <a:spcPts val="0"/>
+                        </a:spcAft>
+                      </a:pPr>
+                      <a:r xmlns:a="http://schemas.openxmlformats.org/drawingml/2006/main">
+                        <a:rPr lang="en" sz="1400">
                           <a:effectLst/>
                         </a:rPr>
                         <a:t>6</a:t>
                       </a:r>
-                      <a:endParaRPr lang="en-US" sz="1400">
-                        <a:effectLst/>
-                        <a:latin typeface="Calibri" panose="020F0502020204030204" pitchFamily="34" charset="0"/>
-                        <a:ea typeface="Calibri" panose="020F0502020204030204" pitchFamily="34" charset="0"/>
-                        <a:cs typeface="Times New Roman" panose="02020603050405020304" pitchFamily="18" charset="0"/>
-                      </a:endParaRPr>
-                    </a:p>
-                  </a:txBody>
-                  <a:tcPr marL="68580" marR="68580" marT="0" marB="0" anchor="b"/>
-                </a:tc>
-                <a:tc>
-                  <a:txBody>
-                    <a:bodyPr/>
-                    <a:lstStyle/>
-                    <a:p>
-                      <a:pPr>
-                        <a:lnSpc>
-                          <a:spcPct val="107000"/>
-                        </a:lnSpc>
-                        <a:spcAft>
-                          <a:spcPts val="0"/>
-                        </a:spcAft>
-                      </a:pPr>
-                      <a:r>
-                        <a:rPr lang="en-US" sz="1400">
+                      <a:endParaRPr xmlns:a="http://schemas.openxmlformats.org/drawingml/2006/main" lang="en-US" sz="1400">
+                        <a:effectLst/>
+                        <a:latin typeface="Calibri" panose="020F0502020204030204" pitchFamily="34" charset="0"/>
+                        <a:ea typeface="Calibri" panose="020F0502020204030204" pitchFamily="34" charset="0"/>
+                        <a:cs typeface="Times New Roman" panose="02020603050405020304" pitchFamily="18" charset="0"/>
+                      </a:endParaRPr>
+                    </a:p>
+                  </a:txBody>
+                  <a:tcPr marL="68580" marR="68580" marT="0" marB="0" anchor="b"/>
+                </a:tc>
+                <a:tc>
+                  <a:txBody>
+                    <a:bodyPr/>
+                    <a:lstStyle/>
+                    <a:p>
+                      <a:pPr xmlns:a="http://schemas.openxmlformats.org/drawingml/2006/main">
+                        <a:lnSpc>
+                          <a:spcPct val="107000"/>
+                        </a:lnSpc>
+                        <a:spcAft>
+                          <a:spcPts val="0"/>
+                        </a:spcAft>
+                      </a:pPr>
+                      <a:r xmlns:a="http://schemas.openxmlformats.org/drawingml/2006/main">
+                        <a:rPr lang="en" sz="1400">
                           <a:effectLst/>
                         </a:rPr>
                         <a:t>ProductF</a:t>
                       </a:r>
-                      <a:endParaRPr lang="en-US" sz="1400">
-                        <a:effectLst/>
-                        <a:latin typeface="Calibri" panose="020F0502020204030204" pitchFamily="34" charset="0"/>
-                        <a:ea typeface="Calibri" panose="020F0502020204030204" pitchFamily="34" charset="0"/>
-                        <a:cs typeface="Times New Roman" panose="02020603050405020304" pitchFamily="18" charset="0"/>
-                      </a:endParaRPr>
-                    </a:p>
-                  </a:txBody>
-                  <a:tcPr marL="68580" marR="68580" marT="0" marB="0" anchor="b"/>
-                </a:tc>
-                <a:tc>
-                  <a:txBody>
-                    <a:bodyPr/>
-                    <a:lstStyle/>
-                    <a:p>
-                      <a:pPr algn="r">
-                        <a:lnSpc>
-                          <a:spcPct val="107000"/>
-                        </a:lnSpc>
-                        <a:spcAft>
-                          <a:spcPts val="0"/>
-                        </a:spcAft>
-                      </a:pPr>
-                      <a:r>
-                        <a:rPr lang="en-US" sz="1400">
+                      <a:endParaRPr xmlns:a="http://schemas.openxmlformats.org/drawingml/2006/main" lang="en-US" sz="1400">
+                        <a:effectLst/>
+                        <a:latin typeface="Calibri" panose="020F0502020204030204" pitchFamily="34" charset="0"/>
+                        <a:ea typeface="Calibri" panose="020F0502020204030204" pitchFamily="34" charset="0"/>
+                        <a:cs typeface="Times New Roman" panose="02020603050405020304" pitchFamily="18" charset="0"/>
+                      </a:endParaRPr>
+                    </a:p>
+                  </a:txBody>
+                  <a:tcPr marL="68580" marR="68580" marT="0" marB="0" anchor="b"/>
+                </a:tc>
+                <a:tc>
+                  <a:txBody>
+                    <a:bodyPr/>
+                    <a:lstStyle/>
+                    <a:p>
+                      <a:pPr xmlns:a="http://schemas.openxmlformats.org/drawingml/2006/main" algn="r">
+                        <a:lnSpc>
+                          <a:spcPct val="107000"/>
+                        </a:lnSpc>
+                        <a:spcAft>
+                          <a:spcPts val="0"/>
+                        </a:spcAft>
+                      </a:pPr>
+                      <a:r xmlns:a="http://schemas.openxmlformats.org/drawingml/2006/main">
+                        <a:rPr lang="en" sz="1400">
                           <a:effectLst/>
                         </a:rPr>
                         <a:t>336</a:t>
                       </a:r>
-                      <a:endParaRPr lang="en-US" sz="1400">
-                        <a:effectLst/>
-                        <a:latin typeface="Calibri" panose="020F0502020204030204" pitchFamily="34" charset="0"/>
-                        <a:ea typeface="Calibri" panose="020F0502020204030204" pitchFamily="34" charset="0"/>
-                        <a:cs typeface="Times New Roman" panose="02020603050405020304" pitchFamily="18" charset="0"/>
-                      </a:endParaRPr>
-                    </a:p>
-                  </a:txBody>
-                  <a:tcPr marL="68580" marR="68580" marT="0" marB="0" anchor="b"/>
-                </a:tc>
-                <a:tc>
-                  <a:txBody>
-                    <a:bodyPr/>
-                    <a:lstStyle/>
-                    <a:p>
-                      <a:pPr algn="r">
-                        <a:lnSpc>
-                          <a:spcPct val="107000"/>
-                        </a:lnSpc>
-                        <a:spcAft>
-                          <a:spcPts val="0"/>
-                        </a:spcAft>
-                      </a:pPr>
-                      <a:r>
-                        <a:rPr lang="en-US" sz="1400">
+                      <a:endParaRPr xmlns:a="http://schemas.openxmlformats.org/drawingml/2006/main" lang="en-US" sz="1400">
+                        <a:effectLst/>
+                        <a:latin typeface="Calibri" panose="020F0502020204030204" pitchFamily="34" charset="0"/>
+                        <a:ea typeface="Calibri" panose="020F0502020204030204" pitchFamily="34" charset="0"/>
+                        <a:cs typeface="Times New Roman" panose="02020603050405020304" pitchFamily="18" charset="0"/>
+                      </a:endParaRPr>
+                    </a:p>
+                  </a:txBody>
+                  <a:tcPr marL="68580" marR="68580" marT="0" marB="0" anchor="b"/>
+                </a:tc>
+                <a:tc>
+                  <a:txBody>
+                    <a:bodyPr/>
+                    <a:lstStyle/>
+                    <a:p>
+                      <a:pPr xmlns:a="http://schemas.openxmlformats.org/drawingml/2006/main" algn="r">
+                        <a:lnSpc>
+                          <a:spcPct val="107000"/>
+                        </a:lnSpc>
+                        <a:spcAft>
+                          <a:spcPts val="0"/>
+                        </a:spcAft>
+                      </a:pPr>
+                      <a:r xmlns:a="http://schemas.openxmlformats.org/drawingml/2006/main">
+                        <a:rPr lang="en" sz="1400">
                           <a:effectLst/>
                         </a:rPr>
                         <a:t>21</a:t>
                       </a:r>
-                      <a:endParaRPr lang="en-US" sz="1400">
+                      <a:endParaRPr xmlns:a="http://schemas.openxmlformats.org/drawingml/2006/main" lang="en-US" sz="1400">
                         <a:effectLst/>
                         <a:latin typeface="Calibri" panose="020F0502020204030204" pitchFamily="34" charset="0"/>
                         <a:ea typeface="Calibri" panose="020F0502020204030204" pitchFamily="34" charset="0"/>
@@ -4503,108 +4462,108 @@
                     <a:bodyPr/>
                     <a:lstStyle/>
                     <a:p>
-                      <a:pPr algn="r">
-                        <a:lnSpc>
-                          <a:spcPct val="107000"/>
-                        </a:lnSpc>
-                        <a:spcAft>
-                          <a:spcPts val="0"/>
-                        </a:spcAft>
-                      </a:pPr>
-                      <a:r>
-                        <a:rPr lang="en-US" sz="1400">
+                      <a:pPr xmlns:a="http://schemas.openxmlformats.org/drawingml/2006/main" algn="r">
+                        <a:lnSpc>
+                          <a:spcPct val="107000"/>
+                        </a:lnSpc>
+                        <a:spcAft>
+                          <a:spcPts val="0"/>
+                        </a:spcAft>
+                      </a:pPr>
+                      <a:r xmlns:a="http://schemas.openxmlformats.org/drawingml/2006/main">
+                        <a:rPr lang="en" sz="1400">
                           <a:effectLst/>
                         </a:rPr>
                         <a:t>7</a:t>
                       </a:r>
-                      <a:endParaRPr lang="en-US" sz="1400">
-                        <a:effectLst/>
-                        <a:latin typeface="Calibri" panose="020F0502020204030204" pitchFamily="34" charset="0"/>
-                        <a:ea typeface="Calibri" panose="020F0502020204030204" pitchFamily="34" charset="0"/>
-                        <a:cs typeface="Times New Roman" panose="02020603050405020304" pitchFamily="18" charset="0"/>
-                      </a:endParaRPr>
-                    </a:p>
-                  </a:txBody>
-                  <a:tcPr marL="68580" marR="68580" marT="0" marB="0" anchor="b"/>
-                </a:tc>
-                <a:tc>
-                  <a:txBody>
-                    <a:bodyPr/>
-                    <a:lstStyle/>
-                    <a:p>
-                      <a:pPr>
-                        <a:lnSpc>
-                          <a:spcPct val="107000"/>
-                        </a:lnSpc>
-                        <a:spcAft>
-                          <a:spcPts val="0"/>
-                        </a:spcAft>
-                      </a:pPr>
-                      <a:r>
-                        <a:rPr lang="en-US" sz="1400">
+                      <a:endParaRPr xmlns:a="http://schemas.openxmlformats.org/drawingml/2006/main" lang="en-US" sz="1400">
+                        <a:effectLst/>
+                        <a:latin typeface="Calibri" panose="020F0502020204030204" pitchFamily="34" charset="0"/>
+                        <a:ea typeface="Calibri" panose="020F0502020204030204" pitchFamily="34" charset="0"/>
+                        <a:cs typeface="Times New Roman" panose="02020603050405020304" pitchFamily="18" charset="0"/>
+                      </a:endParaRPr>
+                    </a:p>
+                  </a:txBody>
+                  <a:tcPr marL="68580" marR="68580" marT="0" marB="0" anchor="b"/>
+                </a:tc>
+                <a:tc>
+                  <a:txBody>
+                    <a:bodyPr/>
+                    <a:lstStyle/>
+                    <a:p>
+                      <a:pPr xmlns:a="http://schemas.openxmlformats.org/drawingml/2006/main">
+                        <a:lnSpc>
+                          <a:spcPct val="107000"/>
+                        </a:lnSpc>
+                        <a:spcAft>
+                          <a:spcPts val="0"/>
+                        </a:spcAft>
+                      </a:pPr>
+                      <a:r xmlns:a="http://schemas.openxmlformats.org/drawingml/2006/main">
+                        <a:rPr lang="en" sz="1400">
                           <a:effectLst/>
                         </a:rPr>
                         <a:t>ProductG</a:t>
                       </a:r>
-                      <a:endParaRPr lang="en-US" sz="1400">
-                        <a:effectLst/>
-                        <a:latin typeface="Calibri" panose="020F0502020204030204" pitchFamily="34" charset="0"/>
-                        <a:ea typeface="Calibri" panose="020F0502020204030204" pitchFamily="34" charset="0"/>
-                        <a:cs typeface="Times New Roman" panose="02020603050405020304" pitchFamily="18" charset="0"/>
-                      </a:endParaRPr>
-                    </a:p>
-                  </a:txBody>
-                  <a:tcPr marL="68580" marR="68580" marT="0" marB="0" anchor="b"/>
-                </a:tc>
-                <a:tc>
-                  <a:txBody>
-                    <a:bodyPr/>
-                    <a:lstStyle/>
-                    <a:p>
-                      <a:pPr algn="r">
-                        <a:lnSpc>
-                          <a:spcPct val="107000"/>
-                        </a:lnSpc>
-                        <a:spcAft>
-                          <a:spcPts val="0"/>
-                        </a:spcAft>
-                      </a:pPr>
-                      <a:r>
-                        <a:rPr lang="en-US" sz="1400">
+                      <a:endParaRPr xmlns:a="http://schemas.openxmlformats.org/drawingml/2006/main" lang="en-US" sz="1400">
+                        <a:effectLst/>
+                        <a:latin typeface="Calibri" panose="020F0502020204030204" pitchFamily="34" charset="0"/>
+                        <a:ea typeface="Calibri" panose="020F0502020204030204" pitchFamily="34" charset="0"/>
+                        <a:cs typeface="Times New Roman" panose="02020603050405020304" pitchFamily="18" charset="0"/>
+                      </a:endParaRPr>
+                    </a:p>
+                  </a:txBody>
+                  <a:tcPr marL="68580" marR="68580" marT="0" marB="0" anchor="b"/>
+                </a:tc>
+                <a:tc>
+                  <a:txBody>
+                    <a:bodyPr/>
+                    <a:lstStyle/>
+                    <a:p>
+                      <a:pPr xmlns:a="http://schemas.openxmlformats.org/drawingml/2006/main" algn="r">
+                        <a:lnSpc>
+                          <a:spcPct val="107000"/>
+                        </a:lnSpc>
+                        <a:spcAft>
+                          <a:spcPts val="0"/>
+                        </a:spcAft>
+                      </a:pPr>
+                      <a:r xmlns:a="http://schemas.openxmlformats.org/drawingml/2006/main">
+                        <a:rPr lang="en" sz="1400">
                           <a:effectLst/>
                         </a:rPr>
                         <a:t>308</a:t>
                       </a:r>
-                      <a:endParaRPr lang="en-US" sz="1400">
-                        <a:effectLst/>
-                        <a:latin typeface="Calibri" panose="020F0502020204030204" pitchFamily="34" charset="0"/>
-                        <a:ea typeface="Calibri" panose="020F0502020204030204" pitchFamily="34" charset="0"/>
-                        <a:cs typeface="Times New Roman" panose="02020603050405020304" pitchFamily="18" charset="0"/>
-                      </a:endParaRPr>
-                    </a:p>
-                  </a:txBody>
-                  <a:tcPr marL="68580" marR="68580" marT="0" marB="0" anchor="b"/>
-                </a:tc>
-                <a:tc>
-                  <a:txBody>
-                    <a:bodyPr/>
-                    <a:lstStyle/>
-                    <a:p>
-                      <a:pPr algn="r">
-                        <a:lnSpc>
-                          <a:spcPct val="107000"/>
-                        </a:lnSpc>
-                        <a:spcAft>
-                          <a:spcPts val="0"/>
-                        </a:spcAft>
-                      </a:pPr>
-                      <a:r>
-                        <a:rPr lang="en-US" sz="1400">
+                      <a:endParaRPr xmlns:a="http://schemas.openxmlformats.org/drawingml/2006/main" lang="en-US" sz="1400">
+                        <a:effectLst/>
+                        <a:latin typeface="Calibri" panose="020F0502020204030204" pitchFamily="34" charset="0"/>
+                        <a:ea typeface="Calibri" panose="020F0502020204030204" pitchFamily="34" charset="0"/>
+                        <a:cs typeface="Times New Roman" panose="02020603050405020304" pitchFamily="18" charset="0"/>
+                      </a:endParaRPr>
+                    </a:p>
+                  </a:txBody>
+                  <a:tcPr marL="68580" marR="68580" marT="0" marB="0" anchor="b"/>
+                </a:tc>
+                <a:tc>
+                  <a:txBody>
+                    <a:bodyPr/>
+                    <a:lstStyle/>
+                    <a:p>
+                      <a:pPr xmlns:a="http://schemas.openxmlformats.org/drawingml/2006/main" algn="r">
+                        <a:lnSpc>
+                          <a:spcPct val="107000"/>
+                        </a:lnSpc>
+                        <a:spcAft>
+                          <a:spcPts val="0"/>
+                        </a:spcAft>
+                      </a:pPr>
+                      <a:r xmlns:a="http://schemas.openxmlformats.org/drawingml/2006/main">
+                        <a:rPr lang="en" sz="1400">
                           <a:effectLst/>
                         </a:rPr>
                         <a:t>21</a:t>
                       </a:r>
-                      <a:endParaRPr lang="en-US" sz="1400">
+                      <a:endParaRPr xmlns:a="http://schemas.openxmlformats.org/drawingml/2006/main" lang="en-US" sz="1400">
                         <a:effectLst/>
                         <a:latin typeface="Calibri" panose="020F0502020204030204" pitchFamily="34" charset="0"/>
                         <a:ea typeface="Calibri" panose="020F0502020204030204" pitchFamily="34" charset="0"/>
@@ -4626,108 +4585,108 @@
                     <a:bodyPr/>
                     <a:lstStyle/>
                     <a:p>
-                      <a:pPr algn="r">
-                        <a:lnSpc>
-                          <a:spcPct val="107000"/>
-                        </a:lnSpc>
-                        <a:spcAft>
-                          <a:spcPts val="0"/>
-                        </a:spcAft>
-                      </a:pPr>
-                      <a:r>
-                        <a:rPr lang="en-US" sz="1400">
+                      <a:pPr xmlns:a="http://schemas.openxmlformats.org/drawingml/2006/main" algn="r">
+                        <a:lnSpc>
+                          <a:spcPct val="107000"/>
+                        </a:lnSpc>
+                        <a:spcAft>
+                          <a:spcPts val="0"/>
+                        </a:spcAft>
+                      </a:pPr>
+                      <a:r xmlns:a="http://schemas.openxmlformats.org/drawingml/2006/main">
+                        <a:rPr lang="en" sz="1400">
                           <a:effectLst/>
                         </a:rPr>
                         <a:t>8</a:t>
                       </a:r>
-                      <a:endParaRPr lang="en-US" sz="1400">
-                        <a:effectLst/>
-                        <a:latin typeface="Calibri" panose="020F0502020204030204" pitchFamily="34" charset="0"/>
-                        <a:ea typeface="Calibri" panose="020F0502020204030204" pitchFamily="34" charset="0"/>
-                        <a:cs typeface="Times New Roman" panose="02020603050405020304" pitchFamily="18" charset="0"/>
-                      </a:endParaRPr>
-                    </a:p>
-                  </a:txBody>
-                  <a:tcPr marL="68580" marR="68580" marT="0" marB="0" anchor="b"/>
-                </a:tc>
-                <a:tc>
-                  <a:txBody>
-                    <a:bodyPr/>
-                    <a:lstStyle/>
-                    <a:p>
-                      <a:pPr>
-                        <a:lnSpc>
-                          <a:spcPct val="107000"/>
-                        </a:lnSpc>
-                        <a:spcAft>
-                          <a:spcPts val="0"/>
-                        </a:spcAft>
-                      </a:pPr>
-                      <a:r>
-                        <a:rPr lang="en-US" sz="1400">
+                      <a:endParaRPr xmlns:a="http://schemas.openxmlformats.org/drawingml/2006/main" lang="en-US" sz="1400">
+                        <a:effectLst/>
+                        <a:latin typeface="Calibri" panose="020F0502020204030204" pitchFamily="34" charset="0"/>
+                        <a:ea typeface="Calibri" panose="020F0502020204030204" pitchFamily="34" charset="0"/>
+                        <a:cs typeface="Times New Roman" panose="02020603050405020304" pitchFamily="18" charset="0"/>
+                      </a:endParaRPr>
+                    </a:p>
+                  </a:txBody>
+                  <a:tcPr marL="68580" marR="68580" marT="0" marB="0" anchor="b"/>
+                </a:tc>
+                <a:tc>
+                  <a:txBody>
+                    <a:bodyPr/>
+                    <a:lstStyle/>
+                    <a:p>
+                      <a:pPr xmlns:a="http://schemas.openxmlformats.org/drawingml/2006/main">
+                        <a:lnSpc>
+                          <a:spcPct val="107000"/>
+                        </a:lnSpc>
+                        <a:spcAft>
+                          <a:spcPts val="0"/>
+                        </a:spcAft>
+                      </a:pPr>
+                      <a:r xmlns:a="http://schemas.openxmlformats.org/drawingml/2006/main">
+                        <a:rPr lang="en" sz="1400">
                           <a:effectLst/>
                         </a:rPr>
                         <a:t>ProductH</a:t>
                       </a:r>
-                      <a:endParaRPr lang="en-US" sz="1400">
-                        <a:effectLst/>
-                        <a:latin typeface="Calibri" panose="020F0502020204030204" pitchFamily="34" charset="0"/>
-                        <a:ea typeface="Calibri" panose="020F0502020204030204" pitchFamily="34" charset="0"/>
-                        <a:cs typeface="Times New Roman" panose="02020603050405020304" pitchFamily="18" charset="0"/>
-                      </a:endParaRPr>
-                    </a:p>
-                  </a:txBody>
-                  <a:tcPr marL="68580" marR="68580" marT="0" marB="0" anchor="b"/>
-                </a:tc>
-                <a:tc>
-                  <a:txBody>
-                    <a:bodyPr/>
-                    <a:lstStyle/>
-                    <a:p>
-                      <a:pPr algn="r">
-                        <a:lnSpc>
-                          <a:spcPct val="107000"/>
-                        </a:lnSpc>
-                        <a:spcAft>
-                          <a:spcPts val="0"/>
-                        </a:spcAft>
-                      </a:pPr>
-                      <a:r>
-                        <a:rPr lang="en-US" sz="1400">
+                      <a:endParaRPr xmlns:a="http://schemas.openxmlformats.org/drawingml/2006/main" lang="en-US" sz="1400">
+                        <a:effectLst/>
+                        <a:latin typeface="Calibri" panose="020F0502020204030204" pitchFamily="34" charset="0"/>
+                        <a:ea typeface="Calibri" panose="020F0502020204030204" pitchFamily="34" charset="0"/>
+                        <a:cs typeface="Times New Roman" panose="02020603050405020304" pitchFamily="18" charset="0"/>
+                      </a:endParaRPr>
+                    </a:p>
+                  </a:txBody>
+                  <a:tcPr marL="68580" marR="68580" marT="0" marB="0" anchor="b"/>
+                </a:tc>
+                <a:tc>
+                  <a:txBody>
+                    <a:bodyPr/>
+                    <a:lstStyle/>
+                    <a:p>
+                      <a:pPr xmlns:a="http://schemas.openxmlformats.org/drawingml/2006/main" algn="r">
+                        <a:lnSpc>
+                          <a:spcPct val="107000"/>
+                        </a:lnSpc>
+                        <a:spcAft>
+                          <a:spcPts val="0"/>
+                        </a:spcAft>
+                      </a:pPr>
+                      <a:r xmlns:a="http://schemas.openxmlformats.org/drawingml/2006/main">
+                        <a:rPr lang="en" sz="1400">
                           <a:effectLst/>
                         </a:rPr>
                         <a:t>241</a:t>
                       </a:r>
-                      <a:endParaRPr lang="en-US" sz="1400">
-                        <a:effectLst/>
-                        <a:latin typeface="Calibri" panose="020F0502020204030204" pitchFamily="34" charset="0"/>
-                        <a:ea typeface="Calibri" panose="020F0502020204030204" pitchFamily="34" charset="0"/>
-                        <a:cs typeface="Times New Roman" panose="02020603050405020304" pitchFamily="18" charset="0"/>
-                      </a:endParaRPr>
-                    </a:p>
-                  </a:txBody>
-                  <a:tcPr marL="68580" marR="68580" marT="0" marB="0" anchor="b"/>
-                </a:tc>
-                <a:tc>
-                  <a:txBody>
-                    <a:bodyPr/>
-                    <a:lstStyle/>
-                    <a:p>
-                      <a:pPr algn="r">
-                        <a:lnSpc>
-                          <a:spcPct val="107000"/>
-                        </a:lnSpc>
-                        <a:spcAft>
-                          <a:spcPts val="0"/>
-                        </a:spcAft>
-                      </a:pPr>
-                      <a:r>
-                        <a:rPr lang="en-US" sz="1400">
+                      <a:endParaRPr xmlns:a="http://schemas.openxmlformats.org/drawingml/2006/main" lang="en-US" sz="1400">
+                        <a:effectLst/>
+                        <a:latin typeface="Calibri" panose="020F0502020204030204" pitchFamily="34" charset="0"/>
+                        <a:ea typeface="Calibri" panose="020F0502020204030204" pitchFamily="34" charset="0"/>
+                        <a:cs typeface="Times New Roman" panose="02020603050405020304" pitchFamily="18" charset="0"/>
+                      </a:endParaRPr>
+                    </a:p>
+                  </a:txBody>
+                  <a:tcPr marL="68580" marR="68580" marT="0" marB="0" anchor="b"/>
+                </a:tc>
+                <a:tc>
+                  <a:txBody>
+                    <a:bodyPr/>
+                    <a:lstStyle/>
+                    <a:p>
+                      <a:pPr xmlns:a="http://schemas.openxmlformats.org/drawingml/2006/main" algn="r">
+                        <a:lnSpc>
+                          <a:spcPct val="107000"/>
+                        </a:lnSpc>
+                        <a:spcAft>
+                          <a:spcPts val="0"/>
+                        </a:spcAft>
+                      </a:pPr>
+                      <a:r xmlns:a="http://schemas.openxmlformats.org/drawingml/2006/main">
+                        <a:rPr lang="en" sz="1400">
                           <a:effectLst/>
                         </a:rPr>
                         <a:t>25</a:t>
                       </a:r>
-                      <a:endParaRPr lang="en-US" sz="1400">
+                      <a:endParaRPr xmlns:a="http://schemas.openxmlformats.org/drawingml/2006/main" lang="en-US" sz="1400">
                         <a:effectLst/>
                         <a:latin typeface="Calibri" panose="020F0502020204030204" pitchFamily="34" charset="0"/>
                         <a:ea typeface="Calibri" panose="020F0502020204030204" pitchFamily="34" charset="0"/>
@@ -4749,108 +4708,108 @@
                     <a:bodyPr/>
                     <a:lstStyle/>
                     <a:p>
-                      <a:pPr algn="r">
-                        <a:lnSpc>
-                          <a:spcPct val="107000"/>
-                        </a:lnSpc>
-                        <a:spcAft>
-                          <a:spcPts val="0"/>
-                        </a:spcAft>
-                      </a:pPr>
-                      <a:r>
-                        <a:rPr lang="en-US" sz="1400">
+                      <a:pPr xmlns:a="http://schemas.openxmlformats.org/drawingml/2006/main" algn="r">
+                        <a:lnSpc>
+                          <a:spcPct val="107000"/>
+                        </a:lnSpc>
+                        <a:spcAft>
+                          <a:spcPts val="0"/>
+                        </a:spcAft>
+                      </a:pPr>
+                      <a:r xmlns:a="http://schemas.openxmlformats.org/drawingml/2006/main">
+                        <a:rPr lang="en" sz="1400">
                           <a:effectLst/>
                         </a:rPr>
                         <a:t>9</a:t>
                       </a:r>
-                      <a:endParaRPr lang="en-US" sz="1400">
-                        <a:effectLst/>
-                        <a:latin typeface="Calibri" panose="020F0502020204030204" pitchFamily="34" charset="0"/>
-                        <a:ea typeface="Calibri" panose="020F0502020204030204" pitchFamily="34" charset="0"/>
-                        <a:cs typeface="Times New Roman" panose="02020603050405020304" pitchFamily="18" charset="0"/>
-                      </a:endParaRPr>
-                    </a:p>
-                  </a:txBody>
-                  <a:tcPr marL="68580" marR="68580" marT="0" marB="0" anchor="b"/>
-                </a:tc>
-                <a:tc>
-                  <a:txBody>
-                    <a:bodyPr/>
-                    <a:lstStyle/>
-                    <a:p>
-                      <a:pPr>
-                        <a:lnSpc>
-                          <a:spcPct val="107000"/>
-                        </a:lnSpc>
-                        <a:spcAft>
-                          <a:spcPts val="0"/>
-                        </a:spcAft>
-                      </a:pPr>
-                      <a:r>
-                        <a:rPr lang="en-US" sz="1400">
+                      <a:endParaRPr xmlns:a="http://schemas.openxmlformats.org/drawingml/2006/main" lang="en-US" sz="1400">
+                        <a:effectLst/>
+                        <a:latin typeface="Calibri" panose="020F0502020204030204" pitchFamily="34" charset="0"/>
+                        <a:ea typeface="Calibri" panose="020F0502020204030204" pitchFamily="34" charset="0"/>
+                        <a:cs typeface="Times New Roman" panose="02020603050405020304" pitchFamily="18" charset="0"/>
+                      </a:endParaRPr>
+                    </a:p>
+                  </a:txBody>
+                  <a:tcPr marL="68580" marR="68580" marT="0" marB="0" anchor="b"/>
+                </a:tc>
+                <a:tc>
+                  <a:txBody>
+                    <a:bodyPr/>
+                    <a:lstStyle/>
+                    <a:p>
+                      <a:pPr xmlns:a="http://schemas.openxmlformats.org/drawingml/2006/main">
+                        <a:lnSpc>
+                          <a:spcPct val="107000"/>
+                        </a:lnSpc>
+                        <a:spcAft>
+                          <a:spcPts val="0"/>
+                        </a:spcAft>
+                      </a:pPr>
+                      <a:r xmlns:a="http://schemas.openxmlformats.org/drawingml/2006/main">
+                        <a:rPr lang="en" sz="1400">
                           <a:effectLst/>
                         </a:rPr>
                         <a:t>ProductI</a:t>
                       </a:r>
-                      <a:endParaRPr lang="en-US" sz="1400">
-                        <a:effectLst/>
-                        <a:latin typeface="Calibri" panose="020F0502020204030204" pitchFamily="34" charset="0"/>
-                        <a:ea typeface="Calibri" panose="020F0502020204030204" pitchFamily="34" charset="0"/>
-                        <a:cs typeface="Times New Roman" panose="02020603050405020304" pitchFamily="18" charset="0"/>
-                      </a:endParaRPr>
-                    </a:p>
-                  </a:txBody>
-                  <a:tcPr marL="68580" marR="68580" marT="0" marB="0" anchor="b"/>
-                </a:tc>
-                <a:tc>
-                  <a:txBody>
-                    <a:bodyPr/>
-                    <a:lstStyle/>
-                    <a:p>
-                      <a:pPr algn="r">
-                        <a:lnSpc>
-                          <a:spcPct val="107000"/>
-                        </a:lnSpc>
-                        <a:spcAft>
-                          <a:spcPts val="0"/>
-                        </a:spcAft>
-                      </a:pPr>
-                      <a:r>
-                        <a:rPr lang="en-US" sz="1400">
+                      <a:endParaRPr xmlns:a="http://schemas.openxmlformats.org/drawingml/2006/main" lang="en-US" sz="1400">
+                        <a:effectLst/>
+                        <a:latin typeface="Calibri" panose="020F0502020204030204" pitchFamily="34" charset="0"/>
+                        <a:ea typeface="Calibri" panose="020F0502020204030204" pitchFamily="34" charset="0"/>
+                        <a:cs typeface="Times New Roman" panose="02020603050405020304" pitchFamily="18" charset="0"/>
+                      </a:endParaRPr>
+                    </a:p>
+                  </a:txBody>
+                  <a:tcPr marL="68580" marR="68580" marT="0" marB="0" anchor="b"/>
+                </a:tc>
+                <a:tc>
+                  <a:txBody>
+                    <a:bodyPr/>
+                    <a:lstStyle/>
+                    <a:p>
+                      <a:pPr xmlns:a="http://schemas.openxmlformats.org/drawingml/2006/main" algn="r">
+                        <a:lnSpc>
+                          <a:spcPct val="107000"/>
+                        </a:lnSpc>
+                        <a:spcAft>
+                          <a:spcPts val="0"/>
+                        </a:spcAft>
+                      </a:pPr>
+                      <a:r xmlns:a="http://schemas.openxmlformats.org/drawingml/2006/main">
+                        <a:rPr lang="en" sz="1400">
                           <a:effectLst/>
                         </a:rPr>
                         <a:t>393</a:t>
                       </a:r>
-                      <a:endParaRPr lang="en-US" sz="1400">
-                        <a:effectLst/>
-                        <a:latin typeface="Calibri" panose="020F0502020204030204" pitchFamily="34" charset="0"/>
-                        <a:ea typeface="Calibri" panose="020F0502020204030204" pitchFamily="34" charset="0"/>
-                        <a:cs typeface="Times New Roman" panose="02020603050405020304" pitchFamily="18" charset="0"/>
-                      </a:endParaRPr>
-                    </a:p>
-                  </a:txBody>
-                  <a:tcPr marL="68580" marR="68580" marT="0" marB="0" anchor="b"/>
-                </a:tc>
-                <a:tc>
-                  <a:txBody>
-                    <a:bodyPr/>
-                    <a:lstStyle/>
-                    <a:p>
-                      <a:pPr algn="r">
-                        <a:lnSpc>
-                          <a:spcPct val="107000"/>
-                        </a:lnSpc>
-                        <a:spcAft>
-                          <a:spcPts val="0"/>
-                        </a:spcAft>
-                      </a:pPr>
-                      <a:r>
-                        <a:rPr lang="en-US" sz="1400">
+                      <a:endParaRPr xmlns:a="http://schemas.openxmlformats.org/drawingml/2006/main" lang="en-US" sz="1400">
+                        <a:effectLst/>
+                        <a:latin typeface="Calibri" panose="020F0502020204030204" pitchFamily="34" charset="0"/>
+                        <a:ea typeface="Calibri" panose="020F0502020204030204" pitchFamily="34" charset="0"/>
+                        <a:cs typeface="Times New Roman" panose="02020603050405020304" pitchFamily="18" charset="0"/>
+                      </a:endParaRPr>
+                    </a:p>
+                  </a:txBody>
+                  <a:tcPr marL="68580" marR="68580" marT="0" marB="0" anchor="b"/>
+                </a:tc>
+                <a:tc>
+                  <a:txBody>
+                    <a:bodyPr/>
+                    <a:lstStyle/>
+                    <a:p>
+                      <a:pPr xmlns:a="http://schemas.openxmlformats.org/drawingml/2006/main" algn="r">
+                        <a:lnSpc>
+                          <a:spcPct val="107000"/>
+                        </a:lnSpc>
+                        <a:spcAft>
+                          <a:spcPts val="0"/>
+                        </a:spcAft>
+                      </a:pPr>
+                      <a:r xmlns:a="http://schemas.openxmlformats.org/drawingml/2006/main">
+                        <a:rPr lang="en" sz="1400">
                           <a:effectLst/>
                         </a:rPr>
                         <a:t>21</a:t>
                       </a:r>
-                      <a:endParaRPr lang="en-US" sz="1400">
+                      <a:endParaRPr xmlns:a="http://schemas.openxmlformats.org/drawingml/2006/main" lang="en-US" sz="1400">
                         <a:effectLst/>
                         <a:latin typeface="Calibri" panose="020F0502020204030204" pitchFamily="34" charset="0"/>
                         <a:ea typeface="Calibri" panose="020F0502020204030204" pitchFamily="34" charset="0"/>
@@ -4872,108 +4831,108 @@
                     <a:bodyPr/>
                     <a:lstStyle/>
                     <a:p>
-                      <a:pPr algn="r">
-                        <a:lnSpc>
-                          <a:spcPct val="107000"/>
-                        </a:lnSpc>
-                        <a:spcAft>
-                          <a:spcPts val="0"/>
-                        </a:spcAft>
-                      </a:pPr>
-                      <a:r>
-                        <a:rPr lang="en-US" sz="1400">
+                      <a:pPr xmlns:a="http://schemas.openxmlformats.org/drawingml/2006/main" algn="r">
+                        <a:lnSpc>
+                          <a:spcPct val="107000"/>
+                        </a:lnSpc>
+                        <a:spcAft>
+                          <a:spcPts val="0"/>
+                        </a:spcAft>
+                      </a:pPr>
+                      <a:r xmlns:a="http://schemas.openxmlformats.org/drawingml/2006/main">
+                        <a:rPr lang="en" sz="1400">
                           <a:effectLst/>
                         </a:rPr>
                         <a:t>10</a:t>
                       </a:r>
-                      <a:endParaRPr lang="en-US" sz="1400">
-                        <a:effectLst/>
-                        <a:latin typeface="Calibri" panose="020F0502020204030204" pitchFamily="34" charset="0"/>
-                        <a:ea typeface="Calibri" panose="020F0502020204030204" pitchFamily="34" charset="0"/>
-                        <a:cs typeface="Times New Roman" panose="02020603050405020304" pitchFamily="18" charset="0"/>
-                      </a:endParaRPr>
-                    </a:p>
-                  </a:txBody>
-                  <a:tcPr marL="68580" marR="68580" marT="0" marB="0" anchor="b"/>
-                </a:tc>
-                <a:tc>
-                  <a:txBody>
-                    <a:bodyPr/>
-                    <a:lstStyle/>
-                    <a:p>
-                      <a:pPr>
-                        <a:lnSpc>
-                          <a:spcPct val="107000"/>
-                        </a:lnSpc>
-                        <a:spcAft>
-                          <a:spcPts val="0"/>
-                        </a:spcAft>
-                      </a:pPr>
-                      <a:r>
-                        <a:rPr lang="en-US" sz="1400">
+                      <a:endParaRPr xmlns:a="http://schemas.openxmlformats.org/drawingml/2006/main" lang="en-US" sz="1400">
+                        <a:effectLst/>
+                        <a:latin typeface="Calibri" panose="020F0502020204030204" pitchFamily="34" charset="0"/>
+                        <a:ea typeface="Calibri" panose="020F0502020204030204" pitchFamily="34" charset="0"/>
+                        <a:cs typeface="Times New Roman" panose="02020603050405020304" pitchFamily="18" charset="0"/>
+                      </a:endParaRPr>
+                    </a:p>
+                  </a:txBody>
+                  <a:tcPr marL="68580" marR="68580" marT="0" marB="0" anchor="b"/>
+                </a:tc>
+                <a:tc>
+                  <a:txBody>
+                    <a:bodyPr/>
+                    <a:lstStyle/>
+                    <a:p>
+                      <a:pPr xmlns:a="http://schemas.openxmlformats.org/drawingml/2006/main">
+                        <a:lnSpc>
+                          <a:spcPct val="107000"/>
+                        </a:lnSpc>
+                        <a:spcAft>
+                          <a:spcPts val="0"/>
+                        </a:spcAft>
+                      </a:pPr>
+                      <a:r xmlns:a="http://schemas.openxmlformats.org/drawingml/2006/main">
+                        <a:rPr lang="en" sz="1400">
                           <a:effectLst/>
                         </a:rPr>
                         <a:t>ProductJ</a:t>
                       </a:r>
-                      <a:endParaRPr lang="en-US" sz="1400">
-                        <a:effectLst/>
-                        <a:latin typeface="Calibri" panose="020F0502020204030204" pitchFamily="34" charset="0"/>
-                        <a:ea typeface="Calibri" panose="020F0502020204030204" pitchFamily="34" charset="0"/>
-                        <a:cs typeface="Times New Roman" panose="02020603050405020304" pitchFamily="18" charset="0"/>
-                      </a:endParaRPr>
-                    </a:p>
-                  </a:txBody>
-                  <a:tcPr marL="68580" marR="68580" marT="0" marB="0" anchor="b"/>
-                </a:tc>
-                <a:tc>
-                  <a:txBody>
-                    <a:bodyPr/>
-                    <a:lstStyle/>
-                    <a:p>
-                      <a:pPr algn="r">
-                        <a:lnSpc>
-                          <a:spcPct val="107000"/>
-                        </a:lnSpc>
-                        <a:spcAft>
-                          <a:spcPts val="0"/>
-                        </a:spcAft>
-                      </a:pPr>
-                      <a:r>
-                        <a:rPr lang="en-US" sz="1400">
+                      <a:endParaRPr xmlns:a="http://schemas.openxmlformats.org/drawingml/2006/main" lang="en-US" sz="1400">
+                        <a:effectLst/>
+                        <a:latin typeface="Calibri" panose="020F0502020204030204" pitchFamily="34" charset="0"/>
+                        <a:ea typeface="Calibri" panose="020F0502020204030204" pitchFamily="34" charset="0"/>
+                        <a:cs typeface="Times New Roman" panose="02020603050405020304" pitchFamily="18" charset="0"/>
+                      </a:endParaRPr>
+                    </a:p>
+                  </a:txBody>
+                  <a:tcPr marL="68580" marR="68580" marT="0" marB="0" anchor="b"/>
+                </a:tc>
+                <a:tc>
+                  <a:txBody>
+                    <a:bodyPr/>
+                    <a:lstStyle/>
+                    <a:p>
+                      <a:pPr xmlns:a="http://schemas.openxmlformats.org/drawingml/2006/main" algn="r">
+                        <a:lnSpc>
+                          <a:spcPct val="107000"/>
+                        </a:lnSpc>
+                        <a:spcAft>
+                          <a:spcPts val="0"/>
+                        </a:spcAft>
+                      </a:pPr>
+                      <a:r xmlns:a="http://schemas.openxmlformats.org/drawingml/2006/main">
+                        <a:rPr lang="en" sz="1400">
                           <a:effectLst/>
                         </a:rPr>
                         <a:t>257</a:t>
                       </a:r>
-                      <a:endParaRPr lang="en-US" sz="1400">
-                        <a:effectLst/>
-                        <a:latin typeface="Calibri" panose="020F0502020204030204" pitchFamily="34" charset="0"/>
-                        <a:ea typeface="Calibri" panose="020F0502020204030204" pitchFamily="34" charset="0"/>
-                        <a:cs typeface="Times New Roman" panose="02020603050405020304" pitchFamily="18" charset="0"/>
-                      </a:endParaRPr>
-                    </a:p>
-                  </a:txBody>
-                  <a:tcPr marL="68580" marR="68580" marT="0" marB="0" anchor="b"/>
-                </a:tc>
-                <a:tc>
-                  <a:txBody>
-                    <a:bodyPr/>
-                    <a:lstStyle/>
-                    <a:p>
-                      <a:pPr algn="r">
-                        <a:lnSpc>
-                          <a:spcPct val="107000"/>
-                        </a:lnSpc>
-                        <a:spcAft>
-                          <a:spcPts val="0"/>
-                        </a:spcAft>
-                      </a:pPr>
-                      <a:r>
-                        <a:rPr lang="en-US" sz="1400">
+                      <a:endParaRPr xmlns:a="http://schemas.openxmlformats.org/drawingml/2006/main" lang="en-US" sz="1400">
+                        <a:effectLst/>
+                        <a:latin typeface="Calibri" panose="020F0502020204030204" pitchFamily="34" charset="0"/>
+                        <a:ea typeface="Calibri" panose="020F0502020204030204" pitchFamily="34" charset="0"/>
+                        <a:cs typeface="Times New Roman" panose="02020603050405020304" pitchFamily="18" charset="0"/>
+                      </a:endParaRPr>
+                    </a:p>
+                  </a:txBody>
+                  <a:tcPr marL="68580" marR="68580" marT="0" marB="0" anchor="b"/>
+                </a:tc>
+                <a:tc>
+                  <a:txBody>
+                    <a:bodyPr/>
+                    <a:lstStyle/>
+                    <a:p>
+                      <a:pPr xmlns:a="http://schemas.openxmlformats.org/drawingml/2006/main" algn="r">
+                        <a:lnSpc>
+                          <a:spcPct val="107000"/>
+                        </a:lnSpc>
+                        <a:spcAft>
+                          <a:spcPts val="0"/>
+                        </a:spcAft>
+                      </a:pPr>
+                      <a:r xmlns:a="http://schemas.openxmlformats.org/drawingml/2006/main">
+                        <a:rPr lang="en" sz="1400">
                           <a:effectLst/>
                         </a:rPr>
                         <a:t>25</a:t>
                       </a:r>
-                      <a:endParaRPr lang="en-US" sz="1400">
+                      <a:endParaRPr xmlns:a="http://schemas.openxmlformats.org/drawingml/2006/main" lang="en-US" sz="1400">
                         <a:effectLst/>
                         <a:latin typeface="Calibri" panose="020F0502020204030204" pitchFamily="34" charset="0"/>
                         <a:ea typeface="Calibri" panose="020F0502020204030204" pitchFamily="34" charset="0"/>
@@ -4995,108 +4954,108 @@
                     <a:bodyPr/>
                     <a:lstStyle/>
                     <a:p>
-                      <a:pPr algn="r">
-                        <a:lnSpc>
-                          <a:spcPct val="107000"/>
-                        </a:lnSpc>
-                        <a:spcAft>
-                          <a:spcPts val="0"/>
-                        </a:spcAft>
-                      </a:pPr>
-                      <a:r>
-                        <a:rPr lang="en-US" sz="1400">
+                      <a:pPr xmlns:a="http://schemas.openxmlformats.org/drawingml/2006/main" algn="r">
+                        <a:lnSpc>
+                          <a:spcPct val="107000"/>
+                        </a:lnSpc>
+                        <a:spcAft>
+                          <a:spcPts val="0"/>
+                        </a:spcAft>
+                      </a:pPr>
+                      <a:r xmlns:a="http://schemas.openxmlformats.org/drawingml/2006/main">
+                        <a:rPr lang="en" sz="1400">
                           <a:effectLst/>
                         </a:rPr>
                         <a:t>11</a:t>
                       </a:r>
-                      <a:endParaRPr lang="en-US" sz="1400">
-                        <a:effectLst/>
-                        <a:latin typeface="Calibri" panose="020F0502020204030204" pitchFamily="34" charset="0"/>
-                        <a:ea typeface="Calibri" panose="020F0502020204030204" pitchFamily="34" charset="0"/>
-                        <a:cs typeface="Times New Roman" panose="02020603050405020304" pitchFamily="18" charset="0"/>
-                      </a:endParaRPr>
-                    </a:p>
-                  </a:txBody>
-                  <a:tcPr marL="68580" marR="68580" marT="0" marB="0" anchor="b"/>
-                </a:tc>
-                <a:tc>
-                  <a:txBody>
-                    <a:bodyPr/>
-                    <a:lstStyle/>
-                    <a:p>
-                      <a:pPr>
-                        <a:lnSpc>
-                          <a:spcPct val="107000"/>
-                        </a:lnSpc>
-                        <a:spcAft>
-                          <a:spcPts val="0"/>
-                        </a:spcAft>
-                      </a:pPr>
-                      <a:r>
-                        <a:rPr lang="en-US" sz="1400">
+                      <a:endParaRPr xmlns:a="http://schemas.openxmlformats.org/drawingml/2006/main" lang="en-US" sz="1400">
+                        <a:effectLst/>
+                        <a:latin typeface="Calibri" panose="020F0502020204030204" pitchFamily="34" charset="0"/>
+                        <a:ea typeface="Calibri" panose="020F0502020204030204" pitchFamily="34" charset="0"/>
+                        <a:cs typeface="Times New Roman" panose="02020603050405020304" pitchFamily="18" charset="0"/>
+                      </a:endParaRPr>
+                    </a:p>
+                  </a:txBody>
+                  <a:tcPr marL="68580" marR="68580" marT="0" marB="0" anchor="b"/>
+                </a:tc>
+                <a:tc>
+                  <a:txBody>
+                    <a:bodyPr/>
+                    <a:lstStyle/>
+                    <a:p>
+                      <a:pPr xmlns:a="http://schemas.openxmlformats.org/drawingml/2006/main">
+                        <a:lnSpc>
+                          <a:spcPct val="107000"/>
+                        </a:lnSpc>
+                        <a:spcAft>
+                          <a:spcPts val="0"/>
+                        </a:spcAft>
+                      </a:pPr>
+                      <a:r xmlns:a="http://schemas.openxmlformats.org/drawingml/2006/main">
+                        <a:rPr lang="en" sz="1400">
                           <a:effectLst/>
                         </a:rPr>
                         <a:t>ProductK</a:t>
                       </a:r>
-                      <a:endParaRPr lang="en-US" sz="1400">
-                        <a:effectLst/>
-                        <a:latin typeface="Calibri" panose="020F0502020204030204" pitchFamily="34" charset="0"/>
-                        <a:ea typeface="Calibri" panose="020F0502020204030204" pitchFamily="34" charset="0"/>
-                        <a:cs typeface="Times New Roman" panose="02020603050405020304" pitchFamily="18" charset="0"/>
-                      </a:endParaRPr>
-                    </a:p>
-                  </a:txBody>
-                  <a:tcPr marL="68580" marR="68580" marT="0" marB="0" anchor="b"/>
-                </a:tc>
-                <a:tc>
-                  <a:txBody>
-                    <a:bodyPr/>
-                    <a:lstStyle/>
-                    <a:p>
-                      <a:pPr algn="r">
-                        <a:lnSpc>
-                          <a:spcPct val="107000"/>
-                        </a:lnSpc>
-                        <a:spcAft>
-                          <a:spcPts val="0"/>
-                        </a:spcAft>
-                      </a:pPr>
-                      <a:r>
-                        <a:rPr lang="en-US" sz="1400">
+                      <a:endParaRPr xmlns:a="http://schemas.openxmlformats.org/drawingml/2006/main" lang="en-US" sz="1400">
+                        <a:effectLst/>
+                        <a:latin typeface="Calibri" panose="020F0502020204030204" pitchFamily="34" charset="0"/>
+                        <a:ea typeface="Calibri" panose="020F0502020204030204" pitchFamily="34" charset="0"/>
+                        <a:cs typeface="Times New Roman" panose="02020603050405020304" pitchFamily="18" charset="0"/>
+                      </a:endParaRPr>
+                    </a:p>
+                  </a:txBody>
+                  <a:tcPr marL="68580" marR="68580" marT="0" marB="0" anchor="b"/>
+                </a:tc>
+                <a:tc>
+                  <a:txBody>
+                    <a:bodyPr/>
+                    <a:lstStyle/>
+                    <a:p>
+                      <a:pPr xmlns:a="http://schemas.openxmlformats.org/drawingml/2006/main" algn="r">
+                        <a:lnSpc>
+                          <a:spcPct val="107000"/>
+                        </a:lnSpc>
+                        <a:spcAft>
+                          <a:spcPts val="0"/>
+                        </a:spcAft>
+                      </a:pPr>
+                      <a:r xmlns:a="http://schemas.openxmlformats.org/drawingml/2006/main">
+                        <a:rPr lang="en" sz="1400">
                           <a:effectLst/>
                         </a:rPr>
                         <a:t>400</a:t>
                       </a:r>
-                      <a:endParaRPr lang="en-US" sz="1400">
-                        <a:effectLst/>
-                        <a:latin typeface="Calibri" panose="020F0502020204030204" pitchFamily="34" charset="0"/>
-                        <a:ea typeface="Calibri" panose="020F0502020204030204" pitchFamily="34" charset="0"/>
-                        <a:cs typeface="Times New Roman" panose="02020603050405020304" pitchFamily="18" charset="0"/>
-                      </a:endParaRPr>
-                    </a:p>
-                  </a:txBody>
-                  <a:tcPr marL="68580" marR="68580" marT="0" marB="0" anchor="b"/>
-                </a:tc>
-                <a:tc>
-                  <a:txBody>
-                    <a:bodyPr/>
-                    <a:lstStyle/>
-                    <a:p>
-                      <a:pPr algn="r">
-                        <a:lnSpc>
-                          <a:spcPct val="107000"/>
-                        </a:lnSpc>
-                        <a:spcAft>
-                          <a:spcPts val="0"/>
-                        </a:spcAft>
-                      </a:pPr>
-                      <a:r>
-                        <a:rPr lang="en-US" sz="1400">
+                      <a:endParaRPr xmlns:a="http://schemas.openxmlformats.org/drawingml/2006/main" lang="en-US" sz="1400">
+                        <a:effectLst/>
+                        <a:latin typeface="Calibri" panose="020F0502020204030204" pitchFamily="34" charset="0"/>
+                        <a:ea typeface="Calibri" panose="020F0502020204030204" pitchFamily="34" charset="0"/>
+                        <a:cs typeface="Times New Roman" panose="02020603050405020304" pitchFamily="18" charset="0"/>
+                      </a:endParaRPr>
+                    </a:p>
+                  </a:txBody>
+                  <a:tcPr marL="68580" marR="68580" marT="0" marB="0" anchor="b"/>
+                </a:tc>
+                <a:tc>
+                  <a:txBody>
+                    <a:bodyPr/>
+                    <a:lstStyle/>
+                    <a:p>
+                      <a:pPr xmlns:a="http://schemas.openxmlformats.org/drawingml/2006/main" algn="r">
+                        <a:lnSpc>
+                          <a:spcPct val="107000"/>
+                        </a:lnSpc>
+                        <a:spcAft>
+                          <a:spcPts val="0"/>
+                        </a:spcAft>
+                      </a:pPr>
+                      <a:r xmlns:a="http://schemas.openxmlformats.org/drawingml/2006/main">
+                        <a:rPr lang="en" sz="1400">
                           <a:effectLst/>
                         </a:rPr>
                         <a:t>23</a:t>
                       </a:r>
-                      <a:endParaRPr lang="en-US" sz="1400">
+                      <a:endParaRPr xmlns:a="http://schemas.openxmlformats.org/drawingml/2006/main" lang="en-US" sz="1400">
                         <a:effectLst/>
                         <a:latin typeface="Calibri" panose="020F0502020204030204" pitchFamily="34" charset="0"/>
                         <a:ea typeface="Calibri" panose="020F0502020204030204" pitchFamily="34" charset="0"/>
@@ -5118,108 +5077,108 @@
                     <a:bodyPr/>
                     <a:lstStyle/>
                     <a:p>
-                      <a:pPr algn="r">
-                        <a:lnSpc>
-                          <a:spcPct val="107000"/>
-                        </a:lnSpc>
-                        <a:spcAft>
-                          <a:spcPts val="0"/>
-                        </a:spcAft>
-                      </a:pPr>
-                      <a:r>
-                        <a:rPr lang="en-US" sz="1400">
+                      <a:pPr xmlns:a="http://schemas.openxmlformats.org/drawingml/2006/main" algn="r">
+                        <a:lnSpc>
+                          <a:spcPct val="107000"/>
+                        </a:lnSpc>
+                        <a:spcAft>
+                          <a:spcPts val="0"/>
+                        </a:spcAft>
+                      </a:pPr>
+                      <a:r xmlns:a="http://schemas.openxmlformats.org/drawingml/2006/main">
+                        <a:rPr lang="en" sz="1400">
                           <a:effectLst/>
                         </a:rPr>
                         <a:t>12</a:t>
                       </a:r>
-                      <a:endParaRPr lang="en-US" sz="1400">
-                        <a:effectLst/>
-                        <a:latin typeface="Calibri" panose="020F0502020204030204" pitchFamily="34" charset="0"/>
-                        <a:ea typeface="Calibri" panose="020F0502020204030204" pitchFamily="34" charset="0"/>
-                        <a:cs typeface="Times New Roman" panose="02020603050405020304" pitchFamily="18" charset="0"/>
-                      </a:endParaRPr>
-                    </a:p>
-                  </a:txBody>
-                  <a:tcPr marL="68580" marR="68580" marT="0" marB="0" anchor="b"/>
-                </a:tc>
-                <a:tc>
-                  <a:txBody>
-                    <a:bodyPr/>
-                    <a:lstStyle/>
-                    <a:p>
-                      <a:pPr>
-                        <a:lnSpc>
-                          <a:spcPct val="107000"/>
-                        </a:lnSpc>
-                        <a:spcAft>
-                          <a:spcPts val="0"/>
-                        </a:spcAft>
-                      </a:pPr>
-                      <a:r>
-                        <a:rPr lang="en-US" sz="1400">
+                      <a:endParaRPr xmlns:a="http://schemas.openxmlformats.org/drawingml/2006/main" lang="en-US" sz="1400">
+                        <a:effectLst/>
+                        <a:latin typeface="Calibri" panose="020F0502020204030204" pitchFamily="34" charset="0"/>
+                        <a:ea typeface="Calibri" panose="020F0502020204030204" pitchFamily="34" charset="0"/>
+                        <a:cs typeface="Times New Roman" panose="02020603050405020304" pitchFamily="18" charset="0"/>
+                      </a:endParaRPr>
+                    </a:p>
+                  </a:txBody>
+                  <a:tcPr marL="68580" marR="68580" marT="0" marB="0" anchor="b"/>
+                </a:tc>
+                <a:tc>
+                  <a:txBody>
+                    <a:bodyPr/>
+                    <a:lstStyle/>
+                    <a:p>
+                      <a:pPr xmlns:a="http://schemas.openxmlformats.org/drawingml/2006/main">
+                        <a:lnSpc>
+                          <a:spcPct val="107000"/>
+                        </a:lnSpc>
+                        <a:spcAft>
+                          <a:spcPts val="0"/>
+                        </a:spcAft>
+                      </a:pPr>
+                      <a:r xmlns:a="http://schemas.openxmlformats.org/drawingml/2006/main">
+                        <a:rPr lang="en" sz="1400">
                           <a:effectLst/>
                         </a:rPr>
                         <a:t>ProductL</a:t>
                       </a:r>
-                      <a:endParaRPr lang="en-US" sz="1400">
-                        <a:effectLst/>
-                        <a:latin typeface="Calibri" panose="020F0502020204030204" pitchFamily="34" charset="0"/>
-                        <a:ea typeface="Calibri" panose="020F0502020204030204" pitchFamily="34" charset="0"/>
-                        <a:cs typeface="Times New Roman" panose="02020603050405020304" pitchFamily="18" charset="0"/>
-                      </a:endParaRPr>
-                    </a:p>
-                  </a:txBody>
-                  <a:tcPr marL="68580" marR="68580" marT="0" marB="0" anchor="b"/>
-                </a:tc>
-                <a:tc>
-                  <a:txBody>
-                    <a:bodyPr/>
-                    <a:lstStyle/>
-                    <a:p>
-                      <a:pPr algn="r">
-                        <a:lnSpc>
-                          <a:spcPct val="107000"/>
-                        </a:lnSpc>
-                        <a:spcAft>
-                          <a:spcPts val="0"/>
-                        </a:spcAft>
-                      </a:pPr>
-                      <a:r>
-                        <a:rPr lang="en-US" sz="1400">
+                      <a:endParaRPr xmlns:a="http://schemas.openxmlformats.org/drawingml/2006/main" lang="en-US" sz="1400">
+                        <a:effectLst/>
+                        <a:latin typeface="Calibri" panose="020F0502020204030204" pitchFamily="34" charset="0"/>
+                        <a:ea typeface="Calibri" panose="020F0502020204030204" pitchFamily="34" charset="0"/>
+                        <a:cs typeface="Times New Roman" panose="02020603050405020304" pitchFamily="18" charset="0"/>
+                      </a:endParaRPr>
+                    </a:p>
+                  </a:txBody>
+                  <a:tcPr marL="68580" marR="68580" marT="0" marB="0" anchor="b"/>
+                </a:tc>
+                <a:tc>
+                  <a:txBody>
+                    <a:bodyPr/>
+                    <a:lstStyle/>
+                    <a:p>
+                      <a:pPr xmlns:a="http://schemas.openxmlformats.org/drawingml/2006/main" algn="r">
+                        <a:lnSpc>
+                          <a:spcPct val="107000"/>
+                        </a:lnSpc>
+                        <a:spcAft>
+                          <a:spcPts val="0"/>
+                        </a:spcAft>
+                      </a:pPr>
+                      <a:r xmlns:a="http://schemas.openxmlformats.org/drawingml/2006/main">
+                        <a:rPr lang="en" sz="1400">
                           <a:effectLst/>
                         </a:rPr>
                         <a:t>362</a:t>
                       </a:r>
-                      <a:endParaRPr lang="en-US" sz="1400">
-                        <a:effectLst/>
-                        <a:latin typeface="Calibri" panose="020F0502020204030204" pitchFamily="34" charset="0"/>
-                        <a:ea typeface="Calibri" panose="020F0502020204030204" pitchFamily="34" charset="0"/>
-                        <a:cs typeface="Times New Roman" panose="02020603050405020304" pitchFamily="18" charset="0"/>
-                      </a:endParaRPr>
-                    </a:p>
-                  </a:txBody>
-                  <a:tcPr marL="68580" marR="68580" marT="0" marB="0" anchor="b"/>
-                </a:tc>
-                <a:tc>
-                  <a:txBody>
-                    <a:bodyPr/>
-                    <a:lstStyle/>
-                    <a:p>
-                      <a:pPr algn="r">
-                        <a:lnSpc>
-                          <a:spcPct val="107000"/>
-                        </a:lnSpc>
-                        <a:spcAft>
-                          <a:spcPts val="0"/>
-                        </a:spcAft>
-                      </a:pPr>
-                      <a:r>
-                        <a:rPr lang="en-US" sz="1400">
+                      <a:endParaRPr xmlns:a="http://schemas.openxmlformats.org/drawingml/2006/main" lang="en-US" sz="1400">
+                        <a:effectLst/>
+                        <a:latin typeface="Calibri" panose="020F0502020204030204" pitchFamily="34" charset="0"/>
+                        <a:ea typeface="Calibri" panose="020F0502020204030204" pitchFamily="34" charset="0"/>
+                        <a:cs typeface="Times New Roman" panose="02020603050405020304" pitchFamily="18" charset="0"/>
+                      </a:endParaRPr>
+                    </a:p>
+                  </a:txBody>
+                  <a:tcPr marL="68580" marR="68580" marT="0" marB="0" anchor="b"/>
+                </a:tc>
+                <a:tc>
+                  <a:txBody>
+                    <a:bodyPr/>
+                    <a:lstStyle/>
+                    <a:p>
+                      <a:pPr xmlns:a="http://schemas.openxmlformats.org/drawingml/2006/main" algn="r">
+                        <a:lnSpc>
+                          <a:spcPct val="107000"/>
+                        </a:lnSpc>
+                        <a:spcAft>
+                          <a:spcPts val="0"/>
+                        </a:spcAft>
+                      </a:pPr>
+                      <a:r xmlns:a="http://schemas.openxmlformats.org/drawingml/2006/main">
+                        <a:rPr lang="en" sz="1400">
                           <a:effectLst/>
                         </a:rPr>
                         <a:t>28</a:t>
                       </a:r>
-                      <a:endParaRPr lang="en-US" sz="1400">
+                      <a:endParaRPr xmlns:a="http://schemas.openxmlformats.org/drawingml/2006/main" lang="en-US" sz="1400">
                         <a:effectLst/>
                         <a:latin typeface="Calibri" panose="020F0502020204030204" pitchFamily="34" charset="0"/>
                         <a:ea typeface="Calibri" panose="020F0502020204030204" pitchFamily="34" charset="0"/>
@@ -5241,108 +5200,108 @@
                     <a:bodyPr/>
                     <a:lstStyle/>
                     <a:p>
-                      <a:pPr algn="r">
-                        <a:lnSpc>
-                          <a:spcPct val="107000"/>
-                        </a:lnSpc>
-                        <a:spcAft>
-                          <a:spcPts val="0"/>
-                        </a:spcAft>
-                      </a:pPr>
-                      <a:r>
-                        <a:rPr lang="en-US" sz="1400">
+                      <a:pPr xmlns:a="http://schemas.openxmlformats.org/drawingml/2006/main" algn="r">
+                        <a:lnSpc>
+                          <a:spcPct val="107000"/>
+                        </a:lnSpc>
+                        <a:spcAft>
+                          <a:spcPts val="0"/>
+                        </a:spcAft>
+                      </a:pPr>
+                      <a:r xmlns:a="http://schemas.openxmlformats.org/drawingml/2006/main">
+                        <a:rPr lang="en" sz="1400">
                           <a:effectLst/>
                         </a:rPr>
                         <a:t>13</a:t>
                       </a:r>
-                      <a:endParaRPr lang="en-US" sz="1400">
-                        <a:effectLst/>
-                        <a:latin typeface="Calibri" panose="020F0502020204030204" pitchFamily="34" charset="0"/>
-                        <a:ea typeface="Calibri" panose="020F0502020204030204" pitchFamily="34" charset="0"/>
-                        <a:cs typeface="Times New Roman" panose="02020603050405020304" pitchFamily="18" charset="0"/>
-                      </a:endParaRPr>
-                    </a:p>
-                  </a:txBody>
-                  <a:tcPr marL="68580" marR="68580" marT="0" marB="0" anchor="b"/>
-                </a:tc>
-                <a:tc>
-                  <a:txBody>
-                    <a:bodyPr/>
-                    <a:lstStyle/>
-                    <a:p>
-                      <a:pPr>
-                        <a:lnSpc>
-                          <a:spcPct val="107000"/>
-                        </a:lnSpc>
-                        <a:spcAft>
-                          <a:spcPts val="0"/>
-                        </a:spcAft>
-                      </a:pPr>
-                      <a:r>
-                        <a:rPr lang="en-US" sz="1400">
+                      <a:endParaRPr xmlns:a="http://schemas.openxmlformats.org/drawingml/2006/main" lang="en-US" sz="1400">
+                        <a:effectLst/>
+                        <a:latin typeface="Calibri" panose="020F0502020204030204" pitchFamily="34" charset="0"/>
+                        <a:ea typeface="Calibri" panose="020F0502020204030204" pitchFamily="34" charset="0"/>
+                        <a:cs typeface="Times New Roman" panose="02020603050405020304" pitchFamily="18" charset="0"/>
+                      </a:endParaRPr>
+                    </a:p>
+                  </a:txBody>
+                  <a:tcPr marL="68580" marR="68580" marT="0" marB="0" anchor="b"/>
+                </a:tc>
+                <a:tc>
+                  <a:txBody>
+                    <a:bodyPr/>
+                    <a:lstStyle/>
+                    <a:p>
+                      <a:pPr xmlns:a="http://schemas.openxmlformats.org/drawingml/2006/main">
+                        <a:lnSpc>
+                          <a:spcPct val="107000"/>
+                        </a:lnSpc>
+                        <a:spcAft>
+                          <a:spcPts val="0"/>
+                        </a:spcAft>
+                      </a:pPr>
+                      <a:r xmlns:a="http://schemas.openxmlformats.org/drawingml/2006/main">
+                        <a:rPr lang="en" sz="1400">
                           <a:effectLst/>
                         </a:rPr>
                         <a:t>ProductM</a:t>
                       </a:r>
-                      <a:endParaRPr lang="en-US" sz="1400">
-                        <a:effectLst/>
-                        <a:latin typeface="Calibri" panose="020F0502020204030204" pitchFamily="34" charset="0"/>
-                        <a:ea typeface="Calibri" panose="020F0502020204030204" pitchFamily="34" charset="0"/>
-                        <a:cs typeface="Times New Roman" panose="02020603050405020304" pitchFamily="18" charset="0"/>
-                      </a:endParaRPr>
-                    </a:p>
-                  </a:txBody>
-                  <a:tcPr marL="68580" marR="68580" marT="0" marB="0" anchor="b"/>
-                </a:tc>
-                <a:tc>
-                  <a:txBody>
-                    <a:bodyPr/>
-                    <a:lstStyle/>
-                    <a:p>
-                      <a:pPr algn="r">
-                        <a:lnSpc>
-                          <a:spcPct val="107000"/>
-                        </a:lnSpc>
-                        <a:spcAft>
-                          <a:spcPts val="0"/>
-                        </a:spcAft>
-                      </a:pPr>
-                      <a:r>
-                        <a:rPr lang="en-US" sz="1400">
+                      <a:endParaRPr xmlns:a="http://schemas.openxmlformats.org/drawingml/2006/main" lang="en-US" sz="1400">
+                        <a:effectLst/>
+                        <a:latin typeface="Calibri" panose="020F0502020204030204" pitchFamily="34" charset="0"/>
+                        <a:ea typeface="Calibri" panose="020F0502020204030204" pitchFamily="34" charset="0"/>
+                        <a:cs typeface="Times New Roman" panose="02020603050405020304" pitchFamily="18" charset="0"/>
+                      </a:endParaRPr>
+                    </a:p>
+                  </a:txBody>
+                  <a:tcPr marL="68580" marR="68580" marT="0" marB="0" anchor="b"/>
+                </a:tc>
+                <a:tc>
+                  <a:txBody>
+                    <a:bodyPr/>
+                    <a:lstStyle/>
+                    <a:p>
+                      <a:pPr xmlns:a="http://schemas.openxmlformats.org/drawingml/2006/main" algn="r">
+                        <a:lnSpc>
+                          <a:spcPct val="107000"/>
+                        </a:lnSpc>
+                        <a:spcAft>
+                          <a:spcPts val="0"/>
+                        </a:spcAft>
+                      </a:pPr>
+                      <a:r xmlns:a="http://schemas.openxmlformats.org/drawingml/2006/main">
+                        <a:rPr lang="en" sz="1400">
                           <a:effectLst/>
                         </a:rPr>
                         <a:t>206</a:t>
                       </a:r>
-                      <a:endParaRPr lang="en-US" sz="1400">
-                        <a:effectLst/>
-                        <a:latin typeface="Calibri" panose="020F0502020204030204" pitchFamily="34" charset="0"/>
-                        <a:ea typeface="Calibri" panose="020F0502020204030204" pitchFamily="34" charset="0"/>
-                        <a:cs typeface="Times New Roman" panose="02020603050405020304" pitchFamily="18" charset="0"/>
-                      </a:endParaRPr>
-                    </a:p>
-                  </a:txBody>
-                  <a:tcPr marL="68580" marR="68580" marT="0" marB="0" anchor="b"/>
-                </a:tc>
-                <a:tc>
-                  <a:txBody>
-                    <a:bodyPr/>
-                    <a:lstStyle/>
-                    <a:p>
-                      <a:pPr algn="r">
-                        <a:lnSpc>
-                          <a:spcPct val="107000"/>
-                        </a:lnSpc>
-                        <a:spcAft>
-                          <a:spcPts val="0"/>
-                        </a:spcAft>
-                      </a:pPr>
-                      <a:r>
-                        <a:rPr lang="en-US" sz="1400">
+                      <a:endParaRPr xmlns:a="http://schemas.openxmlformats.org/drawingml/2006/main" lang="en-US" sz="1400">
+                        <a:effectLst/>
+                        <a:latin typeface="Calibri" panose="020F0502020204030204" pitchFamily="34" charset="0"/>
+                        <a:ea typeface="Calibri" panose="020F0502020204030204" pitchFamily="34" charset="0"/>
+                        <a:cs typeface="Times New Roman" panose="02020603050405020304" pitchFamily="18" charset="0"/>
+                      </a:endParaRPr>
+                    </a:p>
+                  </a:txBody>
+                  <a:tcPr marL="68580" marR="68580" marT="0" marB="0" anchor="b"/>
+                </a:tc>
+                <a:tc>
+                  <a:txBody>
+                    <a:bodyPr/>
+                    <a:lstStyle/>
+                    <a:p>
+                      <a:pPr xmlns:a="http://schemas.openxmlformats.org/drawingml/2006/main" algn="r">
+                        <a:lnSpc>
+                          <a:spcPct val="107000"/>
+                        </a:lnSpc>
+                        <a:spcAft>
+                          <a:spcPts val="0"/>
+                        </a:spcAft>
+                      </a:pPr>
+                      <a:r xmlns:a="http://schemas.openxmlformats.org/drawingml/2006/main">
+                        <a:rPr lang="en" sz="1400">
                           <a:effectLst/>
                         </a:rPr>
                         <a:t>26</a:t>
                       </a:r>
-                      <a:endParaRPr lang="en-US" sz="1400">
+                      <a:endParaRPr xmlns:a="http://schemas.openxmlformats.org/drawingml/2006/main" lang="en-US" sz="1400">
                         <a:effectLst/>
                         <a:latin typeface="Calibri" panose="020F0502020204030204" pitchFamily="34" charset="0"/>
                         <a:ea typeface="Calibri" panose="020F0502020204030204" pitchFamily="34" charset="0"/>
@@ -5364,108 +5323,108 @@
                     <a:bodyPr/>
                     <a:lstStyle/>
                     <a:p>
-                      <a:pPr algn="r">
-                        <a:lnSpc>
-                          <a:spcPct val="107000"/>
-                        </a:lnSpc>
-                        <a:spcAft>
-                          <a:spcPts val="0"/>
-                        </a:spcAft>
-                      </a:pPr>
-                      <a:r>
-                        <a:rPr lang="en-US" sz="1400">
+                      <a:pPr xmlns:a="http://schemas.openxmlformats.org/drawingml/2006/main" algn="r">
+                        <a:lnSpc>
+                          <a:spcPct val="107000"/>
+                        </a:lnSpc>
+                        <a:spcAft>
+                          <a:spcPts val="0"/>
+                        </a:spcAft>
+                      </a:pPr>
+                      <a:r xmlns:a="http://schemas.openxmlformats.org/drawingml/2006/main">
+                        <a:rPr lang="en" sz="1400">
                           <a:effectLst/>
                         </a:rPr>
                         <a:t>14</a:t>
                       </a:r>
-                      <a:endParaRPr lang="en-US" sz="1400">
-                        <a:effectLst/>
-                        <a:latin typeface="Calibri" panose="020F0502020204030204" pitchFamily="34" charset="0"/>
-                        <a:ea typeface="Calibri" panose="020F0502020204030204" pitchFamily="34" charset="0"/>
-                        <a:cs typeface="Times New Roman" panose="02020603050405020304" pitchFamily="18" charset="0"/>
-                      </a:endParaRPr>
-                    </a:p>
-                  </a:txBody>
-                  <a:tcPr marL="68580" marR="68580" marT="0" marB="0" anchor="b"/>
-                </a:tc>
-                <a:tc>
-                  <a:txBody>
-                    <a:bodyPr/>
-                    <a:lstStyle/>
-                    <a:p>
-                      <a:pPr>
-                        <a:lnSpc>
-                          <a:spcPct val="107000"/>
-                        </a:lnSpc>
-                        <a:spcAft>
-                          <a:spcPts val="0"/>
-                        </a:spcAft>
-                      </a:pPr>
-                      <a:r>
-                        <a:rPr lang="en-US" sz="1400">
+                      <a:endParaRPr xmlns:a="http://schemas.openxmlformats.org/drawingml/2006/main" lang="en-US" sz="1400">
+                        <a:effectLst/>
+                        <a:latin typeface="Calibri" panose="020F0502020204030204" pitchFamily="34" charset="0"/>
+                        <a:ea typeface="Calibri" panose="020F0502020204030204" pitchFamily="34" charset="0"/>
+                        <a:cs typeface="Times New Roman" panose="02020603050405020304" pitchFamily="18" charset="0"/>
+                      </a:endParaRPr>
+                    </a:p>
+                  </a:txBody>
+                  <a:tcPr marL="68580" marR="68580" marT="0" marB="0" anchor="b"/>
+                </a:tc>
+                <a:tc>
+                  <a:txBody>
+                    <a:bodyPr/>
+                    <a:lstStyle/>
+                    <a:p>
+                      <a:pPr xmlns:a="http://schemas.openxmlformats.org/drawingml/2006/main">
+                        <a:lnSpc>
+                          <a:spcPct val="107000"/>
+                        </a:lnSpc>
+                        <a:spcAft>
+                          <a:spcPts val="0"/>
+                        </a:spcAft>
+                      </a:pPr>
+                      <a:r xmlns:a="http://schemas.openxmlformats.org/drawingml/2006/main">
+                        <a:rPr lang="en" sz="1400">
                           <a:effectLst/>
                         </a:rPr>
                         <a:t>ProductN</a:t>
                       </a:r>
-                      <a:endParaRPr lang="en-US" sz="1400">
-                        <a:effectLst/>
-                        <a:latin typeface="Calibri" panose="020F0502020204030204" pitchFamily="34" charset="0"/>
-                        <a:ea typeface="Calibri" panose="020F0502020204030204" pitchFamily="34" charset="0"/>
-                        <a:cs typeface="Times New Roman" panose="02020603050405020304" pitchFamily="18" charset="0"/>
-                      </a:endParaRPr>
-                    </a:p>
-                  </a:txBody>
-                  <a:tcPr marL="68580" marR="68580" marT="0" marB="0" anchor="b"/>
-                </a:tc>
-                <a:tc>
-                  <a:txBody>
-                    <a:bodyPr/>
-                    <a:lstStyle/>
-                    <a:p>
-                      <a:pPr algn="r">
-                        <a:lnSpc>
-                          <a:spcPct val="107000"/>
-                        </a:lnSpc>
-                        <a:spcAft>
-                          <a:spcPts val="0"/>
-                        </a:spcAft>
-                      </a:pPr>
-                      <a:r>
-                        <a:rPr lang="en-US" sz="1400">
+                      <a:endParaRPr xmlns:a="http://schemas.openxmlformats.org/drawingml/2006/main" lang="en-US" sz="1400">
+                        <a:effectLst/>
+                        <a:latin typeface="Calibri" panose="020F0502020204030204" pitchFamily="34" charset="0"/>
+                        <a:ea typeface="Calibri" panose="020F0502020204030204" pitchFamily="34" charset="0"/>
+                        <a:cs typeface="Times New Roman" panose="02020603050405020304" pitchFamily="18" charset="0"/>
+                      </a:endParaRPr>
+                    </a:p>
+                  </a:txBody>
+                  <a:tcPr marL="68580" marR="68580" marT="0" marB="0" anchor="b"/>
+                </a:tc>
+                <a:tc>
+                  <a:txBody>
+                    <a:bodyPr/>
+                    <a:lstStyle/>
+                    <a:p>
+                      <a:pPr xmlns:a="http://schemas.openxmlformats.org/drawingml/2006/main" algn="r">
+                        <a:lnSpc>
+                          <a:spcPct val="107000"/>
+                        </a:lnSpc>
+                        <a:spcAft>
+                          <a:spcPts val="0"/>
+                        </a:spcAft>
+                      </a:pPr>
+                      <a:r xmlns:a="http://schemas.openxmlformats.org/drawingml/2006/main">
+                        <a:rPr lang="en" sz="1400">
                           <a:effectLst/>
                         </a:rPr>
                         <a:t>367</a:t>
                       </a:r>
-                      <a:endParaRPr lang="en-US" sz="1400">
-                        <a:effectLst/>
-                        <a:latin typeface="Calibri" panose="020F0502020204030204" pitchFamily="34" charset="0"/>
-                        <a:ea typeface="Calibri" panose="020F0502020204030204" pitchFamily="34" charset="0"/>
-                        <a:cs typeface="Times New Roman" panose="02020603050405020304" pitchFamily="18" charset="0"/>
-                      </a:endParaRPr>
-                    </a:p>
-                  </a:txBody>
-                  <a:tcPr marL="68580" marR="68580" marT="0" marB="0" anchor="b"/>
-                </a:tc>
-                <a:tc>
-                  <a:txBody>
-                    <a:bodyPr/>
-                    <a:lstStyle/>
-                    <a:p>
-                      <a:pPr algn="r">
-                        <a:lnSpc>
-                          <a:spcPct val="107000"/>
-                        </a:lnSpc>
-                        <a:spcAft>
-                          <a:spcPts val="0"/>
-                        </a:spcAft>
-                      </a:pPr>
-                      <a:r>
-                        <a:rPr lang="en-US" sz="1400">
+                      <a:endParaRPr xmlns:a="http://schemas.openxmlformats.org/drawingml/2006/main" lang="en-US" sz="1400">
+                        <a:effectLst/>
+                        <a:latin typeface="Calibri" panose="020F0502020204030204" pitchFamily="34" charset="0"/>
+                        <a:ea typeface="Calibri" panose="020F0502020204030204" pitchFamily="34" charset="0"/>
+                        <a:cs typeface="Times New Roman" panose="02020603050405020304" pitchFamily="18" charset="0"/>
+                      </a:endParaRPr>
+                    </a:p>
+                  </a:txBody>
+                  <a:tcPr marL="68580" marR="68580" marT="0" marB="0" anchor="b"/>
+                </a:tc>
+                <a:tc>
+                  <a:txBody>
+                    <a:bodyPr/>
+                    <a:lstStyle/>
+                    <a:p>
+                      <a:pPr xmlns:a="http://schemas.openxmlformats.org/drawingml/2006/main" algn="r">
+                        <a:lnSpc>
+                          <a:spcPct val="107000"/>
+                        </a:lnSpc>
+                        <a:spcAft>
+                          <a:spcPts val="0"/>
+                        </a:spcAft>
+                      </a:pPr>
+                      <a:r xmlns:a="http://schemas.openxmlformats.org/drawingml/2006/main">
+                        <a:rPr lang="en" sz="1400">
                           <a:effectLst/>
                         </a:rPr>
                         <a:t>21</a:t>
                       </a:r>
-                      <a:endParaRPr lang="en-US" sz="1400">
+                      <a:endParaRPr xmlns:a="http://schemas.openxmlformats.org/drawingml/2006/main" lang="en-US" sz="1400">
                         <a:effectLst/>
                         <a:latin typeface="Calibri" panose="020F0502020204030204" pitchFamily="34" charset="0"/>
                         <a:ea typeface="Calibri" panose="020F0502020204030204" pitchFamily="34" charset="0"/>
@@ -5487,108 +5446,108 @@
                     <a:bodyPr/>
                     <a:lstStyle/>
                     <a:p>
-                      <a:pPr algn="r">
-                        <a:lnSpc>
-                          <a:spcPct val="107000"/>
-                        </a:lnSpc>
-                        <a:spcAft>
-                          <a:spcPts val="0"/>
-                        </a:spcAft>
-                      </a:pPr>
-                      <a:r>
-                        <a:rPr lang="en-US" sz="1400">
+                      <a:pPr xmlns:a="http://schemas.openxmlformats.org/drawingml/2006/main" algn="r">
+                        <a:lnSpc>
+                          <a:spcPct val="107000"/>
+                        </a:lnSpc>
+                        <a:spcAft>
+                          <a:spcPts val="0"/>
+                        </a:spcAft>
+                      </a:pPr>
+                      <a:r xmlns:a="http://schemas.openxmlformats.org/drawingml/2006/main">
+                        <a:rPr lang="en" sz="1400">
                           <a:effectLst/>
                         </a:rPr>
                         <a:t>15</a:t>
                       </a:r>
-                      <a:endParaRPr lang="en-US" sz="1400">
-                        <a:effectLst/>
-                        <a:latin typeface="Calibri" panose="020F0502020204030204" pitchFamily="34" charset="0"/>
-                        <a:ea typeface="Calibri" panose="020F0502020204030204" pitchFamily="34" charset="0"/>
-                        <a:cs typeface="Times New Roman" panose="02020603050405020304" pitchFamily="18" charset="0"/>
-                      </a:endParaRPr>
-                    </a:p>
-                  </a:txBody>
-                  <a:tcPr marL="68580" marR="68580" marT="0" marB="0" anchor="b"/>
-                </a:tc>
-                <a:tc>
-                  <a:txBody>
-                    <a:bodyPr/>
-                    <a:lstStyle/>
-                    <a:p>
-                      <a:pPr>
-                        <a:lnSpc>
-                          <a:spcPct val="107000"/>
-                        </a:lnSpc>
-                        <a:spcAft>
-                          <a:spcPts val="0"/>
-                        </a:spcAft>
-                      </a:pPr>
-                      <a:r>
-                        <a:rPr lang="en-US" sz="1400">
+                      <a:endParaRPr xmlns:a="http://schemas.openxmlformats.org/drawingml/2006/main" lang="en-US" sz="1400">
+                        <a:effectLst/>
+                        <a:latin typeface="Calibri" panose="020F0502020204030204" pitchFamily="34" charset="0"/>
+                        <a:ea typeface="Calibri" panose="020F0502020204030204" pitchFamily="34" charset="0"/>
+                        <a:cs typeface="Times New Roman" panose="02020603050405020304" pitchFamily="18" charset="0"/>
+                      </a:endParaRPr>
+                    </a:p>
+                  </a:txBody>
+                  <a:tcPr marL="68580" marR="68580" marT="0" marB="0" anchor="b"/>
+                </a:tc>
+                <a:tc>
+                  <a:txBody>
+                    <a:bodyPr/>
+                    <a:lstStyle/>
+                    <a:p>
+                      <a:pPr xmlns:a="http://schemas.openxmlformats.org/drawingml/2006/main">
+                        <a:lnSpc>
+                          <a:spcPct val="107000"/>
+                        </a:lnSpc>
+                        <a:spcAft>
+                          <a:spcPts val="0"/>
+                        </a:spcAft>
+                      </a:pPr>
+                      <a:r xmlns:a="http://schemas.openxmlformats.org/drawingml/2006/main">
+                        <a:rPr lang="en" sz="1400">
                           <a:effectLst/>
                         </a:rPr>
                         <a:t>ProductO</a:t>
                       </a:r>
-                      <a:endParaRPr lang="en-US" sz="1400">
-                        <a:effectLst/>
-                        <a:latin typeface="Calibri" panose="020F0502020204030204" pitchFamily="34" charset="0"/>
-                        <a:ea typeface="Calibri" panose="020F0502020204030204" pitchFamily="34" charset="0"/>
-                        <a:cs typeface="Times New Roman" panose="02020603050405020304" pitchFamily="18" charset="0"/>
-                      </a:endParaRPr>
-                    </a:p>
-                  </a:txBody>
-                  <a:tcPr marL="68580" marR="68580" marT="0" marB="0" anchor="b"/>
-                </a:tc>
-                <a:tc>
-                  <a:txBody>
-                    <a:bodyPr/>
-                    <a:lstStyle/>
-                    <a:p>
-                      <a:pPr algn="r">
-                        <a:lnSpc>
-                          <a:spcPct val="107000"/>
-                        </a:lnSpc>
-                        <a:spcAft>
-                          <a:spcPts val="0"/>
-                        </a:spcAft>
-                      </a:pPr>
-                      <a:r>
-                        <a:rPr lang="en-US" sz="1400">
+                      <a:endParaRPr xmlns:a="http://schemas.openxmlformats.org/drawingml/2006/main" lang="en-US" sz="1400">
+                        <a:effectLst/>
+                        <a:latin typeface="Calibri" panose="020F0502020204030204" pitchFamily="34" charset="0"/>
+                        <a:ea typeface="Calibri" panose="020F0502020204030204" pitchFamily="34" charset="0"/>
+                        <a:cs typeface="Times New Roman" panose="02020603050405020304" pitchFamily="18" charset="0"/>
+                      </a:endParaRPr>
+                    </a:p>
+                  </a:txBody>
+                  <a:tcPr marL="68580" marR="68580" marT="0" marB="0" anchor="b"/>
+                </a:tc>
+                <a:tc>
+                  <a:txBody>
+                    <a:bodyPr/>
+                    <a:lstStyle/>
+                    <a:p>
+                      <a:pPr xmlns:a="http://schemas.openxmlformats.org/drawingml/2006/main" algn="r">
+                        <a:lnSpc>
+                          <a:spcPct val="107000"/>
+                        </a:lnSpc>
+                        <a:spcAft>
+                          <a:spcPts val="0"/>
+                        </a:spcAft>
+                      </a:pPr>
+                      <a:r xmlns:a="http://schemas.openxmlformats.org/drawingml/2006/main">
+                        <a:rPr lang="en" sz="1400">
                           <a:effectLst/>
                         </a:rPr>
                         <a:t>353</a:t>
                       </a:r>
-                      <a:endParaRPr lang="en-US" sz="1400">
-                        <a:effectLst/>
-                        <a:latin typeface="Calibri" panose="020F0502020204030204" pitchFamily="34" charset="0"/>
-                        <a:ea typeface="Calibri" panose="020F0502020204030204" pitchFamily="34" charset="0"/>
-                        <a:cs typeface="Times New Roman" panose="02020603050405020304" pitchFamily="18" charset="0"/>
-                      </a:endParaRPr>
-                    </a:p>
-                  </a:txBody>
-                  <a:tcPr marL="68580" marR="68580" marT="0" marB="0" anchor="b"/>
-                </a:tc>
-                <a:tc>
-                  <a:txBody>
-                    <a:bodyPr/>
-                    <a:lstStyle/>
-                    <a:p>
-                      <a:pPr algn="r">
-                        <a:lnSpc>
-                          <a:spcPct val="107000"/>
-                        </a:lnSpc>
-                        <a:spcAft>
-                          <a:spcPts val="0"/>
-                        </a:spcAft>
-                      </a:pPr>
-                      <a:r>
-                        <a:rPr lang="en-US" sz="1400">
+                      <a:endParaRPr xmlns:a="http://schemas.openxmlformats.org/drawingml/2006/main" lang="en-US" sz="1400">
+                        <a:effectLst/>
+                        <a:latin typeface="Calibri" panose="020F0502020204030204" pitchFamily="34" charset="0"/>
+                        <a:ea typeface="Calibri" panose="020F0502020204030204" pitchFamily="34" charset="0"/>
+                        <a:cs typeface="Times New Roman" panose="02020603050405020304" pitchFamily="18" charset="0"/>
+                      </a:endParaRPr>
+                    </a:p>
+                  </a:txBody>
+                  <a:tcPr marL="68580" marR="68580" marT="0" marB="0" anchor="b"/>
+                </a:tc>
+                <a:tc>
+                  <a:txBody>
+                    <a:bodyPr/>
+                    <a:lstStyle/>
+                    <a:p>
+                      <a:pPr xmlns:a="http://schemas.openxmlformats.org/drawingml/2006/main" algn="r">
+                        <a:lnSpc>
+                          <a:spcPct val="107000"/>
+                        </a:lnSpc>
+                        <a:spcAft>
+                          <a:spcPts val="0"/>
+                        </a:spcAft>
+                      </a:pPr>
+                      <a:r xmlns:a="http://schemas.openxmlformats.org/drawingml/2006/main">
+                        <a:rPr lang="en" sz="1400">
                           <a:effectLst/>
                         </a:rPr>
                         <a:t>23</a:t>
                       </a:r>
-                      <a:endParaRPr lang="en-US" sz="1400">
+                      <a:endParaRPr xmlns:a="http://schemas.openxmlformats.org/drawingml/2006/main" lang="en-US" sz="1400">
                         <a:effectLst/>
                         <a:latin typeface="Calibri" panose="020F0502020204030204" pitchFamily="34" charset="0"/>
                         <a:ea typeface="Calibri" panose="020F0502020204030204" pitchFamily="34" charset="0"/>
@@ -5610,108 +5569,108 @@
                     <a:bodyPr/>
                     <a:lstStyle/>
                     <a:p>
-                      <a:pPr algn="r">
-                        <a:lnSpc>
-                          <a:spcPct val="107000"/>
-                        </a:lnSpc>
-                        <a:spcAft>
-                          <a:spcPts val="0"/>
-                        </a:spcAft>
-                      </a:pPr>
-                      <a:r>
-                        <a:rPr lang="en-US" sz="1400">
+                      <a:pPr xmlns:a="http://schemas.openxmlformats.org/drawingml/2006/main" algn="r">
+                        <a:lnSpc>
+                          <a:spcPct val="107000"/>
+                        </a:lnSpc>
+                        <a:spcAft>
+                          <a:spcPts val="0"/>
+                        </a:spcAft>
+                      </a:pPr>
+                      <a:r xmlns:a="http://schemas.openxmlformats.org/drawingml/2006/main">
+                        <a:rPr lang="en" sz="1400">
                           <a:effectLst/>
                         </a:rPr>
                         <a:t>16</a:t>
                       </a:r>
-                      <a:endParaRPr lang="en-US" sz="1400">
-                        <a:effectLst/>
-                        <a:latin typeface="Calibri" panose="020F0502020204030204" pitchFamily="34" charset="0"/>
-                        <a:ea typeface="Calibri" panose="020F0502020204030204" pitchFamily="34" charset="0"/>
-                        <a:cs typeface="Times New Roman" panose="02020603050405020304" pitchFamily="18" charset="0"/>
-                      </a:endParaRPr>
-                    </a:p>
-                  </a:txBody>
-                  <a:tcPr marL="68580" marR="68580" marT="0" marB="0" anchor="b"/>
-                </a:tc>
-                <a:tc>
-                  <a:txBody>
-                    <a:bodyPr/>
-                    <a:lstStyle/>
-                    <a:p>
-                      <a:pPr>
-                        <a:lnSpc>
-                          <a:spcPct val="107000"/>
-                        </a:lnSpc>
-                        <a:spcAft>
-                          <a:spcPts val="0"/>
-                        </a:spcAft>
-                      </a:pPr>
-                      <a:r>
-                        <a:rPr lang="en-US" sz="1400">
+                      <a:endParaRPr xmlns:a="http://schemas.openxmlformats.org/drawingml/2006/main" lang="en-US" sz="1400">
+                        <a:effectLst/>
+                        <a:latin typeface="Calibri" panose="020F0502020204030204" pitchFamily="34" charset="0"/>
+                        <a:ea typeface="Calibri" panose="020F0502020204030204" pitchFamily="34" charset="0"/>
+                        <a:cs typeface="Times New Roman" panose="02020603050405020304" pitchFamily="18" charset="0"/>
+                      </a:endParaRPr>
+                    </a:p>
+                  </a:txBody>
+                  <a:tcPr marL="68580" marR="68580" marT="0" marB="0" anchor="b"/>
+                </a:tc>
+                <a:tc>
+                  <a:txBody>
+                    <a:bodyPr/>
+                    <a:lstStyle/>
+                    <a:p>
+                      <a:pPr xmlns:a="http://schemas.openxmlformats.org/drawingml/2006/main">
+                        <a:lnSpc>
+                          <a:spcPct val="107000"/>
+                        </a:lnSpc>
+                        <a:spcAft>
+                          <a:spcPts val="0"/>
+                        </a:spcAft>
+                      </a:pPr>
+                      <a:r xmlns:a="http://schemas.openxmlformats.org/drawingml/2006/main">
+                        <a:rPr lang="en" sz="1400">
                           <a:effectLst/>
                         </a:rPr>
                         <a:t>ProductP</a:t>
                       </a:r>
-                      <a:endParaRPr lang="en-US" sz="1400">
-                        <a:effectLst/>
-                        <a:latin typeface="Calibri" panose="020F0502020204030204" pitchFamily="34" charset="0"/>
-                        <a:ea typeface="Calibri" panose="020F0502020204030204" pitchFamily="34" charset="0"/>
-                        <a:cs typeface="Times New Roman" panose="02020603050405020304" pitchFamily="18" charset="0"/>
-                      </a:endParaRPr>
-                    </a:p>
-                  </a:txBody>
-                  <a:tcPr marL="68580" marR="68580" marT="0" marB="0" anchor="b"/>
-                </a:tc>
-                <a:tc>
-                  <a:txBody>
-                    <a:bodyPr/>
-                    <a:lstStyle/>
-                    <a:p>
-                      <a:pPr algn="r">
-                        <a:lnSpc>
-                          <a:spcPct val="107000"/>
-                        </a:lnSpc>
-                        <a:spcAft>
-                          <a:spcPts val="0"/>
-                        </a:spcAft>
-                      </a:pPr>
-                      <a:r>
-                        <a:rPr lang="en-US" sz="1400">
+                      <a:endParaRPr xmlns:a="http://schemas.openxmlformats.org/drawingml/2006/main" lang="en-US" sz="1400">
+                        <a:effectLst/>
+                        <a:latin typeface="Calibri" panose="020F0502020204030204" pitchFamily="34" charset="0"/>
+                        <a:ea typeface="Calibri" panose="020F0502020204030204" pitchFamily="34" charset="0"/>
+                        <a:cs typeface="Times New Roman" panose="02020603050405020304" pitchFamily="18" charset="0"/>
+                      </a:endParaRPr>
+                    </a:p>
+                  </a:txBody>
+                  <a:tcPr marL="68580" marR="68580" marT="0" marB="0" anchor="b"/>
+                </a:tc>
+                <a:tc>
+                  <a:txBody>
+                    <a:bodyPr/>
+                    <a:lstStyle/>
+                    <a:p>
+                      <a:pPr xmlns:a="http://schemas.openxmlformats.org/drawingml/2006/main" algn="r">
+                        <a:lnSpc>
+                          <a:spcPct val="107000"/>
+                        </a:lnSpc>
+                        <a:spcAft>
+                          <a:spcPts val="0"/>
+                        </a:spcAft>
+                      </a:pPr>
+                      <a:r xmlns:a="http://schemas.openxmlformats.org/drawingml/2006/main">
+                        <a:rPr lang="en" sz="1400">
                           <a:effectLst/>
                         </a:rPr>
                         <a:t>336</a:t>
                       </a:r>
-                      <a:endParaRPr lang="en-US" sz="1400">
-                        <a:effectLst/>
-                        <a:latin typeface="Calibri" panose="020F0502020204030204" pitchFamily="34" charset="0"/>
-                        <a:ea typeface="Calibri" panose="020F0502020204030204" pitchFamily="34" charset="0"/>
-                        <a:cs typeface="Times New Roman" panose="02020603050405020304" pitchFamily="18" charset="0"/>
-                      </a:endParaRPr>
-                    </a:p>
-                  </a:txBody>
-                  <a:tcPr marL="68580" marR="68580" marT="0" marB="0" anchor="b"/>
-                </a:tc>
-                <a:tc>
-                  <a:txBody>
-                    <a:bodyPr/>
-                    <a:lstStyle/>
-                    <a:p>
-                      <a:pPr algn="r">
-                        <a:lnSpc>
-                          <a:spcPct val="107000"/>
-                        </a:lnSpc>
-                        <a:spcAft>
-                          <a:spcPts val="0"/>
-                        </a:spcAft>
-                      </a:pPr>
-                      <a:r>
-                        <a:rPr lang="en-US" sz="1400">
+                      <a:endParaRPr xmlns:a="http://schemas.openxmlformats.org/drawingml/2006/main" lang="en-US" sz="1400">
+                        <a:effectLst/>
+                        <a:latin typeface="Calibri" panose="020F0502020204030204" pitchFamily="34" charset="0"/>
+                        <a:ea typeface="Calibri" panose="020F0502020204030204" pitchFamily="34" charset="0"/>
+                        <a:cs typeface="Times New Roman" panose="02020603050405020304" pitchFamily="18" charset="0"/>
+                      </a:endParaRPr>
+                    </a:p>
+                  </a:txBody>
+                  <a:tcPr marL="68580" marR="68580" marT="0" marB="0" anchor="b"/>
+                </a:tc>
+                <a:tc>
+                  <a:txBody>
+                    <a:bodyPr/>
+                    <a:lstStyle/>
+                    <a:p>
+                      <a:pPr xmlns:a="http://schemas.openxmlformats.org/drawingml/2006/main" algn="r">
+                        <a:lnSpc>
+                          <a:spcPct val="107000"/>
+                        </a:lnSpc>
+                        <a:spcAft>
+                          <a:spcPts val="0"/>
+                        </a:spcAft>
+                      </a:pPr>
+                      <a:r xmlns:a="http://schemas.openxmlformats.org/drawingml/2006/main">
+                        <a:rPr lang="en" sz="1400">
                           <a:effectLst/>
                         </a:rPr>
                         <a:t>29</a:t>
                       </a:r>
-                      <a:endParaRPr lang="en-US" sz="1400">
+                      <a:endParaRPr xmlns:a="http://schemas.openxmlformats.org/drawingml/2006/main" lang="en-US" sz="1400">
                         <a:effectLst/>
                         <a:latin typeface="Calibri" panose="020F0502020204030204" pitchFamily="34" charset="0"/>
                         <a:ea typeface="Calibri" panose="020F0502020204030204" pitchFamily="34" charset="0"/>
@@ -5733,108 +5692,108 @@
                     <a:bodyPr/>
                     <a:lstStyle/>
                     <a:p>
-                      <a:pPr algn="r">
-                        <a:lnSpc>
-                          <a:spcPct val="107000"/>
-                        </a:lnSpc>
-                        <a:spcAft>
-                          <a:spcPts val="0"/>
-                        </a:spcAft>
-                      </a:pPr>
-                      <a:r>
-                        <a:rPr lang="en-US" sz="1400">
+                      <a:pPr xmlns:a="http://schemas.openxmlformats.org/drawingml/2006/main" algn="r">
+                        <a:lnSpc>
+                          <a:spcPct val="107000"/>
+                        </a:lnSpc>
+                        <a:spcAft>
+                          <a:spcPts val="0"/>
+                        </a:spcAft>
+                      </a:pPr>
+                      <a:r xmlns:a="http://schemas.openxmlformats.org/drawingml/2006/main">
+                        <a:rPr lang="en" sz="1400">
                           <a:effectLst/>
                         </a:rPr>
                         <a:t>17</a:t>
                       </a:r>
-                      <a:endParaRPr lang="en-US" sz="1400">
-                        <a:effectLst/>
-                        <a:latin typeface="Calibri" panose="020F0502020204030204" pitchFamily="34" charset="0"/>
-                        <a:ea typeface="Calibri" panose="020F0502020204030204" pitchFamily="34" charset="0"/>
-                        <a:cs typeface="Times New Roman" panose="02020603050405020304" pitchFamily="18" charset="0"/>
-                      </a:endParaRPr>
-                    </a:p>
-                  </a:txBody>
-                  <a:tcPr marL="68580" marR="68580" marT="0" marB="0" anchor="b"/>
-                </a:tc>
-                <a:tc>
-                  <a:txBody>
-                    <a:bodyPr/>
-                    <a:lstStyle/>
-                    <a:p>
-                      <a:pPr>
-                        <a:lnSpc>
-                          <a:spcPct val="107000"/>
-                        </a:lnSpc>
-                        <a:spcAft>
-                          <a:spcPts val="0"/>
-                        </a:spcAft>
-                      </a:pPr>
-                      <a:r>
-                        <a:rPr lang="en-US" sz="1400">
+                      <a:endParaRPr xmlns:a="http://schemas.openxmlformats.org/drawingml/2006/main" lang="en-US" sz="1400">
+                        <a:effectLst/>
+                        <a:latin typeface="Calibri" panose="020F0502020204030204" pitchFamily="34" charset="0"/>
+                        <a:ea typeface="Calibri" panose="020F0502020204030204" pitchFamily="34" charset="0"/>
+                        <a:cs typeface="Times New Roman" panose="02020603050405020304" pitchFamily="18" charset="0"/>
+                      </a:endParaRPr>
+                    </a:p>
+                  </a:txBody>
+                  <a:tcPr marL="68580" marR="68580" marT="0" marB="0" anchor="b"/>
+                </a:tc>
+                <a:tc>
+                  <a:txBody>
+                    <a:bodyPr/>
+                    <a:lstStyle/>
+                    <a:p>
+                      <a:pPr xmlns:a="http://schemas.openxmlformats.org/drawingml/2006/main">
+                        <a:lnSpc>
+                          <a:spcPct val="107000"/>
+                        </a:lnSpc>
+                        <a:spcAft>
+                          <a:spcPts val="0"/>
+                        </a:spcAft>
+                      </a:pPr>
+                      <a:r xmlns:a="http://schemas.openxmlformats.org/drawingml/2006/main">
+                        <a:rPr lang="en" sz="1400">
                           <a:effectLst/>
                         </a:rPr>
                         <a:t>ProductQ</a:t>
                       </a:r>
-                      <a:endParaRPr lang="en-US" sz="1400">
-                        <a:effectLst/>
-                        <a:latin typeface="Calibri" panose="020F0502020204030204" pitchFamily="34" charset="0"/>
-                        <a:ea typeface="Calibri" panose="020F0502020204030204" pitchFamily="34" charset="0"/>
-                        <a:cs typeface="Times New Roman" panose="02020603050405020304" pitchFamily="18" charset="0"/>
-                      </a:endParaRPr>
-                    </a:p>
-                  </a:txBody>
-                  <a:tcPr marL="68580" marR="68580" marT="0" marB="0" anchor="b"/>
-                </a:tc>
-                <a:tc>
-                  <a:txBody>
-                    <a:bodyPr/>
-                    <a:lstStyle/>
-                    <a:p>
-                      <a:pPr algn="r">
-                        <a:lnSpc>
-                          <a:spcPct val="107000"/>
-                        </a:lnSpc>
-                        <a:spcAft>
-                          <a:spcPts val="0"/>
-                        </a:spcAft>
-                      </a:pPr>
-                      <a:r>
-                        <a:rPr lang="en-US" sz="1400">
+                      <a:endParaRPr xmlns:a="http://schemas.openxmlformats.org/drawingml/2006/main" lang="en-US" sz="1400">
+                        <a:effectLst/>
+                        <a:latin typeface="Calibri" panose="020F0502020204030204" pitchFamily="34" charset="0"/>
+                        <a:ea typeface="Calibri" panose="020F0502020204030204" pitchFamily="34" charset="0"/>
+                        <a:cs typeface="Times New Roman" panose="02020603050405020304" pitchFamily="18" charset="0"/>
+                      </a:endParaRPr>
+                    </a:p>
+                  </a:txBody>
+                  <a:tcPr marL="68580" marR="68580" marT="0" marB="0" anchor="b"/>
+                </a:tc>
+                <a:tc>
+                  <a:txBody>
+                    <a:bodyPr/>
+                    <a:lstStyle/>
+                    <a:p>
+                      <a:pPr xmlns:a="http://schemas.openxmlformats.org/drawingml/2006/main" algn="r">
+                        <a:lnSpc>
+                          <a:spcPct val="107000"/>
+                        </a:lnSpc>
+                        <a:spcAft>
+                          <a:spcPts val="0"/>
+                        </a:spcAft>
+                      </a:pPr>
+                      <a:r xmlns:a="http://schemas.openxmlformats.org/drawingml/2006/main">
+                        <a:rPr lang="en" sz="1400">
                           <a:effectLst/>
                         </a:rPr>
                         <a:t>389</a:t>
                       </a:r>
-                      <a:endParaRPr lang="en-US" sz="1400">
-                        <a:effectLst/>
-                        <a:latin typeface="Calibri" panose="020F0502020204030204" pitchFamily="34" charset="0"/>
-                        <a:ea typeface="Calibri" panose="020F0502020204030204" pitchFamily="34" charset="0"/>
-                        <a:cs typeface="Times New Roman" panose="02020603050405020304" pitchFamily="18" charset="0"/>
-                      </a:endParaRPr>
-                    </a:p>
-                  </a:txBody>
-                  <a:tcPr marL="68580" marR="68580" marT="0" marB="0" anchor="b"/>
-                </a:tc>
-                <a:tc>
-                  <a:txBody>
-                    <a:bodyPr/>
-                    <a:lstStyle/>
-                    <a:p>
-                      <a:pPr algn="r">
-                        <a:lnSpc>
-                          <a:spcPct val="107000"/>
-                        </a:lnSpc>
-                        <a:spcAft>
-                          <a:spcPts val="0"/>
-                        </a:spcAft>
-                      </a:pPr>
-                      <a:r>
-                        <a:rPr lang="en-US" sz="1400">
+                      <a:endParaRPr xmlns:a="http://schemas.openxmlformats.org/drawingml/2006/main" lang="en-US" sz="1400">
+                        <a:effectLst/>
+                        <a:latin typeface="Calibri" panose="020F0502020204030204" pitchFamily="34" charset="0"/>
+                        <a:ea typeface="Calibri" panose="020F0502020204030204" pitchFamily="34" charset="0"/>
+                        <a:cs typeface="Times New Roman" panose="02020603050405020304" pitchFamily="18" charset="0"/>
+                      </a:endParaRPr>
+                    </a:p>
+                  </a:txBody>
+                  <a:tcPr marL="68580" marR="68580" marT="0" marB="0" anchor="b"/>
+                </a:tc>
+                <a:tc>
+                  <a:txBody>
+                    <a:bodyPr/>
+                    <a:lstStyle/>
+                    <a:p>
+                      <a:pPr xmlns:a="http://schemas.openxmlformats.org/drawingml/2006/main" algn="r">
+                        <a:lnSpc>
+                          <a:spcPct val="107000"/>
+                        </a:lnSpc>
+                        <a:spcAft>
+                          <a:spcPts val="0"/>
+                        </a:spcAft>
+                      </a:pPr>
+                      <a:r xmlns:a="http://schemas.openxmlformats.org/drawingml/2006/main">
+                        <a:rPr lang="en" sz="1400">
                           <a:effectLst/>
                         </a:rPr>
                         <a:t>30</a:t>
                       </a:r>
-                      <a:endParaRPr lang="en-US" sz="1400">
+                      <a:endParaRPr xmlns:a="http://schemas.openxmlformats.org/drawingml/2006/main" lang="en-US" sz="1400">
                         <a:effectLst/>
                         <a:latin typeface="Calibri" panose="020F0502020204030204" pitchFamily="34" charset="0"/>
                         <a:ea typeface="Calibri" panose="020F0502020204030204" pitchFamily="34" charset="0"/>
@@ -5856,108 +5815,108 @@
                     <a:bodyPr/>
                     <a:lstStyle/>
                     <a:p>
-                      <a:pPr algn="r">
-                        <a:lnSpc>
-                          <a:spcPct val="107000"/>
-                        </a:lnSpc>
-                        <a:spcAft>
-                          <a:spcPts val="0"/>
-                        </a:spcAft>
-                      </a:pPr>
-                      <a:r>
-                        <a:rPr lang="en-US" sz="1400">
+                      <a:pPr xmlns:a="http://schemas.openxmlformats.org/drawingml/2006/main" algn="r">
+                        <a:lnSpc>
+                          <a:spcPct val="107000"/>
+                        </a:lnSpc>
+                        <a:spcAft>
+                          <a:spcPts val="0"/>
+                        </a:spcAft>
+                      </a:pPr>
+                      <a:r xmlns:a="http://schemas.openxmlformats.org/drawingml/2006/main">
+                        <a:rPr lang="en" sz="1400">
                           <a:effectLst/>
                         </a:rPr>
                         <a:t>18</a:t>
                       </a:r>
-                      <a:endParaRPr lang="en-US" sz="1400">
-                        <a:effectLst/>
-                        <a:latin typeface="Calibri" panose="020F0502020204030204" pitchFamily="34" charset="0"/>
-                        <a:ea typeface="Calibri" panose="020F0502020204030204" pitchFamily="34" charset="0"/>
-                        <a:cs typeface="Times New Roman" panose="02020603050405020304" pitchFamily="18" charset="0"/>
-                      </a:endParaRPr>
-                    </a:p>
-                  </a:txBody>
-                  <a:tcPr marL="68580" marR="68580" marT="0" marB="0" anchor="b"/>
-                </a:tc>
-                <a:tc>
-                  <a:txBody>
-                    <a:bodyPr/>
-                    <a:lstStyle/>
-                    <a:p>
-                      <a:pPr>
-                        <a:lnSpc>
-                          <a:spcPct val="107000"/>
-                        </a:lnSpc>
-                        <a:spcAft>
-                          <a:spcPts val="0"/>
-                        </a:spcAft>
-                      </a:pPr>
-                      <a:r>
-                        <a:rPr lang="en-US" sz="1400">
+                      <a:endParaRPr xmlns:a="http://schemas.openxmlformats.org/drawingml/2006/main" lang="en-US" sz="1400">
+                        <a:effectLst/>
+                        <a:latin typeface="Calibri" panose="020F0502020204030204" pitchFamily="34" charset="0"/>
+                        <a:ea typeface="Calibri" panose="020F0502020204030204" pitchFamily="34" charset="0"/>
+                        <a:cs typeface="Times New Roman" panose="02020603050405020304" pitchFamily="18" charset="0"/>
+                      </a:endParaRPr>
+                    </a:p>
+                  </a:txBody>
+                  <a:tcPr marL="68580" marR="68580" marT="0" marB="0" anchor="b"/>
+                </a:tc>
+                <a:tc>
+                  <a:txBody>
+                    <a:bodyPr/>
+                    <a:lstStyle/>
+                    <a:p>
+                      <a:pPr xmlns:a="http://schemas.openxmlformats.org/drawingml/2006/main">
+                        <a:lnSpc>
+                          <a:spcPct val="107000"/>
+                        </a:lnSpc>
+                        <a:spcAft>
+                          <a:spcPts val="0"/>
+                        </a:spcAft>
+                      </a:pPr>
+                      <a:r xmlns:a="http://schemas.openxmlformats.org/drawingml/2006/main">
+                        <a:rPr lang="en" sz="1400">
                           <a:effectLst/>
                         </a:rPr>
                         <a:t>ProductR</a:t>
                       </a:r>
-                      <a:endParaRPr lang="en-US" sz="1400">
-                        <a:effectLst/>
-                        <a:latin typeface="Calibri" panose="020F0502020204030204" pitchFamily="34" charset="0"/>
-                        <a:ea typeface="Calibri" panose="020F0502020204030204" pitchFamily="34" charset="0"/>
-                        <a:cs typeface="Times New Roman" panose="02020603050405020304" pitchFamily="18" charset="0"/>
-                      </a:endParaRPr>
-                    </a:p>
-                  </a:txBody>
-                  <a:tcPr marL="68580" marR="68580" marT="0" marB="0" anchor="b"/>
-                </a:tc>
-                <a:tc>
-                  <a:txBody>
-                    <a:bodyPr/>
-                    <a:lstStyle/>
-                    <a:p>
-                      <a:pPr algn="r">
-                        <a:lnSpc>
-                          <a:spcPct val="107000"/>
-                        </a:lnSpc>
-                        <a:spcAft>
-                          <a:spcPts val="0"/>
-                        </a:spcAft>
-                      </a:pPr>
-                      <a:r>
-                        <a:rPr lang="en-US" sz="1400">
+                      <a:endParaRPr xmlns:a="http://schemas.openxmlformats.org/drawingml/2006/main" lang="en-US" sz="1400">
+                        <a:effectLst/>
+                        <a:latin typeface="Calibri" panose="020F0502020204030204" pitchFamily="34" charset="0"/>
+                        <a:ea typeface="Calibri" panose="020F0502020204030204" pitchFamily="34" charset="0"/>
+                        <a:cs typeface="Times New Roman" panose="02020603050405020304" pitchFamily="18" charset="0"/>
+                      </a:endParaRPr>
+                    </a:p>
+                  </a:txBody>
+                  <a:tcPr marL="68580" marR="68580" marT="0" marB="0" anchor="b"/>
+                </a:tc>
+                <a:tc>
+                  <a:txBody>
+                    <a:bodyPr/>
+                    <a:lstStyle/>
+                    <a:p>
+                      <a:pPr xmlns:a="http://schemas.openxmlformats.org/drawingml/2006/main" algn="r">
+                        <a:lnSpc>
+                          <a:spcPct val="107000"/>
+                        </a:lnSpc>
+                        <a:spcAft>
+                          <a:spcPts val="0"/>
+                        </a:spcAft>
+                      </a:pPr>
+                      <a:r xmlns:a="http://schemas.openxmlformats.org/drawingml/2006/main">
+                        <a:rPr lang="en" sz="1400">
                           <a:effectLst/>
                         </a:rPr>
                         <a:t>323</a:t>
                       </a:r>
-                      <a:endParaRPr lang="en-US" sz="1400">
-                        <a:effectLst/>
-                        <a:latin typeface="Calibri" panose="020F0502020204030204" pitchFamily="34" charset="0"/>
-                        <a:ea typeface="Calibri" panose="020F0502020204030204" pitchFamily="34" charset="0"/>
-                        <a:cs typeface="Times New Roman" panose="02020603050405020304" pitchFamily="18" charset="0"/>
-                      </a:endParaRPr>
-                    </a:p>
-                  </a:txBody>
-                  <a:tcPr marL="68580" marR="68580" marT="0" marB="0" anchor="b"/>
-                </a:tc>
-                <a:tc>
-                  <a:txBody>
-                    <a:bodyPr/>
-                    <a:lstStyle/>
-                    <a:p>
-                      <a:pPr algn="r">
-                        <a:lnSpc>
-                          <a:spcPct val="107000"/>
-                        </a:lnSpc>
-                        <a:spcAft>
-                          <a:spcPts val="0"/>
-                        </a:spcAft>
-                      </a:pPr>
-                      <a:r>
-                        <a:rPr lang="en-US" sz="1400">
+                      <a:endParaRPr xmlns:a="http://schemas.openxmlformats.org/drawingml/2006/main" lang="en-US" sz="1400">
+                        <a:effectLst/>
+                        <a:latin typeface="Calibri" panose="020F0502020204030204" pitchFamily="34" charset="0"/>
+                        <a:ea typeface="Calibri" panose="020F0502020204030204" pitchFamily="34" charset="0"/>
+                        <a:cs typeface="Times New Roman" panose="02020603050405020304" pitchFamily="18" charset="0"/>
+                      </a:endParaRPr>
+                    </a:p>
+                  </a:txBody>
+                  <a:tcPr marL="68580" marR="68580" marT="0" marB="0" anchor="b"/>
+                </a:tc>
+                <a:tc>
+                  <a:txBody>
+                    <a:bodyPr/>
+                    <a:lstStyle/>
+                    <a:p>
+                      <a:pPr xmlns:a="http://schemas.openxmlformats.org/drawingml/2006/main" algn="r">
+                        <a:lnSpc>
+                          <a:spcPct val="107000"/>
+                        </a:lnSpc>
+                        <a:spcAft>
+                          <a:spcPts val="0"/>
+                        </a:spcAft>
+                      </a:pPr>
+                      <a:r xmlns:a="http://schemas.openxmlformats.org/drawingml/2006/main">
+                        <a:rPr lang="en" sz="1400">
                           <a:effectLst/>
                         </a:rPr>
                         <a:t>25</a:t>
                       </a:r>
-                      <a:endParaRPr lang="en-US" sz="1400">
+                      <a:endParaRPr xmlns:a="http://schemas.openxmlformats.org/drawingml/2006/main" lang="en-US" sz="1400">
                         <a:effectLst/>
                         <a:latin typeface="Calibri" panose="020F0502020204030204" pitchFamily="34" charset="0"/>
                         <a:ea typeface="Calibri" panose="020F0502020204030204" pitchFamily="34" charset="0"/>
@@ -5979,108 +5938,108 @@
                     <a:bodyPr/>
                     <a:lstStyle/>
                     <a:p>
-                      <a:pPr algn="r">
-                        <a:lnSpc>
-                          <a:spcPct val="107000"/>
-                        </a:lnSpc>
-                        <a:spcAft>
-                          <a:spcPts val="0"/>
-                        </a:spcAft>
-                      </a:pPr>
-                      <a:r>
-                        <a:rPr lang="en-US" sz="1400">
+                      <a:pPr xmlns:a="http://schemas.openxmlformats.org/drawingml/2006/main" algn="r">
+                        <a:lnSpc>
+                          <a:spcPct val="107000"/>
+                        </a:lnSpc>
+                        <a:spcAft>
+                          <a:spcPts val="0"/>
+                        </a:spcAft>
+                      </a:pPr>
+                      <a:r xmlns:a="http://schemas.openxmlformats.org/drawingml/2006/main">
+                        <a:rPr lang="en" sz="1400">
                           <a:effectLst/>
                         </a:rPr>
                         <a:t>19</a:t>
                       </a:r>
-                      <a:endParaRPr lang="en-US" sz="1400">
-                        <a:effectLst/>
-                        <a:latin typeface="Calibri" panose="020F0502020204030204" pitchFamily="34" charset="0"/>
-                        <a:ea typeface="Calibri" panose="020F0502020204030204" pitchFamily="34" charset="0"/>
-                        <a:cs typeface="Times New Roman" panose="02020603050405020304" pitchFamily="18" charset="0"/>
-                      </a:endParaRPr>
-                    </a:p>
-                  </a:txBody>
-                  <a:tcPr marL="68580" marR="68580" marT="0" marB="0" anchor="b"/>
-                </a:tc>
-                <a:tc>
-                  <a:txBody>
-                    <a:bodyPr/>
-                    <a:lstStyle/>
-                    <a:p>
-                      <a:pPr>
-                        <a:lnSpc>
-                          <a:spcPct val="107000"/>
-                        </a:lnSpc>
-                        <a:spcAft>
-                          <a:spcPts val="0"/>
-                        </a:spcAft>
-                      </a:pPr>
-                      <a:r>
-                        <a:rPr lang="en-US" sz="1400">
+                      <a:endParaRPr xmlns:a="http://schemas.openxmlformats.org/drawingml/2006/main" lang="en-US" sz="1400">
+                        <a:effectLst/>
+                        <a:latin typeface="Calibri" panose="020F0502020204030204" pitchFamily="34" charset="0"/>
+                        <a:ea typeface="Calibri" panose="020F0502020204030204" pitchFamily="34" charset="0"/>
+                        <a:cs typeface="Times New Roman" panose="02020603050405020304" pitchFamily="18" charset="0"/>
+                      </a:endParaRPr>
+                    </a:p>
+                  </a:txBody>
+                  <a:tcPr marL="68580" marR="68580" marT="0" marB="0" anchor="b"/>
+                </a:tc>
+                <a:tc>
+                  <a:txBody>
+                    <a:bodyPr/>
+                    <a:lstStyle/>
+                    <a:p>
+                      <a:pPr xmlns:a="http://schemas.openxmlformats.org/drawingml/2006/main">
+                        <a:lnSpc>
+                          <a:spcPct val="107000"/>
+                        </a:lnSpc>
+                        <a:spcAft>
+                          <a:spcPts val="0"/>
+                        </a:spcAft>
+                      </a:pPr>
+                      <a:r xmlns:a="http://schemas.openxmlformats.org/drawingml/2006/main">
+                        <a:rPr lang="en" sz="1400">
                           <a:effectLst/>
                         </a:rPr>
                         <a:t>Products</a:t>
                       </a:r>
-                      <a:endParaRPr lang="en-US" sz="1400">
-                        <a:effectLst/>
-                        <a:latin typeface="Calibri" panose="020F0502020204030204" pitchFamily="34" charset="0"/>
-                        <a:ea typeface="Calibri" panose="020F0502020204030204" pitchFamily="34" charset="0"/>
-                        <a:cs typeface="Times New Roman" panose="02020603050405020304" pitchFamily="18" charset="0"/>
-                      </a:endParaRPr>
-                    </a:p>
-                  </a:txBody>
-                  <a:tcPr marL="68580" marR="68580" marT="0" marB="0" anchor="b"/>
-                </a:tc>
-                <a:tc>
-                  <a:txBody>
-                    <a:bodyPr/>
-                    <a:lstStyle/>
-                    <a:p>
-                      <a:pPr algn="r">
-                        <a:lnSpc>
-                          <a:spcPct val="107000"/>
-                        </a:lnSpc>
-                        <a:spcAft>
-                          <a:spcPts val="0"/>
-                        </a:spcAft>
-                      </a:pPr>
-                      <a:r>
-                        <a:rPr lang="en-US" sz="1400">
+                      <a:endParaRPr xmlns:a="http://schemas.openxmlformats.org/drawingml/2006/main" lang="en-US" sz="1400">
+                        <a:effectLst/>
+                        <a:latin typeface="Calibri" panose="020F0502020204030204" pitchFamily="34" charset="0"/>
+                        <a:ea typeface="Calibri" panose="020F0502020204030204" pitchFamily="34" charset="0"/>
+                        <a:cs typeface="Times New Roman" panose="02020603050405020304" pitchFamily="18" charset="0"/>
+                      </a:endParaRPr>
+                    </a:p>
+                  </a:txBody>
+                  <a:tcPr marL="68580" marR="68580" marT="0" marB="0" anchor="b"/>
+                </a:tc>
+                <a:tc>
+                  <a:txBody>
+                    <a:bodyPr/>
+                    <a:lstStyle/>
+                    <a:p>
+                      <a:pPr xmlns:a="http://schemas.openxmlformats.org/drawingml/2006/main" algn="r">
+                        <a:lnSpc>
+                          <a:spcPct val="107000"/>
+                        </a:lnSpc>
+                        <a:spcAft>
+                          <a:spcPts val="0"/>
+                        </a:spcAft>
+                      </a:pPr>
+                      <a:r xmlns:a="http://schemas.openxmlformats.org/drawingml/2006/main">
+                        <a:rPr lang="en" sz="1400">
                           <a:effectLst/>
                         </a:rPr>
                         <a:t>354</a:t>
                       </a:r>
-                      <a:endParaRPr lang="en-US" sz="1400">
-                        <a:effectLst/>
-                        <a:latin typeface="Calibri" panose="020F0502020204030204" pitchFamily="34" charset="0"/>
-                        <a:ea typeface="Calibri" panose="020F0502020204030204" pitchFamily="34" charset="0"/>
-                        <a:cs typeface="Times New Roman" panose="02020603050405020304" pitchFamily="18" charset="0"/>
-                      </a:endParaRPr>
-                    </a:p>
-                  </a:txBody>
-                  <a:tcPr marL="68580" marR="68580" marT="0" marB="0" anchor="b"/>
-                </a:tc>
-                <a:tc>
-                  <a:txBody>
-                    <a:bodyPr/>
-                    <a:lstStyle/>
-                    <a:p>
-                      <a:pPr algn="r">
-                        <a:lnSpc>
-                          <a:spcPct val="107000"/>
-                        </a:lnSpc>
-                        <a:spcAft>
-                          <a:spcPts val="0"/>
-                        </a:spcAft>
-                      </a:pPr>
-                      <a:r>
-                        <a:rPr lang="en-US" sz="1400">
+                      <a:endParaRPr xmlns:a="http://schemas.openxmlformats.org/drawingml/2006/main" lang="en-US" sz="1400">
+                        <a:effectLst/>
+                        <a:latin typeface="Calibri" panose="020F0502020204030204" pitchFamily="34" charset="0"/>
+                        <a:ea typeface="Calibri" panose="020F0502020204030204" pitchFamily="34" charset="0"/>
+                        <a:cs typeface="Times New Roman" panose="02020603050405020304" pitchFamily="18" charset="0"/>
+                      </a:endParaRPr>
+                    </a:p>
+                  </a:txBody>
+                  <a:tcPr marL="68580" marR="68580" marT="0" marB="0" anchor="b"/>
+                </a:tc>
+                <a:tc>
+                  <a:txBody>
+                    <a:bodyPr/>
+                    <a:lstStyle/>
+                    <a:p>
+                      <a:pPr xmlns:a="http://schemas.openxmlformats.org/drawingml/2006/main" algn="r">
+                        <a:lnSpc>
+                          <a:spcPct val="107000"/>
+                        </a:lnSpc>
+                        <a:spcAft>
+                          <a:spcPts val="0"/>
+                        </a:spcAft>
+                      </a:pPr>
+                      <a:r xmlns:a="http://schemas.openxmlformats.org/drawingml/2006/main">
+                        <a:rPr lang="en" sz="1400">
                           <a:effectLst/>
                         </a:rPr>
                         <a:t>29</a:t>
                       </a:r>
-                      <a:endParaRPr lang="en-US" sz="1400">
+                      <a:endParaRPr xmlns:a="http://schemas.openxmlformats.org/drawingml/2006/main" lang="en-US" sz="1400">
                         <a:effectLst/>
                         <a:latin typeface="Calibri" panose="020F0502020204030204" pitchFamily="34" charset="0"/>
                         <a:ea typeface="Calibri" panose="020F0502020204030204" pitchFamily="34" charset="0"/>
@@ -6102,108 +6061,108 @@
                     <a:bodyPr/>
                     <a:lstStyle/>
                     <a:p>
-                      <a:pPr algn="r">
-                        <a:lnSpc>
-                          <a:spcPct val="107000"/>
-                        </a:lnSpc>
-                        <a:spcAft>
-                          <a:spcPts val="0"/>
-                        </a:spcAft>
-                      </a:pPr>
-                      <a:r>
-                        <a:rPr lang="en-US" sz="1400">
+                      <a:pPr xmlns:a="http://schemas.openxmlformats.org/drawingml/2006/main" algn="r">
+                        <a:lnSpc>
+                          <a:spcPct val="107000"/>
+                        </a:lnSpc>
+                        <a:spcAft>
+                          <a:spcPts val="0"/>
+                        </a:spcAft>
+                      </a:pPr>
+                      <a:r xmlns:a="http://schemas.openxmlformats.org/drawingml/2006/main">
+                        <a:rPr lang="en" sz="1400">
                           <a:effectLst/>
                         </a:rPr>
                         <a:t>20</a:t>
                       </a:r>
-                      <a:endParaRPr lang="en-US" sz="1400">
-                        <a:effectLst/>
-                        <a:latin typeface="Calibri" panose="020F0502020204030204" pitchFamily="34" charset="0"/>
-                        <a:ea typeface="Calibri" panose="020F0502020204030204" pitchFamily="34" charset="0"/>
-                        <a:cs typeface="Times New Roman" panose="02020603050405020304" pitchFamily="18" charset="0"/>
-                      </a:endParaRPr>
-                    </a:p>
-                  </a:txBody>
-                  <a:tcPr marL="68580" marR="68580" marT="0" marB="0" anchor="b"/>
-                </a:tc>
-                <a:tc>
-                  <a:txBody>
-                    <a:bodyPr/>
-                    <a:lstStyle/>
-                    <a:p>
-                      <a:pPr>
-                        <a:lnSpc>
-                          <a:spcPct val="107000"/>
-                        </a:lnSpc>
-                        <a:spcAft>
-                          <a:spcPts val="0"/>
-                        </a:spcAft>
-                      </a:pPr>
-                      <a:r>
-                        <a:rPr lang="en-US" sz="1400">
+                      <a:endParaRPr xmlns:a="http://schemas.openxmlformats.org/drawingml/2006/main" lang="en-US" sz="1400">
+                        <a:effectLst/>
+                        <a:latin typeface="Calibri" panose="020F0502020204030204" pitchFamily="34" charset="0"/>
+                        <a:ea typeface="Calibri" panose="020F0502020204030204" pitchFamily="34" charset="0"/>
+                        <a:cs typeface="Times New Roman" panose="02020603050405020304" pitchFamily="18" charset="0"/>
+                      </a:endParaRPr>
+                    </a:p>
+                  </a:txBody>
+                  <a:tcPr marL="68580" marR="68580" marT="0" marB="0" anchor="b"/>
+                </a:tc>
+                <a:tc>
+                  <a:txBody>
+                    <a:bodyPr/>
+                    <a:lstStyle/>
+                    <a:p>
+                      <a:pPr xmlns:a="http://schemas.openxmlformats.org/drawingml/2006/main">
+                        <a:lnSpc>
+                          <a:spcPct val="107000"/>
+                        </a:lnSpc>
+                        <a:spcAft>
+                          <a:spcPts val="0"/>
+                        </a:spcAft>
+                      </a:pPr>
+                      <a:r xmlns:a="http://schemas.openxmlformats.org/drawingml/2006/main">
+                        <a:rPr lang="en" sz="1400">
                           <a:effectLst/>
                         </a:rPr>
                         <a:t>ProductT</a:t>
                       </a:r>
-                      <a:endParaRPr lang="en-US" sz="1400">
-                        <a:effectLst/>
-                        <a:latin typeface="Calibri" panose="020F0502020204030204" pitchFamily="34" charset="0"/>
-                        <a:ea typeface="Calibri" panose="020F0502020204030204" pitchFamily="34" charset="0"/>
-                        <a:cs typeface="Times New Roman" panose="02020603050405020304" pitchFamily="18" charset="0"/>
-                      </a:endParaRPr>
-                    </a:p>
-                  </a:txBody>
-                  <a:tcPr marL="68580" marR="68580" marT="0" marB="0" anchor="b"/>
-                </a:tc>
-                <a:tc>
-                  <a:txBody>
-                    <a:bodyPr/>
-                    <a:lstStyle/>
-                    <a:p>
-                      <a:pPr algn="r">
-                        <a:lnSpc>
-                          <a:spcPct val="107000"/>
-                        </a:lnSpc>
-                        <a:spcAft>
-                          <a:spcPts val="0"/>
-                        </a:spcAft>
-                      </a:pPr>
-                      <a:r>
-                        <a:rPr lang="en-US" sz="1400">
+                      <a:endParaRPr xmlns:a="http://schemas.openxmlformats.org/drawingml/2006/main" lang="en-US" sz="1400">
+                        <a:effectLst/>
+                        <a:latin typeface="Calibri" panose="020F0502020204030204" pitchFamily="34" charset="0"/>
+                        <a:ea typeface="Calibri" panose="020F0502020204030204" pitchFamily="34" charset="0"/>
+                        <a:cs typeface="Times New Roman" panose="02020603050405020304" pitchFamily="18" charset="0"/>
+                      </a:endParaRPr>
+                    </a:p>
+                  </a:txBody>
+                  <a:tcPr marL="68580" marR="68580" marT="0" marB="0" anchor="b"/>
+                </a:tc>
+                <a:tc>
+                  <a:txBody>
+                    <a:bodyPr/>
+                    <a:lstStyle/>
+                    <a:p>
+                      <a:pPr xmlns:a="http://schemas.openxmlformats.org/drawingml/2006/main" algn="r">
+                        <a:lnSpc>
+                          <a:spcPct val="107000"/>
+                        </a:lnSpc>
+                        <a:spcAft>
+                          <a:spcPts val="0"/>
+                        </a:spcAft>
+                      </a:pPr>
+                      <a:r xmlns:a="http://schemas.openxmlformats.org/drawingml/2006/main">
+                        <a:rPr lang="en" sz="1400">
                           <a:effectLst/>
                         </a:rPr>
                         <a:t>294</a:t>
                       </a:r>
-                      <a:endParaRPr lang="en-US" sz="1400">
-                        <a:effectLst/>
-                        <a:latin typeface="Calibri" panose="020F0502020204030204" pitchFamily="34" charset="0"/>
-                        <a:ea typeface="Calibri" panose="020F0502020204030204" pitchFamily="34" charset="0"/>
-                        <a:cs typeface="Times New Roman" panose="02020603050405020304" pitchFamily="18" charset="0"/>
-                      </a:endParaRPr>
-                    </a:p>
-                  </a:txBody>
-                  <a:tcPr marL="68580" marR="68580" marT="0" marB="0" anchor="b"/>
-                </a:tc>
-                <a:tc>
-                  <a:txBody>
-                    <a:bodyPr/>
-                    <a:lstStyle/>
-                    <a:p>
-                      <a:pPr algn="r">
-                        <a:lnSpc>
-                          <a:spcPct val="107000"/>
-                        </a:lnSpc>
-                        <a:spcAft>
-                          <a:spcPts val="0"/>
-                        </a:spcAft>
-                      </a:pPr>
-                      <a:r>
-                        <a:rPr lang="en-US" sz="1400" dirty="0">
+                      <a:endParaRPr xmlns:a="http://schemas.openxmlformats.org/drawingml/2006/main" lang="en-US" sz="1400">
+                        <a:effectLst/>
+                        <a:latin typeface="Calibri" panose="020F0502020204030204" pitchFamily="34" charset="0"/>
+                        <a:ea typeface="Calibri" panose="020F0502020204030204" pitchFamily="34" charset="0"/>
+                        <a:cs typeface="Times New Roman" panose="02020603050405020304" pitchFamily="18" charset="0"/>
+                      </a:endParaRPr>
+                    </a:p>
+                  </a:txBody>
+                  <a:tcPr marL="68580" marR="68580" marT="0" marB="0" anchor="b"/>
+                </a:tc>
+                <a:tc>
+                  <a:txBody>
+                    <a:bodyPr/>
+                    <a:lstStyle/>
+                    <a:p>
+                      <a:pPr xmlns:a="http://schemas.openxmlformats.org/drawingml/2006/main" algn="r">
+                        <a:lnSpc>
+                          <a:spcPct val="107000"/>
+                        </a:lnSpc>
+                        <a:spcAft>
+                          <a:spcPts val="0"/>
+                        </a:spcAft>
+                      </a:pPr>
+                      <a:r xmlns:a="http://schemas.openxmlformats.org/drawingml/2006/main">
+                        <a:rPr lang="en" sz="1400" dirty="0">
                           <a:effectLst/>
                         </a:rPr>
                         <a:t>30</a:t>
                       </a:r>
-                      <a:endParaRPr lang="en-US" sz="1400" dirty="0">
+                      <a:endParaRPr xmlns:a="http://schemas.openxmlformats.org/drawingml/2006/main" lang="en-US" sz="1400" dirty="0">
                         <a:effectLst/>
                         <a:latin typeface="Calibri" panose="020F0502020204030204" pitchFamily="34" charset="0"/>
                         <a:ea typeface="Calibri" panose="020F0502020204030204" pitchFamily="34" charset="0"/>
@@ -6223,6 +6182,253 @@
           </a:graphicData>
         </a:graphic>
       </p:graphicFrame>
+      <p:sp>
+        <p:nvSpPr>
+          <p:cNvPr id="5" name="Rectangle 1"/>
+          <p:cNvSpPr>
+            <a:spLocks noChangeArrowheads="1"/>
+          </p:cNvSpPr>
+          <p:nvPr/>
+        </p:nvSpPr>
+        <p:spPr bwMode="auto">
+          <a:xfrm>
+            <a:off x="466940" y="630931"/>
+            <a:ext cx="8045792" cy="369332"/>
+          </a:xfrm>
+          <a:prstGeom prst="rect">
+            <a:avLst/>
+          </a:prstGeom>
+          <a:noFill/>
+          <a:ln>
+            <a:noFill/>
+          </a:ln>
+          <a:effectLst/>
+          <a:extLst>
+            <a:ext uri="{909E8E84-426E-40DD-AFC4-6F175D3DCCD1}">
+              <a14:hiddenFill xmlns:a14="http://schemas.microsoft.com/office/drawing/2010/main">
+                <a:solidFill>
+                  <a:schemeClr val="accent1"/>
+                </a:solidFill>
+              </a14:hiddenFill>
+            </a:ext>
+            <a:ext uri="{91240B29-F687-4F45-9708-019B960494DF}">
+              <a14:hiddenLine xmlns:a14="http://schemas.microsoft.com/office/drawing/2010/main" w="9525">
+                <a:solidFill>
+                  <a:schemeClr val="tx1"/>
+                </a:solidFill>
+                <a:miter lim="800000"/>
+                <a:headEnd/>
+                <a:tailEnd/>
+              </a14:hiddenLine>
+            </a:ext>
+            <a:ext uri="{AF507438-7753-43E0-B8FC-AC1667EBCBE1}">
+              <a14:hiddenEffects xmlns:a14="http://schemas.microsoft.com/office/drawing/2010/main">
+                <a:effectLst>
+                  <a:outerShdw dist="35921" dir="2700000" algn="ctr" rotWithShape="0">
+                    <a:schemeClr val="bg2"/>
+                  </a:outerShdw>
+                </a:effectLst>
+              </a14:hiddenEffects>
+            </a:ext>
+          </a:extLst>
+        </p:spPr>
+        <p:txBody>
+          <a:bodyPr vert="horz" wrap="none" lIns="91440" tIns="45720" rIns="91440" bIns="45720" numCol="1" anchor="ctr" anchorCtr="0" compatLnSpc="1">
+            <a:prstTxWarp prst="textNoShape">
+              <a:avLst/>
+            </a:prstTxWarp>
+            <a:spAutoFit/>
+          </a:bodyPr>
+          <a:lstStyle/>
+          <a:p>
+            <a:pPr xmlns:a="http://schemas.openxmlformats.org/drawingml/2006/main" marL="0" marR="0" lvl="0" indent="0" algn="l" defTabSz="914400" rtl="0" eaLnBrk="0" fontAlgn="base" latinLnBrk="0" hangingPunct="0">
+              <a:lnSpc>
+                <a:spcPct val="100000"/>
+              </a:lnSpc>
+              <a:spcBef>
+                <a:spcPct val="0"/>
+              </a:spcBef>
+              <a:spcAft>
+                <a:spcPct val="0"/>
+              </a:spcAft>
+              <a:buClrTx/>
+              <a:buSzTx/>
+              <a:buFontTx/>
+              <a:buNone/>
+              <a:tabLst/>
+            </a:pPr>
+            <a:r xmlns:a="http://schemas.openxmlformats.org/drawingml/2006/main">
+              <a:rPr kumimoji="0" lang="en" altLang="en-US" sz="1800" b="1" i="0" u="none" strike="noStrike" cap="none" normalizeH="0" baseline="0" dirty="0" smtClean="0">
+                <a:ln>
+                  <a:noFill/>
+                </a:ln>
+                <a:solidFill>
+                  <a:schemeClr val="tx1"/>
+                </a:solidFill>
+                <a:effectLst/>
+                <a:latin typeface="Arial" panose="020B0604020202020204" pitchFamily="34" charset="0"/>
+              </a:rPr>
+              <a:t>Note: </a:t>
+            </a:r>
+            <a:r xmlns:a="http://schemas.openxmlformats.org/drawingml/2006/main">
+              <a:rPr kumimoji="0" lang="en" altLang="en-US" sz="1800" b="0" i="0" u="none" strike="noStrike" cap="none" normalizeH="0" baseline="0" dirty="0" err="1" smtClean="0">
+                <a:ln>
+                  <a:noFill/>
+                </a:ln>
+                <a:solidFill>
+                  <a:schemeClr val="tx1"/>
+                </a:solidFill>
+                <a:effectLst/>
+                <a:latin typeface="Arial" panose="020B0604020202020204" pitchFamily="34" charset="0"/>
+              </a:rPr>
+              <a:t>This</a:t>
+            </a:r>
+            <a:r xmlns:a="http://schemas.openxmlformats.org/drawingml/2006/main">
+              <a:rPr kumimoji="0" lang="en" altLang="en-US" sz="1800" b="0" i="0" u="none" strike="noStrike" cap="none" normalizeH="0" baseline="0" dirty="0" smtClean="0">
+                <a:ln>
+                  <a:noFill/>
+                </a:ln>
+                <a:solidFill>
+                  <a:schemeClr val="tx1"/>
+                </a:solidFill>
+                <a:effectLst/>
+                <a:latin typeface="Arial" panose="020B0604020202020204" pitchFamily="34" charset="0"/>
+              </a:rPr>
+              <a:t> </a:t>
+            </a:r>
+            <a:r xmlns:a="http://schemas.openxmlformats.org/drawingml/2006/main">
+              <a:rPr kumimoji="0" lang="en" altLang="en-US" sz="1800" b="0" i="0" u="none" strike="noStrike" cap="none" normalizeH="0" baseline="0" dirty="0" err="1" smtClean="0">
+                <a:ln>
+                  <a:noFill/>
+                </a:ln>
+                <a:solidFill>
+                  <a:schemeClr val="tx1"/>
+                </a:solidFill>
+                <a:effectLst/>
+                <a:latin typeface="Arial" panose="020B0604020202020204" pitchFamily="34" charset="0"/>
+              </a:rPr>
+              <a:t>demo</a:t>
+            </a:r>
+            <a:r xmlns:a="http://schemas.openxmlformats.org/drawingml/2006/main">
+              <a:rPr kumimoji="0" lang="en" altLang="en-US" sz="1800" b="0" i="0" u="none" strike="noStrike" cap="none" normalizeH="0" baseline="0" dirty="0" smtClean="0">
+                <a:ln>
+                  <a:noFill/>
+                </a:ln>
+                <a:solidFill>
+                  <a:schemeClr val="tx1"/>
+                </a:solidFill>
+                <a:effectLst/>
+                <a:latin typeface="Arial" panose="020B0604020202020204" pitchFamily="34" charset="0"/>
+              </a:rPr>
+              <a:t> </a:t>
+            </a:r>
+            <a:r xmlns:a="http://schemas.openxmlformats.org/drawingml/2006/main">
+              <a:rPr kumimoji="0" lang="en" altLang="en-US" sz="1800" b="0" i="0" u="none" strike="noStrike" cap="none" normalizeH="0" baseline="0" dirty="0" err="1" smtClean="0">
+                <a:ln>
+                  <a:noFill/>
+                </a:ln>
+                <a:solidFill>
+                  <a:schemeClr val="tx1"/>
+                </a:solidFill>
+                <a:effectLst/>
+                <a:latin typeface="Arial" panose="020B0604020202020204" pitchFamily="34" charset="0"/>
+              </a:rPr>
+              <a:t>used</a:t>
+            </a:r>
+            <a:r xmlns:a="http://schemas.openxmlformats.org/drawingml/2006/main">
+              <a:rPr kumimoji="0" lang="en" altLang="en-US" sz="1800" b="0" i="0" u="none" strike="noStrike" cap="none" normalizeH="0" baseline="0" dirty="0" smtClean="0">
+                <a:ln>
+                  <a:noFill/>
+                </a:ln>
+                <a:solidFill>
+                  <a:schemeClr val="tx1"/>
+                </a:solidFill>
+                <a:effectLst/>
+                <a:latin typeface="Arial" panose="020B0604020202020204" pitchFamily="34" charset="0"/>
+              </a:rPr>
+              <a:t> </a:t>
+            </a:r>
+            <a:r xmlns:a="http://schemas.openxmlformats.org/drawingml/2006/main">
+              <a:rPr kumimoji="0" lang="en" altLang="en-US" sz="1800" b="0" i="0" u="none" strike="noStrike" cap="none" normalizeH="0" baseline="0" dirty="0" err="1" smtClean="0">
+                <a:ln>
+                  <a:noFill/>
+                </a:ln>
+                <a:solidFill>
+                  <a:schemeClr val="tx1"/>
+                </a:solidFill>
+                <a:effectLst/>
+                <a:latin typeface="Arial" panose="020B0604020202020204" pitchFamily="34" charset="0"/>
+              </a:rPr>
+              <a:t>a </a:t>
+            </a:r>
+            <a:r xmlns:a="http://schemas.openxmlformats.org/drawingml/2006/main">
+              <a:rPr kumimoji="0" lang="en" altLang="en-US" sz="1800" b="0" i="0" u="none" strike="noStrike" cap="none" normalizeH="0" baseline="0" dirty="0" err="1" smtClean="0">
+                <a:ln>
+                  <a:noFill/>
+                </a:ln>
+                <a:solidFill>
+                  <a:schemeClr val="tx1"/>
+                </a:solidFill>
+                <a:effectLst/>
+                <a:latin typeface="Arial" panose="020B0604020202020204" pitchFamily="34" charset="0"/>
+              </a:rPr>
+              <a:t>seized </a:t>
+            </a:r>
+            <a:r xmlns:a="http://schemas.openxmlformats.org/drawingml/2006/main">
+              <a:rPr kumimoji="0" lang="en" altLang="en-US" sz="1800" b="0" i="0" u="none" strike="noStrike" cap="none" normalizeH="0" baseline="0" dirty="0" smtClean="0">
+                <a:ln>
+                  <a:noFill/>
+                </a:ln>
+                <a:solidFill>
+                  <a:schemeClr val="tx1"/>
+                </a:solidFill>
+                <a:effectLst/>
+                <a:latin typeface="Arial" panose="020B0604020202020204" pitchFamily="34" charset="0"/>
+              </a:rPr>
+              <a:t>table</a:t>
+            </a:r>
+            <a:r xmlns:a="http://schemas.openxmlformats.org/drawingml/2006/main">
+              <a:rPr kumimoji="0" lang="en" altLang="en-US" sz="1800" b="0" i="0" u="none" strike="noStrike" cap="none" normalizeH="0" baseline="0" dirty="0" smtClean="0">
+                <a:ln>
+                  <a:noFill/>
+                </a:ln>
+                <a:solidFill>
+                  <a:schemeClr val="tx1"/>
+                </a:solidFill>
+                <a:effectLst/>
+                <a:latin typeface="Arial" panose="020B0604020202020204" pitchFamily="34" charset="0"/>
+              </a:rPr>
+              <a:t> </a:t>
+            </a:r>
+            <a:r xmlns:a="http://schemas.openxmlformats.org/drawingml/2006/main">
+              <a:rPr kumimoji="0" lang="en" altLang="en-US" sz="1800" b="0" i="0" u="none" strike="noStrike" cap="none" normalizeH="0" baseline="0" dirty="0" err="1" smtClean="0">
+                <a:ln>
+                  <a:noFill/>
+                </a:ln>
+                <a:solidFill>
+                  <a:schemeClr val="tx1"/>
+                </a:solidFill>
+                <a:effectLst/>
+                <a:latin typeface="Arial" panose="020B0604020202020204" pitchFamily="34" charset="0"/>
+              </a:rPr>
+              <a:t>manually </a:t>
+            </a:r>
+            <a:r xmlns:a="http://schemas.openxmlformats.org/drawingml/2006/main">
+              <a:rPr kumimoji="0" lang="en" altLang="en-US" sz="1800" b="0" i="0" u="none" strike="noStrike" cap="none" normalizeH="0" baseline="0" dirty="0" smtClean="0">
+                <a:ln>
+                  <a:noFill/>
+                </a:ln>
+                <a:solidFill>
+                  <a:schemeClr val="tx1"/>
+                </a:solidFill>
+                <a:effectLst/>
+                <a:latin typeface="Arial" panose="020B0604020202020204" pitchFamily="34" charset="0"/>
+              </a:rPr>
+              <a:t>for testing.</a:t>
+            </a:r>
+          </a:p>
+        </p:txBody>
+      </p:sp>
     </p:spTree>
     <p:extLst>
       <p:ext uri="{BB962C8B-B14F-4D97-AF65-F5344CB8AC3E}">
@@ -6262,7 +6468,7 @@
         <p:spPr>
           <a:xfrm>
             <a:off x="350634" y="226881"/>
-            <a:ext cx="4721485" cy="369332"/>
+            <a:ext cx="4612288" cy="369332"/>
           </a:xfrm>
           <a:prstGeom prst="rect">
             <a:avLst/>
@@ -6275,168 +6481,11 @@
           </a:bodyPr>
           <a:lstStyle/>
           <a:p>
-            <a:r>
-              <a:rPr lang="fr-FR" dirty="0" smtClean="0"/>
-              <a:t>COUNTNOBLANC and DISTINCTCOUNTNOBLANK</a:t>
-            </a:r>
-            <a:endParaRPr lang="en-US" dirty="0"/>
-          </a:p>
-        </p:txBody>
-      </p:sp>
-      <p:sp>
-        <p:nvSpPr>
-          <p:cNvPr id="3" name="Rectangle 2"/>
-          <p:cNvSpPr/>
-          <p:nvPr/>
-        </p:nvSpPr>
-        <p:spPr>
-          <a:xfrm>
-            <a:off x="398761" y="690832"/>
-            <a:ext cx="3523913" cy="373692"/>
-          </a:xfrm>
-          <a:prstGeom prst="rect">
-            <a:avLst/>
-          </a:prstGeom>
-        </p:spPr>
-        <p:txBody>
-          <a:bodyPr wrap="none">
-            <a:spAutoFit/>
-          </a:bodyPr>
-          <a:lstStyle/>
-          <a:p>
-            <a:pPr>
-              <a:lnSpc>
-                <a:spcPct val="107000"/>
-              </a:lnSpc>
-              <a:spcBef>
-                <a:spcPts val="1200"/>
-              </a:spcBef>
-            </a:pPr>
-            <a:r>
-              <a:rPr lang="en-US" kern="0" dirty="0" smtClean="0">
-                <a:latin typeface="Segoe UI" panose="020B0502040204020203" pitchFamily="34" charset="0"/>
-                <a:ea typeface="Times New Roman" panose="02020603050405020304" pitchFamily="18" charset="0"/>
-                <a:cs typeface="Times New Roman" panose="02020603050405020304" pitchFamily="18" charset="0"/>
-              </a:rPr>
-              <a:t>Add </a:t>
-            </a:r>
-            <a:r>
-              <a:rPr lang="en-US" b="1" dirty="0" smtClean="0"/>
-              <a:t>Card </a:t>
-            </a:r>
-            <a:r>
-              <a:rPr lang="en-US" dirty="0" smtClean="0"/>
-              <a:t>visualization to the scene</a:t>
-            </a:r>
-            <a:endParaRPr lang="en-US" dirty="0"/>
-          </a:p>
-        </p:txBody>
-      </p:sp>
-      <p:sp>
-        <p:nvSpPr>
-          <p:cNvPr id="5" name="Rectangle 4"/>
-          <p:cNvSpPr/>
-          <p:nvPr/>
-        </p:nvSpPr>
-        <p:spPr>
-          <a:xfrm>
-            <a:off x="398761" y="1164888"/>
-            <a:ext cx="10292156" cy="373692"/>
-          </a:xfrm>
-          <a:prstGeom prst="rect">
-            <a:avLst/>
-          </a:prstGeom>
-        </p:spPr>
-        <p:txBody>
-          <a:bodyPr wrap="square">
-            <a:spAutoFit/>
-          </a:bodyPr>
-          <a:lstStyle/>
-          <a:p>
-            <a:pPr lvl="0">
-              <a:lnSpc>
-                <a:spcPct val="107000"/>
-              </a:lnSpc>
-              <a:spcAft>
-                <a:spcPts val="800"/>
-              </a:spcAft>
-            </a:pPr>
-            <a:r>
-              <a:rPr lang="en-US" dirty="0" smtClean="0">
-                <a:latin typeface="Segoe UI" panose="020B0502040204020203" pitchFamily="34" charset="0"/>
-                <a:ea typeface="Calibri" panose="020F0502020204030204" pitchFamily="34" charset="0"/>
-                <a:cs typeface="Times New Roman" panose="02020603050405020304" pitchFamily="18" charset="0"/>
-              </a:rPr>
-              <a:t>Create a measure that counts the number of products with blank names using </a:t>
-            </a:r>
-            <a:r>
-              <a:rPr lang="en-US" b="1" dirty="0" smtClean="0">
-                <a:latin typeface="Segoe UI" panose="020B0502040204020203" pitchFamily="34" charset="0"/>
-                <a:ea typeface="Calibri" panose="020F0502020204030204" pitchFamily="34" charset="0"/>
-                <a:cs typeface="Times New Roman" panose="02020603050405020304" pitchFamily="18" charset="0"/>
-              </a:rPr>
-              <a:t>COUNTBLANK</a:t>
-            </a:r>
-            <a:endParaRPr lang="en-US" sz="1400" dirty="0">
-              <a:effectLst/>
-              <a:latin typeface="Calibri" panose="020F0502020204030204" pitchFamily="34" charset="0"/>
-              <a:ea typeface="Calibri" panose="020F0502020204030204" pitchFamily="34" charset="0"/>
-              <a:cs typeface="Times New Roman" panose="02020603050405020304" pitchFamily="18" charset="0"/>
-            </a:endParaRPr>
-          </a:p>
-        </p:txBody>
-      </p:sp>
-      <p:sp>
-        <p:nvSpPr>
-          <p:cNvPr id="6" name="Rectangle 5"/>
-          <p:cNvSpPr/>
-          <p:nvPr/>
-        </p:nvSpPr>
-        <p:spPr>
-          <a:xfrm>
-            <a:off x="398761" y="1718559"/>
-            <a:ext cx="8598569" cy="373692"/>
-          </a:xfrm>
-          <a:prstGeom prst="rect">
-            <a:avLst/>
-          </a:prstGeom>
-        </p:spPr>
-        <p:txBody>
-          <a:bodyPr wrap="square">
-            <a:spAutoFit/>
-          </a:bodyPr>
-          <a:lstStyle/>
-          <a:p>
-            <a:pPr lvl="0">
-              <a:lnSpc>
-                <a:spcPct val="107000"/>
-              </a:lnSpc>
-              <a:spcAft>
-                <a:spcPts val="800"/>
-              </a:spcAft>
-            </a:pPr>
-            <a:r>
-              <a:rPr lang="en-US" dirty="0" smtClean="0">
-                <a:latin typeface="Segoe UI" panose="020B0502040204020203" pitchFamily="34" charset="0"/>
-                <a:ea typeface="Calibri" panose="020F0502020204030204" pitchFamily="34" charset="0"/>
-                <a:cs typeface="Times New Roman" panose="02020603050405020304" pitchFamily="18" charset="0"/>
-              </a:rPr>
-              <a:t>Add the measure to the Values part of the </a:t>
-            </a:r>
-            <a:r>
-              <a:rPr lang="en-US" b="1" dirty="0" smtClean="0">
-                <a:latin typeface="Segoe UI" panose="020B0502040204020203" pitchFamily="34" charset="0"/>
-                <a:ea typeface="Calibri" panose="020F0502020204030204" pitchFamily="34" charset="0"/>
-                <a:cs typeface="Times New Roman" panose="02020603050405020304" pitchFamily="18" charset="0"/>
-              </a:rPr>
-              <a:t>Card visualization parameters</a:t>
-            </a:r>
-            <a:endParaRPr lang="en-US" sz="1400" dirty="0">
-              <a:effectLst/>
-              <a:latin typeface="Calibri" panose="020F0502020204030204" pitchFamily="34" charset="0"/>
-              <a:ea typeface="Calibri" panose="020F0502020204030204" pitchFamily="34" charset="0"/>
-              <a:cs typeface="Times New Roman" panose="02020603050405020304" pitchFamily="18" charset="0"/>
-            </a:endParaRPr>
+            <a:r xmlns:a="http://schemas.openxmlformats.org/drawingml/2006/main">
+              <a:rPr lang="en" b="1" dirty="0" smtClean="0"/>
+              <a:t>COUNTNOBLANC &amp; DISTINCTCOUNTNOBLANK</a:t>
+            </a:r>
+            <a:endParaRPr xmlns:a="http://schemas.openxmlformats.org/drawingml/2006/main" lang="en-US" b="1" dirty="0"/>
           </a:p>
         </p:txBody>
       </p:sp>
@@ -6481,47 +6530,149 @@
       </p:pic>
       <p:sp>
         <p:nvSpPr>
-          <p:cNvPr id="8" name="Rectangle 7"/>
+          <p:cNvPr id="4" name="Rectangle 3"/>
           <p:cNvSpPr/>
           <p:nvPr/>
         </p:nvSpPr>
         <p:spPr>
           <a:xfrm>
-            <a:off x="398761" y="4468286"/>
-            <a:ext cx="7924800" cy="373692"/>
+            <a:off x="449355" y="695884"/>
+            <a:ext cx="4459939" cy="400110"/>
           </a:xfrm>
           <a:prstGeom prst="rect">
             <a:avLst/>
           </a:prstGeom>
         </p:spPr>
         <p:txBody>
+          <a:bodyPr wrap="none">
+            <a:spAutoFit/>
+          </a:bodyPr>
+          <a:lstStyle/>
+          <a:p>
+            <a:r xmlns:a="http://schemas.openxmlformats.org/drawingml/2006/main">
+              <a:rPr lang="en" sz="2000" dirty="0" err="1"/>
+              <a:t>Card </a:t>
+            </a:r>
+            <a:r xmlns:a="http://schemas.openxmlformats.org/drawingml/2006/main">
+              <a:rPr lang="en" sz="2000" dirty="0"/>
+              <a:t>visualization </a:t>
+            </a:r>
+            <a:r xmlns:a="http://schemas.openxmlformats.org/drawingml/2006/main">
+              <a:rPr lang="en" sz="2000" dirty="0"/>
+              <a:t>to the scene.</a:t>
+            </a:r>
+            <a:endParaRPr xmlns:a="http://schemas.openxmlformats.org/drawingml/2006/main" lang="en-US" sz="2000" dirty="0"/>
+          </a:p>
+        </p:txBody>
+      </p:sp>
+      <p:sp>
+        <p:nvSpPr>
+          <p:cNvPr id="9" name="Rectangle 8"/>
+          <p:cNvSpPr/>
+          <p:nvPr/>
+        </p:nvSpPr>
+        <p:spPr>
+          <a:xfrm>
+            <a:off x="449355" y="1217987"/>
+            <a:ext cx="11850356" cy="400110"/>
+          </a:xfrm>
+          <a:prstGeom prst="rect">
+            <a:avLst/>
+          </a:prstGeom>
+        </p:spPr>
+        <p:txBody>
           <a:bodyPr wrap="square">
             <a:spAutoFit/>
           </a:bodyPr>
           <a:lstStyle/>
           <a:p>
-            <a:pPr lvl="0">
-              <a:lnSpc>
-                <a:spcPct val="107000"/>
-              </a:lnSpc>
-              <a:spcAft>
-                <a:spcPts val="800"/>
-              </a:spcAft>
-            </a:pPr>
-            <a:r>
-              <a:rPr lang="en-US" dirty="0" smtClean="0">
-                <a:latin typeface="Segoe UI" panose="020B0502040204020203" pitchFamily="34" charset="0"/>
-                <a:ea typeface="Calibri" panose="020F0502020204030204" pitchFamily="34" charset="0"/>
-                <a:cs typeface="Times New Roman" panose="02020603050405020304" pitchFamily="18" charset="0"/>
-              </a:rPr>
-              <a:t>Delete two name values from the Name column to leave two blanks</a:t>
-            </a:r>
-            <a:endParaRPr lang="en-US" sz="1400" dirty="0">
-              <a:effectLst/>
-              <a:latin typeface="Calibri" panose="020F0502020204030204" pitchFamily="34" charset="0"/>
-              <a:ea typeface="Calibri" panose="020F0502020204030204" pitchFamily="34" charset="0"/>
-              <a:cs typeface="Times New Roman" panose="02020603050405020304" pitchFamily="18" charset="0"/>
-            </a:endParaRPr>
+            <a:r xmlns:a="http://schemas.openxmlformats.org/drawingml/2006/main">
+              <a:rPr lang="en" sz="2000" dirty="0"/>
+              <a:t>Create a measure that counts the number of products with blank names using </a:t>
+            </a:r>
+            <a:r xmlns:a="http://schemas.openxmlformats.org/drawingml/2006/main">
+              <a:rPr lang="en" sz="2000" b="1" dirty="0"/>
+              <a:t>COUNTBLANK </a:t>
+            </a:r>
+            <a:r xmlns:a="http://schemas.openxmlformats.org/drawingml/2006/main">
+              <a:rPr lang="en" sz="2000" dirty="0"/>
+              <a:t>.</a:t>
+            </a:r>
+            <a:endParaRPr xmlns:a="http://schemas.openxmlformats.org/drawingml/2006/main" lang="en-US" sz="2000" dirty="0"/>
+          </a:p>
+        </p:txBody>
+      </p:sp>
+      <p:sp>
+        <p:nvSpPr>
+          <p:cNvPr id="10" name="Rectangle 9"/>
+          <p:cNvSpPr/>
+          <p:nvPr/>
+        </p:nvSpPr>
+        <p:spPr>
+          <a:xfrm>
+            <a:off x="449355" y="1771658"/>
+            <a:ext cx="10113401" cy="400110"/>
+          </a:xfrm>
+          <a:prstGeom prst="rect">
+            <a:avLst/>
+          </a:prstGeom>
+        </p:spPr>
+        <p:txBody>
+          <a:bodyPr wrap="square">
+            <a:spAutoFit/>
+          </a:bodyPr>
+          <a:lstStyle/>
+          <a:p>
+            <a:r xmlns:a="http://schemas.openxmlformats.org/drawingml/2006/main">
+              <a:rPr lang="en" sz="2000" dirty="0"/>
+              <a:t>Add the metric to the </a:t>
+            </a:r>
+            <a:r xmlns:a="http://schemas.openxmlformats.org/drawingml/2006/main">
+              <a:rPr lang="en" sz="2000" b="1" dirty="0"/>
+              <a:t>"Values" part </a:t>
+            </a:r>
+            <a:r xmlns:a="http://schemas.openxmlformats.org/drawingml/2006/main">
+              <a:rPr lang="en" sz="2000" dirty="0"/>
+              <a:t>of the </a:t>
+            </a:r>
+            <a:r xmlns:a="http://schemas.openxmlformats.org/drawingml/2006/main">
+              <a:rPr lang="en" sz="2000" dirty="0" err="1"/>
+              <a:t>Card visualization settings </a:t>
+            </a:r>
+            <a:r xmlns:a="http://schemas.openxmlformats.org/drawingml/2006/main">
+              <a:rPr lang="en" sz="2000" dirty="0"/>
+              <a:t>.</a:t>
+            </a:r>
+            <a:endParaRPr xmlns:a="http://schemas.openxmlformats.org/drawingml/2006/main" lang="en-US" sz="2000" dirty="0"/>
+          </a:p>
+        </p:txBody>
+      </p:sp>
+      <p:sp>
+        <p:nvSpPr>
+          <p:cNvPr id="11" name="Rectangle 10"/>
+          <p:cNvSpPr/>
+          <p:nvPr/>
+        </p:nvSpPr>
+        <p:spPr>
+          <a:xfrm>
+            <a:off x="521618" y="4490302"/>
+            <a:ext cx="9083019" cy="400110"/>
+          </a:xfrm>
+          <a:prstGeom prst="rect">
+            <a:avLst/>
+          </a:prstGeom>
+        </p:spPr>
+        <p:txBody>
+          <a:bodyPr wrap="square">
+            <a:spAutoFit/>
+          </a:bodyPr>
+          <a:lstStyle/>
+          <a:p>
+            <a:r xmlns:a="http://schemas.openxmlformats.org/drawingml/2006/main">
+              <a:rPr lang="en" sz="2000" dirty="0"/>
+              <a:t>Delete two name values from the Name column to leave two blanks.</a:t>
+            </a:r>
+            <a:endParaRPr xmlns:a="http://schemas.openxmlformats.org/drawingml/2006/main" lang="en-US" sz="2000" dirty="0"/>
           </a:p>
         </p:txBody>
       </p:sp>
@@ -6564,7 +6715,7 @@
         <p:spPr>
           <a:xfrm>
             <a:off x="350634" y="226881"/>
-            <a:ext cx="4721485" cy="369332"/>
+            <a:ext cx="4598118" cy="369332"/>
           </a:xfrm>
           <a:prstGeom prst="rect">
             <a:avLst/>
@@ -6577,73 +6728,11 @@
           </a:bodyPr>
           <a:lstStyle/>
           <a:p>
-            <a:r>
-              <a:rPr lang="fr-FR" dirty="0" smtClean="0"/>
-              <a:t>COUNTNOBLANC and DISTINCTCOUNTNOBLANK</a:t>
-            </a:r>
-            <a:endParaRPr lang="en-US" dirty="0"/>
-          </a:p>
-        </p:txBody>
-      </p:sp>
-      <p:sp>
-        <p:nvSpPr>
-          <p:cNvPr id="4" name="Rectangle 3"/>
-          <p:cNvSpPr/>
-          <p:nvPr/>
-        </p:nvSpPr>
-        <p:spPr>
-          <a:xfrm>
-            <a:off x="350634" y="735157"/>
-            <a:ext cx="7333534" cy="373692"/>
-          </a:xfrm>
-          <a:prstGeom prst="rect">
-            <a:avLst/>
-          </a:prstGeom>
-        </p:spPr>
-        <p:txBody>
-          <a:bodyPr wrap="square">
-            <a:spAutoFit/>
-          </a:bodyPr>
-          <a:lstStyle/>
-          <a:p>
-            <a:pPr lvl="0">
-              <a:lnSpc>
-                <a:spcPct val="107000"/>
-              </a:lnSpc>
-              <a:spcAft>
-                <a:spcPts val="800"/>
-              </a:spcAft>
-            </a:pPr>
-            <a:r>
-              <a:rPr lang="en-US" dirty="0" smtClean="0">
-                <a:latin typeface="Segoe UI" panose="020B0502040204020203" pitchFamily="34" charset="0"/>
-                <a:ea typeface="Calibri" panose="020F0502020204030204" pitchFamily="34" charset="0"/>
-                <a:cs typeface="Times New Roman" panose="02020603050405020304" pitchFamily="18" charset="0"/>
-              </a:rPr>
-              <a:t>Notice that the measurement value changes from </a:t>
-            </a:r>
-            <a:r>
-              <a:rPr lang="en-US" b="1" dirty="0" smtClean="0">
-                <a:latin typeface="Segoe UI" panose="020B0502040204020203" pitchFamily="34" charset="0"/>
-                <a:ea typeface="Calibri" panose="020F0502020204030204" pitchFamily="34" charset="0"/>
-                <a:cs typeface="Times New Roman" panose="02020603050405020304" pitchFamily="18" charset="0"/>
-              </a:rPr>
-              <a:t>Blank </a:t>
-            </a:r>
-            <a:r>
-              <a:rPr lang="en-US" dirty="0" smtClean="0">
-                <a:latin typeface="Segoe UI" panose="020B0502040204020203" pitchFamily="34" charset="0"/>
-                <a:ea typeface="Calibri" panose="020F0502020204030204" pitchFamily="34" charset="0"/>
-                <a:cs typeface="Times New Roman" panose="02020603050405020304" pitchFamily="18" charset="0"/>
-              </a:rPr>
-              <a:t>to 2</a:t>
-            </a:r>
-            <a:endParaRPr lang="en-US" sz="1400" dirty="0">
-              <a:effectLst/>
-              <a:latin typeface="Calibri" panose="020F0502020204030204" pitchFamily="34" charset="0"/>
-              <a:ea typeface="Calibri" panose="020F0502020204030204" pitchFamily="34" charset="0"/>
-              <a:cs typeface="Times New Roman" panose="02020603050405020304" pitchFamily="18" charset="0"/>
-            </a:endParaRPr>
+            <a:r xmlns:a="http://schemas.openxmlformats.org/drawingml/2006/main">
+              <a:rPr lang="en" b="1" dirty="0" smtClean="0"/>
+              <a:t>COUNTNOBLANC &amp; DISTINCTCOUNTNOBLANK</a:t>
+            </a:r>
+            <a:endParaRPr xmlns:a="http://schemas.openxmlformats.org/drawingml/2006/main" lang="en-US" b="1" dirty="0"/>
           </a:p>
         </p:txBody>
       </p:sp>
@@ -6688,103 +6777,91 @@
       </p:pic>
       <p:sp>
         <p:nvSpPr>
-          <p:cNvPr id="10" name="Rectangle 9"/>
+          <p:cNvPr id="3" name="Rectangle 2"/>
           <p:cNvSpPr/>
           <p:nvPr/>
         </p:nvSpPr>
         <p:spPr>
           <a:xfrm>
-            <a:off x="462750" y="3919351"/>
-            <a:ext cx="8564372" cy="388696"/>
+            <a:off x="350634" y="737337"/>
+            <a:ext cx="5834033" cy="400110"/>
           </a:xfrm>
           <a:prstGeom prst="rect">
             <a:avLst/>
           </a:prstGeom>
         </p:spPr>
         <p:txBody>
+          <a:bodyPr wrap="none">
+            <a:spAutoFit/>
+          </a:bodyPr>
+          <a:lstStyle/>
+          <a:p>
+            <a:r xmlns:a="http://schemas.openxmlformats.org/drawingml/2006/main">
+              <a:rPr lang="en" sz="2000" dirty="0"/>
+              <a:t>Note that the measurement value changes from </a:t>
+            </a:r>
+            <a:r xmlns:a="http://schemas.openxmlformats.org/drawingml/2006/main">
+              <a:rPr lang="en" sz="2000" b="1" dirty="0"/>
+              <a:t>" </a:t>
+            </a:r>
+            <a:r xmlns:a="http://schemas.openxmlformats.org/drawingml/2006/main">
+              <a:rPr lang="en" sz="2000" b="1" dirty="0" err="1"/>
+              <a:t>Blank </a:t>
+            </a:r>
+            <a:r xmlns:a="http://schemas.openxmlformats.org/drawingml/2006/main">
+              <a:rPr lang="en" sz="2000" b="1" dirty="0"/>
+              <a:t>" </a:t>
+            </a:r>
+            <a:r xmlns:a="http://schemas.openxmlformats.org/drawingml/2006/main">
+              <a:rPr lang="en" sz="2000" dirty="0"/>
+              <a:t>to 2.</a:t>
+            </a:r>
+            <a:endParaRPr xmlns:a="http://schemas.openxmlformats.org/drawingml/2006/main" lang="en-US" sz="2000" dirty="0"/>
+          </a:p>
+        </p:txBody>
+      </p:sp>
+      <p:sp>
+        <p:nvSpPr>
+          <p:cNvPr id="5" name="Rectangle 4"/>
+          <p:cNvSpPr/>
+          <p:nvPr/>
+        </p:nvSpPr>
+        <p:spPr>
+          <a:xfrm>
+            <a:off x="462750" y="3896481"/>
+            <a:ext cx="8192932" cy="400110"/>
+          </a:xfrm>
+          <a:prstGeom prst="rect">
+            <a:avLst/>
+          </a:prstGeom>
+        </p:spPr>
+        <p:txBody>
           <a:bodyPr wrap="square">
             <a:spAutoFit/>
           </a:bodyPr>
           <a:lstStyle/>
           <a:p>
-            <a:pPr lvl="0">
-              <a:lnSpc>
-                <a:spcPct val="107000"/>
-              </a:lnSpc>
-              <a:spcAft>
-                <a:spcPts val="800"/>
-              </a:spcAft>
-            </a:pPr>
-            <a:r>
-              <a:rPr lang="fr-FR" dirty="0" smtClean="0">
-                <a:latin typeface="Segoe UI" panose="020B0502040204020203" pitchFamily="34" charset="0"/>
-                <a:ea typeface="Calibri" panose="020F0502020204030204" pitchFamily="34" charset="0"/>
-                <a:cs typeface="Times New Roman" panose="02020603050405020304" pitchFamily="18" charset="0"/>
-              </a:rPr>
-              <a:t>Replace</a:t>
-            </a:r>
-            <a:r>
-              <a:rPr lang="fr-FR" b="1" dirty="0" smtClean="0">
-                <a:latin typeface="Segoe UI" panose="020B0502040204020203" pitchFamily="34" charset="0"/>
-                <a:ea typeface="Calibri" panose="020F0502020204030204" pitchFamily="34" charset="0"/>
-                <a:cs typeface="Times New Roman" panose="02020603050405020304" pitchFamily="18" charset="0"/>
-              </a:rPr>
-              <a:t> COUNTBLANC </a:t>
-            </a:r>
-            <a:r>
-              <a:rPr lang="fr-FR" dirty="0" err="1">
-                <a:latin typeface="Segoe UI" panose="020B0502040204020203" pitchFamily="34" charset="0"/>
-                <a:ea typeface="Calibri" panose="020F0502020204030204" pitchFamily="34" charset="0"/>
-                <a:cs typeface="Times New Roman" panose="02020603050405020304" pitchFamily="18" charset="0"/>
-              </a:rPr>
-              <a:t>function</a:t>
-            </a:r>
-            <a:r>
-              <a:rPr lang="fr-FR" dirty="0">
-                <a:latin typeface="Segoe UI" panose="020B0502040204020203" pitchFamily="34" charset="0"/>
-                <a:ea typeface="Calibri" panose="020F0502020204030204" pitchFamily="34" charset="0"/>
-                <a:cs typeface="Times New Roman" panose="02020603050405020304" pitchFamily="18" charset="0"/>
-              </a:rPr>
-              <a:t> </a:t>
-            </a:r>
-            <a:r>
-              <a:rPr lang="fr-FR" dirty="0" err="1">
-                <a:latin typeface="Segoe UI" panose="020B0502040204020203" pitchFamily="34" charset="0"/>
-                <a:ea typeface="Calibri" panose="020F0502020204030204" pitchFamily="34" charset="0"/>
-                <a:cs typeface="Times New Roman" panose="02020603050405020304" pitchFamily="18" charset="0"/>
-              </a:rPr>
-              <a:t>with</a:t>
-            </a:r>
-            <a:r>
-              <a:rPr lang="fr-FR" dirty="0">
-                <a:latin typeface="Segoe UI" panose="020B0502040204020203" pitchFamily="34" charset="0"/>
-                <a:ea typeface="Calibri" panose="020F0502020204030204" pitchFamily="34" charset="0"/>
-                <a:cs typeface="Times New Roman" panose="02020603050405020304" pitchFamily="18" charset="0"/>
-              </a:rPr>
-              <a:t> </a:t>
-            </a:r>
-            <a:r>
-              <a:rPr lang="fr-FR" b="1" dirty="0">
-                <a:latin typeface="Segoe UI" panose="020B0502040204020203" pitchFamily="34" charset="0"/>
-                <a:ea typeface="Calibri" panose="020F0502020204030204" pitchFamily="34" charset="0"/>
-                <a:cs typeface="Times New Roman" panose="02020603050405020304" pitchFamily="18" charset="0"/>
-              </a:rPr>
-              <a:t>DISTINCTCOUNTNOBLANK</a:t>
-            </a:r>
-            <a:r>
-              <a:rPr lang="fr-FR" dirty="0">
-                <a:latin typeface="Segoe UI" panose="020B0502040204020203" pitchFamily="34" charset="0"/>
-                <a:ea typeface="Calibri" panose="020F0502020204030204" pitchFamily="34" charset="0"/>
-                <a:cs typeface="Times New Roman" panose="02020603050405020304" pitchFamily="18" charset="0"/>
-              </a:rPr>
-              <a:t> </a:t>
-            </a:r>
-            <a:endParaRPr lang="en-US" sz="1400" dirty="0">
-              <a:effectLst/>
-              <a:latin typeface="Calibri" panose="020F0502020204030204" pitchFamily="34" charset="0"/>
-              <a:ea typeface="Calibri" panose="020F0502020204030204" pitchFamily="34" charset="0"/>
-              <a:cs typeface="Times New Roman" panose="02020603050405020304" pitchFamily="18" charset="0"/>
-            </a:endParaRPr>
+            <a:r xmlns:a="http://schemas.openxmlformats.org/drawingml/2006/main">
+              <a:rPr lang="en" sz="2000" b="1" dirty="0"/>
+              <a:t>COUNTBLANK </a:t>
+            </a:r>
+            <a:r xmlns:a="http://schemas.openxmlformats.org/drawingml/2006/main">
+              <a:rPr lang="en" sz="2000" dirty="0"/>
+              <a:t>function </a:t>
+            </a:r>
+            <a:r xmlns:a="http://schemas.openxmlformats.org/drawingml/2006/main">
+              <a:rPr lang="en" sz="2000" dirty="0"/>
+              <a:t>with </a:t>
+            </a:r>
+            <a:r xmlns:a="http://schemas.openxmlformats.org/drawingml/2006/main">
+              <a:rPr lang="en" sz="2000" b="1" dirty="0"/>
+              <a:t>DISTINCTCOUNTNOBLANK </a:t>
+            </a:r>
+            <a:r xmlns:a="http://schemas.openxmlformats.org/drawingml/2006/main">
+              <a:rPr lang="en" sz="2000" dirty="0"/>
+              <a:t>.</a:t>
+            </a:r>
+            <a:endParaRPr xmlns:a="http://schemas.openxmlformats.org/drawingml/2006/main" lang="en-US" sz="2000" dirty="0"/>
           </a:p>
         </p:txBody>
       </p:sp>
@@ -6827,7 +6904,7 @@
         <p:spPr>
           <a:xfrm>
             <a:off x="350634" y="226881"/>
-            <a:ext cx="4721485" cy="369332"/>
+            <a:ext cx="4612288" cy="369332"/>
           </a:xfrm>
           <a:prstGeom prst="rect">
             <a:avLst/>
@@ -6840,11 +6917,11 @@
           </a:bodyPr>
           <a:lstStyle/>
           <a:p>
-            <a:r>
-              <a:rPr lang="fr-FR" dirty="0" smtClean="0"/>
-              <a:t>COUNTNOBLANC and DISTINCTCOUNTNOBLANK</a:t>
-            </a:r>
-            <a:endParaRPr lang="en-US" dirty="0"/>
+            <a:r xmlns:a="http://schemas.openxmlformats.org/drawingml/2006/main">
+              <a:rPr lang="en" b="1" dirty="0" smtClean="0"/>
+              <a:t>COUNTNOBLANC &amp; DISTINCTCOUNTNOBLANK</a:t>
+            </a:r>
+            <a:endParaRPr xmlns:a="http://schemas.openxmlformats.org/drawingml/2006/main" lang="en-US" b="1" dirty="0"/>
           </a:p>
         </p:txBody>
       </p:sp>
@@ -6869,7 +6946,7 @@
           </a:bodyPr>
           <a:lstStyle/>
           <a:p>
-            <a:pPr lvl="0">
+            <a:pPr xmlns:a="http://schemas.openxmlformats.org/drawingml/2006/main" lvl="0">
               <a:lnSpc>
                 <a:spcPct val="107000"/>
               </a:lnSpc>
@@ -6877,15 +6954,15 @@
                 <a:spcPts val="800"/>
               </a:spcAft>
             </a:pPr>
-            <a:r>
-              <a:rPr lang="en-US" dirty="0" smtClean="0">
+            <a:r xmlns:a="http://schemas.openxmlformats.org/drawingml/2006/main">
+              <a:rPr lang="en" dirty="0" smtClean="0">
                 <a:latin typeface="Segoe UI" panose="020B0502040204020203" pitchFamily="34" charset="0"/>
                 <a:ea typeface="Calibri" panose="020F0502020204030204" pitchFamily="34" charset="0"/>
                 <a:cs typeface="Times New Roman" panose="02020603050405020304" pitchFamily="18" charset="0"/>
               </a:rPr>
               <a:t>Note that there are 19 entries that match non-empty product names</a:t>
             </a:r>
-            <a:endParaRPr lang="en-US" sz="1400" dirty="0">
+            <a:endParaRPr xmlns:a="http://schemas.openxmlformats.org/drawingml/2006/main" lang="en-US" sz="1400" dirty="0">
               <a:effectLst/>
               <a:latin typeface="Calibri" panose="020F0502020204030204" pitchFamily="34" charset="0"/>
               <a:ea typeface="Calibri" panose="020F0502020204030204" pitchFamily="34" charset="0"/>
@@ -7018,8 +7095,8 @@
         </p:nvSpPr>
         <p:spPr>
           <a:xfrm>
-            <a:off x="2916199" y="2162433"/>
-            <a:ext cx="6230360" cy="1569660"/>
+            <a:off x="4359988" y="2389315"/>
+            <a:ext cx="3456395" cy="1569660"/>
           </a:xfrm>
           <a:prstGeom prst="rect">
             <a:avLst/>
@@ -7032,8 +7109,8 @@
           </a:bodyPr>
           <a:lstStyle/>
           <a:p>
-            <a:r>
-              <a:rPr lang="en-US" sz="9600" b="1" dirty="0" smtClean="0">
+            <a:r xmlns:a="http://schemas.openxmlformats.org/drawingml/2006/main">
+              <a:rPr lang="en" sz="9600" b="1" dirty="0" smtClean="0">
                 <a:solidFill>
                   <a:srgbClr val="7030A0"/>
                 </a:solidFill>
@@ -7041,9 +7118,9 @@
                 <a:ea typeface="Verdana" panose="020B0604030504040204" pitchFamily="34" charset="0"/>
                 <a:cs typeface="Segoe UI" panose="020B0502040204020203" pitchFamily="34" charset="0"/>
               </a:rPr>
-              <a:t>Thank you</a:t>
-            </a:r>
-            <a:endParaRPr lang="en-US" sz="9600" b="1" dirty="0">
+              <a:t>THANKS</a:t>
+            </a:r>
+            <a:endParaRPr xmlns:a="http://schemas.openxmlformats.org/drawingml/2006/main" lang="en-US" sz="9600" b="1" dirty="0">
               <a:solidFill>
                 <a:srgbClr val="7030A0"/>
               </a:solidFill>
@@ -7062,8 +7139,8 @@
         </p:nvSpPr>
         <p:spPr>
           <a:xfrm>
-            <a:off x="2990336" y="2217861"/>
-            <a:ext cx="6230360" cy="1569660"/>
+            <a:off x="4289745" y="2320989"/>
+            <a:ext cx="3456395" cy="1569660"/>
           </a:xfrm>
           <a:prstGeom prst="rect">
             <a:avLst/>
@@ -7076,8 +7153,8 @@
           </a:bodyPr>
           <a:lstStyle/>
           <a:p>
-            <a:r>
-              <a:rPr lang="en-US" sz="9600" b="1" dirty="0" smtClean="0">
+            <a:r xmlns:a="http://schemas.openxmlformats.org/drawingml/2006/main">
+              <a:rPr lang="en" sz="9600" b="1" dirty="0" smtClean="0">
                 <a:solidFill>
                   <a:schemeClr val="bg1"/>
                 </a:solidFill>
@@ -7085,9 +7162,9 @@
                 <a:ea typeface="Verdana" panose="020B0604030504040204" pitchFamily="34" charset="0"/>
                 <a:cs typeface="Segoe UI" panose="020B0502040204020203" pitchFamily="34" charset="0"/>
               </a:rPr>
-              <a:t>Thank you</a:t>
-            </a:r>
-            <a:endParaRPr lang="en-US" sz="9600" b="1" dirty="0">
+              <a:t>THANKS</a:t>
+            </a:r>
+            <a:endParaRPr xmlns:a="http://schemas.openxmlformats.org/drawingml/2006/main" lang="en-US" sz="9600" b="1" dirty="0">
               <a:solidFill>
                 <a:schemeClr val="bg1"/>
               </a:solidFill>

--- a/English/5.DAX/6.COUNTNOBLANK and DISTINCTCOUNTNOBLANK.pptx
+++ b/English/5.DAX/6.COUNTNOBLANK and DISTINCTCOUNTNOBLANK.pptx
@@ -202,7 +202,7 @@
           <a:p>
             <a:fld id="{056BA3B8-9F76-4D81-B71D-76CB85363062}" type="datetimeFigureOut">
               <a:rPr lang="en-US" smtClean="0"/>
-              <a:t>2/26/2025</a:t>
+              <a:t>4/3/2025</a:t>
             </a:fld>
             <a:endParaRPr lang="en-US"/>
           </a:p>
@@ -601,7 +601,7 @@
           <a:p>
             <a:fld id="{6F01DA4D-20EA-48D2-973C-0311EC3005D6}" type="datetimeFigureOut">
               <a:rPr lang="en-US" smtClean="0"/>
-              <a:t>2/26/2025</a:t>
+              <a:t>4/3/2025</a:t>
             </a:fld>
             <a:endParaRPr lang="en-US"/>
           </a:p>
@@ -771,7 +771,7 @@
           <a:p>
             <a:fld id="{6F01DA4D-20EA-48D2-973C-0311EC3005D6}" type="datetimeFigureOut">
               <a:rPr lang="en-US" smtClean="0"/>
-              <a:t>2/26/2025</a:t>
+              <a:t>4/3/2025</a:t>
             </a:fld>
             <a:endParaRPr lang="en-US"/>
           </a:p>
@@ -951,7 +951,7 @@
           <a:p>
             <a:fld id="{6F01DA4D-20EA-48D2-973C-0311EC3005D6}" type="datetimeFigureOut">
               <a:rPr lang="en-US" smtClean="0"/>
-              <a:t>2/26/2025</a:t>
+              <a:t>4/3/2025</a:t>
             </a:fld>
             <a:endParaRPr lang="en-US"/>
           </a:p>
@@ -1121,7 +1121,7 @@
           <a:p>
             <a:fld id="{6F01DA4D-20EA-48D2-973C-0311EC3005D6}" type="datetimeFigureOut">
               <a:rPr lang="en-US" smtClean="0"/>
-              <a:t>2/26/2025</a:t>
+              <a:t>4/3/2025</a:t>
             </a:fld>
             <a:endParaRPr lang="en-US"/>
           </a:p>
@@ -1367,7 +1367,7 @@
           <a:p>
             <a:fld id="{6F01DA4D-20EA-48D2-973C-0311EC3005D6}" type="datetimeFigureOut">
               <a:rPr lang="en-US" smtClean="0"/>
-              <a:t>2/26/2025</a:t>
+              <a:t>4/3/2025</a:t>
             </a:fld>
             <a:endParaRPr lang="en-US"/>
           </a:p>
@@ -1599,7 +1599,7 @@
           <a:p>
             <a:fld id="{6F01DA4D-20EA-48D2-973C-0311EC3005D6}" type="datetimeFigureOut">
               <a:rPr lang="en-US" smtClean="0"/>
-              <a:t>2/26/2025</a:t>
+              <a:t>4/3/2025</a:t>
             </a:fld>
             <a:endParaRPr lang="en-US"/>
           </a:p>
@@ -1966,7 +1966,7 @@
           <a:p>
             <a:fld id="{6F01DA4D-20EA-48D2-973C-0311EC3005D6}" type="datetimeFigureOut">
               <a:rPr lang="en-US" smtClean="0"/>
-              <a:t>2/26/2025</a:t>
+              <a:t>4/3/2025</a:t>
             </a:fld>
             <a:endParaRPr lang="en-US"/>
           </a:p>
@@ -2084,7 +2084,7 @@
           <a:p>
             <a:fld id="{6F01DA4D-20EA-48D2-973C-0311EC3005D6}" type="datetimeFigureOut">
               <a:rPr lang="en-US" smtClean="0"/>
-              <a:t>2/26/2025</a:t>
+              <a:t>4/3/2025</a:t>
             </a:fld>
             <a:endParaRPr lang="en-US"/>
           </a:p>
@@ -2179,7 +2179,7 @@
           <a:p>
             <a:fld id="{6F01DA4D-20EA-48D2-973C-0311EC3005D6}" type="datetimeFigureOut">
               <a:rPr lang="en-US" smtClean="0"/>
-              <a:t>2/26/2025</a:t>
+              <a:t>4/3/2025</a:t>
             </a:fld>
             <a:endParaRPr lang="en-US"/>
           </a:p>
@@ -2456,7 +2456,7 @@
           <a:p>
             <a:fld id="{6F01DA4D-20EA-48D2-973C-0311EC3005D6}" type="datetimeFigureOut">
               <a:rPr lang="en-US" smtClean="0"/>
-              <a:t>2/26/2025</a:t>
+              <a:t>4/3/2025</a:t>
             </a:fld>
             <a:endParaRPr lang="en-US"/>
           </a:p>
@@ -2709,7 +2709,7 @@
           <a:p>
             <a:fld id="{6F01DA4D-20EA-48D2-973C-0311EC3005D6}" type="datetimeFigureOut">
               <a:rPr lang="en-US" smtClean="0"/>
-              <a:t>2/26/2025</a:t>
+              <a:t>4/3/2025</a:t>
             </a:fld>
             <a:endParaRPr lang="en-US"/>
           </a:p>
@@ -2922,7 +2922,7 @@
           <a:p>
             <a:fld id="{6F01DA4D-20EA-48D2-973C-0311EC3005D6}" type="datetimeFigureOut">
               <a:rPr lang="en-US" smtClean="0"/>
-              <a:t>2/26/2025</a:t>
+              <a:t>4/3/2025</a:t>
             </a:fld>
             <a:endParaRPr lang="en-US"/>
           </a:p>
@@ -3357,8 +3357,8 @@
           </a:bodyPr>
           <a:lstStyle/>
           <a:p>
-            <a:pPr xmlns:a="http://schemas.openxmlformats.org/drawingml/2006/main" algn="ctr"/>
-            <a:r xmlns:a="http://schemas.openxmlformats.org/drawingml/2006/main">
+            <a:pPr algn="ctr"/>
+            <a:r>
               <a:rPr lang="en" sz="6600" b="1" dirty="0" smtClean="0">
                 <a:solidFill>
                   <a:srgbClr val="7030A0"/>
@@ -3371,8 +3371,8 @@
             </a:r>
           </a:p>
           <a:p>
-            <a:pPr xmlns:a="http://schemas.openxmlformats.org/drawingml/2006/main" algn="ctr"/>
-            <a:r xmlns:a="http://schemas.openxmlformats.org/drawingml/2006/main">
+            <a:pPr algn="ctr"/>
+            <a:r>
               <a:rPr lang="en" sz="6600" b="1" dirty="0" smtClean="0">
                 <a:solidFill>
                   <a:srgbClr val="7030A0"/>
@@ -3383,7 +3383,7 @@
               </a:rPr>
               <a:t>&amp;</a:t>
             </a:r>
-            <a:endParaRPr xmlns:a="http://schemas.openxmlformats.org/drawingml/2006/main" lang="fr-FR" sz="6600" b="1" dirty="0" smtClean="0">
+            <a:endParaRPr lang="fr-FR" sz="6600" b="1" dirty="0" smtClean="0">
               <a:solidFill>
                 <a:srgbClr val="7030A0"/>
               </a:solidFill>
@@ -3393,8 +3393,8 @@
             </a:endParaRPr>
           </a:p>
           <a:p>
-            <a:pPr xmlns:a="http://schemas.openxmlformats.org/drawingml/2006/main" algn="ctr"/>
-            <a:r xmlns:a="http://schemas.openxmlformats.org/drawingml/2006/main">
+            <a:pPr algn="ctr"/>
+            <a:r>
               <a:rPr lang="en" sz="6600" b="1" dirty="0" smtClean="0">
                 <a:solidFill>
                   <a:srgbClr val="7030A0"/>
@@ -3430,8 +3430,8 @@
           </a:bodyPr>
           <a:lstStyle/>
           <a:p>
-            <a:pPr xmlns:a="http://schemas.openxmlformats.org/drawingml/2006/main" algn="ctr"/>
-            <a:r xmlns:a="http://schemas.openxmlformats.org/drawingml/2006/main">
+            <a:pPr algn="ctr"/>
+            <a:r>
               <a:rPr lang="en" sz="6600" b="1" dirty="0" smtClean="0">
                 <a:solidFill>
                   <a:schemeClr val="bg1"/>
@@ -3444,8 +3444,8 @@
             </a:r>
           </a:p>
           <a:p>
-            <a:pPr xmlns:a="http://schemas.openxmlformats.org/drawingml/2006/main" algn="ctr"/>
-            <a:r xmlns:a="http://schemas.openxmlformats.org/drawingml/2006/main">
+            <a:pPr algn="ctr"/>
+            <a:r>
               <a:rPr lang="en" sz="6600" b="1" dirty="0" smtClean="0">
                 <a:solidFill>
                   <a:schemeClr val="bg1"/>
@@ -3456,7 +3456,7 @@
               </a:rPr>
               <a:t>&amp;</a:t>
             </a:r>
-            <a:endParaRPr xmlns:a="http://schemas.openxmlformats.org/drawingml/2006/main" lang="fr-FR" sz="6600" b="1" dirty="0" smtClean="0">
+            <a:endParaRPr lang="fr-FR" sz="6600" b="1" dirty="0" smtClean="0">
               <a:solidFill>
                 <a:schemeClr val="bg1"/>
               </a:solidFill>
@@ -3466,8 +3466,8 @@
             </a:endParaRPr>
           </a:p>
           <a:p>
-            <a:pPr xmlns:a="http://schemas.openxmlformats.org/drawingml/2006/main" algn="ctr"/>
-            <a:r xmlns:a="http://schemas.openxmlformats.org/drawingml/2006/main">
+            <a:pPr algn="ctr"/>
+            <a:r>
               <a:rPr lang="en" sz="6600" b="1" dirty="0" smtClean="0">
                 <a:solidFill>
                   <a:schemeClr val="bg1"/>
@@ -3533,11 +3533,11 @@
           </a:bodyPr>
           <a:lstStyle/>
           <a:p>
-            <a:r xmlns:a="http://schemas.openxmlformats.org/drawingml/2006/main">
+            <a:r>
               <a:rPr lang="en" b="1" dirty="0" smtClean="0"/>
               <a:t>COUNTNOBLANC &amp; DISTINCTCOUNTNOBLANK</a:t>
             </a:r>
-            <a:endParaRPr xmlns:a="http://schemas.openxmlformats.org/drawingml/2006/main" lang="en-US" b="1" dirty="0"/>
+            <a:endParaRPr lang="en-US" b="1" dirty="0"/>
           </a:p>
         </p:txBody>
       </p:sp>
@@ -3601,108 +3601,108 @@
                     <a:bodyPr/>
                     <a:lstStyle/>
                     <a:p>
-                      <a:pPr xmlns:a="http://schemas.openxmlformats.org/drawingml/2006/main">
-                        <a:lnSpc>
-                          <a:spcPct val="107000"/>
-                        </a:lnSpc>
-                        <a:spcAft>
-                          <a:spcPts val="0"/>
-                        </a:spcAft>
-                      </a:pPr>
-                      <a:r xmlns:a="http://schemas.openxmlformats.org/drawingml/2006/main">
+                      <a:pPr>
+                        <a:lnSpc>
+                          <a:spcPct val="107000"/>
+                        </a:lnSpc>
+                        <a:spcAft>
+                          <a:spcPts val="0"/>
+                        </a:spcAft>
+                      </a:pPr>
+                      <a:r>
                         <a:rPr lang="en" sz="1400" dirty="0">
                           <a:effectLst/>
                         </a:rPr>
                         <a:t>ID</a:t>
                       </a:r>
-                      <a:endParaRPr xmlns:a="http://schemas.openxmlformats.org/drawingml/2006/main" lang="en-US" sz="1400" dirty="0">
-                        <a:effectLst/>
-                        <a:latin typeface="Calibri" panose="020F0502020204030204" pitchFamily="34" charset="0"/>
-                        <a:ea typeface="Calibri" panose="020F0502020204030204" pitchFamily="34" charset="0"/>
-                        <a:cs typeface="Times New Roman" panose="02020603050405020304" pitchFamily="18" charset="0"/>
-                      </a:endParaRPr>
-                    </a:p>
-                  </a:txBody>
-                  <a:tcPr marL="68580" marR="68580" marT="0" marB="0" anchor="b"/>
-                </a:tc>
-                <a:tc>
-                  <a:txBody>
-                    <a:bodyPr/>
-                    <a:lstStyle/>
-                    <a:p>
-                      <a:pPr xmlns:a="http://schemas.openxmlformats.org/drawingml/2006/main">
-                        <a:lnSpc>
-                          <a:spcPct val="107000"/>
-                        </a:lnSpc>
-                        <a:spcAft>
-                          <a:spcPts val="0"/>
-                        </a:spcAft>
-                      </a:pPr>
-                      <a:r xmlns:a="http://schemas.openxmlformats.org/drawingml/2006/main">
+                      <a:endParaRPr lang="en-US" sz="1400" dirty="0">
+                        <a:effectLst/>
+                        <a:latin typeface="Calibri" panose="020F0502020204030204" pitchFamily="34" charset="0"/>
+                        <a:ea typeface="Calibri" panose="020F0502020204030204" pitchFamily="34" charset="0"/>
+                        <a:cs typeface="Times New Roman" panose="02020603050405020304" pitchFamily="18" charset="0"/>
+                      </a:endParaRPr>
+                    </a:p>
+                  </a:txBody>
+                  <a:tcPr marL="68580" marR="68580" marT="0" marB="0" anchor="b"/>
+                </a:tc>
+                <a:tc>
+                  <a:txBody>
+                    <a:bodyPr/>
+                    <a:lstStyle/>
+                    <a:p>
+                      <a:pPr>
+                        <a:lnSpc>
+                          <a:spcPct val="107000"/>
+                        </a:lnSpc>
+                        <a:spcAft>
+                          <a:spcPts val="0"/>
+                        </a:spcAft>
+                      </a:pPr>
+                      <a:r>
                         <a:rPr lang="en" sz="1400">
                           <a:effectLst/>
                         </a:rPr>
                         <a:t>Name</a:t>
                       </a:r>
-                      <a:endParaRPr xmlns:a="http://schemas.openxmlformats.org/drawingml/2006/main" lang="en-US" sz="1400">
-                        <a:effectLst/>
-                        <a:latin typeface="Calibri" panose="020F0502020204030204" pitchFamily="34" charset="0"/>
-                        <a:ea typeface="Calibri" panose="020F0502020204030204" pitchFamily="34" charset="0"/>
-                        <a:cs typeface="Times New Roman" panose="02020603050405020304" pitchFamily="18" charset="0"/>
-                      </a:endParaRPr>
-                    </a:p>
-                  </a:txBody>
-                  <a:tcPr marL="68580" marR="68580" marT="0" marB="0" anchor="b"/>
-                </a:tc>
-                <a:tc>
-                  <a:txBody>
-                    <a:bodyPr/>
-                    <a:lstStyle/>
-                    <a:p>
-                      <a:pPr xmlns:a="http://schemas.openxmlformats.org/drawingml/2006/main">
-                        <a:lnSpc>
-                          <a:spcPct val="107000"/>
-                        </a:lnSpc>
-                        <a:spcAft>
-                          <a:spcPts val="0"/>
-                        </a:spcAft>
-                      </a:pPr>
-                      <a:r xmlns:a="http://schemas.openxmlformats.org/drawingml/2006/main">
+                      <a:endParaRPr lang="en-US" sz="1400">
+                        <a:effectLst/>
+                        <a:latin typeface="Calibri" panose="020F0502020204030204" pitchFamily="34" charset="0"/>
+                        <a:ea typeface="Calibri" panose="020F0502020204030204" pitchFamily="34" charset="0"/>
+                        <a:cs typeface="Times New Roman" panose="02020603050405020304" pitchFamily="18" charset="0"/>
+                      </a:endParaRPr>
+                    </a:p>
+                  </a:txBody>
+                  <a:tcPr marL="68580" marR="68580" marT="0" marB="0" anchor="b"/>
+                </a:tc>
+                <a:tc>
+                  <a:txBody>
+                    <a:bodyPr/>
+                    <a:lstStyle/>
+                    <a:p>
+                      <a:pPr>
+                        <a:lnSpc>
+                          <a:spcPct val="107000"/>
+                        </a:lnSpc>
+                        <a:spcAft>
+                          <a:spcPts val="0"/>
+                        </a:spcAft>
+                      </a:pPr>
+                      <a:r>
                         <a:rPr lang="en" sz="1400">
                           <a:effectLst/>
                         </a:rPr>
                         <a:t>Quantity</a:t>
                       </a:r>
-                      <a:endParaRPr xmlns:a="http://schemas.openxmlformats.org/drawingml/2006/main" lang="en-US" sz="1400">
-                        <a:effectLst/>
-                        <a:latin typeface="Calibri" panose="020F0502020204030204" pitchFamily="34" charset="0"/>
-                        <a:ea typeface="Calibri" panose="020F0502020204030204" pitchFamily="34" charset="0"/>
-                        <a:cs typeface="Times New Roman" panose="02020603050405020304" pitchFamily="18" charset="0"/>
-                      </a:endParaRPr>
-                    </a:p>
-                  </a:txBody>
-                  <a:tcPr marL="68580" marR="68580" marT="0" marB="0" anchor="b"/>
-                </a:tc>
-                <a:tc>
-                  <a:txBody>
-                    <a:bodyPr/>
-                    <a:lstStyle/>
-                    <a:p>
-                      <a:pPr xmlns:a="http://schemas.openxmlformats.org/drawingml/2006/main">
-                        <a:lnSpc>
-                          <a:spcPct val="107000"/>
-                        </a:lnSpc>
-                        <a:spcAft>
-                          <a:spcPts val="0"/>
-                        </a:spcAft>
-                      </a:pPr>
-                      <a:r xmlns:a="http://schemas.openxmlformats.org/drawingml/2006/main">
+                      <a:endParaRPr lang="en-US" sz="1400">
+                        <a:effectLst/>
+                        <a:latin typeface="Calibri" panose="020F0502020204030204" pitchFamily="34" charset="0"/>
+                        <a:ea typeface="Calibri" panose="020F0502020204030204" pitchFamily="34" charset="0"/>
+                        <a:cs typeface="Times New Roman" panose="02020603050405020304" pitchFamily="18" charset="0"/>
+                      </a:endParaRPr>
+                    </a:p>
+                  </a:txBody>
+                  <a:tcPr marL="68580" marR="68580" marT="0" marB="0" anchor="b"/>
+                </a:tc>
+                <a:tc>
+                  <a:txBody>
+                    <a:bodyPr/>
+                    <a:lstStyle/>
+                    <a:p>
+                      <a:pPr>
+                        <a:lnSpc>
+                          <a:spcPct val="107000"/>
+                        </a:lnSpc>
+                        <a:spcAft>
+                          <a:spcPts val="0"/>
+                        </a:spcAft>
+                      </a:pPr>
+                      <a:r>
                         <a:rPr lang="en" sz="1400">
                           <a:effectLst/>
                         </a:rPr>
                         <a:t>Price</a:t>
                       </a:r>
-                      <a:endParaRPr xmlns:a="http://schemas.openxmlformats.org/drawingml/2006/main" lang="en-US" sz="1400">
+                      <a:endParaRPr lang="en-US" sz="1400">
                         <a:effectLst/>
                         <a:latin typeface="Calibri" panose="020F0502020204030204" pitchFamily="34" charset="0"/>
                         <a:ea typeface="Calibri" panose="020F0502020204030204" pitchFamily="34" charset="0"/>
@@ -3724,108 +3724,108 @@
                     <a:bodyPr/>
                     <a:lstStyle/>
                     <a:p>
-                      <a:pPr xmlns:a="http://schemas.openxmlformats.org/drawingml/2006/main" algn="r">
-                        <a:lnSpc>
-                          <a:spcPct val="107000"/>
-                        </a:lnSpc>
-                        <a:spcAft>
-                          <a:spcPts val="0"/>
-                        </a:spcAft>
-                      </a:pPr>
-                      <a:r xmlns:a="http://schemas.openxmlformats.org/drawingml/2006/main">
+                      <a:pPr algn="r">
+                        <a:lnSpc>
+                          <a:spcPct val="107000"/>
+                        </a:lnSpc>
+                        <a:spcAft>
+                          <a:spcPts val="0"/>
+                        </a:spcAft>
+                      </a:pPr>
+                      <a:r>
                         <a:rPr lang="en" sz="1400">
                           <a:effectLst/>
                         </a:rPr>
                         <a:t>1</a:t>
                       </a:r>
-                      <a:endParaRPr xmlns:a="http://schemas.openxmlformats.org/drawingml/2006/main" lang="en-US" sz="1400">
-                        <a:effectLst/>
-                        <a:latin typeface="Calibri" panose="020F0502020204030204" pitchFamily="34" charset="0"/>
-                        <a:ea typeface="Calibri" panose="020F0502020204030204" pitchFamily="34" charset="0"/>
-                        <a:cs typeface="Times New Roman" panose="02020603050405020304" pitchFamily="18" charset="0"/>
-                      </a:endParaRPr>
-                    </a:p>
-                  </a:txBody>
-                  <a:tcPr marL="68580" marR="68580" marT="0" marB="0" anchor="b"/>
-                </a:tc>
-                <a:tc>
-                  <a:txBody>
-                    <a:bodyPr/>
-                    <a:lstStyle/>
-                    <a:p>
-                      <a:pPr xmlns:a="http://schemas.openxmlformats.org/drawingml/2006/main">
-                        <a:lnSpc>
-                          <a:spcPct val="107000"/>
-                        </a:lnSpc>
-                        <a:spcAft>
-                          <a:spcPts val="0"/>
-                        </a:spcAft>
-                      </a:pPr>
-                      <a:r xmlns:a="http://schemas.openxmlformats.org/drawingml/2006/main">
+                      <a:endParaRPr lang="en-US" sz="1400">
+                        <a:effectLst/>
+                        <a:latin typeface="Calibri" panose="020F0502020204030204" pitchFamily="34" charset="0"/>
+                        <a:ea typeface="Calibri" panose="020F0502020204030204" pitchFamily="34" charset="0"/>
+                        <a:cs typeface="Times New Roman" panose="02020603050405020304" pitchFamily="18" charset="0"/>
+                      </a:endParaRPr>
+                    </a:p>
+                  </a:txBody>
+                  <a:tcPr marL="68580" marR="68580" marT="0" marB="0" anchor="b"/>
+                </a:tc>
+                <a:tc>
+                  <a:txBody>
+                    <a:bodyPr/>
+                    <a:lstStyle/>
+                    <a:p>
+                      <a:pPr>
+                        <a:lnSpc>
+                          <a:spcPct val="107000"/>
+                        </a:lnSpc>
+                        <a:spcAft>
+                          <a:spcPts val="0"/>
+                        </a:spcAft>
+                      </a:pPr>
+                      <a:r>
                         <a:rPr lang="en" sz="1400">
                           <a:effectLst/>
                         </a:rPr>
                         <a:t>ProductA</a:t>
                       </a:r>
-                      <a:endParaRPr xmlns:a="http://schemas.openxmlformats.org/drawingml/2006/main" lang="en-US" sz="1400">
-                        <a:effectLst/>
-                        <a:latin typeface="Calibri" panose="020F0502020204030204" pitchFamily="34" charset="0"/>
-                        <a:ea typeface="Calibri" panose="020F0502020204030204" pitchFamily="34" charset="0"/>
-                        <a:cs typeface="Times New Roman" panose="02020603050405020304" pitchFamily="18" charset="0"/>
-                      </a:endParaRPr>
-                    </a:p>
-                  </a:txBody>
-                  <a:tcPr marL="68580" marR="68580" marT="0" marB="0" anchor="b"/>
-                </a:tc>
-                <a:tc>
-                  <a:txBody>
-                    <a:bodyPr/>
-                    <a:lstStyle/>
-                    <a:p>
-                      <a:pPr xmlns:a="http://schemas.openxmlformats.org/drawingml/2006/main" algn="r">
-                        <a:lnSpc>
-                          <a:spcPct val="107000"/>
-                        </a:lnSpc>
-                        <a:spcAft>
-                          <a:spcPts val="0"/>
-                        </a:spcAft>
-                      </a:pPr>
-                      <a:r xmlns:a="http://schemas.openxmlformats.org/drawingml/2006/main">
+                      <a:endParaRPr lang="en-US" sz="1400">
+                        <a:effectLst/>
+                        <a:latin typeface="Calibri" panose="020F0502020204030204" pitchFamily="34" charset="0"/>
+                        <a:ea typeface="Calibri" panose="020F0502020204030204" pitchFamily="34" charset="0"/>
+                        <a:cs typeface="Times New Roman" panose="02020603050405020304" pitchFamily="18" charset="0"/>
+                      </a:endParaRPr>
+                    </a:p>
+                  </a:txBody>
+                  <a:tcPr marL="68580" marR="68580" marT="0" marB="0" anchor="b"/>
+                </a:tc>
+                <a:tc>
+                  <a:txBody>
+                    <a:bodyPr/>
+                    <a:lstStyle/>
+                    <a:p>
+                      <a:pPr algn="r">
+                        <a:lnSpc>
+                          <a:spcPct val="107000"/>
+                        </a:lnSpc>
+                        <a:spcAft>
+                          <a:spcPts val="0"/>
+                        </a:spcAft>
+                      </a:pPr>
+                      <a:r>
                         <a:rPr lang="en" sz="1400">
                           <a:effectLst/>
                         </a:rPr>
                         <a:t>296</a:t>
                       </a:r>
-                      <a:endParaRPr xmlns:a="http://schemas.openxmlformats.org/drawingml/2006/main" lang="en-US" sz="1400">
-                        <a:effectLst/>
-                        <a:latin typeface="Calibri" panose="020F0502020204030204" pitchFamily="34" charset="0"/>
-                        <a:ea typeface="Calibri" panose="020F0502020204030204" pitchFamily="34" charset="0"/>
-                        <a:cs typeface="Times New Roman" panose="02020603050405020304" pitchFamily="18" charset="0"/>
-                      </a:endParaRPr>
-                    </a:p>
-                  </a:txBody>
-                  <a:tcPr marL="68580" marR="68580" marT="0" marB="0" anchor="b"/>
-                </a:tc>
-                <a:tc>
-                  <a:txBody>
-                    <a:bodyPr/>
-                    <a:lstStyle/>
-                    <a:p>
-                      <a:pPr xmlns:a="http://schemas.openxmlformats.org/drawingml/2006/main" algn="r">
-                        <a:lnSpc>
-                          <a:spcPct val="107000"/>
-                        </a:lnSpc>
-                        <a:spcAft>
-                          <a:spcPts val="0"/>
-                        </a:spcAft>
-                      </a:pPr>
-                      <a:r xmlns:a="http://schemas.openxmlformats.org/drawingml/2006/main">
+                      <a:endParaRPr lang="en-US" sz="1400">
+                        <a:effectLst/>
+                        <a:latin typeface="Calibri" panose="020F0502020204030204" pitchFamily="34" charset="0"/>
+                        <a:ea typeface="Calibri" panose="020F0502020204030204" pitchFamily="34" charset="0"/>
+                        <a:cs typeface="Times New Roman" panose="02020603050405020304" pitchFamily="18" charset="0"/>
+                      </a:endParaRPr>
+                    </a:p>
+                  </a:txBody>
+                  <a:tcPr marL="68580" marR="68580" marT="0" marB="0" anchor="b"/>
+                </a:tc>
+                <a:tc>
+                  <a:txBody>
+                    <a:bodyPr/>
+                    <a:lstStyle/>
+                    <a:p>
+                      <a:pPr algn="r">
+                        <a:lnSpc>
+                          <a:spcPct val="107000"/>
+                        </a:lnSpc>
+                        <a:spcAft>
+                          <a:spcPts val="0"/>
+                        </a:spcAft>
+                      </a:pPr>
+                      <a:r>
                         <a:rPr lang="en" sz="1400">
                           <a:effectLst/>
                         </a:rPr>
                         <a:t>29</a:t>
                       </a:r>
-                      <a:endParaRPr xmlns:a="http://schemas.openxmlformats.org/drawingml/2006/main" lang="en-US" sz="1400">
+                      <a:endParaRPr lang="en-US" sz="1400">
                         <a:effectLst/>
                         <a:latin typeface="Calibri" panose="020F0502020204030204" pitchFamily="34" charset="0"/>
                         <a:ea typeface="Calibri" panose="020F0502020204030204" pitchFamily="34" charset="0"/>
@@ -3847,108 +3847,108 @@
                     <a:bodyPr/>
                     <a:lstStyle/>
                     <a:p>
-                      <a:pPr xmlns:a="http://schemas.openxmlformats.org/drawingml/2006/main" algn="r">
-                        <a:lnSpc>
-                          <a:spcPct val="107000"/>
-                        </a:lnSpc>
-                        <a:spcAft>
-                          <a:spcPts val="0"/>
-                        </a:spcAft>
-                      </a:pPr>
-                      <a:r xmlns:a="http://schemas.openxmlformats.org/drawingml/2006/main">
+                      <a:pPr algn="r">
+                        <a:lnSpc>
+                          <a:spcPct val="107000"/>
+                        </a:lnSpc>
+                        <a:spcAft>
+                          <a:spcPts val="0"/>
+                        </a:spcAft>
+                      </a:pPr>
+                      <a:r>
                         <a:rPr lang="en" sz="1400">
                           <a:effectLst/>
                         </a:rPr>
                         <a:t>2</a:t>
                       </a:r>
-                      <a:endParaRPr xmlns:a="http://schemas.openxmlformats.org/drawingml/2006/main" lang="en-US" sz="1400">
-                        <a:effectLst/>
-                        <a:latin typeface="Calibri" panose="020F0502020204030204" pitchFamily="34" charset="0"/>
-                        <a:ea typeface="Calibri" panose="020F0502020204030204" pitchFamily="34" charset="0"/>
-                        <a:cs typeface="Times New Roman" panose="02020603050405020304" pitchFamily="18" charset="0"/>
-                      </a:endParaRPr>
-                    </a:p>
-                  </a:txBody>
-                  <a:tcPr marL="68580" marR="68580" marT="0" marB="0" anchor="b"/>
-                </a:tc>
-                <a:tc>
-                  <a:txBody>
-                    <a:bodyPr/>
-                    <a:lstStyle/>
-                    <a:p>
-                      <a:pPr xmlns:a="http://schemas.openxmlformats.org/drawingml/2006/main">
-                        <a:lnSpc>
-                          <a:spcPct val="107000"/>
-                        </a:lnSpc>
-                        <a:spcAft>
-                          <a:spcPts val="0"/>
-                        </a:spcAft>
-                      </a:pPr>
-                      <a:r xmlns:a="http://schemas.openxmlformats.org/drawingml/2006/main">
+                      <a:endParaRPr lang="en-US" sz="1400">
+                        <a:effectLst/>
+                        <a:latin typeface="Calibri" panose="020F0502020204030204" pitchFamily="34" charset="0"/>
+                        <a:ea typeface="Calibri" panose="020F0502020204030204" pitchFamily="34" charset="0"/>
+                        <a:cs typeface="Times New Roman" panose="02020603050405020304" pitchFamily="18" charset="0"/>
+                      </a:endParaRPr>
+                    </a:p>
+                  </a:txBody>
+                  <a:tcPr marL="68580" marR="68580" marT="0" marB="0" anchor="b"/>
+                </a:tc>
+                <a:tc>
+                  <a:txBody>
+                    <a:bodyPr/>
+                    <a:lstStyle/>
+                    <a:p>
+                      <a:pPr>
+                        <a:lnSpc>
+                          <a:spcPct val="107000"/>
+                        </a:lnSpc>
+                        <a:spcAft>
+                          <a:spcPts val="0"/>
+                        </a:spcAft>
+                      </a:pPr>
+                      <a:r>
                         <a:rPr lang="en" sz="1400">
                           <a:effectLst/>
                         </a:rPr>
                         <a:t>ProductB</a:t>
                       </a:r>
-                      <a:endParaRPr xmlns:a="http://schemas.openxmlformats.org/drawingml/2006/main" lang="en-US" sz="1400">
-                        <a:effectLst/>
-                        <a:latin typeface="Calibri" panose="020F0502020204030204" pitchFamily="34" charset="0"/>
-                        <a:ea typeface="Calibri" panose="020F0502020204030204" pitchFamily="34" charset="0"/>
-                        <a:cs typeface="Times New Roman" panose="02020603050405020304" pitchFamily="18" charset="0"/>
-                      </a:endParaRPr>
-                    </a:p>
-                  </a:txBody>
-                  <a:tcPr marL="68580" marR="68580" marT="0" marB="0" anchor="b"/>
-                </a:tc>
-                <a:tc>
-                  <a:txBody>
-                    <a:bodyPr/>
-                    <a:lstStyle/>
-                    <a:p>
-                      <a:pPr xmlns:a="http://schemas.openxmlformats.org/drawingml/2006/main" algn="r">
-                        <a:lnSpc>
-                          <a:spcPct val="107000"/>
-                        </a:lnSpc>
-                        <a:spcAft>
-                          <a:spcPts val="0"/>
-                        </a:spcAft>
-                      </a:pPr>
-                      <a:r xmlns:a="http://schemas.openxmlformats.org/drawingml/2006/main">
+                      <a:endParaRPr lang="en-US" sz="1400">
+                        <a:effectLst/>
+                        <a:latin typeface="Calibri" panose="020F0502020204030204" pitchFamily="34" charset="0"/>
+                        <a:ea typeface="Calibri" panose="020F0502020204030204" pitchFamily="34" charset="0"/>
+                        <a:cs typeface="Times New Roman" panose="02020603050405020304" pitchFamily="18" charset="0"/>
+                      </a:endParaRPr>
+                    </a:p>
+                  </a:txBody>
+                  <a:tcPr marL="68580" marR="68580" marT="0" marB="0" anchor="b"/>
+                </a:tc>
+                <a:tc>
+                  <a:txBody>
+                    <a:bodyPr/>
+                    <a:lstStyle/>
+                    <a:p>
+                      <a:pPr algn="r">
+                        <a:lnSpc>
+                          <a:spcPct val="107000"/>
+                        </a:lnSpc>
+                        <a:spcAft>
+                          <a:spcPts val="0"/>
+                        </a:spcAft>
+                      </a:pPr>
+                      <a:r>
                         <a:rPr lang="en" sz="1400">
                           <a:effectLst/>
                         </a:rPr>
                         <a:t>387</a:t>
                       </a:r>
-                      <a:endParaRPr xmlns:a="http://schemas.openxmlformats.org/drawingml/2006/main" lang="en-US" sz="1400">
-                        <a:effectLst/>
-                        <a:latin typeface="Calibri" panose="020F0502020204030204" pitchFamily="34" charset="0"/>
-                        <a:ea typeface="Calibri" panose="020F0502020204030204" pitchFamily="34" charset="0"/>
-                        <a:cs typeface="Times New Roman" panose="02020603050405020304" pitchFamily="18" charset="0"/>
-                      </a:endParaRPr>
-                    </a:p>
-                  </a:txBody>
-                  <a:tcPr marL="68580" marR="68580" marT="0" marB="0" anchor="b"/>
-                </a:tc>
-                <a:tc>
-                  <a:txBody>
-                    <a:bodyPr/>
-                    <a:lstStyle/>
-                    <a:p>
-                      <a:pPr xmlns:a="http://schemas.openxmlformats.org/drawingml/2006/main" algn="r">
-                        <a:lnSpc>
-                          <a:spcPct val="107000"/>
-                        </a:lnSpc>
-                        <a:spcAft>
-                          <a:spcPts val="0"/>
-                        </a:spcAft>
-                      </a:pPr>
-                      <a:r xmlns:a="http://schemas.openxmlformats.org/drawingml/2006/main">
+                      <a:endParaRPr lang="en-US" sz="1400">
+                        <a:effectLst/>
+                        <a:latin typeface="Calibri" panose="020F0502020204030204" pitchFamily="34" charset="0"/>
+                        <a:ea typeface="Calibri" panose="020F0502020204030204" pitchFamily="34" charset="0"/>
+                        <a:cs typeface="Times New Roman" panose="02020603050405020304" pitchFamily="18" charset="0"/>
+                      </a:endParaRPr>
+                    </a:p>
+                  </a:txBody>
+                  <a:tcPr marL="68580" marR="68580" marT="0" marB="0" anchor="b"/>
+                </a:tc>
+                <a:tc>
+                  <a:txBody>
+                    <a:bodyPr/>
+                    <a:lstStyle/>
+                    <a:p>
+                      <a:pPr algn="r">
+                        <a:lnSpc>
+                          <a:spcPct val="107000"/>
+                        </a:lnSpc>
+                        <a:spcAft>
+                          <a:spcPts val="0"/>
+                        </a:spcAft>
+                      </a:pPr>
+                      <a:r>
                         <a:rPr lang="en" sz="1400">
                           <a:effectLst/>
                         </a:rPr>
                         <a:t>22</a:t>
                       </a:r>
-                      <a:endParaRPr xmlns:a="http://schemas.openxmlformats.org/drawingml/2006/main" lang="en-US" sz="1400">
+                      <a:endParaRPr lang="en-US" sz="1400">
                         <a:effectLst/>
                         <a:latin typeface="Calibri" panose="020F0502020204030204" pitchFamily="34" charset="0"/>
                         <a:ea typeface="Calibri" panose="020F0502020204030204" pitchFamily="34" charset="0"/>
@@ -3970,108 +3970,108 @@
                     <a:bodyPr/>
                     <a:lstStyle/>
                     <a:p>
-                      <a:pPr xmlns:a="http://schemas.openxmlformats.org/drawingml/2006/main" algn="r">
-                        <a:lnSpc>
-                          <a:spcPct val="107000"/>
-                        </a:lnSpc>
-                        <a:spcAft>
-                          <a:spcPts val="0"/>
-                        </a:spcAft>
-                      </a:pPr>
-                      <a:r xmlns:a="http://schemas.openxmlformats.org/drawingml/2006/main">
+                      <a:pPr algn="r">
+                        <a:lnSpc>
+                          <a:spcPct val="107000"/>
+                        </a:lnSpc>
+                        <a:spcAft>
+                          <a:spcPts val="0"/>
+                        </a:spcAft>
+                      </a:pPr>
+                      <a:r>
                         <a:rPr lang="en" sz="1400">
                           <a:effectLst/>
                         </a:rPr>
                         <a:t>3</a:t>
                       </a:r>
-                      <a:endParaRPr xmlns:a="http://schemas.openxmlformats.org/drawingml/2006/main" lang="en-US" sz="1400">
-                        <a:effectLst/>
-                        <a:latin typeface="Calibri" panose="020F0502020204030204" pitchFamily="34" charset="0"/>
-                        <a:ea typeface="Calibri" panose="020F0502020204030204" pitchFamily="34" charset="0"/>
-                        <a:cs typeface="Times New Roman" panose="02020603050405020304" pitchFamily="18" charset="0"/>
-                      </a:endParaRPr>
-                    </a:p>
-                  </a:txBody>
-                  <a:tcPr marL="68580" marR="68580" marT="0" marB="0" anchor="b"/>
-                </a:tc>
-                <a:tc>
-                  <a:txBody>
-                    <a:bodyPr/>
-                    <a:lstStyle/>
-                    <a:p>
-                      <a:pPr xmlns:a="http://schemas.openxmlformats.org/drawingml/2006/main">
-                        <a:lnSpc>
-                          <a:spcPct val="107000"/>
-                        </a:lnSpc>
-                        <a:spcAft>
-                          <a:spcPts val="0"/>
-                        </a:spcAft>
-                      </a:pPr>
-                      <a:r xmlns:a="http://schemas.openxmlformats.org/drawingml/2006/main">
+                      <a:endParaRPr lang="en-US" sz="1400">
+                        <a:effectLst/>
+                        <a:latin typeface="Calibri" panose="020F0502020204030204" pitchFamily="34" charset="0"/>
+                        <a:ea typeface="Calibri" panose="020F0502020204030204" pitchFamily="34" charset="0"/>
+                        <a:cs typeface="Times New Roman" panose="02020603050405020304" pitchFamily="18" charset="0"/>
+                      </a:endParaRPr>
+                    </a:p>
+                  </a:txBody>
+                  <a:tcPr marL="68580" marR="68580" marT="0" marB="0" anchor="b"/>
+                </a:tc>
+                <a:tc>
+                  <a:txBody>
+                    <a:bodyPr/>
+                    <a:lstStyle/>
+                    <a:p>
+                      <a:pPr>
+                        <a:lnSpc>
+                          <a:spcPct val="107000"/>
+                        </a:lnSpc>
+                        <a:spcAft>
+                          <a:spcPts val="0"/>
+                        </a:spcAft>
+                      </a:pPr>
+                      <a:r>
                         <a:rPr lang="en" sz="1400">
                           <a:effectLst/>
                         </a:rPr>
                         <a:t>ProductC</a:t>
                       </a:r>
-                      <a:endParaRPr xmlns:a="http://schemas.openxmlformats.org/drawingml/2006/main" lang="en-US" sz="1400">
-                        <a:effectLst/>
-                        <a:latin typeface="Calibri" panose="020F0502020204030204" pitchFamily="34" charset="0"/>
-                        <a:ea typeface="Calibri" panose="020F0502020204030204" pitchFamily="34" charset="0"/>
-                        <a:cs typeface="Times New Roman" panose="02020603050405020304" pitchFamily="18" charset="0"/>
-                      </a:endParaRPr>
-                    </a:p>
-                  </a:txBody>
-                  <a:tcPr marL="68580" marR="68580" marT="0" marB="0" anchor="b"/>
-                </a:tc>
-                <a:tc>
-                  <a:txBody>
-                    <a:bodyPr/>
-                    <a:lstStyle/>
-                    <a:p>
-                      <a:pPr xmlns:a="http://schemas.openxmlformats.org/drawingml/2006/main" algn="r">
-                        <a:lnSpc>
-                          <a:spcPct val="107000"/>
-                        </a:lnSpc>
-                        <a:spcAft>
-                          <a:spcPts val="0"/>
-                        </a:spcAft>
-                      </a:pPr>
-                      <a:r xmlns:a="http://schemas.openxmlformats.org/drawingml/2006/main">
+                      <a:endParaRPr lang="en-US" sz="1400">
+                        <a:effectLst/>
+                        <a:latin typeface="Calibri" panose="020F0502020204030204" pitchFamily="34" charset="0"/>
+                        <a:ea typeface="Calibri" panose="020F0502020204030204" pitchFamily="34" charset="0"/>
+                        <a:cs typeface="Times New Roman" panose="02020603050405020304" pitchFamily="18" charset="0"/>
+                      </a:endParaRPr>
+                    </a:p>
+                  </a:txBody>
+                  <a:tcPr marL="68580" marR="68580" marT="0" marB="0" anchor="b"/>
+                </a:tc>
+                <a:tc>
+                  <a:txBody>
+                    <a:bodyPr/>
+                    <a:lstStyle/>
+                    <a:p>
+                      <a:pPr algn="r">
+                        <a:lnSpc>
+                          <a:spcPct val="107000"/>
+                        </a:lnSpc>
+                        <a:spcAft>
+                          <a:spcPts val="0"/>
+                        </a:spcAft>
+                      </a:pPr>
+                      <a:r>
                         <a:rPr lang="en" sz="1400">
                           <a:effectLst/>
                         </a:rPr>
                         <a:t>331</a:t>
                       </a:r>
-                      <a:endParaRPr xmlns:a="http://schemas.openxmlformats.org/drawingml/2006/main" lang="en-US" sz="1400">
-                        <a:effectLst/>
-                        <a:latin typeface="Calibri" panose="020F0502020204030204" pitchFamily="34" charset="0"/>
-                        <a:ea typeface="Calibri" panose="020F0502020204030204" pitchFamily="34" charset="0"/>
-                        <a:cs typeface="Times New Roman" panose="02020603050405020304" pitchFamily="18" charset="0"/>
-                      </a:endParaRPr>
-                    </a:p>
-                  </a:txBody>
-                  <a:tcPr marL="68580" marR="68580" marT="0" marB="0" anchor="b"/>
-                </a:tc>
-                <a:tc>
-                  <a:txBody>
-                    <a:bodyPr/>
-                    <a:lstStyle/>
-                    <a:p>
-                      <a:pPr xmlns:a="http://schemas.openxmlformats.org/drawingml/2006/main" algn="r">
-                        <a:lnSpc>
-                          <a:spcPct val="107000"/>
-                        </a:lnSpc>
-                        <a:spcAft>
-                          <a:spcPts val="0"/>
-                        </a:spcAft>
-                      </a:pPr>
-                      <a:r xmlns:a="http://schemas.openxmlformats.org/drawingml/2006/main">
+                      <a:endParaRPr lang="en-US" sz="1400">
+                        <a:effectLst/>
+                        <a:latin typeface="Calibri" panose="020F0502020204030204" pitchFamily="34" charset="0"/>
+                        <a:ea typeface="Calibri" panose="020F0502020204030204" pitchFamily="34" charset="0"/>
+                        <a:cs typeface="Times New Roman" panose="02020603050405020304" pitchFamily="18" charset="0"/>
+                      </a:endParaRPr>
+                    </a:p>
+                  </a:txBody>
+                  <a:tcPr marL="68580" marR="68580" marT="0" marB="0" anchor="b"/>
+                </a:tc>
+                <a:tc>
+                  <a:txBody>
+                    <a:bodyPr/>
+                    <a:lstStyle/>
+                    <a:p>
+                      <a:pPr algn="r">
+                        <a:lnSpc>
+                          <a:spcPct val="107000"/>
+                        </a:lnSpc>
+                        <a:spcAft>
+                          <a:spcPts val="0"/>
+                        </a:spcAft>
+                      </a:pPr>
+                      <a:r>
                         <a:rPr lang="en" sz="1400">
                           <a:effectLst/>
                         </a:rPr>
                         <a:t>24</a:t>
                       </a:r>
-                      <a:endParaRPr xmlns:a="http://schemas.openxmlformats.org/drawingml/2006/main" lang="en-US" sz="1400">
+                      <a:endParaRPr lang="en-US" sz="1400">
                         <a:effectLst/>
                         <a:latin typeface="Calibri" panose="020F0502020204030204" pitchFamily="34" charset="0"/>
                         <a:ea typeface="Calibri" panose="020F0502020204030204" pitchFamily="34" charset="0"/>
@@ -4093,108 +4093,108 @@
                     <a:bodyPr/>
                     <a:lstStyle/>
                     <a:p>
-                      <a:pPr xmlns:a="http://schemas.openxmlformats.org/drawingml/2006/main" algn="r">
-                        <a:lnSpc>
-                          <a:spcPct val="107000"/>
-                        </a:lnSpc>
-                        <a:spcAft>
-                          <a:spcPts val="0"/>
-                        </a:spcAft>
-                      </a:pPr>
-                      <a:r xmlns:a="http://schemas.openxmlformats.org/drawingml/2006/main">
+                      <a:pPr algn="r">
+                        <a:lnSpc>
+                          <a:spcPct val="107000"/>
+                        </a:lnSpc>
+                        <a:spcAft>
+                          <a:spcPts val="0"/>
+                        </a:spcAft>
+                      </a:pPr>
+                      <a:r>
                         <a:rPr lang="en" sz="1400">
                           <a:effectLst/>
                         </a:rPr>
                         <a:t>4</a:t>
                       </a:r>
-                      <a:endParaRPr xmlns:a="http://schemas.openxmlformats.org/drawingml/2006/main" lang="en-US" sz="1400">
-                        <a:effectLst/>
-                        <a:latin typeface="Calibri" panose="020F0502020204030204" pitchFamily="34" charset="0"/>
-                        <a:ea typeface="Calibri" panose="020F0502020204030204" pitchFamily="34" charset="0"/>
-                        <a:cs typeface="Times New Roman" panose="02020603050405020304" pitchFamily="18" charset="0"/>
-                      </a:endParaRPr>
-                    </a:p>
-                  </a:txBody>
-                  <a:tcPr marL="68580" marR="68580" marT="0" marB="0" anchor="b"/>
-                </a:tc>
-                <a:tc>
-                  <a:txBody>
-                    <a:bodyPr/>
-                    <a:lstStyle/>
-                    <a:p>
-                      <a:pPr xmlns:a="http://schemas.openxmlformats.org/drawingml/2006/main">
-                        <a:lnSpc>
-                          <a:spcPct val="107000"/>
-                        </a:lnSpc>
-                        <a:spcAft>
-                          <a:spcPts val="0"/>
-                        </a:spcAft>
-                      </a:pPr>
-                      <a:r xmlns:a="http://schemas.openxmlformats.org/drawingml/2006/main">
+                      <a:endParaRPr lang="en-US" sz="1400">
+                        <a:effectLst/>
+                        <a:latin typeface="Calibri" panose="020F0502020204030204" pitchFamily="34" charset="0"/>
+                        <a:ea typeface="Calibri" panose="020F0502020204030204" pitchFamily="34" charset="0"/>
+                        <a:cs typeface="Times New Roman" panose="02020603050405020304" pitchFamily="18" charset="0"/>
+                      </a:endParaRPr>
+                    </a:p>
+                  </a:txBody>
+                  <a:tcPr marL="68580" marR="68580" marT="0" marB="0" anchor="b"/>
+                </a:tc>
+                <a:tc>
+                  <a:txBody>
+                    <a:bodyPr/>
+                    <a:lstStyle/>
+                    <a:p>
+                      <a:pPr>
+                        <a:lnSpc>
+                          <a:spcPct val="107000"/>
+                        </a:lnSpc>
+                        <a:spcAft>
+                          <a:spcPts val="0"/>
+                        </a:spcAft>
+                      </a:pPr>
+                      <a:r>
                         <a:rPr lang="en" sz="1400">
                           <a:effectLst/>
                         </a:rPr>
                         <a:t>ProductD</a:t>
                       </a:r>
-                      <a:endParaRPr xmlns:a="http://schemas.openxmlformats.org/drawingml/2006/main" lang="en-US" sz="1400">
-                        <a:effectLst/>
-                        <a:latin typeface="Calibri" panose="020F0502020204030204" pitchFamily="34" charset="0"/>
-                        <a:ea typeface="Calibri" panose="020F0502020204030204" pitchFamily="34" charset="0"/>
-                        <a:cs typeface="Times New Roman" panose="02020603050405020304" pitchFamily="18" charset="0"/>
-                      </a:endParaRPr>
-                    </a:p>
-                  </a:txBody>
-                  <a:tcPr marL="68580" marR="68580" marT="0" marB="0" anchor="b"/>
-                </a:tc>
-                <a:tc>
-                  <a:txBody>
-                    <a:bodyPr/>
-                    <a:lstStyle/>
-                    <a:p>
-                      <a:pPr xmlns:a="http://schemas.openxmlformats.org/drawingml/2006/main" algn="r">
-                        <a:lnSpc>
-                          <a:spcPct val="107000"/>
-                        </a:lnSpc>
-                        <a:spcAft>
-                          <a:spcPts val="0"/>
-                        </a:spcAft>
-                      </a:pPr>
-                      <a:r xmlns:a="http://schemas.openxmlformats.org/drawingml/2006/main">
+                      <a:endParaRPr lang="en-US" sz="1400">
+                        <a:effectLst/>
+                        <a:latin typeface="Calibri" panose="020F0502020204030204" pitchFamily="34" charset="0"/>
+                        <a:ea typeface="Calibri" panose="020F0502020204030204" pitchFamily="34" charset="0"/>
+                        <a:cs typeface="Times New Roman" panose="02020603050405020304" pitchFamily="18" charset="0"/>
+                      </a:endParaRPr>
+                    </a:p>
+                  </a:txBody>
+                  <a:tcPr marL="68580" marR="68580" marT="0" marB="0" anchor="b"/>
+                </a:tc>
+                <a:tc>
+                  <a:txBody>
+                    <a:bodyPr/>
+                    <a:lstStyle/>
+                    <a:p>
+                      <a:pPr algn="r">
+                        <a:lnSpc>
+                          <a:spcPct val="107000"/>
+                        </a:lnSpc>
+                        <a:spcAft>
+                          <a:spcPts val="0"/>
+                        </a:spcAft>
+                      </a:pPr>
+                      <a:r>
                         <a:rPr lang="en" sz="1400">
                           <a:effectLst/>
                         </a:rPr>
                         <a:t>268</a:t>
                       </a:r>
-                      <a:endParaRPr xmlns:a="http://schemas.openxmlformats.org/drawingml/2006/main" lang="en-US" sz="1400">
-                        <a:effectLst/>
-                        <a:latin typeface="Calibri" panose="020F0502020204030204" pitchFamily="34" charset="0"/>
-                        <a:ea typeface="Calibri" panose="020F0502020204030204" pitchFamily="34" charset="0"/>
-                        <a:cs typeface="Times New Roman" panose="02020603050405020304" pitchFamily="18" charset="0"/>
-                      </a:endParaRPr>
-                    </a:p>
-                  </a:txBody>
-                  <a:tcPr marL="68580" marR="68580" marT="0" marB="0" anchor="b"/>
-                </a:tc>
-                <a:tc>
-                  <a:txBody>
-                    <a:bodyPr/>
-                    <a:lstStyle/>
-                    <a:p>
-                      <a:pPr xmlns:a="http://schemas.openxmlformats.org/drawingml/2006/main" algn="r">
-                        <a:lnSpc>
-                          <a:spcPct val="107000"/>
-                        </a:lnSpc>
-                        <a:spcAft>
-                          <a:spcPts val="0"/>
-                        </a:spcAft>
-                      </a:pPr>
-                      <a:r xmlns:a="http://schemas.openxmlformats.org/drawingml/2006/main">
+                      <a:endParaRPr lang="en-US" sz="1400">
+                        <a:effectLst/>
+                        <a:latin typeface="Calibri" panose="020F0502020204030204" pitchFamily="34" charset="0"/>
+                        <a:ea typeface="Calibri" panose="020F0502020204030204" pitchFamily="34" charset="0"/>
+                        <a:cs typeface="Times New Roman" panose="02020603050405020304" pitchFamily="18" charset="0"/>
+                      </a:endParaRPr>
+                    </a:p>
+                  </a:txBody>
+                  <a:tcPr marL="68580" marR="68580" marT="0" marB="0" anchor="b"/>
+                </a:tc>
+                <a:tc>
+                  <a:txBody>
+                    <a:bodyPr/>
+                    <a:lstStyle/>
+                    <a:p>
+                      <a:pPr algn="r">
+                        <a:lnSpc>
+                          <a:spcPct val="107000"/>
+                        </a:lnSpc>
+                        <a:spcAft>
+                          <a:spcPts val="0"/>
+                        </a:spcAft>
+                      </a:pPr>
+                      <a:r>
                         <a:rPr lang="en" sz="1400">
                           <a:effectLst/>
                         </a:rPr>
                         <a:t>25</a:t>
                       </a:r>
-                      <a:endParaRPr xmlns:a="http://schemas.openxmlformats.org/drawingml/2006/main" lang="en-US" sz="1400">
+                      <a:endParaRPr lang="en-US" sz="1400">
                         <a:effectLst/>
                         <a:latin typeface="Calibri" panose="020F0502020204030204" pitchFamily="34" charset="0"/>
                         <a:ea typeface="Calibri" panose="020F0502020204030204" pitchFamily="34" charset="0"/>
@@ -4216,108 +4216,108 @@
                     <a:bodyPr/>
                     <a:lstStyle/>
                     <a:p>
-                      <a:pPr xmlns:a="http://schemas.openxmlformats.org/drawingml/2006/main" algn="r">
-                        <a:lnSpc>
-                          <a:spcPct val="107000"/>
-                        </a:lnSpc>
-                        <a:spcAft>
-                          <a:spcPts val="0"/>
-                        </a:spcAft>
-                      </a:pPr>
-                      <a:r xmlns:a="http://schemas.openxmlformats.org/drawingml/2006/main">
+                      <a:pPr algn="r">
+                        <a:lnSpc>
+                          <a:spcPct val="107000"/>
+                        </a:lnSpc>
+                        <a:spcAft>
+                          <a:spcPts val="0"/>
+                        </a:spcAft>
+                      </a:pPr>
+                      <a:r>
                         <a:rPr lang="en" sz="1400">
                           <a:effectLst/>
                         </a:rPr>
                         <a:t>5</a:t>
                       </a:r>
-                      <a:endParaRPr xmlns:a="http://schemas.openxmlformats.org/drawingml/2006/main" lang="en-US" sz="1400">
-                        <a:effectLst/>
-                        <a:latin typeface="Calibri" panose="020F0502020204030204" pitchFamily="34" charset="0"/>
-                        <a:ea typeface="Calibri" panose="020F0502020204030204" pitchFamily="34" charset="0"/>
-                        <a:cs typeface="Times New Roman" panose="02020603050405020304" pitchFamily="18" charset="0"/>
-                      </a:endParaRPr>
-                    </a:p>
-                  </a:txBody>
-                  <a:tcPr marL="68580" marR="68580" marT="0" marB="0" anchor="b"/>
-                </a:tc>
-                <a:tc>
-                  <a:txBody>
-                    <a:bodyPr/>
-                    <a:lstStyle/>
-                    <a:p>
-                      <a:pPr xmlns:a="http://schemas.openxmlformats.org/drawingml/2006/main">
-                        <a:lnSpc>
-                          <a:spcPct val="107000"/>
-                        </a:lnSpc>
-                        <a:spcAft>
-                          <a:spcPts val="0"/>
-                        </a:spcAft>
-                      </a:pPr>
-                      <a:r xmlns:a="http://schemas.openxmlformats.org/drawingml/2006/main">
+                      <a:endParaRPr lang="en-US" sz="1400">
+                        <a:effectLst/>
+                        <a:latin typeface="Calibri" panose="020F0502020204030204" pitchFamily="34" charset="0"/>
+                        <a:ea typeface="Calibri" panose="020F0502020204030204" pitchFamily="34" charset="0"/>
+                        <a:cs typeface="Times New Roman" panose="02020603050405020304" pitchFamily="18" charset="0"/>
+                      </a:endParaRPr>
+                    </a:p>
+                  </a:txBody>
+                  <a:tcPr marL="68580" marR="68580" marT="0" marB="0" anchor="b"/>
+                </a:tc>
+                <a:tc>
+                  <a:txBody>
+                    <a:bodyPr/>
+                    <a:lstStyle/>
+                    <a:p>
+                      <a:pPr>
+                        <a:lnSpc>
+                          <a:spcPct val="107000"/>
+                        </a:lnSpc>
+                        <a:spcAft>
+                          <a:spcPts val="0"/>
+                        </a:spcAft>
+                      </a:pPr>
+                      <a:r>
                         <a:rPr lang="en" sz="1400">
                           <a:effectLst/>
                         </a:rPr>
                         <a:t>ProductE</a:t>
                       </a:r>
-                      <a:endParaRPr xmlns:a="http://schemas.openxmlformats.org/drawingml/2006/main" lang="en-US" sz="1400">
-                        <a:effectLst/>
-                        <a:latin typeface="Calibri" panose="020F0502020204030204" pitchFamily="34" charset="0"/>
-                        <a:ea typeface="Calibri" panose="020F0502020204030204" pitchFamily="34" charset="0"/>
-                        <a:cs typeface="Times New Roman" panose="02020603050405020304" pitchFamily="18" charset="0"/>
-                      </a:endParaRPr>
-                    </a:p>
-                  </a:txBody>
-                  <a:tcPr marL="68580" marR="68580" marT="0" marB="0" anchor="b"/>
-                </a:tc>
-                <a:tc>
-                  <a:txBody>
-                    <a:bodyPr/>
-                    <a:lstStyle/>
-                    <a:p>
-                      <a:pPr xmlns:a="http://schemas.openxmlformats.org/drawingml/2006/main" algn="r">
-                        <a:lnSpc>
-                          <a:spcPct val="107000"/>
-                        </a:lnSpc>
-                        <a:spcAft>
-                          <a:spcPts val="0"/>
-                        </a:spcAft>
-                      </a:pPr>
-                      <a:r xmlns:a="http://schemas.openxmlformats.org/drawingml/2006/main">
+                      <a:endParaRPr lang="en-US" sz="1400">
+                        <a:effectLst/>
+                        <a:latin typeface="Calibri" panose="020F0502020204030204" pitchFamily="34" charset="0"/>
+                        <a:ea typeface="Calibri" panose="020F0502020204030204" pitchFamily="34" charset="0"/>
+                        <a:cs typeface="Times New Roman" panose="02020603050405020304" pitchFamily="18" charset="0"/>
+                      </a:endParaRPr>
+                    </a:p>
+                  </a:txBody>
+                  <a:tcPr marL="68580" marR="68580" marT="0" marB="0" anchor="b"/>
+                </a:tc>
+                <a:tc>
+                  <a:txBody>
+                    <a:bodyPr/>
+                    <a:lstStyle/>
+                    <a:p>
+                      <a:pPr algn="r">
+                        <a:lnSpc>
+                          <a:spcPct val="107000"/>
+                        </a:lnSpc>
+                        <a:spcAft>
+                          <a:spcPts val="0"/>
+                        </a:spcAft>
+                      </a:pPr>
+                      <a:r>
                         <a:rPr lang="en" sz="1400">
                           <a:effectLst/>
                         </a:rPr>
                         <a:t>391</a:t>
                       </a:r>
-                      <a:endParaRPr xmlns:a="http://schemas.openxmlformats.org/drawingml/2006/main" lang="en-US" sz="1400">
-                        <a:effectLst/>
-                        <a:latin typeface="Calibri" panose="020F0502020204030204" pitchFamily="34" charset="0"/>
-                        <a:ea typeface="Calibri" panose="020F0502020204030204" pitchFamily="34" charset="0"/>
-                        <a:cs typeface="Times New Roman" panose="02020603050405020304" pitchFamily="18" charset="0"/>
-                      </a:endParaRPr>
-                    </a:p>
-                  </a:txBody>
-                  <a:tcPr marL="68580" marR="68580" marT="0" marB="0" anchor="b"/>
-                </a:tc>
-                <a:tc>
-                  <a:txBody>
-                    <a:bodyPr/>
-                    <a:lstStyle/>
-                    <a:p>
-                      <a:pPr xmlns:a="http://schemas.openxmlformats.org/drawingml/2006/main" algn="r">
-                        <a:lnSpc>
-                          <a:spcPct val="107000"/>
-                        </a:lnSpc>
-                        <a:spcAft>
-                          <a:spcPts val="0"/>
-                        </a:spcAft>
-                      </a:pPr>
-                      <a:r xmlns:a="http://schemas.openxmlformats.org/drawingml/2006/main">
+                      <a:endParaRPr lang="en-US" sz="1400">
+                        <a:effectLst/>
+                        <a:latin typeface="Calibri" panose="020F0502020204030204" pitchFamily="34" charset="0"/>
+                        <a:ea typeface="Calibri" panose="020F0502020204030204" pitchFamily="34" charset="0"/>
+                        <a:cs typeface="Times New Roman" panose="02020603050405020304" pitchFamily="18" charset="0"/>
+                      </a:endParaRPr>
+                    </a:p>
+                  </a:txBody>
+                  <a:tcPr marL="68580" marR="68580" marT="0" marB="0" anchor="b"/>
+                </a:tc>
+                <a:tc>
+                  <a:txBody>
+                    <a:bodyPr/>
+                    <a:lstStyle/>
+                    <a:p>
+                      <a:pPr algn="r">
+                        <a:lnSpc>
+                          <a:spcPct val="107000"/>
+                        </a:lnSpc>
+                        <a:spcAft>
+                          <a:spcPts val="0"/>
+                        </a:spcAft>
+                      </a:pPr>
+                      <a:r>
                         <a:rPr lang="en" sz="1400">
                           <a:effectLst/>
                         </a:rPr>
                         <a:t>27</a:t>
                       </a:r>
-                      <a:endParaRPr xmlns:a="http://schemas.openxmlformats.org/drawingml/2006/main" lang="en-US" sz="1400">
+                      <a:endParaRPr lang="en-US" sz="1400">
                         <a:effectLst/>
                         <a:latin typeface="Calibri" panose="020F0502020204030204" pitchFamily="34" charset="0"/>
                         <a:ea typeface="Calibri" panose="020F0502020204030204" pitchFamily="34" charset="0"/>
@@ -4339,108 +4339,108 @@
                     <a:bodyPr/>
                     <a:lstStyle/>
                     <a:p>
-                      <a:pPr xmlns:a="http://schemas.openxmlformats.org/drawingml/2006/main" algn="r">
-                        <a:lnSpc>
-                          <a:spcPct val="107000"/>
-                        </a:lnSpc>
-                        <a:spcAft>
-                          <a:spcPts val="0"/>
-                        </a:spcAft>
-                      </a:pPr>
-                      <a:r xmlns:a="http://schemas.openxmlformats.org/drawingml/2006/main">
+                      <a:pPr algn="r">
+                        <a:lnSpc>
+                          <a:spcPct val="107000"/>
+                        </a:lnSpc>
+                        <a:spcAft>
+                          <a:spcPts val="0"/>
+                        </a:spcAft>
+                      </a:pPr>
+                      <a:r>
                         <a:rPr lang="en" sz="1400">
                           <a:effectLst/>
                         </a:rPr>
                         <a:t>6</a:t>
                       </a:r>
-                      <a:endParaRPr xmlns:a="http://schemas.openxmlformats.org/drawingml/2006/main" lang="en-US" sz="1400">
-                        <a:effectLst/>
-                        <a:latin typeface="Calibri" panose="020F0502020204030204" pitchFamily="34" charset="0"/>
-                        <a:ea typeface="Calibri" panose="020F0502020204030204" pitchFamily="34" charset="0"/>
-                        <a:cs typeface="Times New Roman" panose="02020603050405020304" pitchFamily="18" charset="0"/>
-                      </a:endParaRPr>
-                    </a:p>
-                  </a:txBody>
-                  <a:tcPr marL="68580" marR="68580" marT="0" marB="0" anchor="b"/>
-                </a:tc>
-                <a:tc>
-                  <a:txBody>
-                    <a:bodyPr/>
-                    <a:lstStyle/>
-                    <a:p>
-                      <a:pPr xmlns:a="http://schemas.openxmlformats.org/drawingml/2006/main">
-                        <a:lnSpc>
-                          <a:spcPct val="107000"/>
-                        </a:lnSpc>
-                        <a:spcAft>
-                          <a:spcPts val="0"/>
-                        </a:spcAft>
-                      </a:pPr>
-                      <a:r xmlns:a="http://schemas.openxmlformats.org/drawingml/2006/main">
+                      <a:endParaRPr lang="en-US" sz="1400">
+                        <a:effectLst/>
+                        <a:latin typeface="Calibri" panose="020F0502020204030204" pitchFamily="34" charset="0"/>
+                        <a:ea typeface="Calibri" panose="020F0502020204030204" pitchFamily="34" charset="0"/>
+                        <a:cs typeface="Times New Roman" panose="02020603050405020304" pitchFamily="18" charset="0"/>
+                      </a:endParaRPr>
+                    </a:p>
+                  </a:txBody>
+                  <a:tcPr marL="68580" marR="68580" marT="0" marB="0" anchor="b"/>
+                </a:tc>
+                <a:tc>
+                  <a:txBody>
+                    <a:bodyPr/>
+                    <a:lstStyle/>
+                    <a:p>
+                      <a:pPr>
+                        <a:lnSpc>
+                          <a:spcPct val="107000"/>
+                        </a:lnSpc>
+                        <a:spcAft>
+                          <a:spcPts val="0"/>
+                        </a:spcAft>
+                      </a:pPr>
+                      <a:r>
                         <a:rPr lang="en" sz="1400">
                           <a:effectLst/>
                         </a:rPr>
                         <a:t>ProductF</a:t>
                       </a:r>
-                      <a:endParaRPr xmlns:a="http://schemas.openxmlformats.org/drawingml/2006/main" lang="en-US" sz="1400">
-                        <a:effectLst/>
-                        <a:latin typeface="Calibri" panose="020F0502020204030204" pitchFamily="34" charset="0"/>
-                        <a:ea typeface="Calibri" panose="020F0502020204030204" pitchFamily="34" charset="0"/>
-                        <a:cs typeface="Times New Roman" panose="02020603050405020304" pitchFamily="18" charset="0"/>
-                      </a:endParaRPr>
-                    </a:p>
-                  </a:txBody>
-                  <a:tcPr marL="68580" marR="68580" marT="0" marB="0" anchor="b"/>
-                </a:tc>
-                <a:tc>
-                  <a:txBody>
-                    <a:bodyPr/>
-                    <a:lstStyle/>
-                    <a:p>
-                      <a:pPr xmlns:a="http://schemas.openxmlformats.org/drawingml/2006/main" algn="r">
-                        <a:lnSpc>
-                          <a:spcPct val="107000"/>
-                        </a:lnSpc>
-                        <a:spcAft>
-                          <a:spcPts val="0"/>
-                        </a:spcAft>
-                      </a:pPr>
-                      <a:r xmlns:a="http://schemas.openxmlformats.org/drawingml/2006/main">
+                      <a:endParaRPr lang="en-US" sz="1400">
+                        <a:effectLst/>
+                        <a:latin typeface="Calibri" panose="020F0502020204030204" pitchFamily="34" charset="0"/>
+                        <a:ea typeface="Calibri" panose="020F0502020204030204" pitchFamily="34" charset="0"/>
+                        <a:cs typeface="Times New Roman" panose="02020603050405020304" pitchFamily="18" charset="0"/>
+                      </a:endParaRPr>
+                    </a:p>
+                  </a:txBody>
+                  <a:tcPr marL="68580" marR="68580" marT="0" marB="0" anchor="b"/>
+                </a:tc>
+                <a:tc>
+                  <a:txBody>
+                    <a:bodyPr/>
+                    <a:lstStyle/>
+                    <a:p>
+                      <a:pPr algn="r">
+                        <a:lnSpc>
+                          <a:spcPct val="107000"/>
+                        </a:lnSpc>
+                        <a:spcAft>
+                          <a:spcPts val="0"/>
+                        </a:spcAft>
+                      </a:pPr>
+                      <a:r>
                         <a:rPr lang="en" sz="1400">
                           <a:effectLst/>
                         </a:rPr>
                         <a:t>336</a:t>
                       </a:r>
-                      <a:endParaRPr xmlns:a="http://schemas.openxmlformats.org/drawingml/2006/main" lang="en-US" sz="1400">
-                        <a:effectLst/>
-                        <a:latin typeface="Calibri" panose="020F0502020204030204" pitchFamily="34" charset="0"/>
-                        <a:ea typeface="Calibri" panose="020F0502020204030204" pitchFamily="34" charset="0"/>
-                        <a:cs typeface="Times New Roman" panose="02020603050405020304" pitchFamily="18" charset="0"/>
-                      </a:endParaRPr>
-                    </a:p>
-                  </a:txBody>
-                  <a:tcPr marL="68580" marR="68580" marT="0" marB="0" anchor="b"/>
-                </a:tc>
-                <a:tc>
-                  <a:txBody>
-                    <a:bodyPr/>
-                    <a:lstStyle/>
-                    <a:p>
-                      <a:pPr xmlns:a="http://schemas.openxmlformats.org/drawingml/2006/main" algn="r">
-                        <a:lnSpc>
-                          <a:spcPct val="107000"/>
-                        </a:lnSpc>
-                        <a:spcAft>
-                          <a:spcPts val="0"/>
-                        </a:spcAft>
-                      </a:pPr>
-                      <a:r xmlns:a="http://schemas.openxmlformats.org/drawingml/2006/main">
+                      <a:endParaRPr lang="en-US" sz="1400">
+                        <a:effectLst/>
+                        <a:latin typeface="Calibri" panose="020F0502020204030204" pitchFamily="34" charset="0"/>
+                        <a:ea typeface="Calibri" panose="020F0502020204030204" pitchFamily="34" charset="0"/>
+                        <a:cs typeface="Times New Roman" panose="02020603050405020304" pitchFamily="18" charset="0"/>
+                      </a:endParaRPr>
+                    </a:p>
+                  </a:txBody>
+                  <a:tcPr marL="68580" marR="68580" marT="0" marB="0" anchor="b"/>
+                </a:tc>
+                <a:tc>
+                  <a:txBody>
+                    <a:bodyPr/>
+                    <a:lstStyle/>
+                    <a:p>
+                      <a:pPr algn="r">
+                        <a:lnSpc>
+                          <a:spcPct val="107000"/>
+                        </a:lnSpc>
+                        <a:spcAft>
+                          <a:spcPts val="0"/>
+                        </a:spcAft>
+                      </a:pPr>
+                      <a:r>
                         <a:rPr lang="en" sz="1400">
                           <a:effectLst/>
                         </a:rPr>
                         <a:t>21</a:t>
                       </a:r>
-                      <a:endParaRPr xmlns:a="http://schemas.openxmlformats.org/drawingml/2006/main" lang="en-US" sz="1400">
+                      <a:endParaRPr lang="en-US" sz="1400">
                         <a:effectLst/>
                         <a:latin typeface="Calibri" panose="020F0502020204030204" pitchFamily="34" charset="0"/>
                         <a:ea typeface="Calibri" panose="020F0502020204030204" pitchFamily="34" charset="0"/>
@@ -4462,108 +4462,108 @@
                     <a:bodyPr/>
                     <a:lstStyle/>
                     <a:p>
-                      <a:pPr xmlns:a="http://schemas.openxmlformats.org/drawingml/2006/main" algn="r">
-                        <a:lnSpc>
-                          <a:spcPct val="107000"/>
-                        </a:lnSpc>
-                        <a:spcAft>
-                          <a:spcPts val="0"/>
-                        </a:spcAft>
-                      </a:pPr>
-                      <a:r xmlns:a="http://schemas.openxmlformats.org/drawingml/2006/main">
+                      <a:pPr algn="r">
+                        <a:lnSpc>
+                          <a:spcPct val="107000"/>
+                        </a:lnSpc>
+                        <a:spcAft>
+                          <a:spcPts val="0"/>
+                        </a:spcAft>
+                      </a:pPr>
+                      <a:r>
                         <a:rPr lang="en" sz="1400">
                           <a:effectLst/>
                         </a:rPr>
                         <a:t>7</a:t>
                       </a:r>
-                      <a:endParaRPr xmlns:a="http://schemas.openxmlformats.org/drawingml/2006/main" lang="en-US" sz="1400">
-                        <a:effectLst/>
-                        <a:latin typeface="Calibri" panose="020F0502020204030204" pitchFamily="34" charset="0"/>
-                        <a:ea typeface="Calibri" panose="020F0502020204030204" pitchFamily="34" charset="0"/>
-                        <a:cs typeface="Times New Roman" panose="02020603050405020304" pitchFamily="18" charset="0"/>
-                      </a:endParaRPr>
-                    </a:p>
-                  </a:txBody>
-                  <a:tcPr marL="68580" marR="68580" marT="0" marB="0" anchor="b"/>
-                </a:tc>
-                <a:tc>
-                  <a:txBody>
-                    <a:bodyPr/>
-                    <a:lstStyle/>
-                    <a:p>
-                      <a:pPr xmlns:a="http://schemas.openxmlformats.org/drawingml/2006/main">
-                        <a:lnSpc>
-                          <a:spcPct val="107000"/>
-                        </a:lnSpc>
-                        <a:spcAft>
-                          <a:spcPts val="0"/>
-                        </a:spcAft>
-                      </a:pPr>
-                      <a:r xmlns:a="http://schemas.openxmlformats.org/drawingml/2006/main">
+                      <a:endParaRPr lang="en-US" sz="1400">
+                        <a:effectLst/>
+                        <a:latin typeface="Calibri" panose="020F0502020204030204" pitchFamily="34" charset="0"/>
+                        <a:ea typeface="Calibri" panose="020F0502020204030204" pitchFamily="34" charset="0"/>
+                        <a:cs typeface="Times New Roman" panose="02020603050405020304" pitchFamily="18" charset="0"/>
+                      </a:endParaRPr>
+                    </a:p>
+                  </a:txBody>
+                  <a:tcPr marL="68580" marR="68580" marT="0" marB="0" anchor="b"/>
+                </a:tc>
+                <a:tc>
+                  <a:txBody>
+                    <a:bodyPr/>
+                    <a:lstStyle/>
+                    <a:p>
+                      <a:pPr>
+                        <a:lnSpc>
+                          <a:spcPct val="107000"/>
+                        </a:lnSpc>
+                        <a:spcAft>
+                          <a:spcPts val="0"/>
+                        </a:spcAft>
+                      </a:pPr>
+                      <a:r>
                         <a:rPr lang="en" sz="1400">
                           <a:effectLst/>
                         </a:rPr>
                         <a:t>ProductG</a:t>
                       </a:r>
-                      <a:endParaRPr xmlns:a="http://schemas.openxmlformats.org/drawingml/2006/main" lang="en-US" sz="1400">
-                        <a:effectLst/>
-                        <a:latin typeface="Calibri" panose="020F0502020204030204" pitchFamily="34" charset="0"/>
-                        <a:ea typeface="Calibri" panose="020F0502020204030204" pitchFamily="34" charset="0"/>
-                        <a:cs typeface="Times New Roman" panose="02020603050405020304" pitchFamily="18" charset="0"/>
-                      </a:endParaRPr>
-                    </a:p>
-                  </a:txBody>
-                  <a:tcPr marL="68580" marR="68580" marT="0" marB="0" anchor="b"/>
-                </a:tc>
-                <a:tc>
-                  <a:txBody>
-                    <a:bodyPr/>
-                    <a:lstStyle/>
-                    <a:p>
-                      <a:pPr xmlns:a="http://schemas.openxmlformats.org/drawingml/2006/main" algn="r">
-                        <a:lnSpc>
-                          <a:spcPct val="107000"/>
-                        </a:lnSpc>
-                        <a:spcAft>
-                          <a:spcPts val="0"/>
-                        </a:spcAft>
-                      </a:pPr>
-                      <a:r xmlns:a="http://schemas.openxmlformats.org/drawingml/2006/main">
+                      <a:endParaRPr lang="en-US" sz="1400">
+                        <a:effectLst/>
+                        <a:latin typeface="Calibri" panose="020F0502020204030204" pitchFamily="34" charset="0"/>
+                        <a:ea typeface="Calibri" panose="020F0502020204030204" pitchFamily="34" charset="0"/>
+                        <a:cs typeface="Times New Roman" panose="02020603050405020304" pitchFamily="18" charset="0"/>
+                      </a:endParaRPr>
+                    </a:p>
+                  </a:txBody>
+                  <a:tcPr marL="68580" marR="68580" marT="0" marB="0" anchor="b"/>
+                </a:tc>
+                <a:tc>
+                  <a:txBody>
+                    <a:bodyPr/>
+                    <a:lstStyle/>
+                    <a:p>
+                      <a:pPr algn="r">
+                        <a:lnSpc>
+                          <a:spcPct val="107000"/>
+                        </a:lnSpc>
+                        <a:spcAft>
+                          <a:spcPts val="0"/>
+                        </a:spcAft>
+                      </a:pPr>
+                      <a:r>
                         <a:rPr lang="en" sz="1400">
                           <a:effectLst/>
                         </a:rPr>
                         <a:t>308</a:t>
                       </a:r>
-                      <a:endParaRPr xmlns:a="http://schemas.openxmlformats.org/drawingml/2006/main" lang="en-US" sz="1400">
-                        <a:effectLst/>
-                        <a:latin typeface="Calibri" panose="020F0502020204030204" pitchFamily="34" charset="0"/>
-                        <a:ea typeface="Calibri" panose="020F0502020204030204" pitchFamily="34" charset="0"/>
-                        <a:cs typeface="Times New Roman" panose="02020603050405020304" pitchFamily="18" charset="0"/>
-                      </a:endParaRPr>
-                    </a:p>
-                  </a:txBody>
-                  <a:tcPr marL="68580" marR="68580" marT="0" marB="0" anchor="b"/>
-                </a:tc>
-                <a:tc>
-                  <a:txBody>
-                    <a:bodyPr/>
-                    <a:lstStyle/>
-                    <a:p>
-                      <a:pPr xmlns:a="http://schemas.openxmlformats.org/drawingml/2006/main" algn="r">
-                        <a:lnSpc>
-                          <a:spcPct val="107000"/>
-                        </a:lnSpc>
-                        <a:spcAft>
-                          <a:spcPts val="0"/>
-                        </a:spcAft>
-                      </a:pPr>
-                      <a:r xmlns:a="http://schemas.openxmlformats.org/drawingml/2006/main">
+                      <a:endParaRPr lang="en-US" sz="1400">
+                        <a:effectLst/>
+                        <a:latin typeface="Calibri" panose="020F0502020204030204" pitchFamily="34" charset="0"/>
+                        <a:ea typeface="Calibri" panose="020F0502020204030204" pitchFamily="34" charset="0"/>
+                        <a:cs typeface="Times New Roman" panose="02020603050405020304" pitchFamily="18" charset="0"/>
+                      </a:endParaRPr>
+                    </a:p>
+                  </a:txBody>
+                  <a:tcPr marL="68580" marR="68580" marT="0" marB="0" anchor="b"/>
+                </a:tc>
+                <a:tc>
+                  <a:txBody>
+                    <a:bodyPr/>
+                    <a:lstStyle/>
+                    <a:p>
+                      <a:pPr algn="r">
+                        <a:lnSpc>
+                          <a:spcPct val="107000"/>
+                        </a:lnSpc>
+                        <a:spcAft>
+                          <a:spcPts val="0"/>
+                        </a:spcAft>
+                      </a:pPr>
+                      <a:r>
                         <a:rPr lang="en" sz="1400">
                           <a:effectLst/>
                         </a:rPr>
                         <a:t>21</a:t>
                       </a:r>
-                      <a:endParaRPr xmlns:a="http://schemas.openxmlformats.org/drawingml/2006/main" lang="en-US" sz="1400">
+                      <a:endParaRPr lang="en-US" sz="1400">
                         <a:effectLst/>
                         <a:latin typeface="Calibri" panose="020F0502020204030204" pitchFamily="34" charset="0"/>
                         <a:ea typeface="Calibri" panose="020F0502020204030204" pitchFamily="34" charset="0"/>
@@ -4585,108 +4585,108 @@
                     <a:bodyPr/>
                     <a:lstStyle/>
                     <a:p>
-                      <a:pPr xmlns:a="http://schemas.openxmlformats.org/drawingml/2006/main" algn="r">
-                        <a:lnSpc>
-                          <a:spcPct val="107000"/>
-                        </a:lnSpc>
-                        <a:spcAft>
-                          <a:spcPts val="0"/>
-                        </a:spcAft>
-                      </a:pPr>
-                      <a:r xmlns:a="http://schemas.openxmlformats.org/drawingml/2006/main">
+                      <a:pPr algn="r">
+                        <a:lnSpc>
+                          <a:spcPct val="107000"/>
+                        </a:lnSpc>
+                        <a:spcAft>
+                          <a:spcPts val="0"/>
+                        </a:spcAft>
+                      </a:pPr>
+                      <a:r>
                         <a:rPr lang="en" sz="1400">
                           <a:effectLst/>
                         </a:rPr>
                         <a:t>8</a:t>
                       </a:r>
-                      <a:endParaRPr xmlns:a="http://schemas.openxmlformats.org/drawingml/2006/main" lang="en-US" sz="1400">
-                        <a:effectLst/>
-                        <a:latin typeface="Calibri" panose="020F0502020204030204" pitchFamily="34" charset="0"/>
-                        <a:ea typeface="Calibri" panose="020F0502020204030204" pitchFamily="34" charset="0"/>
-                        <a:cs typeface="Times New Roman" panose="02020603050405020304" pitchFamily="18" charset="0"/>
-                      </a:endParaRPr>
-                    </a:p>
-                  </a:txBody>
-                  <a:tcPr marL="68580" marR="68580" marT="0" marB="0" anchor="b"/>
-                </a:tc>
-                <a:tc>
-                  <a:txBody>
-                    <a:bodyPr/>
-                    <a:lstStyle/>
-                    <a:p>
-                      <a:pPr xmlns:a="http://schemas.openxmlformats.org/drawingml/2006/main">
-                        <a:lnSpc>
-                          <a:spcPct val="107000"/>
-                        </a:lnSpc>
-                        <a:spcAft>
-                          <a:spcPts val="0"/>
-                        </a:spcAft>
-                      </a:pPr>
-                      <a:r xmlns:a="http://schemas.openxmlformats.org/drawingml/2006/main">
+                      <a:endParaRPr lang="en-US" sz="1400">
+                        <a:effectLst/>
+                        <a:latin typeface="Calibri" panose="020F0502020204030204" pitchFamily="34" charset="0"/>
+                        <a:ea typeface="Calibri" panose="020F0502020204030204" pitchFamily="34" charset="0"/>
+                        <a:cs typeface="Times New Roman" panose="02020603050405020304" pitchFamily="18" charset="0"/>
+                      </a:endParaRPr>
+                    </a:p>
+                  </a:txBody>
+                  <a:tcPr marL="68580" marR="68580" marT="0" marB="0" anchor="b"/>
+                </a:tc>
+                <a:tc>
+                  <a:txBody>
+                    <a:bodyPr/>
+                    <a:lstStyle/>
+                    <a:p>
+                      <a:pPr>
+                        <a:lnSpc>
+                          <a:spcPct val="107000"/>
+                        </a:lnSpc>
+                        <a:spcAft>
+                          <a:spcPts val="0"/>
+                        </a:spcAft>
+                      </a:pPr>
+                      <a:r>
                         <a:rPr lang="en" sz="1400">
                           <a:effectLst/>
                         </a:rPr>
                         <a:t>ProductH</a:t>
                       </a:r>
-                      <a:endParaRPr xmlns:a="http://schemas.openxmlformats.org/drawingml/2006/main" lang="en-US" sz="1400">
-                        <a:effectLst/>
-                        <a:latin typeface="Calibri" panose="020F0502020204030204" pitchFamily="34" charset="0"/>
-                        <a:ea typeface="Calibri" panose="020F0502020204030204" pitchFamily="34" charset="0"/>
-                        <a:cs typeface="Times New Roman" panose="02020603050405020304" pitchFamily="18" charset="0"/>
-                      </a:endParaRPr>
-                    </a:p>
-                  </a:txBody>
-                  <a:tcPr marL="68580" marR="68580" marT="0" marB="0" anchor="b"/>
-                </a:tc>
-                <a:tc>
-                  <a:txBody>
-                    <a:bodyPr/>
-                    <a:lstStyle/>
-                    <a:p>
-                      <a:pPr xmlns:a="http://schemas.openxmlformats.org/drawingml/2006/main" algn="r">
-                        <a:lnSpc>
-                          <a:spcPct val="107000"/>
-                        </a:lnSpc>
-                        <a:spcAft>
-                          <a:spcPts val="0"/>
-                        </a:spcAft>
-                      </a:pPr>
-                      <a:r xmlns:a="http://schemas.openxmlformats.org/drawingml/2006/main">
+                      <a:endParaRPr lang="en-US" sz="1400">
+                        <a:effectLst/>
+                        <a:latin typeface="Calibri" panose="020F0502020204030204" pitchFamily="34" charset="0"/>
+                        <a:ea typeface="Calibri" panose="020F0502020204030204" pitchFamily="34" charset="0"/>
+                        <a:cs typeface="Times New Roman" panose="02020603050405020304" pitchFamily="18" charset="0"/>
+                      </a:endParaRPr>
+                    </a:p>
+                  </a:txBody>
+                  <a:tcPr marL="68580" marR="68580" marT="0" marB="0" anchor="b"/>
+                </a:tc>
+                <a:tc>
+                  <a:txBody>
+                    <a:bodyPr/>
+                    <a:lstStyle/>
+                    <a:p>
+                      <a:pPr algn="r">
+                        <a:lnSpc>
+                          <a:spcPct val="107000"/>
+                        </a:lnSpc>
+                        <a:spcAft>
+                          <a:spcPts val="0"/>
+                        </a:spcAft>
+                      </a:pPr>
+                      <a:r>
                         <a:rPr lang="en" sz="1400">
                           <a:effectLst/>
                         </a:rPr>
                         <a:t>241</a:t>
                       </a:r>
-                      <a:endParaRPr xmlns:a="http://schemas.openxmlformats.org/drawingml/2006/main" lang="en-US" sz="1400">
-                        <a:effectLst/>
-                        <a:latin typeface="Calibri" panose="020F0502020204030204" pitchFamily="34" charset="0"/>
-                        <a:ea typeface="Calibri" panose="020F0502020204030204" pitchFamily="34" charset="0"/>
-                        <a:cs typeface="Times New Roman" panose="02020603050405020304" pitchFamily="18" charset="0"/>
-                      </a:endParaRPr>
-                    </a:p>
-                  </a:txBody>
-                  <a:tcPr marL="68580" marR="68580" marT="0" marB="0" anchor="b"/>
-                </a:tc>
-                <a:tc>
-                  <a:txBody>
-                    <a:bodyPr/>
-                    <a:lstStyle/>
-                    <a:p>
-                      <a:pPr xmlns:a="http://schemas.openxmlformats.org/drawingml/2006/main" algn="r">
-                        <a:lnSpc>
-                          <a:spcPct val="107000"/>
-                        </a:lnSpc>
-                        <a:spcAft>
-                          <a:spcPts val="0"/>
-                        </a:spcAft>
-                      </a:pPr>
-                      <a:r xmlns:a="http://schemas.openxmlformats.org/drawingml/2006/main">
+                      <a:endParaRPr lang="en-US" sz="1400">
+                        <a:effectLst/>
+                        <a:latin typeface="Calibri" panose="020F0502020204030204" pitchFamily="34" charset="0"/>
+                        <a:ea typeface="Calibri" panose="020F0502020204030204" pitchFamily="34" charset="0"/>
+                        <a:cs typeface="Times New Roman" panose="02020603050405020304" pitchFamily="18" charset="0"/>
+                      </a:endParaRPr>
+                    </a:p>
+                  </a:txBody>
+                  <a:tcPr marL="68580" marR="68580" marT="0" marB="0" anchor="b"/>
+                </a:tc>
+                <a:tc>
+                  <a:txBody>
+                    <a:bodyPr/>
+                    <a:lstStyle/>
+                    <a:p>
+                      <a:pPr algn="r">
+                        <a:lnSpc>
+                          <a:spcPct val="107000"/>
+                        </a:lnSpc>
+                        <a:spcAft>
+                          <a:spcPts val="0"/>
+                        </a:spcAft>
+                      </a:pPr>
+                      <a:r>
                         <a:rPr lang="en" sz="1400">
                           <a:effectLst/>
                         </a:rPr>
                         <a:t>25</a:t>
                       </a:r>
-                      <a:endParaRPr xmlns:a="http://schemas.openxmlformats.org/drawingml/2006/main" lang="en-US" sz="1400">
+                      <a:endParaRPr lang="en-US" sz="1400">
                         <a:effectLst/>
                         <a:latin typeface="Calibri" panose="020F0502020204030204" pitchFamily="34" charset="0"/>
                         <a:ea typeface="Calibri" panose="020F0502020204030204" pitchFamily="34" charset="0"/>
@@ -4708,108 +4708,108 @@
                     <a:bodyPr/>
                     <a:lstStyle/>
                     <a:p>
-                      <a:pPr xmlns:a="http://schemas.openxmlformats.org/drawingml/2006/main" algn="r">
-                        <a:lnSpc>
-                          <a:spcPct val="107000"/>
-                        </a:lnSpc>
-                        <a:spcAft>
-                          <a:spcPts val="0"/>
-                        </a:spcAft>
-                      </a:pPr>
-                      <a:r xmlns:a="http://schemas.openxmlformats.org/drawingml/2006/main">
+                      <a:pPr algn="r">
+                        <a:lnSpc>
+                          <a:spcPct val="107000"/>
+                        </a:lnSpc>
+                        <a:spcAft>
+                          <a:spcPts val="0"/>
+                        </a:spcAft>
+                      </a:pPr>
+                      <a:r>
                         <a:rPr lang="en" sz="1400">
                           <a:effectLst/>
                         </a:rPr>
                         <a:t>9</a:t>
                       </a:r>
-                      <a:endParaRPr xmlns:a="http://schemas.openxmlformats.org/drawingml/2006/main" lang="en-US" sz="1400">
-                        <a:effectLst/>
-                        <a:latin typeface="Calibri" panose="020F0502020204030204" pitchFamily="34" charset="0"/>
-                        <a:ea typeface="Calibri" panose="020F0502020204030204" pitchFamily="34" charset="0"/>
-                        <a:cs typeface="Times New Roman" panose="02020603050405020304" pitchFamily="18" charset="0"/>
-                      </a:endParaRPr>
-                    </a:p>
-                  </a:txBody>
-                  <a:tcPr marL="68580" marR="68580" marT="0" marB="0" anchor="b"/>
-                </a:tc>
-                <a:tc>
-                  <a:txBody>
-                    <a:bodyPr/>
-                    <a:lstStyle/>
-                    <a:p>
-                      <a:pPr xmlns:a="http://schemas.openxmlformats.org/drawingml/2006/main">
-                        <a:lnSpc>
-                          <a:spcPct val="107000"/>
-                        </a:lnSpc>
-                        <a:spcAft>
-                          <a:spcPts val="0"/>
-                        </a:spcAft>
-                      </a:pPr>
-                      <a:r xmlns:a="http://schemas.openxmlformats.org/drawingml/2006/main">
+                      <a:endParaRPr lang="en-US" sz="1400">
+                        <a:effectLst/>
+                        <a:latin typeface="Calibri" panose="020F0502020204030204" pitchFamily="34" charset="0"/>
+                        <a:ea typeface="Calibri" panose="020F0502020204030204" pitchFamily="34" charset="0"/>
+                        <a:cs typeface="Times New Roman" panose="02020603050405020304" pitchFamily="18" charset="0"/>
+                      </a:endParaRPr>
+                    </a:p>
+                  </a:txBody>
+                  <a:tcPr marL="68580" marR="68580" marT="0" marB="0" anchor="b"/>
+                </a:tc>
+                <a:tc>
+                  <a:txBody>
+                    <a:bodyPr/>
+                    <a:lstStyle/>
+                    <a:p>
+                      <a:pPr>
+                        <a:lnSpc>
+                          <a:spcPct val="107000"/>
+                        </a:lnSpc>
+                        <a:spcAft>
+                          <a:spcPts val="0"/>
+                        </a:spcAft>
+                      </a:pPr>
+                      <a:r>
                         <a:rPr lang="en" sz="1400">
                           <a:effectLst/>
                         </a:rPr>
                         <a:t>ProductI</a:t>
                       </a:r>
-                      <a:endParaRPr xmlns:a="http://schemas.openxmlformats.org/drawingml/2006/main" lang="en-US" sz="1400">
-                        <a:effectLst/>
-                        <a:latin typeface="Calibri" panose="020F0502020204030204" pitchFamily="34" charset="0"/>
-                        <a:ea typeface="Calibri" panose="020F0502020204030204" pitchFamily="34" charset="0"/>
-                        <a:cs typeface="Times New Roman" panose="02020603050405020304" pitchFamily="18" charset="0"/>
-                      </a:endParaRPr>
-                    </a:p>
-                  </a:txBody>
-                  <a:tcPr marL="68580" marR="68580" marT="0" marB="0" anchor="b"/>
-                </a:tc>
-                <a:tc>
-                  <a:txBody>
-                    <a:bodyPr/>
-                    <a:lstStyle/>
-                    <a:p>
-                      <a:pPr xmlns:a="http://schemas.openxmlformats.org/drawingml/2006/main" algn="r">
-                        <a:lnSpc>
-                          <a:spcPct val="107000"/>
-                        </a:lnSpc>
-                        <a:spcAft>
-                          <a:spcPts val="0"/>
-                        </a:spcAft>
-                      </a:pPr>
-                      <a:r xmlns:a="http://schemas.openxmlformats.org/drawingml/2006/main">
+                      <a:endParaRPr lang="en-US" sz="1400">
+                        <a:effectLst/>
+                        <a:latin typeface="Calibri" panose="020F0502020204030204" pitchFamily="34" charset="0"/>
+                        <a:ea typeface="Calibri" panose="020F0502020204030204" pitchFamily="34" charset="0"/>
+                        <a:cs typeface="Times New Roman" panose="02020603050405020304" pitchFamily="18" charset="0"/>
+                      </a:endParaRPr>
+                    </a:p>
+                  </a:txBody>
+                  <a:tcPr marL="68580" marR="68580" marT="0" marB="0" anchor="b"/>
+                </a:tc>
+                <a:tc>
+                  <a:txBody>
+                    <a:bodyPr/>
+                    <a:lstStyle/>
+                    <a:p>
+                      <a:pPr algn="r">
+                        <a:lnSpc>
+                          <a:spcPct val="107000"/>
+                        </a:lnSpc>
+                        <a:spcAft>
+                          <a:spcPts val="0"/>
+                        </a:spcAft>
+                      </a:pPr>
+                      <a:r>
                         <a:rPr lang="en" sz="1400">
                           <a:effectLst/>
                         </a:rPr>
                         <a:t>393</a:t>
                       </a:r>
-                      <a:endParaRPr xmlns:a="http://schemas.openxmlformats.org/drawingml/2006/main" lang="en-US" sz="1400">
-                        <a:effectLst/>
-                        <a:latin typeface="Calibri" panose="020F0502020204030204" pitchFamily="34" charset="0"/>
-                        <a:ea typeface="Calibri" panose="020F0502020204030204" pitchFamily="34" charset="0"/>
-                        <a:cs typeface="Times New Roman" panose="02020603050405020304" pitchFamily="18" charset="0"/>
-                      </a:endParaRPr>
-                    </a:p>
-                  </a:txBody>
-                  <a:tcPr marL="68580" marR="68580" marT="0" marB="0" anchor="b"/>
-                </a:tc>
-                <a:tc>
-                  <a:txBody>
-                    <a:bodyPr/>
-                    <a:lstStyle/>
-                    <a:p>
-                      <a:pPr xmlns:a="http://schemas.openxmlformats.org/drawingml/2006/main" algn="r">
-                        <a:lnSpc>
-                          <a:spcPct val="107000"/>
-                        </a:lnSpc>
-                        <a:spcAft>
-                          <a:spcPts val="0"/>
-                        </a:spcAft>
-                      </a:pPr>
-                      <a:r xmlns:a="http://schemas.openxmlformats.org/drawingml/2006/main">
+                      <a:endParaRPr lang="en-US" sz="1400">
+                        <a:effectLst/>
+                        <a:latin typeface="Calibri" panose="020F0502020204030204" pitchFamily="34" charset="0"/>
+                        <a:ea typeface="Calibri" panose="020F0502020204030204" pitchFamily="34" charset="0"/>
+                        <a:cs typeface="Times New Roman" panose="02020603050405020304" pitchFamily="18" charset="0"/>
+                      </a:endParaRPr>
+                    </a:p>
+                  </a:txBody>
+                  <a:tcPr marL="68580" marR="68580" marT="0" marB="0" anchor="b"/>
+                </a:tc>
+                <a:tc>
+                  <a:txBody>
+                    <a:bodyPr/>
+                    <a:lstStyle/>
+                    <a:p>
+                      <a:pPr algn="r">
+                        <a:lnSpc>
+                          <a:spcPct val="107000"/>
+                        </a:lnSpc>
+                        <a:spcAft>
+                          <a:spcPts val="0"/>
+                        </a:spcAft>
+                      </a:pPr>
+                      <a:r>
                         <a:rPr lang="en" sz="1400">
                           <a:effectLst/>
                         </a:rPr>
                         <a:t>21</a:t>
                       </a:r>
-                      <a:endParaRPr xmlns:a="http://schemas.openxmlformats.org/drawingml/2006/main" lang="en-US" sz="1400">
+                      <a:endParaRPr lang="en-US" sz="1400">
                         <a:effectLst/>
                         <a:latin typeface="Calibri" panose="020F0502020204030204" pitchFamily="34" charset="0"/>
                         <a:ea typeface="Calibri" panose="020F0502020204030204" pitchFamily="34" charset="0"/>
@@ -4831,108 +4831,108 @@
                     <a:bodyPr/>
                     <a:lstStyle/>
                     <a:p>
-                      <a:pPr xmlns:a="http://schemas.openxmlformats.org/drawingml/2006/main" algn="r">
-                        <a:lnSpc>
-                          <a:spcPct val="107000"/>
-                        </a:lnSpc>
-                        <a:spcAft>
-                          <a:spcPts val="0"/>
-                        </a:spcAft>
-                      </a:pPr>
-                      <a:r xmlns:a="http://schemas.openxmlformats.org/drawingml/2006/main">
+                      <a:pPr algn="r">
+                        <a:lnSpc>
+                          <a:spcPct val="107000"/>
+                        </a:lnSpc>
+                        <a:spcAft>
+                          <a:spcPts val="0"/>
+                        </a:spcAft>
+                      </a:pPr>
+                      <a:r>
                         <a:rPr lang="en" sz="1400">
                           <a:effectLst/>
                         </a:rPr>
                         <a:t>10</a:t>
                       </a:r>
-                      <a:endParaRPr xmlns:a="http://schemas.openxmlformats.org/drawingml/2006/main" lang="en-US" sz="1400">
-                        <a:effectLst/>
-                        <a:latin typeface="Calibri" panose="020F0502020204030204" pitchFamily="34" charset="0"/>
-                        <a:ea typeface="Calibri" panose="020F0502020204030204" pitchFamily="34" charset="0"/>
-                        <a:cs typeface="Times New Roman" panose="02020603050405020304" pitchFamily="18" charset="0"/>
-                      </a:endParaRPr>
-                    </a:p>
-                  </a:txBody>
-                  <a:tcPr marL="68580" marR="68580" marT="0" marB="0" anchor="b"/>
-                </a:tc>
-                <a:tc>
-                  <a:txBody>
-                    <a:bodyPr/>
-                    <a:lstStyle/>
-                    <a:p>
-                      <a:pPr xmlns:a="http://schemas.openxmlformats.org/drawingml/2006/main">
-                        <a:lnSpc>
-                          <a:spcPct val="107000"/>
-                        </a:lnSpc>
-                        <a:spcAft>
-                          <a:spcPts val="0"/>
-                        </a:spcAft>
-                      </a:pPr>
-                      <a:r xmlns:a="http://schemas.openxmlformats.org/drawingml/2006/main">
+                      <a:endParaRPr lang="en-US" sz="1400">
+                        <a:effectLst/>
+                        <a:latin typeface="Calibri" panose="020F0502020204030204" pitchFamily="34" charset="0"/>
+                        <a:ea typeface="Calibri" panose="020F0502020204030204" pitchFamily="34" charset="0"/>
+                        <a:cs typeface="Times New Roman" panose="02020603050405020304" pitchFamily="18" charset="0"/>
+                      </a:endParaRPr>
+                    </a:p>
+                  </a:txBody>
+                  <a:tcPr marL="68580" marR="68580" marT="0" marB="0" anchor="b"/>
+                </a:tc>
+                <a:tc>
+                  <a:txBody>
+                    <a:bodyPr/>
+                    <a:lstStyle/>
+                    <a:p>
+                      <a:pPr>
+                        <a:lnSpc>
+                          <a:spcPct val="107000"/>
+                        </a:lnSpc>
+                        <a:spcAft>
+                          <a:spcPts val="0"/>
+                        </a:spcAft>
+                      </a:pPr>
+                      <a:r>
                         <a:rPr lang="en" sz="1400">
                           <a:effectLst/>
                         </a:rPr>
                         <a:t>ProductJ</a:t>
                       </a:r>
-                      <a:endParaRPr xmlns:a="http://schemas.openxmlformats.org/drawingml/2006/main" lang="en-US" sz="1400">
-                        <a:effectLst/>
-                        <a:latin typeface="Calibri" panose="020F0502020204030204" pitchFamily="34" charset="0"/>
-                        <a:ea typeface="Calibri" panose="020F0502020204030204" pitchFamily="34" charset="0"/>
-                        <a:cs typeface="Times New Roman" panose="02020603050405020304" pitchFamily="18" charset="0"/>
-                      </a:endParaRPr>
-                    </a:p>
-                  </a:txBody>
-                  <a:tcPr marL="68580" marR="68580" marT="0" marB="0" anchor="b"/>
-                </a:tc>
-                <a:tc>
-                  <a:txBody>
-                    <a:bodyPr/>
-                    <a:lstStyle/>
-                    <a:p>
-                      <a:pPr xmlns:a="http://schemas.openxmlformats.org/drawingml/2006/main" algn="r">
-                        <a:lnSpc>
-                          <a:spcPct val="107000"/>
-                        </a:lnSpc>
-                        <a:spcAft>
-                          <a:spcPts val="0"/>
-                        </a:spcAft>
-                      </a:pPr>
-                      <a:r xmlns:a="http://schemas.openxmlformats.org/drawingml/2006/main">
+                      <a:endParaRPr lang="en-US" sz="1400">
+                        <a:effectLst/>
+                        <a:latin typeface="Calibri" panose="020F0502020204030204" pitchFamily="34" charset="0"/>
+                        <a:ea typeface="Calibri" panose="020F0502020204030204" pitchFamily="34" charset="0"/>
+                        <a:cs typeface="Times New Roman" panose="02020603050405020304" pitchFamily="18" charset="0"/>
+                      </a:endParaRPr>
+                    </a:p>
+                  </a:txBody>
+                  <a:tcPr marL="68580" marR="68580" marT="0" marB="0" anchor="b"/>
+                </a:tc>
+                <a:tc>
+                  <a:txBody>
+                    <a:bodyPr/>
+                    <a:lstStyle/>
+                    <a:p>
+                      <a:pPr algn="r">
+                        <a:lnSpc>
+                          <a:spcPct val="107000"/>
+                        </a:lnSpc>
+                        <a:spcAft>
+                          <a:spcPts val="0"/>
+                        </a:spcAft>
+                      </a:pPr>
+                      <a:r>
                         <a:rPr lang="en" sz="1400">
                           <a:effectLst/>
                         </a:rPr>
                         <a:t>257</a:t>
                       </a:r>
-                      <a:endParaRPr xmlns:a="http://schemas.openxmlformats.org/drawingml/2006/main" lang="en-US" sz="1400">
-                        <a:effectLst/>
-                        <a:latin typeface="Calibri" panose="020F0502020204030204" pitchFamily="34" charset="0"/>
-                        <a:ea typeface="Calibri" panose="020F0502020204030204" pitchFamily="34" charset="0"/>
-                        <a:cs typeface="Times New Roman" panose="02020603050405020304" pitchFamily="18" charset="0"/>
-                      </a:endParaRPr>
-                    </a:p>
-                  </a:txBody>
-                  <a:tcPr marL="68580" marR="68580" marT="0" marB="0" anchor="b"/>
-                </a:tc>
-                <a:tc>
-                  <a:txBody>
-                    <a:bodyPr/>
-                    <a:lstStyle/>
-                    <a:p>
-                      <a:pPr xmlns:a="http://schemas.openxmlformats.org/drawingml/2006/main" algn="r">
-                        <a:lnSpc>
-                          <a:spcPct val="107000"/>
-                        </a:lnSpc>
-                        <a:spcAft>
-                          <a:spcPts val="0"/>
-                        </a:spcAft>
-                      </a:pPr>
-                      <a:r xmlns:a="http://schemas.openxmlformats.org/drawingml/2006/main">
+                      <a:endParaRPr lang="en-US" sz="1400">
+                        <a:effectLst/>
+                        <a:latin typeface="Calibri" panose="020F0502020204030204" pitchFamily="34" charset="0"/>
+                        <a:ea typeface="Calibri" panose="020F0502020204030204" pitchFamily="34" charset="0"/>
+                        <a:cs typeface="Times New Roman" panose="02020603050405020304" pitchFamily="18" charset="0"/>
+                      </a:endParaRPr>
+                    </a:p>
+                  </a:txBody>
+                  <a:tcPr marL="68580" marR="68580" marT="0" marB="0" anchor="b"/>
+                </a:tc>
+                <a:tc>
+                  <a:txBody>
+                    <a:bodyPr/>
+                    <a:lstStyle/>
+                    <a:p>
+                      <a:pPr algn="r">
+                        <a:lnSpc>
+                          <a:spcPct val="107000"/>
+                        </a:lnSpc>
+                        <a:spcAft>
+                          <a:spcPts val="0"/>
+                        </a:spcAft>
+                      </a:pPr>
+                      <a:r>
                         <a:rPr lang="en" sz="1400">
                           <a:effectLst/>
                         </a:rPr>
                         <a:t>25</a:t>
                       </a:r>
-                      <a:endParaRPr xmlns:a="http://schemas.openxmlformats.org/drawingml/2006/main" lang="en-US" sz="1400">
+                      <a:endParaRPr lang="en-US" sz="1400">
                         <a:effectLst/>
                         <a:latin typeface="Calibri" panose="020F0502020204030204" pitchFamily="34" charset="0"/>
                         <a:ea typeface="Calibri" panose="020F0502020204030204" pitchFamily="34" charset="0"/>
@@ -4954,108 +4954,108 @@
                     <a:bodyPr/>
                     <a:lstStyle/>
                     <a:p>
-                      <a:pPr xmlns:a="http://schemas.openxmlformats.org/drawingml/2006/main" algn="r">
-                        <a:lnSpc>
-                          <a:spcPct val="107000"/>
-                        </a:lnSpc>
-                        <a:spcAft>
-                          <a:spcPts val="0"/>
-                        </a:spcAft>
-                      </a:pPr>
-                      <a:r xmlns:a="http://schemas.openxmlformats.org/drawingml/2006/main">
+                      <a:pPr algn="r">
+                        <a:lnSpc>
+                          <a:spcPct val="107000"/>
+                        </a:lnSpc>
+                        <a:spcAft>
+                          <a:spcPts val="0"/>
+                        </a:spcAft>
+                      </a:pPr>
+                      <a:r>
                         <a:rPr lang="en" sz="1400">
                           <a:effectLst/>
                         </a:rPr>
                         <a:t>11</a:t>
                       </a:r>
-                      <a:endParaRPr xmlns:a="http://schemas.openxmlformats.org/drawingml/2006/main" lang="en-US" sz="1400">
-                        <a:effectLst/>
-                        <a:latin typeface="Calibri" panose="020F0502020204030204" pitchFamily="34" charset="0"/>
-                        <a:ea typeface="Calibri" panose="020F0502020204030204" pitchFamily="34" charset="0"/>
-                        <a:cs typeface="Times New Roman" panose="02020603050405020304" pitchFamily="18" charset="0"/>
-                      </a:endParaRPr>
-                    </a:p>
-                  </a:txBody>
-                  <a:tcPr marL="68580" marR="68580" marT="0" marB="0" anchor="b"/>
-                </a:tc>
-                <a:tc>
-                  <a:txBody>
-                    <a:bodyPr/>
-                    <a:lstStyle/>
-                    <a:p>
-                      <a:pPr xmlns:a="http://schemas.openxmlformats.org/drawingml/2006/main">
-                        <a:lnSpc>
-                          <a:spcPct val="107000"/>
-                        </a:lnSpc>
-                        <a:spcAft>
-                          <a:spcPts val="0"/>
-                        </a:spcAft>
-                      </a:pPr>
-                      <a:r xmlns:a="http://schemas.openxmlformats.org/drawingml/2006/main">
+                      <a:endParaRPr lang="en-US" sz="1400">
+                        <a:effectLst/>
+                        <a:latin typeface="Calibri" panose="020F0502020204030204" pitchFamily="34" charset="0"/>
+                        <a:ea typeface="Calibri" panose="020F0502020204030204" pitchFamily="34" charset="0"/>
+                        <a:cs typeface="Times New Roman" panose="02020603050405020304" pitchFamily="18" charset="0"/>
+                      </a:endParaRPr>
+                    </a:p>
+                  </a:txBody>
+                  <a:tcPr marL="68580" marR="68580" marT="0" marB="0" anchor="b"/>
+                </a:tc>
+                <a:tc>
+                  <a:txBody>
+                    <a:bodyPr/>
+                    <a:lstStyle/>
+                    <a:p>
+                      <a:pPr>
+                        <a:lnSpc>
+                          <a:spcPct val="107000"/>
+                        </a:lnSpc>
+                        <a:spcAft>
+                          <a:spcPts val="0"/>
+                        </a:spcAft>
+                      </a:pPr>
+                      <a:r>
                         <a:rPr lang="en" sz="1400">
                           <a:effectLst/>
                         </a:rPr>
                         <a:t>ProductK</a:t>
                       </a:r>
-                      <a:endParaRPr xmlns:a="http://schemas.openxmlformats.org/drawingml/2006/main" lang="en-US" sz="1400">
-                        <a:effectLst/>
-                        <a:latin typeface="Calibri" panose="020F0502020204030204" pitchFamily="34" charset="0"/>
-                        <a:ea typeface="Calibri" panose="020F0502020204030204" pitchFamily="34" charset="0"/>
-                        <a:cs typeface="Times New Roman" panose="02020603050405020304" pitchFamily="18" charset="0"/>
-                      </a:endParaRPr>
-                    </a:p>
-                  </a:txBody>
-                  <a:tcPr marL="68580" marR="68580" marT="0" marB="0" anchor="b"/>
-                </a:tc>
-                <a:tc>
-                  <a:txBody>
-                    <a:bodyPr/>
-                    <a:lstStyle/>
-                    <a:p>
-                      <a:pPr xmlns:a="http://schemas.openxmlformats.org/drawingml/2006/main" algn="r">
-                        <a:lnSpc>
-                          <a:spcPct val="107000"/>
-                        </a:lnSpc>
-                        <a:spcAft>
-                          <a:spcPts val="0"/>
-                        </a:spcAft>
-                      </a:pPr>
-                      <a:r xmlns:a="http://schemas.openxmlformats.org/drawingml/2006/main">
+                      <a:endParaRPr lang="en-US" sz="1400">
+                        <a:effectLst/>
+                        <a:latin typeface="Calibri" panose="020F0502020204030204" pitchFamily="34" charset="0"/>
+                        <a:ea typeface="Calibri" panose="020F0502020204030204" pitchFamily="34" charset="0"/>
+                        <a:cs typeface="Times New Roman" panose="02020603050405020304" pitchFamily="18" charset="0"/>
+                      </a:endParaRPr>
+                    </a:p>
+                  </a:txBody>
+                  <a:tcPr marL="68580" marR="68580" marT="0" marB="0" anchor="b"/>
+                </a:tc>
+                <a:tc>
+                  <a:txBody>
+                    <a:bodyPr/>
+                    <a:lstStyle/>
+                    <a:p>
+                      <a:pPr algn="r">
+                        <a:lnSpc>
+                          <a:spcPct val="107000"/>
+                        </a:lnSpc>
+                        <a:spcAft>
+                          <a:spcPts val="0"/>
+                        </a:spcAft>
+                      </a:pPr>
+                      <a:r>
                         <a:rPr lang="en" sz="1400">
                           <a:effectLst/>
                         </a:rPr>
                         <a:t>400</a:t>
                       </a:r>
-                      <a:endParaRPr xmlns:a="http://schemas.openxmlformats.org/drawingml/2006/main" lang="en-US" sz="1400">
-                        <a:effectLst/>
-                        <a:latin typeface="Calibri" panose="020F0502020204030204" pitchFamily="34" charset="0"/>
-                        <a:ea typeface="Calibri" panose="020F0502020204030204" pitchFamily="34" charset="0"/>
-                        <a:cs typeface="Times New Roman" panose="02020603050405020304" pitchFamily="18" charset="0"/>
-                      </a:endParaRPr>
-                    </a:p>
-                  </a:txBody>
-                  <a:tcPr marL="68580" marR="68580" marT="0" marB="0" anchor="b"/>
-                </a:tc>
-                <a:tc>
-                  <a:txBody>
-                    <a:bodyPr/>
-                    <a:lstStyle/>
-                    <a:p>
-                      <a:pPr xmlns:a="http://schemas.openxmlformats.org/drawingml/2006/main" algn="r">
-                        <a:lnSpc>
-                          <a:spcPct val="107000"/>
-                        </a:lnSpc>
-                        <a:spcAft>
-                          <a:spcPts val="0"/>
-                        </a:spcAft>
-                      </a:pPr>
-                      <a:r xmlns:a="http://schemas.openxmlformats.org/drawingml/2006/main">
+                      <a:endParaRPr lang="en-US" sz="1400">
+                        <a:effectLst/>
+                        <a:latin typeface="Calibri" panose="020F0502020204030204" pitchFamily="34" charset="0"/>
+                        <a:ea typeface="Calibri" panose="020F0502020204030204" pitchFamily="34" charset="0"/>
+                        <a:cs typeface="Times New Roman" panose="02020603050405020304" pitchFamily="18" charset="0"/>
+                      </a:endParaRPr>
+                    </a:p>
+                  </a:txBody>
+                  <a:tcPr marL="68580" marR="68580" marT="0" marB="0" anchor="b"/>
+                </a:tc>
+                <a:tc>
+                  <a:txBody>
+                    <a:bodyPr/>
+                    <a:lstStyle/>
+                    <a:p>
+                      <a:pPr algn="r">
+                        <a:lnSpc>
+                          <a:spcPct val="107000"/>
+                        </a:lnSpc>
+                        <a:spcAft>
+                          <a:spcPts val="0"/>
+                        </a:spcAft>
+                      </a:pPr>
+                      <a:r>
                         <a:rPr lang="en" sz="1400">
                           <a:effectLst/>
                         </a:rPr>
                         <a:t>23</a:t>
                       </a:r>
-                      <a:endParaRPr xmlns:a="http://schemas.openxmlformats.org/drawingml/2006/main" lang="en-US" sz="1400">
+                      <a:endParaRPr lang="en-US" sz="1400">
                         <a:effectLst/>
                         <a:latin typeface="Calibri" panose="020F0502020204030204" pitchFamily="34" charset="0"/>
                         <a:ea typeface="Calibri" panose="020F0502020204030204" pitchFamily="34" charset="0"/>
@@ -5077,108 +5077,108 @@
                     <a:bodyPr/>
                     <a:lstStyle/>
                     <a:p>
-                      <a:pPr xmlns:a="http://schemas.openxmlformats.org/drawingml/2006/main" algn="r">
-                        <a:lnSpc>
-                          <a:spcPct val="107000"/>
-                        </a:lnSpc>
-                        <a:spcAft>
-                          <a:spcPts val="0"/>
-                        </a:spcAft>
-                      </a:pPr>
-                      <a:r xmlns:a="http://schemas.openxmlformats.org/drawingml/2006/main">
+                      <a:pPr algn="r">
+                        <a:lnSpc>
+                          <a:spcPct val="107000"/>
+                        </a:lnSpc>
+                        <a:spcAft>
+                          <a:spcPts val="0"/>
+                        </a:spcAft>
+                      </a:pPr>
+                      <a:r>
                         <a:rPr lang="en" sz="1400">
                           <a:effectLst/>
                         </a:rPr>
                         <a:t>12</a:t>
                       </a:r>
-                      <a:endParaRPr xmlns:a="http://schemas.openxmlformats.org/drawingml/2006/main" lang="en-US" sz="1400">
-                        <a:effectLst/>
-                        <a:latin typeface="Calibri" panose="020F0502020204030204" pitchFamily="34" charset="0"/>
-                        <a:ea typeface="Calibri" panose="020F0502020204030204" pitchFamily="34" charset="0"/>
-                        <a:cs typeface="Times New Roman" panose="02020603050405020304" pitchFamily="18" charset="0"/>
-                      </a:endParaRPr>
-                    </a:p>
-                  </a:txBody>
-                  <a:tcPr marL="68580" marR="68580" marT="0" marB="0" anchor="b"/>
-                </a:tc>
-                <a:tc>
-                  <a:txBody>
-                    <a:bodyPr/>
-                    <a:lstStyle/>
-                    <a:p>
-                      <a:pPr xmlns:a="http://schemas.openxmlformats.org/drawingml/2006/main">
-                        <a:lnSpc>
-                          <a:spcPct val="107000"/>
-                        </a:lnSpc>
-                        <a:spcAft>
-                          <a:spcPts val="0"/>
-                        </a:spcAft>
-                      </a:pPr>
-                      <a:r xmlns:a="http://schemas.openxmlformats.org/drawingml/2006/main">
+                      <a:endParaRPr lang="en-US" sz="1400">
+                        <a:effectLst/>
+                        <a:latin typeface="Calibri" panose="020F0502020204030204" pitchFamily="34" charset="0"/>
+                        <a:ea typeface="Calibri" panose="020F0502020204030204" pitchFamily="34" charset="0"/>
+                        <a:cs typeface="Times New Roman" panose="02020603050405020304" pitchFamily="18" charset="0"/>
+                      </a:endParaRPr>
+                    </a:p>
+                  </a:txBody>
+                  <a:tcPr marL="68580" marR="68580" marT="0" marB="0" anchor="b"/>
+                </a:tc>
+                <a:tc>
+                  <a:txBody>
+                    <a:bodyPr/>
+                    <a:lstStyle/>
+                    <a:p>
+                      <a:pPr>
+                        <a:lnSpc>
+                          <a:spcPct val="107000"/>
+                        </a:lnSpc>
+                        <a:spcAft>
+                          <a:spcPts val="0"/>
+                        </a:spcAft>
+                      </a:pPr>
+                      <a:r>
                         <a:rPr lang="en" sz="1400">
                           <a:effectLst/>
                         </a:rPr>
                         <a:t>ProductL</a:t>
                       </a:r>
-                      <a:endParaRPr xmlns:a="http://schemas.openxmlformats.org/drawingml/2006/main" lang="en-US" sz="1400">
-                        <a:effectLst/>
-                        <a:latin typeface="Calibri" panose="020F0502020204030204" pitchFamily="34" charset="0"/>
-                        <a:ea typeface="Calibri" panose="020F0502020204030204" pitchFamily="34" charset="0"/>
-                        <a:cs typeface="Times New Roman" panose="02020603050405020304" pitchFamily="18" charset="0"/>
-                      </a:endParaRPr>
-                    </a:p>
-                  </a:txBody>
-                  <a:tcPr marL="68580" marR="68580" marT="0" marB="0" anchor="b"/>
-                </a:tc>
-                <a:tc>
-                  <a:txBody>
-                    <a:bodyPr/>
-                    <a:lstStyle/>
-                    <a:p>
-                      <a:pPr xmlns:a="http://schemas.openxmlformats.org/drawingml/2006/main" algn="r">
-                        <a:lnSpc>
-                          <a:spcPct val="107000"/>
-                        </a:lnSpc>
-                        <a:spcAft>
-                          <a:spcPts val="0"/>
-                        </a:spcAft>
-                      </a:pPr>
-                      <a:r xmlns:a="http://schemas.openxmlformats.org/drawingml/2006/main">
+                      <a:endParaRPr lang="en-US" sz="1400">
+                        <a:effectLst/>
+                        <a:latin typeface="Calibri" panose="020F0502020204030204" pitchFamily="34" charset="0"/>
+                        <a:ea typeface="Calibri" panose="020F0502020204030204" pitchFamily="34" charset="0"/>
+                        <a:cs typeface="Times New Roman" panose="02020603050405020304" pitchFamily="18" charset="0"/>
+                      </a:endParaRPr>
+                    </a:p>
+                  </a:txBody>
+                  <a:tcPr marL="68580" marR="68580" marT="0" marB="0" anchor="b"/>
+                </a:tc>
+                <a:tc>
+                  <a:txBody>
+                    <a:bodyPr/>
+                    <a:lstStyle/>
+                    <a:p>
+                      <a:pPr algn="r">
+                        <a:lnSpc>
+                          <a:spcPct val="107000"/>
+                        </a:lnSpc>
+                        <a:spcAft>
+                          <a:spcPts val="0"/>
+                        </a:spcAft>
+                      </a:pPr>
+                      <a:r>
                         <a:rPr lang="en" sz="1400">
                           <a:effectLst/>
                         </a:rPr>
                         <a:t>362</a:t>
                       </a:r>
-                      <a:endParaRPr xmlns:a="http://schemas.openxmlformats.org/drawingml/2006/main" lang="en-US" sz="1400">
-                        <a:effectLst/>
-                        <a:latin typeface="Calibri" panose="020F0502020204030204" pitchFamily="34" charset="0"/>
-                        <a:ea typeface="Calibri" panose="020F0502020204030204" pitchFamily="34" charset="0"/>
-                        <a:cs typeface="Times New Roman" panose="02020603050405020304" pitchFamily="18" charset="0"/>
-                      </a:endParaRPr>
-                    </a:p>
-                  </a:txBody>
-                  <a:tcPr marL="68580" marR="68580" marT="0" marB="0" anchor="b"/>
-                </a:tc>
-                <a:tc>
-                  <a:txBody>
-                    <a:bodyPr/>
-                    <a:lstStyle/>
-                    <a:p>
-                      <a:pPr xmlns:a="http://schemas.openxmlformats.org/drawingml/2006/main" algn="r">
-                        <a:lnSpc>
-                          <a:spcPct val="107000"/>
-                        </a:lnSpc>
-                        <a:spcAft>
-                          <a:spcPts val="0"/>
-                        </a:spcAft>
-                      </a:pPr>
-                      <a:r xmlns:a="http://schemas.openxmlformats.org/drawingml/2006/main">
+                      <a:endParaRPr lang="en-US" sz="1400">
+                        <a:effectLst/>
+                        <a:latin typeface="Calibri" panose="020F0502020204030204" pitchFamily="34" charset="0"/>
+                        <a:ea typeface="Calibri" panose="020F0502020204030204" pitchFamily="34" charset="0"/>
+                        <a:cs typeface="Times New Roman" panose="02020603050405020304" pitchFamily="18" charset="0"/>
+                      </a:endParaRPr>
+                    </a:p>
+                  </a:txBody>
+                  <a:tcPr marL="68580" marR="68580" marT="0" marB="0" anchor="b"/>
+                </a:tc>
+                <a:tc>
+                  <a:txBody>
+                    <a:bodyPr/>
+                    <a:lstStyle/>
+                    <a:p>
+                      <a:pPr algn="r">
+                        <a:lnSpc>
+                          <a:spcPct val="107000"/>
+                        </a:lnSpc>
+                        <a:spcAft>
+                          <a:spcPts val="0"/>
+                        </a:spcAft>
+                      </a:pPr>
+                      <a:r>
                         <a:rPr lang="en" sz="1400">
                           <a:effectLst/>
                         </a:rPr>
                         <a:t>28</a:t>
                       </a:r>
-                      <a:endParaRPr xmlns:a="http://schemas.openxmlformats.org/drawingml/2006/main" lang="en-US" sz="1400">
+                      <a:endParaRPr lang="en-US" sz="1400">
                         <a:effectLst/>
                         <a:latin typeface="Calibri" panose="020F0502020204030204" pitchFamily="34" charset="0"/>
                         <a:ea typeface="Calibri" panose="020F0502020204030204" pitchFamily="34" charset="0"/>
@@ -5200,108 +5200,108 @@
                     <a:bodyPr/>
                     <a:lstStyle/>
                     <a:p>
-                      <a:pPr xmlns:a="http://schemas.openxmlformats.org/drawingml/2006/main" algn="r">
-                        <a:lnSpc>
-                          <a:spcPct val="107000"/>
-                        </a:lnSpc>
-                        <a:spcAft>
-                          <a:spcPts val="0"/>
-                        </a:spcAft>
-                      </a:pPr>
-                      <a:r xmlns:a="http://schemas.openxmlformats.org/drawingml/2006/main">
+                      <a:pPr algn="r">
+                        <a:lnSpc>
+                          <a:spcPct val="107000"/>
+                        </a:lnSpc>
+                        <a:spcAft>
+                          <a:spcPts val="0"/>
+                        </a:spcAft>
+                      </a:pPr>
+                      <a:r>
                         <a:rPr lang="en" sz="1400">
                           <a:effectLst/>
                         </a:rPr>
                         <a:t>13</a:t>
                       </a:r>
-                      <a:endParaRPr xmlns:a="http://schemas.openxmlformats.org/drawingml/2006/main" lang="en-US" sz="1400">
-                        <a:effectLst/>
-                        <a:latin typeface="Calibri" panose="020F0502020204030204" pitchFamily="34" charset="0"/>
-                        <a:ea typeface="Calibri" panose="020F0502020204030204" pitchFamily="34" charset="0"/>
-                        <a:cs typeface="Times New Roman" panose="02020603050405020304" pitchFamily="18" charset="0"/>
-                      </a:endParaRPr>
-                    </a:p>
-                  </a:txBody>
-                  <a:tcPr marL="68580" marR="68580" marT="0" marB="0" anchor="b"/>
-                </a:tc>
-                <a:tc>
-                  <a:txBody>
-                    <a:bodyPr/>
-                    <a:lstStyle/>
-                    <a:p>
-                      <a:pPr xmlns:a="http://schemas.openxmlformats.org/drawingml/2006/main">
-                        <a:lnSpc>
-                          <a:spcPct val="107000"/>
-                        </a:lnSpc>
-                        <a:spcAft>
-                          <a:spcPts val="0"/>
-                        </a:spcAft>
-                      </a:pPr>
-                      <a:r xmlns:a="http://schemas.openxmlformats.org/drawingml/2006/main">
+                      <a:endParaRPr lang="en-US" sz="1400">
+                        <a:effectLst/>
+                        <a:latin typeface="Calibri" panose="020F0502020204030204" pitchFamily="34" charset="0"/>
+                        <a:ea typeface="Calibri" panose="020F0502020204030204" pitchFamily="34" charset="0"/>
+                        <a:cs typeface="Times New Roman" panose="02020603050405020304" pitchFamily="18" charset="0"/>
+                      </a:endParaRPr>
+                    </a:p>
+                  </a:txBody>
+                  <a:tcPr marL="68580" marR="68580" marT="0" marB="0" anchor="b"/>
+                </a:tc>
+                <a:tc>
+                  <a:txBody>
+                    <a:bodyPr/>
+                    <a:lstStyle/>
+                    <a:p>
+                      <a:pPr>
+                        <a:lnSpc>
+                          <a:spcPct val="107000"/>
+                        </a:lnSpc>
+                        <a:spcAft>
+                          <a:spcPts val="0"/>
+                        </a:spcAft>
+                      </a:pPr>
+                      <a:r>
                         <a:rPr lang="en" sz="1400">
                           <a:effectLst/>
                         </a:rPr>
                         <a:t>ProductM</a:t>
                       </a:r>
-                      <a:endParaRPr xmlns:a="http://schemas.openxmlformats.org/drawingml/2006/main" lang="en-US" sz="1400">
-                        <a:effectLst/>
-                        <a:latin typeface="Calibri" panose="020F0502020204030204" pitchFamily="34" charset="0"/>
-                        <a:ea typeface="Calibri" panose="020F0502020204030204" pitchFamily="34" charset="0"/>
-                        <a:cs typeface="Times New Roman" panose="02020603050405020304" pitchFamily="18" charset="0"/>
-                      </a:endParaRPr>
-                    </a:p>
-                  </a:txBody>
-                  <a:tcPr marL="68580" marR="68580" marT="0" marB="0" anchor="b"/>
-                </a:tc>
-                <a:tc>
-                  <a:txBody>
-                    <a:bodyPr/>
-                    <a:lstStyle/>
-                    <a:p>
-                      <a:pPr xmlns:a="http://schemas.openxmlformats.org/drawingml/2006/main" algn="r">
-                        <a:lnSpc>
-                          <a:spcPct val="107000"/>
-                        </a:lnSpc>
-                        <a:spcAft>
-                          <a:spcPts val="0"/>
-                        </a:spcAft>
-                      </a:pPr>
-                      <a:r xmlns:a="http://schemas.openxmlformats.org/drawingml/2006/main">
+                      <a:endParaRPr lang="en-US" sz="1400">
+                        <a:effectLst/>
+                        <a:latin typeface="Calibri" panose="020F0502020204030204" pitchFamily="34" charset="0"/>
+                        <a:ea typeface="Calibri" panose="020F0502020204030204" pitchFamily="34" charset="0"/>
+                        <a:cs typeface="Times New Roman" panose="02020603050405020304" pitchFamily="18" charset="0"/>
+                      </a:endParaRPr>
+                    </a:p>
+                  </a:txBody>
+                  <a:tcPr marL="68580" marR="68580" marT="0" marB="0" anchor="b"/>
+                </a:tc>
+                <a:tc>
+                  <a:txBody>
+                    <a:bodyPr/>
+                    <a:lstStyle/>
+                    <a:p>
+                      <a:pPr algn="r">
+                        <a:lnSpc>
+                          <a:spcPct val="107000"/>
+                        </a:lnSpc>
+                        <a:spcAft>
+                          <a:spcPts val="0"/>
+                        </a:spcAft>
+                      </a:pPr>
+                      <a:r>
                         <a:rPr lang="en" sz="1400">
                           <a:effectLst/>
                         </a:rPr>
                         <a:t>206</a:t>
                       </a:r>
-                      <a:endParaRPr xmlns:a="http://schemas.openxmlformats.org/drawingml/2006/main" lang="en-US" sz="1400">
-                        <a:effectLst/>
-                        <a:latin typeface="Calibri" panose="020F0502020204030204" pitchFamily="34" charset="0"/>
-                        <a:ea typeface="Calibri" panose="020F0502020204030204" pitchFamily="34" charset="0"/>
-                        <a:cs typeface="Times New Roman" panose="02020603050405020304" pitchFamily="18" charset="0"/>
-                      </a:endParaRPr>
-                    </a:p>
-                  </a:txBody>
-                  <a:tcPr marL="68580" marR="68580" marT="0" marB="0" anchor="b"/>
-                </a:tc>
-                <a:tc>
-                  <a:txBody>
-                    <a:bodyPr/>
-                    <a:lstStyle/>
-                    <a:p>
-                      <a:pPr xmlns:a="http://schemas.openxmlformats.org/drawingml/2006/main" algn="r">
-                        <a:lnSpc>
-                          <a:spcPct val="107000"/>
-                        </a:lnSpc>
-                        <a:spcAft>
-                          <a:spcPts val="0"/>
-                        </a:spcAft>
-                      </a:pPr>
-                      <a:r xmlns:a="http://schemas.openxmlformats.org/drawingml/2006/main">
+                      <a:endParaRPr lang="en-US" sz="1400">
+                        <a:effectLst/>
+                        <a:latin typeface="Calibri" panose="020F0502020204030204" pitchFamily="34" charset="0"/>
+                        <a:ea typeface="Calibri" panose="020F0502020204030204" pitchFamily="34" charset="0"/>
+                        <a:cs typeface="Times New Roman" panose="02020603050405020304" pitchFamily="18" charset="0"/>
+                      </a:endParaRPr>
+                    </a:p>
+                  </a:txBody>
+                  <a:tcPr marL="68580" marR="68580" marT="0" marB="0" anchor="b"/>
+                </a:tc>
+                <a:tc>
+                  <a:txBody>
+                    <a:bodyPr/>
+                    <a:lstStyle/>
+                    <a:p>
+                      <a:pPr algn="r">
+                        <a:lnSpc>
+                          <a:spcPct val="107000"/>
+                        </a:lnSpc>
+                        <a:spcAft>
+                          <a:spcPts val="0"/>
+                        </a:spcAft>
+                      </a:pPr>
+                      <a:r>
                         <a:rPr lang="en" sz="1400">
                           <a:effectLst/>
                         </a:rPr>
                         <a:t>26</a:t>
                       </a:r>
-                      <a:endParaRPr xmlns:a="http://schemas.openxmlformats.org/drawingml/2006/main" lang="en-US" sz="1400">
+                      <a:endParaRPr lang="en-US" sz="1400">
                         <a:effectLst/>
                         <a:latin typeface="Calibri" panose="020F0502020204030204" pitchFamily="34" charset="0"/>
                         <a:ea typeface="Calibri" panose="020F0502020204030204" pitchFamily="34" charset="0"/>
@@ -5323,108 +5323,108 @@
                     <a:bodyPr/>
                     <a:lstStyle/>
                     <a:p>
-                      <a:pPr xmlns:a="http://schemas.openxmlformats.org/drawingml/2006/main" algn="r">
-                        <a:lnSpc>
-                          <a:spcPct val="107000"/>
-                        </a:lnSpc>
-                        <a:spcAft>
-                          <a:spcPts val="0"/>
-                        </a:spcAft>
-                      </a:pPr>
-                      <a:r xmlns:a="http://schemas.openxmlformats.org/drawingml/2006/main">
+                      <a:pPr algn="r">
+                        <a:lnSpc>
+                          <a:spcPct val="107000"/>
+                        </a:lnSpc>
+                        <a:spcAft>
+                          <a:spcPts val="0"/>
+                        </a:spcAft>
+                      </a:pPr>
+                      <a:r>
                         <a:rPr lang="en" sz="1400">
                           <a:effectLst/>
                         </a:rPr>
                         <a:t>14</a:t>
                       </a:r>
-                      <a:endParaRPr xmlns:a="http://schemas.openxmlformats.org/drawingml/2006/main" lang="en-US" sz="1400">
-                        <a:effectLst/>
-                        <a:latin typeface="Calibri" panose="020F0502020204030204" pitchFamily="34" charset="0"/>
-                        <a:ea typeface="Calibri" panose="020F0502020204030204" pitchFamily="34" charset="0"/>
-                        <a:cs typeface="Times New Roman" panose="02020603050405020304" pitchFamily="18" charset="0"/>
-                      </a:endParaRPr>
-                    </a:p>
-                  </a:txBody>
-                  <a:tcPr marL="68580" marR="68580" marT="0" marB="0" anchor="b"/>
-                </a:tc>
-                <a:tc>
-                  <a:txBody>
-                    <a:bodyPr/>
-                    <a:lstStyle/>
-                    <a:p>
-                      <a:pPr xmlns:a="http://schemas.openxmlformats.org/drawingml/2006/main">
-                        <a:lnSpc>
-                          <a:spcPct val="107000"/>
-                        </a:lnSpc>
-                        <a:spcAft>
-                          <a:spcPts val="0"/>
-                        </a:spcAft>
-                      </a:pPr>
-                      <a:r xmlns:a="http://schemas.openxmlformats.org/drawingml/2006/main">
+                      <a:endParaRPr lang="en-US" sz="1400">
+                        <a:effectLst/>
+                        <a:latin typeface="Calibri" panose="020F0502020204030204" pitchFamily="34" charset="0"/>
+                        <a:ea typeface="Calibri" panose="020F0502020204030204" pitchFamily="34" charset="0"/>
+                        <a:cs typeface="Times New Roman" panose="02020603050405020304" pitchFamily="18" charset="0"/>
+                      </a:endParaRPr>
+                    </a:p>
+                  </a:txBody>
+                  <a:tcPr marL="68580" marR="68580" marT="0" marB="0" anchor="b"/>
+                </a:tc>
+                <a:tc>
+                  <a:txBody>
+                    <a:bodyPr/>
+                    <a:lstStyle/>
+                    <a:p>
+                      <a:pPr>
+                        <a:lnSpc>
+                          <a:spcPct val="107000"/>
+                        </a:lnSpc>
+                        <a:spcAft>
+                          <a:spcPts val="0"/>
+                        </a:spcAft>
+                      </a:pPr>
+                      <a:r>
                         <a:rPr lang="en" sz="1400">
                           <a:effectLst/>
                         </a:rPr>
                         <a:t>ProductN</a:t>
                       </a:r>
-                      <a:endParaRPr xmlns:a="http://schemas.openxmlformats.org/drawingml/2006/main" lang="en-US" sz="1400">
-                        <a:effectLst/>
-                        <a:latin typeface="Calibri" panose="020F0502020204030204" pitchFamily="34" charset="0"/>
-                        <a:ea typeface="Calibri" panose="020F0502020204030204" pitchFamily="34" charset="0"/>
-                        <a:cs typeface="Times New Roman" panose="02020603050405020304" pitchFamily="18" charset="0"/>
-                      </a:endParaRPr>
-                    </a:p>
-                  </a:txBody>
-                  <a:tcPr marL="68580" marR="68580" marT="0" marB="0" anchor="b"/>
-                </a:tc>
-                <a:tc>
-                  <a:txBody>
-                    <a:bodyPr/>
-                    <a:lstStyle/>
-                    <a:p>
-                      <a:pPr xmlns:a="http://schemas.openxmlformats.org/drawingml/2006/main" algn="r">
-                        <a:lnSpc>
-                          <a:spcPct val="107000"/>
-                        </a:lnSpc>
-                        <a:spcAft>
-                          <a:spcPts val="0"/>
-                        </a:spcAft>
-                      </a:pPr>
-                      <a:r xmlns:a="http://schemas.openxmlformats.org/drawingml/2006/main">
+                      <a:endParaRPr lang="en-US" sz="1400">
+                        <a:effectLst/>
+                        <a:latin typeface="Calibri" panose="020F0502020204030204" pitchFamily="34" charset="0"/>
+                        <a:ea typeface="Calibri" panose="020F0502020204030204" pitchFamily="34" charset="0"/>
+                        <a:cs typeface="Times New Roman" panose="02020603050405020304" pitchFamily="18" charset="0"/>
+                      </a:endParaRPr>
+                    </a:p>
+                  </a:txBody>
+                  <a:tcPr marL="68580" marR="68580" marT="0" marB="0" anchor="b"/>
+                </a:tc>
+                <a:tc>
+                  <a:txBody>
+                    <a:bodyPr/>
+                    <a:lstStyle/>
+                    <a:p>
+                      <a:pPr algn="r">
+                        <a:lnSpc>
+                          <a:spcPct val="107000"/>
+                        </a:lnSpc>
+                        <a:spcAft>
+                          <a:spcPts val="0"/>
+                        </a:spcAft>
+                      </a:pPr>
+                      <a:r>
                         <a:rPr lang="en" sz="1400">
                           <a:effectLst/>
                         </a:rPr>
                         <a:t>367</a:t>
                       </a:r>
-                      <a:endParaRPr xmlns:a="http://schemas.openxmlformats.org/drawingml/2006/main" lang="en-US" sz="1400">
-                        <a:effectLst/>
-                        <a:latin typeface="Calibri" panose="020F0502020204030204" pitchFamily="34" charset="0"/>
-                        <a:ea typeface="Calibri" panose="020F0502020204030204" pitchFamily="34" charset="0"/>
-                        <a:cs typeface="Times New Roman" panose="02020603050405020304" pitchFamily="18" charset="0"/>
-                      </a:endParaRPr>
-                    </a:p>
-                  </a:txBody>
-                  <a:tcPr marL="68580" marR="68580" marT="0" marB="0" anchor="b"/>
-                </a:tc>
-                <a:tc>
-                  <a:txBody>
-                    <a:bodyPr/>
-                    <a:lstStyle/>
-                    <a:p>
-                      <a:pPr xmlns:a="http://schemas.openxmlformats.org/drawingml/2006/main" algn="r">
-                        <a:lnSpc>
-                          <a:spcPct val="107000"/>
-                        </a:lnSpc>
-                        <a:spcAft>
-                          <a:spcPts val="0"/>
-                        </a:spcAft>
-                      </a:pPr>
-                      <a:r xmlns:a="http://schemas.openxmlformats.org/drawingml/2006/main">
+                      <a:endParaRPr lang="en-US" sz="1400">
+                        <a:effectLst/>
+                        <a:latin typeface="Calibri" panose="020F0502020204030204" pitchFamily="34" charset="0"/>
+                        <a:ea typeface="Calibri" panose="020F0502020204030204" pitchFamily="34" charset="0"/>
+                        <a:cs typeface="Times New Roman" panose="02020603050405020304" pitchFamily="18" charset="0"/>
+                      </a:endParaRPr>
+                    </a:p>
+                  </a:txBody>
+                  <a:tcPr marL="68580" marR="68580" marT="0" marB="0" anchor="b"/>
+                </a:tc>
+                <a:tc>
+                  <a:txBody>
+                    <a:bodyPr/>
+                    <a:lstStyle/>
+                    <a:p>
+                      <a:pPr algn="r">
+                        <a:lnSpc>
+                          <a:spcPct val="107000"/>
+                        </a:lnSpc>
+                        <a:spcAft>
+                          <a:spcPts val="0"/>
+                        </a:spcAft>
+                      </a:pPr>
+                      <a:r>
                         <a:rPr lang="en" sz="1400">
                           <a:effectLst/>
                         </a:rPr>
                         <a:t>21</a:t>
                       </a:r>
-                      <a:endParaRPr xmlns:a="http://schemas.openxmlformats.org/drawingml/2006/main" lang="en-US" sz="1400">
+                      <a:endParaRPr lang="en-US" sz="1400">
                         <a:effectLst/>
                         <a:latin typeface="Calibri" panose="020F0502020204030204" pitchFamily="34" charset="0"/>
                         <a:ea typeface="Calibri" panose="020F0502020204030204" pitchFamily="34" charset="0"/>
@@ -5446,108 +5446,108 @@
                     <a:bodyPr/>
                     <a:lstStyle/>
                     <a:p>
-                      <a:pPr xmlns:a="http://schemas.openxmlformats.org/drawingml/2006/main" algn="r">
-                        <a:lnSpc>
-                          <a:spcPct val="107000"/>
-                        </a:lnSpc>
-                        <a:spcAft>
-                          <a:spcPts val="0"/>
-                        </a:spcAft>
-                      </a:pPr>
-                      <a:r xmlns:a="http://schemas.openxmlformats.org/drawingml/2006/main">
+                      <a:pPr algn="r">
+                        <a:lnSpc>
+                          <a:spcPct val="107000"/>
+                        </a:lnSpc>
+                        <a:spcAft>
+                          <a:spcPts val="0"/>
+                        </a:spcAft>
+                      </a:pPr>
+                      <a:r>
                         <a:rPr lang="en" sz="1400">
                           <a:effectLst/>
                         </a:rPr>
                         <a:t>15</a:t>
                       </a:r>
-                      <a:endParaRPr xmlns:a="http://schemas.openxmlformats.org/drawingml/2006/main" lang="en-US" sz="1400">
-                        <a:effectLst/>
-                        <a:latin typeface="Calibri" panose="020F0502020204030204" pitchFamily="34" charset="0"/>
-                        <a:ea typeface="Calibri" panose="020F0502020204030204" pitchFamily="34" charset="0"/>
-                        <a:cs typeface="Times New Roman" panose="02020603050405020304" pitchFamily="18" charset="0"/>
-                      </a:endParaRPr>
-                    </a:p>
-                  </a:txBody>
-                  <a:tcPr marL="68580" marR="68580" marT="0" marB="0" anchor="b"/>
-                </a:tc>
-                <a:tc>
-                  <a:txBody>
-                    <a:bodyPr/>
-                    <a:lstStyle/>
-                    <a:p>
-                      <a:pPr xmlns:a="http://schemas.openxmlformats.org/drawingml/2006/main">
-                        <a:lnSpc>
-                          <a:spcPct val="107000"/>
-                        </a:lnSpc>
-                        <a:spcAft>
-                          <a:spcPts val="0"/>
-                        </a:spcAft>
-                      </a:pPr>
-                      <a:r xmlns:a="http://schemas.openxmlformats.org/drawingml/2006/main">
+                      <a:endParaRPr lang="en-US" sz="1400">
+                        <a:effectLst/>
+                        <a:latin typeface="Calibri" panose="020F0502020204030204" pitchFamily="34" charset="0"/>
+                        <a:ea typeface="Calibri" panose="020F0502020204030204" pitchFamily="34" charset="0"/>
+                        <a:cs typeface="Times New Roman" panose="02020603050405020304" pitchFamily="18" charset="0"/>
+                      </a:endParaRPr>
+                    </a:p>
+                  </a:txBody>
+                  <a:tcPr marL="68580" marR="68580" marT="0" marB="0" anchor="b"/>
+                </a:tc>
+                <a:tc>
+                  <a:txBody>
+                    <a:bodyPr/>
+                    <a:lstStyle/>
+                    <a:p>
+                      <a:pPr>
+                        <a:lnSpc>
+                          <a:spcPct val="107000"/>
+                        </a:lnSpc>
+                        <a:spcAft>
+                          <a:spcPts val="0"/>
+                        </a:spcAft>
+                      </a:pPr>
+                      <a:r>
                         <a:rPr lang="en" sz="1400">
                           <a:effectLst/>
                         </a:rPr>
                         <a:t>ProductO</a:t>
                       </a:r>
-                      <a:endParaRPr xmlns:a="http://schemas.openxmlformats.org/drawingml/2006/main" lang="en-US" sz="1400">
-                        <a:effectLst/>
-                        <a:latin typeface="Calibri" panose="020F0502020204030204" pitchFamily="34" charset="0"/>
-                        <a:ea typeface="Calibri" panose="020F0502020204030204" pitchFamily="34" charset="0"/>
-                        <a:cs typeface="Times New Roman" panose="02020603050405020304" pitchFamily="18" charset="0"/>
-                      </a:endParaRPr>
-                    </a:p>
-                  </a:txBody>
-                  <a:tcPr marL="68580" marR="68580" marT="0" marB="0" anchor="b"/>
-                </a:tc>
-                <a:tc>
-                  <a:txBody>
-                    <a:bodyPr/>
-                    <a:lstStyle/>
-                    <a:p>
-                      <a:pPr xmlns:a="http://schemas.openxmlformats.org/drawingml/2006/main" algn="r">
-                        <a:lnSpc>
-                          <a:spcPct val="107000"/>
-                        </a:lnSpc>
-                        <a:spcAft>
-                          <a:spcPts val="0"/>
-                        </a:spcAft>
-                      </a:pPr>
-                      <a:r xmlns:a="http://schemas.openxmlformats.org/drawingml/2006/main">
+                      <a:endParaRPr lang="en-US" sz="1400">
+                        <a:effectLst/>
+                        <a:latin typeface="Calibri" panose="020F0502020204030204" pitchFamily="34" charset="0"/>
+                        <a:ea typeface="Calibri" panose="020F0502020204030204" pitchFamily="34" charset="0"/>
+                        <a:cs typeface="Times New Roman" panose="02020603050405020304" pitchFamily="18" charset="0"/>
+                      </a:endParaRPr>
+                    </a:p>
+                  </a:txBody>
+                  <a:tcPr marL="68580" marR="68580" marT="0" marB="0" anchor="b"/>
+                </a:tc>
+                <a:tc>
+                  <a:txBody>
+                    <a:bodyPr/>
+                    <a:lstStyle/>
+                    <a:p>
+                      <a:pPr algn="r">
+                        <a:lnSpc>
+                          <a:spcPct val="107000"/>
+                        </a:lnSpc>
+                        <a:spcAft>
+                          <a:spcPts val="0"/>
+                        </a:spcAft>
+                      </a:pPr>
+                      <a:r>
                         <a:rPr lang="en" sz="1400">
                           <a:effectLst/>
                         </a:rPr>
                         <a:t>353</a:t>
                       </a:r>
-                      <a:endParaRPr xmlns:a="http://schemas.openxmlformats.org/drawingml/2006/main" lang="en-US" sz="1400">
-                        <a:effectLst/>
-                        <a:latin typeface="Calibri" panose="020F0502020204030204" pitchFamily="34" charset="0"/>
-                        <a:ea typeface="Calibri" panose="020F0502020204030204" pitchFamily="34" charset="0"/>
-                        <a:cs typeface="Times New Roman" panose="02020603050405020304" pitchFamily="18" charset="0"/>
-                      </a:endParaRPr>
-                    </a:p>
-                  </a:txBody>
-                  <a:tcPr marL="68580" marR="68580" marT="0" marB="0" anchor="b"/>
-                </a:tc>
-                <a:tc>
-                  <a:txBody>
-                    <a:bodyPr/>
-                    <a:lstStyle/>
-                    <a:p>
-                      <a:pPr xmlns:a="http://schemas.openxmlformats.org/drawingml/2006/main" algn="r">
-                        <a:lnSpc>
-                          <a:spcPct val="107000"/>
-                        </a:lnSpc>
-                        <a:spcAft>
-                          <a:spcPts val="0"/>
-                        </a:spcAft>
-                      </a:pPr>
-                      <a:r xmlns:a="http://schemas.openxmlformats.org/drawingml/2006/main">
+                      <a:endParaRPr lang="en-US" sz="1400">
+                        <a:effectLst/>
+                        <a:latin typeface="Calibri" panose="020F0502020204030204" pitchFamily="34" charset="0"/>
+                        <a:ea typeface="Calibri" panose="020F0502020204030204" pitchFamily="34" charset="0"/>
+                        <a:cs typeface="Times New Roman" panose="02020603050405020304" pitchFamily="18" charset="0"/>
+                      </a:endParaRPr>
+                    </a:p>
+                  </a:txBody>
+                  <a:tcPr marL="68580" marR="68580" marT="0" marB="0" anchor="b"/>
+                </a:tc>
+                <a:tc>
+                  <a:txBody>
+                    <a:bodyPr/>
+                    <a:lstStyle/>
+                    <a:p>
+                      <a:pPr algn="r">
+                        <a:lnSpc>
+                          <a:spcPct val="107000"/>
+                        </a:lnSpc>
+                        <a:spcAft>
+                          <a:spcPts val="0"/>
+                        </a:spcAft>
+                      </a:pPr>
+                      <a:r>
                         <a:rPr lang="en" sz="1400">
                           <a:effectLst/>
                         </a:rPr>
                         <a:t>23</a:t>
                       </a:r>
-                      <a:endParaRPr xmlns:a="http://schemas.openxmlformats.org/drawingml/2006/main" lang="en-US" sz="1400">
+                      <a:endParaRPr lang="en-US" sz="1400">
                         <a:effectLst/>
                         <a:latin typeface="Calibri" panose="020F0502020204030204" pitchFamily="34" charset="0"/>
                         <a:ea typeface="Calibri" panose="020F0502020204030204" pitchFamily="34" charset="0"/>
@@ -5569,108 +5569,108 @@
                     <a:bodyPr/>
                     <a:lstStyle/>
                     <a:p>
-                      <a:pPr xmlns:a="http://schemas.openxmlformats.org/drawingml/2006/main" algn="r">
-                        <a:lnSpc>
-                          <a:spcPct val="107000"/>
-                        </a:lnSpc>
-                        <a:spcAft>
-                          <a:spcPts val="0"/>
-                        </a:spcAft>
-                      </a:pPr>
-                      <a:r xmlns:a="http://schemas.openxmlformats.org/drawingml/2006/main">
+                      <a:pPr algn="r">
+                        <a:lnSpc>
+                          <a:spcPct val="107000"/>
+                        </a:lnSpc>
+                        <a:spcAft>
+                          <a:spcPts val="0"/>
+                        </a:spcAft>
+                      </a:pPr>
+                      <a:r>
                         <a:rPr lang="en" sz="1400">
                           <a:effectLst/>
                         </a:rPr>
                         <a:t>16</a:t>
                       </a:r>
-                      <a:endParaRPr xmlns:a="http://schemas.openxmlformats.org/drawingml/2006/main" lang="en-US" sz="1400">
-                        <a:effectLst/>
-                        <a:latin typeface="Calibri" panose="020F0502020204030204" pitchFamily="34" charset="0"/>
-                        <a:ea typeface="Calibri" panose="020F0502020204030204" pitchFamily="34" charset="0"/>
-                        <a:cs typeface="Times New Roman" panose="02020603050405020304" pitchFamily="18" charset="0"/>
-                      </a:endParaRPr>
-                    </a:p>
-                  </a:txBody>
-                  <a:tcPr marL="68580" marR="68580" marT="0" marB="0" anchor="b"/>
-                </a:tc>
-                <a:tc>
-                  <a:txBody>
-                    <a:bodyPr/>
-                    <a:lstStyle/>
-                    <a:p>
-                      <a:pPr xmlns:a="http://schemas.openxmlformats.org/drawingml/2006/main">
-                        <a:lnSpc>
-                          <a:spcPct val="107000"/>
-                        </a:lnSpc>
-                        <a:spcAft>
-                          <a:spcPts val="0"/>
-                        </a:spcAft>
-                      </a:pPr>
-                      <a:r xmlns:a="http://schemas.openxmlformats.org/drawingml/2006/main">
+                      <a:endParaRPr lang="en-US" sz="1400">
+                        <a:effectLst/>
+                        <a:latin typeface="Calibri" panose="020F0502020204030204" pitchFamily="34" charset="0"/>
+                        <a:ea typeface="Calibri" panose="020F0502020204030204" pitchFamily="34" charset="0"/>
+                        <a:cs typeface="Times New Roman" panose="02020603050405020304" pitchFamily="18" charset="0"/>
+                      </a:endParaRPr>
+                    </a:p>
+                  </a:txBody>
+                  <a:tcPr marL="68580" marR="68580" marT="0" marB="0" anchor="b"/>
+                </a:tc>
+                <a:tc>
+                  <a:txBody>
+                    <a:bodyPr/>
+                    <a:lstStyle/>
+                    <a:p>
+                      <a:pPr>
+                        <a:lnSpc>
+                          <a:spcPct val="107000"/>
+                        </a:lnSpc>
+                        <a:spcAft>
+                          <a:spcPts val="0"/>
+                        </a:spcAft>
+                      </a:pPr>
+                      <a:r>
                         <a:rPr lang="en" sz="1400">
                           <a:effectLst/>
                         </a:rPr>
                         <a:t>ProductP</a:t>
                       </a:r>
-                      <a:endParaRPr xmlns:a="http://schemas.openxmlformats.org/drawingml/2006/main" lang="en-US" sz="1400">
-                        <a:effectLst/>
-                        <a:latin typeface="Calibri" panose="020F0502020204030204" pitchFamily="34" charset="0"/>
-                        <a:ea typeface="Calibri" panose="020F0502020204030204" pitchFamily="34" charset="0"/>
-                        <a:cs typeface="Times New Roman" panose="02020603050405020304" pitchFamily="18" charset="0"/>
-                      </a:endParaRPr>
-                    </a:p>
-                  </a:txBody>
-                  <a:tcPr marL="68580" marR="68580" marT="0" marB="0" anchor="b"/>
-                </a:tc>
-                <a:tc>
-                  <a:txBody>
-                    <a:bodyPr/>
-                    <a:lstStyle/>
-                    <a:p>
-                      <a:pPr xmlns:a="http://schemas.openxmlformats.org/drawingml/2006/main" algn="r">
-                        <a:lnSpc>
-                          <a:spcPct val="107000"/>
-                        </a:lnSpc>
-                        <a:spcAft>
-                          <a:spcPts val="0"/>
-                        </a:spcAft>
-                      </a:pPr>
-                      <a:r xmlns:a="http://schemas.openxmlformats.org/drawingml/2006/main">
+                      <a:endParaRPr lang="en-US" sz="1400">
+                        <a:effectLst/>
+                        <a:latin typeface="Calibri" panose="020F0502020204030204" pitchFamily="34" charset="0"/>
+                        <a:ea typeface="Calibri" panose="020F0502020204030204" pitchFamily="34" charset="0"/>
+                        <a:cs typeface="Times New Roman" panose="02020603050405020304" pitchFamily="18" charset="0"/>
+                      </a:endParaRPr>
+                    </a:p>
+                  </a:txBody>
+                  <a:tcPr marL="68580" marR="68580" marT="0" marB="0" anchor="b"/>
+                </a:tc>
+                <a:tc>
+                  <a:txBody>
+                    <a:bodyPr/>
+                    <a:lstStyle/>
+                    <a:p>
+                      <a:pPr algn="r">
+                        <a:lnSpc>
+                          <a:spcPct val="107000"/>
+                        </a:lnSpc>
+                        <a:spcAft>
+                          <a:spcPts val="0"/>
+                        </a:spcAft>
+                      </a:pPr>
+                      <a:r>
                         <a:rPr lang="en" sz="1400">
                           <a:effectLst/>
                         </a:rPr>
                         <a:t>336</a:t>
                       </a:r>
-                      <a:endParaRPr xmlns:a="http://schemas.openxmlformats.org/drawingml/2006/main" lang="en-US" sz="1400">
-                        <a:effectLst/>
-                        <a:latin typeface="Calibri" panose="020F0502020204030204" pitchFamily="34" charset="0"/>
-                        <a:ea typeface="Calibri" panose="020F0502020204030204" pitchFamily="34" charset="0"/>
-                        <a:cs typeface="Times New Roman" panose="02020603050405020304" pitchFamily="18" charset="0"/>
-                      </a:endParaRPr>
-                    </a:p>
-                  </a:txBody>
-                  <a:tcPr marL="68580" marR="68580" marT="0" marB="0" anchor="b"/>
-                </a:tc>
-                <a:tc>
-                  <a:txBody>
-                    <a:bodyPr/>
-                    <a:lstStyle/>
-                    <a:p>
-                      <a:pPr xmlns:a="http://schemas.openxmlformats.org/drawingml/2006/main" algn="r">
-                        <a:lnSpc>
-                          <a:spcPct val="107000"/>
-                        </a:lnSpc>
-                        <a:spcAft>
-                          <a:spcPts val="0"/>
-                        </a:spcAft>
-                      </a:pPr>
-                      <a:r xmlns:a="http://schemas.openxmlformats.org/drawingml/2006/main">
+                      <a:endParaRPr lang="en-US" sz="1400">
+                        <a:effectLst/>
+                        <a:latin typeface="Calibri" panose="020F0502020204030204" pitchFamily="34" charset="0"/>
+                        <a:ea typeface="Calibri" panose="020F0502020204030204" pitchFamily="34" charset="0"/>
+                        <a:cs typeface="Times New Roman" panose="02020603050405020304" pitchFamily="18" charset="0"/>
+                      </a:endParaRPr>
+                    </a:p>
+                  </a:txBody>
+                  <a:tcPr marL="68580" marR="68580" marT="0" marB="0" anchor="b"/>
+                </a:tc>
+                <a:tc>
+                  <a:txBody>
+                    <a:bodyPr/>
+                    <a:lstStyle/>
+                    <a:p>
+                      <a:pPr algn="r">
+                        <a:lnSpc>
+                          <a:spcPct val="107000"/>
+                        </a:lnSpc>
+                        <a:spcAft>
+                          <a:spcPts val="0"/>
+                        </a:spcAft>
+                      </a:pPr>
+                      <a:r>
                         <a:rPr lang="en" sz="1400">
                           <a:effectLst/>
                         </a:rPr>
                         <a:t>29</a:t>
                       </a:r>
-                      <a:endParaRPr xmlns:a="http://schemas.openxmlformats.org/drawingml/2006/main" lang="en-US" sz="1400">
+                      <a:endParaRPr lang="en-US" sz="1400">
                         <a:effectLst/>
                         <a:latin typeface="Calibri" panose="020F0502020204030204" pitchFamily="34" charset="0"/>
                         <a:ea typeface="Calibri" panose="020F0502020204030204" pitchFamily="34" charset="0"/>
@@ -5692,108 +5692,108 @@
                     <a:bodyPr/>
                     <a:lstStyle/>
                     <a:p>
-                      <a:pPr xmlns:a="http://schemas.openxmlformats.org/drawingml/2006/main" algn="r">
-                        <a:lnSpc>
-                          <a:spcPct val="107000"/>
-                        </a:lnSpc>
-                        <a:spcAft>
-                          <a:spcPts val="0"/>
-                        </a:spcAft>
-                      </a:pPr>
-                      <a:r xmlns:a="http://schemas.openxmlformats.org/drawingml/2006/main">
+                      <a:pPr algn="r">
+                        <a:lnSpc>
+                          <a:spcPct val="107000"/>
+                        </a:lnSpc>
+                        <a:spcAft>
+                          <a:spcPts val="0"/>
+                        </a:spcAft>
+                      </a:pPr>
+                      <a:r>
                         <a:rPr lang="en" sz="1400">
                           <a:effectLst/>
                         </a:rPr>
                         <a:t>17</a:t>
                       </a:r>
-                      <a:endParaRPr xmlns:a="http://schemas.openxmlformats.org/drawingml/2006/main" lang="en-US" sz="1400">
-                        <a:effectLst/>
-                        <a:latin typeface="Calibri" panose="020F0502020204030204" pitchFamily="34" charset="0"/>
-                        <a:ea typeface="Calibri" panose="020F0502020204030204" pitchFamily="34" charset="0"/>
-                        <a:cs typeface="Times New Roman" panose="02020603050405020304" pitchFamily="18" charset="0"/>
-                      </a:endParaRPr>
-                    </a:p>
-                  </a:txBody>
-                  <a:tcPr marL="68580" marR="68580" marT="0" marB="0" anchor="b"/>
-                </a:tc>
-                <a:tc>
-                  <a:txBody>
-                    <a:bodyPr/>
-                    <a:lstStyle/>
-                    <a:p>
-                      <a:pPr xmlns:a="http://schemas.openxmlformats.org/drawingml/2006/main">
-                        <a:lnSpc>
-                          <a:spcPct val="107000"/>
-                        </a:lnSpc>
-                        <a:spcAft>
-                          <a:spcPts val="0"/>
-                        </a:spcAft>
-                      </a:pPr>
-                      <a:r xmlns:a="http://schemas.openxmlformats.org/drawingml/2006/main">
+                      <a:endParaRPr lang="en-US" sz="1400">
+                        <a:effectLst/>
+                        <a:latin typeface="Calibri" panose="020F0502020204030204" pitchFamily="34" charset="0"/>
+                        <a:ea typeface="Calibri" panose="020F0502020204030204" pitchFamily="34" charset="0"/>
+                        <a:cs typeface="Times New Roman" panose="02020603050405020304" pitchFamily="18" charset="0"/>
+                      </a:endParaRPr>
+                    </a:p>
+                  </a:txBody>
+                  <a:tcPr marL="68580" marR="68580" marT="0" marB="0" anchor="b"/>
+                </a:tc>
+                <a:tc>
+                  <a:txBody>
+                    <a:bodyPr/>
+                    <a:lstStyle/>
+                    <a:p>
+                      <a:pPr>
+                        <a:lnSpc>
+                          <a:spcPct val="107000"/>
+                        </a:lnSpc>
+                        <a:spcAft>
+                          <a:spcPts val="0"/>
+                        </a:spcAft>
+                      </a:pPr>
+                      <a:r>
                         <a:rPr lang="en" sz="1400">
                           <a:effectLst/>
                         </a:rPr>
                         <a:t>ProductQ</a:t>
                       </a:r>
-                      <a:endParaRPr xmlns:a="http://schemas.openxmlformats.org/drawingml/2006/main" lang="en-US" sz="1400">
-                        <a:effectLst/>
-                        <a:latin typeface="Calibri" panose="020F0502020204030204" pitchFamily="34" charset="0"/>
-                        <a:ea typeface="Calibri" panose="020F0502020204030204" pitchFamily="34" charset="0"/>
-                        <a:cs typeface="Times New Roman" panose="02020603050405020304" pitchFamily="18" charset="0"/>
-                      </a:endParaRPr>
-                    </a:p>
-                  </a:txBody>
-                  <a:tcPr marL="68580" marR="68580" marT="0" marB="0" anchor="b"/>
-                </a:tc>
-                <a:tc>
-                  <a:txBody>
-                    <a:bodyPr/>
-                    <a:lstStyle/>
-                    <a:p>
-                      <a:pPr xmlns:a="http://schemas.openxmlformats.org/drawingml/2006/main" algn="r">
-                        <a:lnSpc>
-                          <a:spcPct val="107000"/>
-                        </a:lnSpc>
-                        <a:spcAft>
-                          <a:spcPts val="0"/>
-                        </a:spcAft>
-                      </a:pPr>
-                      <a:r xmlns:a="http://schemas.openxmlformats.org/drawingml/2006/main">
+                      <a:endParaRPr lang="en-US" sz="1400">
+                        <a:effectLst/>
+                        <a:latin typeface="Calibri" panose="020F0502020204030204" pitchFamily="34" charset="0"/>
+                        <a:ea typeface="Calibri" panose="020F0502020204030204" pitchFamily="34" charset="0"/>
+                        <a:cs typeface="Times New Roman" panose="02020603050405020304" pitchFamily="18" charset="0"/>
+                      </a:endParaRPr>
+                    </a:p>
+                  </a:txBody>
+                  <a:tcPr marL="68580" marR="68580" marT="0" marB="0" anchor="b"/>
+                </a:tc>
+                <a:tc>
+                  <a:txBody>
+                    <a:bodyPr/>
+                    <a:lstStyle/>
+                    <a:p>
+                      <a:pPr algn="r">
+                        <a:lnSpc>
+                          <a:spcPct val="107000"/>
+                        </a:lnSpc>
+                        <a:spcAft>
+                          <a:spcPts val="0"/>
+                        </a:spcAft>
+                      </a:pPr>
+                      <a:r>
                         <a:rPr lang="en" sz="1400">
                           <a:effectLst/>
                         </a:rPr>
                         <a:t>389</a:t>
                       </a:r>
-                      <a:endParaRPr xmlns:a="http://schemas.openxmlformats.org/drawingml/2006/main" lang="en-US" sz="1400">
-                        <a:effectLst/>
-                        <a:latin typeface="Calibri" panose="020F0502020204030204" pitchFamily="34" charset="0"/>
-                        <a:ea typeface="Calibri" panose="020F0502020204030204" pitchFamily="34" charset="0"/>
-                        <a:cs typeface="Times New Roman" panose="02020603050405020304" pitchFamily="18" charset="0"/>
-                      </a:endParaRPr>
-                    </a:p>
-                  </a:txBody>
-                  <a:tcPr marL="68580" marR="68580" marT="0" marB="0" anchor="b"/>
-                </a:tc>
-                <a:tc>
-                  <a:txBody>
-                    <a:bodyPr/>
-                    <a:lstStyle/>
-                    <a:p>
-                      <a:pPr xmlns:a="http://schemas.openxmlformats.org/drawingml/2006/main" algn="r">
-                        <a:lnSpc>
-                          <a:spcPct val="107000"/>
-                        </a:lnSpc>
-                        <a:spcAft>
-                          <a:spcPts val="0"/>
-                        </a:spcAft>
-                      </a:pPr>
-                      <a:r xmlns:a="http://schemas.openxmlformats.org/drawingml/2006/main">
+                      <a:endParaRPr lang="en-US" sz="1400">
+                        <a:effectLst/>
+                        <a:latin typeface="Calibri" panose="020F0502020204030204" pitchFamily="34" charset="0"/>
+                        <a:ea typeface="Calibri" panose="020F0502020204030204" pitchFamily="34" charset="0"/>
+                        <a:cs typeface="Times New Roman" panose="02020603050405020304" pitchFamily="18" charset="0"/>
+                      </a:endParaRPr>
+                    </a:p>
+                  </a:txBody>
+                  <a:tcPr marL="68580" marR="68580" marT="0" marB="0" anchor="b"/>
+                </a:tc>
+                <a:tc>
+                  <a:txBody>
+                    <a:bodyPr/>
+                    <a:lstStyle/>
+                    <a:p>
+                      <a:pPr algn="r">
+                        <a:lnSpc>
+                          <a:spcPct val="107000"/>
+                        </a:lnSpc>
+                        <a:spcAft>
+                          <a:spcPts val="0"/>
+                        </a:spcAft>
+                      </a:pPr>
+                      <a:r>
                         <a:rPr lang="en" sz="1400">
                           <a:effectLst/>
                         </a:rPr>
                         <a:t>30</a:t>
                       </a:r>
-                      <a:endParaRPr xmlns:a="http://schemas.openxmlformats.org/drawingml/2006/main" lang="en-US" sz="1400">
+                      <a:endParaRPr lang="en-US" sz="1400">
                         <a:effectLst/>
                         <a:latin typeface="Calibri" panose="020F0502020204030204" pitchFamily="34" charset="0"/>
                         <a:ea typeface="Calibri" panose="020F0502020204030204" pitchFamily="34" charset="0"/>
@@ -5815,108 +5815,108 @@
                     <a:bodyPr/>
                     <a:lstStyle/>
                     <a:p>
-                      <a:pPr xmlns:a="http://schemas.openxmlformats.org/drawingml/2006/main" algn="r">
-                        <a:lnSpc>
-                          <a:spcPct val="107000"/>
-                        </a:lnSpc>
-                        <a:spcAft>
-                          <a:spcPts val="0"/>
-                        </a:spcAft>
-                      </a:pPr>
-                      <a:r xmlns:a="http://schemas.openxmlformats.org/drawingml/2006/main">
+                      <a:pPr algn="r">
+                        <a:lnSpc>
+                          <a:spcPct val="107000"/>
+                        </a:lnSpc>
+                        <a:spcAft>
+                          <a:spcPts val="0"/>
+                        </a:spcAft>
+                      </a:pPr>
+                      <a:r>
                         <a:rPr lang="en" sz="1400">
                           <a:effectLst/>
                         </a:rPr>
                         <a:t>18</a:t>
                       </a:r>
-                      <a:endParaRPr xmlns:a="http://schemas.openxmlformats.org/drawingml/2006/main" lang="en-US" sz="1400">
-                        <a:effectLst/>
-                        <a:latin typeface="Calibri" panose="020F0502020204030204" pitchFamily="34" charset="0"/>
-                        <a:ea typeface="Calibri" panose="020F0502020204030204" pitchFamily="34" charset="0"/>
-                        <a:cs typeface="Times New Roman" panose="02020603050405020304" pitchFamily="18" charset="0"/>
-                      </a:endParaRPr>
-                    </a:p>
-                  </a:txBody>
-                  <a:tcPr marL="68580" marR="68580" marT="0" marB="0" anchor="b"/>
-                </a:tc>
-                <a:tc>
-                  <a:txBody>
-                    <a:bodyPr/>
-                    <a:lstStyle/>
-                    <a:p>
-                      <a:pPr xmlns:a="http://schemas.openxmlformats.org/drawingml/2006/main">
-                        <a:lnSpc>
-                          <a:spcPct val="107000"/>
-                        </a:lnSpc>
-                        <a:spcAft>
-                          <a:spcPts val="0"/>
-                        </a:spcAft>
-                      </a:pPr>
-                      <a:r xmlns:a="http://schemas.openxmlformats.org/drawingml/2006/main">
+                      <a:endParaRPr lang="en-US" sz="1400">
+                        <a:effectLst/>
+                        <a:latin typeface="Calibri" panose="020F0502020204030204" pitchFamily="34" charset="0"/>
+                        <a:ea typeface="Calibri" panose="020F0502020204030204" pitchFamily="34" charset="0"/>
+                        <a:cs typeface="Times New Roman" panose="02020603050405020304" pitchFamily="18" charset="0"/>
+                      </a:endParaRPr>
+                    </a:p>
+                  </a:txBody>
+                  <a:tcPr marL="68580" marR="68580" marT="0" marB="0" anchor="b"/>
+                </a:tc>
+                <a:tc>
+                  <a:txBody>
+                    <a:bodyPr/>
+                    <a:lstStyle/>
+                    <a:p>
+                      <a:pPr>
+                        <a:lnSpc>
+                          <a:spcPct val="107000"/>
+                        </a:lnSpc>
+                        <a:spcAft>
+                          <a:spcPts val="0"/>
+                        </a:spcAft>
+                      </a:pPr>
+                      <a:r>
                         <a:rPr lang="en" sz="1400">
                           <a:effectLst/>
                         </a:rPr>
                         <a:t>ProductR</a:t>
                       </a:r>
-                      <a:endParaRPr xmlns:a="http://schemas.openxmlformats.org/drawingml/2006/main" lang="en-US" sz="1400">
-                        <a:effectLst/>
-                        <a:latin typeface="Calibri" panose="020F0502020204030204" pitchFamily="34" charset="0"/>
-                        <a:ea typeface="Calibri" panose="020F0502020204030204" pitchFamily="34" charset="0"/>
-                        <a:cs typeface="Times New Roman" panose="02020603050405020304" pitchFamily="18" charset="0"/>
-                      </a:endParaRPr>
-                    </a:p>
-                  </a:txBody>
-                  <a:tcPr marL="68580" marR="68580" marT="0" marB="0" anchor="b"/>
-                </a:tc>
-                <a:tc>
-                  <a:txBody>
-                    <a:bodyPr/>
-                    <a:lstStyle/>
-                    <a:p>
-                      <a:pPr xmlns:a="http://schemas.openxmlformats.org/drawingml/2006/main" algn="r">
-                        <a:lnSpc>
-                          <a:spcPct val="107000"/>
-                        </a:lnSpc>
-                        <a:spcAft>
-                          <a:spcPts val="0"/>
-                        </a:spcAft>
-                      </a:pPr>
-                      <a:r xmlns:a="http://schemas.openxmlformats.org/drawingml/2006/main">
+                      <a:endParaRPr lang="en-US" sz="1400">
+                        <a:effectLst/>
+                        <a:latin typeface="Calibri" panose="020F0502020204030204" pitchFamily="34" charset="0"/>
+                        <a:ea typeface="Calibri" panose="020F0502020204030204" pitchFamily="34" charset="0"/>
+                        <a:cs typeface="Times New Roman" panose="02020603050405020304" pitchFamily="18" charset="0"/>
+                      </a:endParaRPr>
+                    </a:p>
+                  </a:txBody>
+                  <a:tcPr marL="68580" marR="68580" marT="0" marB="0" anchor="b"/>
+                </a:tc>
+                <a:tc>
+                  <a:txBody>
+                    <a:bodyPr/>
+                    <a:lstStyle/>
+                    <a:p>
+                      <a:pPr algn="r">
+                        <a:lnSpc>
+                          <a:spcPct val="107000"/>
+                        </a:lnSpc>
+                        <a:spcAft>
+                          <a:spcPts val="0"/>
+                        </a:spcAft>
+                      </a:pPr>
+                      <a:r>
                         <a:rPr lang="en" sz="1400">
                           <a:effectLst/>
                         </a:rPr>
                         <a:t>323</a:t>
                       </a:r>
-                      <a:endParaRPr xmlns:a="http://schemas.openxmlformats.org/drawingml/2006/main" lang="en-US" sz="1400">
-                        <a:effectLst/>
-                        <a:latin typeface="Calibri" panose="020F0502020204030204" pitchFamily="34" charset="0"/>
-                        <a:ea typeface="Calibri" panose="020F0502020204030204" pitchFamily="34" charset="0"/>
-                        <a:cs typeface="Times New Roman" panose="02020603050405020304" pitchFamily="18" charset="0"/>
-                      </a:endParaRPr>
-                    </a:p>
-                  </a:txBody>
-                  <a:tcPr marL="68580" marR="68580" marT="0" marB="0" anchor="b"/>
-                </a:tc>
-                <a:tc>
-                  <a:txBody>
-                    <a:bodyPr/>
-                    <a:lstStyle/>
-                    <a:p>
-                      <a:pPr xmlns:a="http://schemas.openxmlformats.org/drawingml/2006/main" algn="r">
-                        <a:lnSpc>
-                          <a:spcPct val="107000"/>
-                        </a:lnSpc>
-                        <a:spcAft>
-                          <a:spcPts val="0"/>
-                        </a:spcAft>
-                      </a:pPr>
-                      <a:r xmlns:a="http://schemas.openxmlformats.org/drawingml/2006/main">
+                      <a:endParaRPr lang="en-US" sz="1400">
+                        <a:effectLst/>
+                        <a:latin typeface="Calibri" panose="020F0502020204030204" pitchFamily="34" charset="0"/>
+                        <a:ea typeface="Calibri" panose="020F0502020204030204" pitchFamily="34" charset="0"/>
+                        <a:cs typeface="Times New Roman" panose="02020603050405020304" pitchFamily="18" charset="0"/>
+                      </a:endParaRPr>
+                    </a:p>
+                  </a:txBody>
+                  <a:tcPr marL="68580" marR="68580" marT="0" marB="0" anchor="b"/>
+                </a:tc>
+                <a:tc>
+                  <a:txBody>
+                    <a:bodyPr/>
+                    <a:lstStyle/>
+                    <a:p>
+                      <a:pPr algn="r">
+                        <a:lnSpc>
+                          <a:spcPct val="107000"/>
+                        </a:lnSpc>
+                        <a:spcAft>
+                          <a:spcPts val="0"/>
+                        </a:spcAft>
+                      </a:pPr>
+                      <a:r>
                         <a:rPr lang="en" sz="1400">
                           <a:effectLst/>
                         </a:rPr>
                         <a:t>25</a:t>
                       </a:r>
-                      <a:endParaRPr xmlns:a="http://schemas.openxmlformats.org/drawingml/2006/main" lang="en-US" sz="1400">
+                      <a:endParaRPr lang="en-US" sz="1400">
                         <a:effectLst/>
                         <a:latin typeface="Calibri" panose="020F0502020204030204" pitchFamily="34" charset="0"/>
                         <a:ea typeface="Calibri" panose="020F0502020204030204" pitchFamily="34" charset="0"/>
@@ -5938,108 +5938,108 @@
                     <a:bodyPr/>
                     <a:lstStyle/>
                     <a:p>
-                      <a:pPr xmlns:a="http://schemas.openxmlformats.org/drawingml/2006/main" algn="r">
-                        <a:lnSpc>
-                          <a:spcPct val="107000"/>
-                        </a:lnSpc>
-                        <a:spcAft>
-                          <a:spcPts val="0"/>
-                        </a:spcAft>
-                      </a:pPr>
-                      <a:r xmlns:a="http://schemas.openxmlformats.org/drawingml/2006/main">
+                      <a:pPr algn="r">
+                        <a:lnSpc>
+                          <a:spcPct val="107000"/>
+                        </a:lnSpc>
+                        <a:spcAft>
+                          <a:spcPts val="0"/>
+                        </a:spcAft>
+                      </a:pPr>
+                      <a:r>
                         <a:rPr lang="en" sz="1400">
                           <a:effectLst/>
                         </a:rPr>
                         <a:t>19</a:t>
                       </a:r>
-                      <a:endParaRPr xmlns:a="http://schemas.openxmlformats.org/drawingml/2006/main" lang="en-US" sz="1400">
-                        <a:effectLst/>
-                        <a:latin typeface="Calibri" panose="020F0502020204030204" pitchFamily="34" charset="0"/>
-                        <a:ea typeface="Calibri" panose="020F0502020204030204" pitchFamily="34" charset="0"/>
-                        <a:cs typeface="Times New Roman" panose="02020603050405020304" pitchFamily="18" charset="0"/>
-                      </a:endParaRPr>
-                    </a:p>
-                  </a:txBody>
-                  <a:tcPr marL="68580" marR="68580" marT="0" marB="0" anchor="b"/>
-                </a:tc>
-                <a:tc>
-                  <a:txBody>
-                    <a:bodyPr/>
-                    <a:lstStyle/>
-                    <a:p>
-                      <a:pPr xmlns:a="http://schemas.openxmlformats.org/drawingml/2006/main">
-                        <a:lnSpc>
-                          <a:spcPct val="107000"/>
-                        </a:lnSpc>
-                        <a:spcAft>
-                          <a:spcPts val="0"/>
-                        </a:spcAft>
-                      </a:pPr>
-                      <a:r xmlns:a="http://schemas.openxmlformats.org/drawingml/2006/main">
+                      <a:endParaRPr lang="en-US" sz="1400">
+                        <a:effectLst/>
+                        <a:latin typeface="Calibri" panose="020F0502020204030204" pitchFamily="34" charset="0"/>
+                        <a:ea typeface="Calibri" panose="020F0502020204030204" pitchFamily="34" charset="0"/>
+                        <a:cs typeface="Times New Roman" panose="02020603050405020304" pitchFamily="18" charset="0"/>
+                      </a:endParaRPr>
+                    </a:p>
+                  </a:txBody>
+                  <a:tcPr marL="68580" marR="68580" marT="0" marB="0" anchor="b"/>
+                </a:tc>
+                <a:tc>
+                  <a:txBody>
+                    <a:bodyPr/>
+                    <a:lstStyle/>
+                    <a:p>
+                      <a:pPr>
+                        <a:lnSpc>
+                          <a:spcPct val="107000"/>
+                        </a:lnSpc>
+                        <a:spcAft>
+                          <a:spcPts val="0"/>
+                        </a:spcAft>
+                      </a:pPr>
+                      <a:r>
                         <a:rPr lang="en" sz="1400">
                           <a:effectLst/>
                         </a:rPr>
                         <a:t>Products</a:t>
                       </a:r>
-                      <a:endParaRPr xmlns:a="http://schemas.openxmlformats.org/drawingml/2006/main" lang="en-US" sz="1400">
-                        <a:effectLst/>
-                        <a:latin typeface="Calibri" panose="020F0502020204030204" pitchFamily="34" charset="0"/>
-                        <a:ea typeface="Calibri" panose="020F0502020204030204" pitchFamily="34" charset="0"/>
-                        <a:cs typeface="Times New Roman" panose="02020603050405020304" pitchFamily="18" charset="0"/>
-                      </a:endParaRPr>
-                    </a:p>
-                  </a:txBody>
-                  <a:tcPr marL="68580" marR="68580" marT="0" marB="0" anchor="b"/>
-                </a:tc>
-                <a:tc>
-                  <a:txBody>
-                    <a:bodyPr/>
-                    <a:lstStyle/>
-                    <a:p>
-                      <a:pPr xmlns:a="http://schemas.openxmlformats.org/drawingml/2006/main" algn="r">
-                        <a:lnSpc>
-                          <a:spcPct val="107000"/>
-                        </a:lnSpc>
-                        <a:spcAft>
-                          <a:spcPts val="0"/>
-                        </a:spcAft>
-                      </a:pPr>
-                      <a:r xmlns:a="http://schemas.openxmlformats.org/drawingml/2006/main">
+                      <a:endParaRPr lang="en-US" sz="1400">
+                        <a:effectLst/>
+                        <a:latin typeface="Calibri" panose="020F0502020204030204" pitchFamily="34" charset="0"/>
+                        <a:ea typeface="Calibri" panose="020F0502020204030204" pitchFamily="34" charset="0"/>
+                        <a:cs typeface="Times New Roman" panose="02020603050405020304" pitchFamily="18" charset="0"/>
+                      </a:endParaRPr>
+                    </a:p>
+                  </a:txBody>
+                  <a:tcPr marL="68580" marR="68580" marT="0" marB="0" anchor="b"/>
+                </a:tc>
+                <a:tc>
+                  <a:txBody>
+                    <a:bodyPr/>
+                    <a:lstStyle/>
+                    <a:p>
+                      <a:pPr algn="r">
+                        <a:lnSpc>
+                          <a:spcPct val="107000"/>
+                        </a:lnSpc>
+                        <a:spcAft>
+                          <a:spcPts val="0"/>
+                        </a:spcAft>
+                      </a:pPr>
+                      <a:r>
                         <a:rPr lang="en" sz="1400">
                           <a:effectLst/>
                         </a:rPr>
                         <a:t>354</a:t>
                       </a:r>
-                      <a:endParaRPr xmlns:a="http://schemas.openxmlformats.org/drawingml/2006/main" lang="en-US" sz="1400">
-                        <a:effectLst/>
-                        <a:latin typeface="Calibri" panose="020F0502020204030204" pitchFamily="34" charset="0"/>
-                        <a:ea typeface="Calibri" panose="020F0502020204030204" pitchFamily="34" charset="0"/>
-                        <a:cs typeface="Times New Roman" panose="02020603050405020304" pitchFamily="18" charset="0"/>
-                      </a:endParaRPr>
-                    </a:p>
-                  </a:txBody>
-                  <a:tcPr marL="68580" marR="68580" marT="0" marB="0" anchor="b"/>
-                </a:tc>
-                <a:tc>
-                  <a:txBody>
-                    <a:bodyPr/>
-                    <a:lstStyle/>
-                    <a:p>
-                      <a:pPr xmlns:a="http://schemas.openxmlformats.org/drawingml/2006/main" algn="r">
-                        <a:lnSpc>
-                          <a:spcPct val="107000"/>
-                        </a:lnSpc>
-                        <a:spcAft>
-                          <a:spcPts val="0"/>
-                        </a:spcAft>
-                      </a:pPr>
-                      <a:r xmlns:a="http://schemas.openxmlformats.org/drawingml/2006/main">
+                      <a:endParaRPr lang="en-US" sz="1400">
+                        <a:effectLst/>
+                        <a:latin typeface="Calibri" panose="020F0502020204030204" pitchFamily="34" charset="0"/>
+                        <a:ea typeface="Calibri" panose="020F0502020204030204" pitchFamily="34" charset="0"/>
+                        <a:cs typeface="Times New Roman" panose="02020603050405020304" pitchFamily="18" charset="0"/>
+                      </a:endParaRPr>
+                    </a:p>
+                  </a:txBody>
+                  <a:tcPr marL="68580" marR="68580" marT="0" marB="0" anchor="b"/>
+                </a:tc>
+                <a:tc>
+                  <a:txBody>
+                    <a:bodyPr/>
+                    <a:lstStyle/>
+                    <a:p>
+                      <a:pPr algn="r">
+                        <a:lnSpc>
+                          <a:spcPct val="107000"/>
+                        </a:lnSpc>
+                        <a:spcAft>
+                          <a:spcPts val="0"/>
+                        </a:spcAft>
+                      </a:pPr>
+                      <a:r>
                         <a:rPr lang="en" sz="1400">
                           <a:effectLst/>
                         </a:rPr>
                         <a:t>29</a:t>
                       </a:r>
-                      <a:endParaRPr xmlns:a="http://schemas.openxmlformats.org/drawingml/2006/main" lang="en-US" sz="1400">
+                      <a:endParaRPr lang="en-US" sz="1400">
                         <a:effectLst/>
                         <a:latin typeface="Calibri" panose="020F0502020204030204" pitchFamily="34" charset="0"/>
                         <a:ea typeface="Calibri" panose="020F0502020204030204" pitchFamily="34" charset="0"/>
@@ -6061,108 +6061,108 @@
                     <a:bodyPr/>
                     <a:lstStyle/>
                     <a:p>
-                      <a:pPr xmlns:a="http://schemas.openxmlformats.org/drawingml/2006/main" algn="r">
-                        <a:lnSpc>
-                          <a:spcPct val="107000"/>
-                        </a:lnSpc>
-                        <a:spcAft>
-                          <a:spcPts val="0"/>
-                        </a:spcAft>
-                      </a:pPr>
-                      <a:r xmlns:a="http://schemas.openxmlformats.org/drawingml/2006/main">
+                      <a:pPr algn="r">
+                        <a:lnSpc>
+                          <a:spcPct val="107000"/>
+                        </a:lnSpc>
+                        <a:spcAft>
+                          <a:spcPts val="0"/>
+                        </a:spcAft>
+                      </a:pPr>
+                      <a:r>
                         <a:rPr lang="en" sz="1400">
                           <a:effectLst/>
                         </a:rPr>
                         <a:t>20</a:t>
                       </a:r>
-                      <a:endParaRPr xmlns:a="http://schemas.openxmlformats.org/drawingml/2006/main" lang="en-US" sz="1400">
-                        <a:effectLst/>
-                        <a:latin typeface="Calibri" panose="020F0502020204030204" pitchFamily="34" charset="0"/>
-                        <a:ea typeface="Calibri" panose="020F0502020204030204" pitchFamily="34" charset="0"/>
-                        <a:cs typeface="Times New Roman" panose="02020603050405020304" pitchFamily="18" charset="0"/>
-                      </a:endParaRPr>
-                    </a:p>
-                  </a:txBody>
-                  <a:tcPr marL="68580" marR="68580" marT="0" marB="0" anchor="b"/>
-                </a:tc>
-                <a:tc>
-                  <a:txBody>
-                    <a:bodyPr/>
-                    <a:lstStyle/>
-                    <a:p>
-                      <a:pPr xmlns:a="http://schemas.openxmlformats.org/drawingml/2006/main">
-                        <a:lnSpc>
-                          <a:spcPct val="107000"/>
-                        </a:lnSpc>
-                        <a:spcAft>
-                          <a:spcPts val="0"/>
-                        </a:spcAft>
-                      </a:pPr>
-                      <a:r xmlns:a="http://schemas.openxmlformats.org/drawingml/2006/main">
+                      <a:endParaRPr lang="en-US" sz="1400">
+                        <a:effectLst/>
+                        <a:latin typeface="Calibri" panose="020F0502020204030204" pitchFamily="34" charset="0"/>
+                        <a:ea typeface="Calibri" panose="020F0502020204030204" pitchFamily="34" charset="0"/>
+                        <a:cs typeface="Times New Roman" panose="02020603050405020304" pitchFamily="18" charset="0"/>
+                      </a:endParaRPr>
+                    </a:p>
+                  </a:txBody>
+                  <a:tcPr marL="68580" marR="68580" marT="0" marB="0" anchor="b"/>
+                </a:tc>
+                <a:tc>
+                  <a:txBody>
+                    <a:bodyPr/>
+                    <a:lstStyle/>
+                    <a:p>
+                      <a:pPr>
+                        <a:lnSpc>
+                          <a:spcPct val="107000"/>
+                        </a:lnSpc>
+                        <a:spcAft>
+                          <a:spcPts val="0"/>
+                        </a:spcAft>
+                      </a:pPr>
+                      <a:r>
                         <a:rPr lang="en" sz="1400">
                           <a:effectLst/>
                         </a:rPr>
                         <a:t>ProductT</a:t>
                       </a:r>
-                      <a:endParaRPr xmlns:a="http://schemas.openxmlformats.org/drawingml/2006/main" lang="en-US" sz="1400">
-                        <a:effectLst/>
-                        <a:latin typeface="Calibri" panose="020F0502020204030204" pitchFamily="34" charset="0"/>
-                        <a:ea typeface="Calibri" panose="020F0502020204030204" pitchFamily="34" charset="0"/>
-                        <a:cs typeface="Times New Roman" panose="02020603050405020304" pitchFamily="18" charset="0"/>
-                      </a:endParaRPr>
-                    </a:p>
-                  </a:txBody>
-                  <a:tcPr marL="68580" marR="68580" marT="0" marB="0" anchor="b"/>
-                </a:tc>
-                <a:tc>
-                  <a:txBody>
-                    <a:bodyPr/>
-                    <a:lstStyle/>
-                    <a:p>
-                      <a:pPr xmlns:a="http://schemas.openxmlformats.org/drawingml/2006/main" algn="r">
-                        <a:lnSpc>
-                          <a:spcPct val="107000"/>
-                        </a:lnSpc>
-                        <a:spcAft>
-                          <a:spcPts val="0"/>
-                        </a:spcAft>
-                      </a:pPr>
-                      <a:r xmlns:a="http://schemas.openxmlformats.org/drawingml/2006/main">
+                      <a:endParaRPr lang="en-US" sz="1400">
+                        <a:effectLst/>
+                        <a:latin typeface="Calibri" panose="020F0502020204030204" pitchFamily="34" charset="0"/>
+                        <a:ea typeface="Calibri" panose="020F0502020204030204" pitchFamily="34" charset="0"/>
+                        <a:cs typeface="Times New Roman" panose="02020603050405020304" pitchFamily="18" charset="0"/>
+                      </a:endParaRPr>
+                    </a:p>
+                  </a:txBody>
+                  <a:tcPr marL="68580" marR="68580" marT="0" marB="0" anchor="b"/>
+                </a:tc>
+                <a:tc>
+                  <a:txBody>
+                    <a:bodyPr/>
+                    <a:lstStyle/>
+                    <a:p>
+                      <a:pPr algn="r">
+                        <a:lnSpc>
+                          <a:spcPct val="107000"/>
+                        </a:lnSpc>
+                        <a:spcAft>
+                          <a:spcPts val="0"/>
+                        </a:spcAft>
+                      </a:pPr>
+                      <a:r>
                         <a:rPr lang="en" sz="1400">
                           <a:effectLst/>
                         </a:rPr>
                         <a:t>294</a:t>
                       </a:r>
-                      <a:endParaRPr xmlns:a="http://schemas.openxmlformats.org/drawingml/2006/main" lang="en-US" sz="1400">
-                        <a:effectLst/>
-                        <a:latin typeface="Calibri" panose="020F0502020204030204" pitchFamily="34" charset="0"/>
-                        <a:ea typeface="Calibri" panose="020F0502020204030204" pitchFamily="34" charset="0"/>
-                        <a:cs typeface="Times New Roman" panose="02020603050405020304" pitchFamily="18" charset="0"/>
-                      </a:endParaRPr>
-                    </a:p>
-                  </a:txBody>
-                  <a:tcPr marL="68580" marR="68580" marT="0" marB="0" anchor="b"/>
-                </a:tc>
-                <a:tc>
-                  <a:txBody>
-                    <a:bodyPr/>
-                    <a:lstStyle/>
-                    <a:p>
-                      <a:pPr xmlns:a="http://schemas.openxmlformats.org/drawingml/2006/main" algn="r">
-                        <a:lnSpc>
-                          <a:spcPct val="107000"/>
-                        </a:lnSpc>
-                        <a:spcAft>
-                          <a:spcPts val="0"/>
-                        </a:spcAft>
-                      </a:pPr>
-                      <a:r xmlns:a="http://schemas.openxmlformats.org/drawingml/2006/main">
+                      <a:endParaRPr lang="en-US" sz="1400">
+                        <a:effectLst/>
+                        <a:latin typeface="Calibri" panose="020F0502020204030204" pitchFamily="34" charset="0"/>
+                        <a:ea typeface="Calibri" panose="020F0502020204030204" pitchFamily="34" charset="0"/>
+                        <a:cs typeface="Times New Roman" panose="02020603050405020304" pitchFamily="18" charset="0"/>
+                      </a:endParaRPr>
+                    </a:p>
+                  </a:txBody>
+                  <a:tcPr marL="68580" marR="68580" marT="0" marB="0" anchor="b"/>
+                </a:tc>
+                <a:tc>
+                  <a:txBody>
+                    <a:bodyPr/>
+                    <a:lstStyle/>
+                    <a:p>
+                      <a:pPr algn="r">
+                        <a:lnSpc>
+                          <a:spcPct val="107000"/>
+                        </a:lnSpc>
+                        <a:spcAft>
+                          <a:spcPts val="0"/>
+                        </a:spcAft>
+                      </a:pPr>
+                      <a:r>
                         <a:rPr lang="en" sz="1400" dirty="0">
                           <a:effectLst/>
                         </a:rPr>
                         <a:t>30</a:t>
                       </a:r>
-                      <a:endParaRPr xmlns:a="http://schemas.openxmlformats.org/drawingml/2006/main" lang="en-US" sz="1400" dirty="0">
+                      <a:endParaRPr lang="en-US" sz="1400" dirty="0">
                         <a:effectLst/>
                         <a:latin typeface="Calibri" panose="020F0502020204030204" pitchFamily="34" charset="0"/>
                         <a:ea typeface="Calibri" panose="020F0502020204030204" pitchFamily="34" charset="0"/>
@@ -6241,7 +6241,7 @@
           </a:bodyPr>
           <a:lstStyle/>
           <a:p>
-            <a:pPr xmlns:a="http://schemas.openxmlformats.org/drawingml/2006/main" marL="0" marR="0" lvl="0" indent="0" algn="l" defTabSz="914400" rtl="0" eaLnBrk="0" fontAlgn="base" latinLnBrk="0" hangingPunct="0">
+            <a:pPr marL="0" marR="0" lvl="0" indent="0" algn="l" defTabSz="914400" rtl="0" eaLnBrk="0" fontAlgn="base" latinLnBrk="0" hangingPunct="0">
               <a:lnSpc>
                 <a:spcPct val="100000"/>
               </a:lnSpc>
@@ -6257,7 +6257,7 @@
               <a:buNone/>
               <a:tabLst/>
             </a:pPr>
-            <a:r xmlns:a="http://schemas.openxmlformats.org/drawingml/2006/main">
+            <a:r>
               <a:rPr kumimoji="0" lang="en" altLang="en-US" sz="1800" b="1" i="0" u="none" strike="noStrike" cap="none" normalizeH="0" baseline="0" dirty="0" smtClean="0">
                 <a:ln>
                   <a:noFill/>
@@ -6270,7 +6270,7 @@
               </a:rPr>
               <a:t>Note: </a:t>
             </a:r>
-            <a:r xmlns:a="http://schemas.openxmlformats.org/drawingml/2006/main">
+            <a:r>
               <a:rPr kumimoji="0" lang="en" altLang="en-US" sz="1800" b="0" i="0" u="none" strike="noStrike" cap="none" normalizeH="0" baseline="0" dirty="0" err="1" smtClean="0">
                 <a:ln>
                   <a:noFill/>
@@ -6283,7 +6283,7 @@
               </a:rPr>
               <a:t>This</a:t>
             </a:r>
-            <a:r xmlns:a="http://schemas.openxmlformats.org/drawingml/2006/main">
+            <a:r>
               <a:rPr kumimoji="0" lang="en" altLang="en-US" sz="1800" b="0" i="0" u="none" strike="noStrike" cap="none" normalizeH="0" baseline="0" dirty="0" smtClean="0">
                 <a:ln>
                   <a:noFill/>
@@ -6296,7 +6296,7 @@
               </a:rPr>
               <a:t> </a:t>
             </a:r>
-            <a:r xmlns:a="http://schemas.openxmlformats.org/drawingml/2006/main">
+            <a:r>
               <a:rPr kumimoji="0" lang="en" altLang="en-US" sz="1800" b="0" i="0" u="none" strike="noStrike" cap="none" normalizeH="0" baseline="0" dirty="0" err="1" smtClean="0">
                 <a:ln>
                   <a:noFill/>
@@ -6309,7 +6309,7 @@
               </a:rPr>
               <a:t>demo</a:t>
             </a:r>
-            <a:r xmlns:a="http://schemas.openxmlformats.org/drawingml/2006/main">
+            <a:r>
               <a:rPr kumimoji="0" lang="en" altLang="en-US" sz="1800" b="0" i="0" u="none" strike="noStrike" cap="none" normalizeH="0" baseline="0" dirty="0" smtClean="0">
                 <a:ln>
                   <a:noFill/>
@@ -6322,7 +6322,7 @@
               </a:rPr>
               <a:t> </a:t>
             </a:r>
-            <a:r xmlns:a="http://schemas.openxmlformats.org/drawingml/2006/main">
+            <a:r>
               <a:rPr kumimoji="0" lang="en" altLang="en-US" sz="1800" b="0" i="0" u="none" strike="noStrike" cap="none" normalizeH="0" baseline="0" dirty="0" err="1" smtClean="0">
                 <a:ln>
                   <a:noFill/>
@@ -6335,7 +6335,7 @@
               </a:rPr>
               <a:t>used</a:t>
             </a:r>
-            <a:r xmlns:a="http://schemas.openxmlformats.org/drawingml/2006/main">
+            <a:r>
               <a:rPr kumimoji="0" lang="en" altLang="en-US" sz="1800" b="0" i="0" u="none" strike="noStrike" cap="none" normalizeH="0" baseline="0" dirty="0" smtClean="0">
                 <a:ln>
                   <a:noFill/>
@@ -6348,7 +6348,7 @@
               </a:rPr>
               <a:t> </a:t>
             </a:r>
-            <a:r xmlns:a="http://schemas.openxmlformats.org/drawingml/2006/main">
+            <a:r>
               <a:rPr kumimoji="0" lang="en" altLang="en-US" sz="1800" b="0" i="0" u="none" strike="noStrike" cap="none" normalizeH="0" baseline="0" dirty="0" err="1" smtClean="0">
                 <a:ln>
                   <a:noFill/>
@@ -6359,22 +6359,9 @@
                 <a:effectLst/>
                 <a:latin typeface="Arial" panose="020B0604020202020204" pitchFamily="34" charset="0"/>
               </a:rPr>
-              <a:t>a </a:t>
-            </a:r>
-            <a:r xmlns:a="http://schemas.openxmlformats.org/drawingml/2006/main">
-              <a:rPr kumimoji="0" lang="en" altLang="en-US" sz="1800" b="0" i="0" u="none" strike="noStrike" cap="none" normalizeH="0" baseline="0" dirty="0" err="1" smtClean="0">
-                <a:ln>
-                  <a:noFill/>
-                </a:ln>
-                <a:solidFill>
-                  <a:schemeClr val="tx1"/>
-                </a:solidFill>
-                <a:effectLst/>
-                <a:latin typeface="Arial" panose="020B0604020202020204" pitchFamily="34" charset="0"/>
-              </a:rPr>
-              <a:t>seized </a:t>
-            </a:r>
-            <a:r xmlns:a="http://schemas.openxmlformats.org/drawingml/2006/main">
+              <a:t>a seized </a:t>
+            </a:r>
+            <a:r>
               <a:rPr kumimoji="0" lang="en" altLang="en-US" sz="1800" b="0" i="0" u="none" strike="noStrike" cap="none" normalizeH="0" baseline="0" dirty="0" smtClean="0">
                 <a:ln>
                   <a:noFill/>
@@ -6385,22 +6372,9 @@
                 <a:effectLst/>
                 <a:latin typeface="Arial" panose="020B0604020202020204" pitchFamily="34" charset="0"/>
               </a:rPr>
-              <a:t>table</a:t>
-            </a:r>
-            <a:r xmlns:a="http://schemas.openxmlformats.org/drawingml/2006/main">
-              <a:rPr kumimoji="0" lang="en" altLang="en-US" sz="1800" b="0" i="0" u="none" strike="noStrike" cap="none" normalizeH="0" baseline="0" dirty="0" smtClean="0">
-                <a:ln>
-                  <a:noFill/>
-                </a:ln>
-                <a:solidFill>
-                  <a:schemeClr val="tx1"/>
-                </a:solidFill>
-                <a:effectLst/>
-                <a:latin typeface="Arial" panose="020B0604020202020204" pitchFamily="34" charset="0"/>
-              </a:rPr>
-              <a:t> </a:t>
-            </a:r>
-            <a:r xmlns:a="http://schemas.openxmlformats.org/drawingml/2006/main">
+              <a:t>table </a:t>
+            </a:r>
+            <a:r>
               <a:rPr kumimoji="0" lang="en" altLang="en-US" sz="1800" b="0" i="0" u="none" strike="noStrike" cap="none" normalizeH="0" baseline="0" dirty="0" err="1" smtClean="0">
                 <a:ln>
                   <a:noFill/>
@@ -6413,7 +6387,7 @@
               </a:rPr>
               <a:t>manually </a:t>
             </a:r>
-            <a:r xmlns:a="http://schemas.openxmlformats.org/drawingml/2006/main">
+            <a:r>
               <a:rPr kumimoji="0" lang="en" altLang="en-US" sz="1800" b="0" i="0" u="none" strike="noStrike" cap="none" normalizeH="0" baseline="0" dirty="0" smtClean="0">
                 <a:ln>
                   <a:noFill/>
@@ -6481,11 +6455,11 @@
           </a:bodyPr>
           <a:lstStyle/>
           <a:p>
-            <a:r xmlns:a="http://schemas.openxmlformats.org/drawingml/2006/main">
+            <a:r>
               <a:rPr lang="en" b="1" dirty="0" smtClean="0"/>
               <a:t>COUNTNOBLANC &amp; DISTINCTCOUNTNOBLANK</a:t>
             </a:r>
-            <a:endParaRPr xmlns:a="http://schemas.openxmlformats.org/drawingml/2006/main" lang="en-US" b="1" dirty="0"/>
+            <a:endParaRPr lang="en-US" b="1" dirty="0"/>
           </a:p>
         </p:txBody>
       </p:sp>
@@ -6549,19 +6523,15 @@
           </a:bodyPr>
           <a:lstStyle/>
           <a:p>
-            <a:r xmlns:a="http://schemas.openxmlformats.org/drawingml/2006/main">
+            <a:r>
               <a:rPr lang="en" sz="2000" dirty="0" err="1"/>
               <a:t>Card </a:t>
             </a:r>
-            <a:r xmlns:a="http://schemas.openxmlformats.org/drawingml/2006/main">
+            <a:r>
               <a:rPr lang="en" sz="2000" dirty="0"/>
-              <a:t>visualization </a:t>
-            </a:r>
-            <a:r xmlns:a="http://schemas.openxmlformats.org/drawingml/2006/main">
-              <a:rPr lang="en" sz="2000" dirty="0"/>
-              <a:t>to the scene.</a:t>
-            </a:r>
-            <a:endParaRPr xmlns:a="http://schemas.openxmlformats.org/drawingml/2006/main" lang="en-US" sz="2000" dirty="0"/>
+              <a:t>visualization to the scene.</a:t>
+            </a:r>
+            <a:endParaRPr lang="en-US" sz="2000" dirty="0"/>
           </a:p>
         </p:txBody>
       </p:sp>
@@ -6586,19 +6556,19 @@
           </a:bodyPr>
           <a:lstStyle/>
           <a:p>
-            <a:r xmlns:a="http://schemas.openxmlformats.org/drawingml/2006/main">
+            <a:r>
               <a:rPr lang="en" sz="2000" dirty="0"/>
               <a:t>Create a measure that counts the number of products with blank names using </a:t>
             </a:r>
-            <a:r xmlns:a="http://schemas.openxmlformats.org/drawingml/2006/main">
+            <a:r>
               <a:rPr lang="en" sz="2000" b="1" dirty="0"/>
               <a:t>COUNTBLANK </a:t>
             </a:r>
-            <a:r xmlns:a="http://schemas.openxmlformats.org/drawingml/2006/main">
+            <a:r>
               <a:rPr lang="en" sz="2000" dirty="0"/>
               <a:t>.</a:t>
             </a:r>
-            <a:endParaRPr xmlns:a="http://schemas.openxmlformats.org/drawingml/2006/main" lang="en-US" sz="2000" dirty="0"/>
+            <a:endParaRPr lang="en-US" sz="2000" dirty="0"/>
           </a:p>
         </p:txBody>
       </p:sp>
@@ -6623,27 +6593,27 @@
           </a:bodyPr>
           <a:lstStyle/>
           <a:p>
-            <a:r xmlns:a="http://schemas.openxmlformats.org/drawingml/2006/main">
+            <a:r>
               <a:rPr lang="en" sz="2000" dirty="0"/>
               <a:t>Add the metric to the </a:t>
             </a:r>
-            <a:r xmlns:a="http://schemas.openxmlformats.org/drawingml/2006/main">
+            <a:r>
               <a:rPr lang="en" sz="2000" b="1" dirty="0"/>
               <a:t>"Values" part </a:t>
             </a:r>
-            <a:r xmlns:a="http://schemas.openxmlformats.org/drawingml/2006/main">
+            <a:r>
               <a:rPr lang="en" sz="2000" dirty="0"/>
               <a:t>of the </a:t>
             </a:r>
-            <a:r xmlns:a="http://schemas.openxmlformats.org/drawingml/2006/main">
+            <a:r>
               <a:rPr lang="en" sz="2000" dirty="0" err="1"/>
               <a:t>Card visualization settings </a:t>
             </a:r>
-            <a:r xmlns:a="http://schemas.openxmlformats.org/drawingml/2006/main">
+            <a:r>
               <a:rPr lang="en" sz="2000" dirty="0"/>
               <a:t>.</a:t>
             </a:r>
-            <a:endParaRPr xmlns:a="http://schemas.openxmlformats.org/drawingml/2006/main" lang="en-US" sz="2000" dirty="0"/>
+            <a:endParaRPr lang="en-US" sz="2000" dirty="0"/>
           </a:p>
         </p:txBody>
       </p:sp>
@@ -6668,11 +6638,11 @@
           </a:bodyPr>
           <a:lstStyle/>
           <a:p>
-            <a:r xmlns:a="http://schemas.openxmlformats.org/drawingml/2006/main">
+            <a:r>
               <a:rPr lang="en" sz="2000" dirty="0"/>
               <a:t>Delete two name values from the Name column to leave two blanks.</a:t>
             </a:r>
-            <a:endParaRPr xmlns:a="http://schemas.openxmlformats.org/drawingml/2006/main" lang="en-US" sz="2000" dirty="0"/>
+            <a:endParaRPr lang="en-US" sz="2000" dirty="0"/>
           </a:p>
         </p:txBody>
       </p:sp>
@@ -6728,11 +6698,11 @@
           </a:bodyPr>
           <a:lstStyle/>
           <a:p>
-            <a:r xmlns:a="http://schemas.openxmlformats.org/drawingml/2006/main">
+            <a:r>
               <a:rPr lang="en" b="1" dirty="0" smtClean="0"/>
               <a:t>COUNTNOBLANC &amp; DISTINCTCOUNTNOBLANK</a:t>
             </a:r>
-            <a:endParaRPr xmlns:a="http://schemas.openxmlformats.org/drawingml/2006/main" lang="en-US" b="1" dirty="0"/>
+            <a:endParaRPr lang="en-US" b="1" dirty="0"/>
           </a:p>
         </p:txBody>
       </p:sp>
@@ -6796,27 +6766,27 @@
           </a:bodyPr>
           <a:lstStyle/>
           <a:p>
-            <a:r xmlns:a="http://schemas.openxmlformats.org/drawingml/2006/main">
+            <a:r>
               <a:rPr lang="en" sz="2000" dirty="0"/>
               <a:t>Note that the measurement value changes from </a:t>
             </a:r>
-            <a:r xmlns:a="http://schemas.openxmlformats.org/drawingml/2006/main">
+            <a:r>
               <a:rPr lang="en" sz="2000" b="1" dirty="0"/>
               <a:t>" </a:t>
             </a:r>
-            <a:r xmlns:a="http://schemas.openxmlformats.org/drawingml/2006/main">
+            <a:r>
               <a:rPr lang="en" sz="2000" b="1" dirty="0" err="1"/>
               <a:t>Blank </a:t>
             </a:r>
-            <a:r xmlns:a="http://schemas.openxmlformats.org/drawingml/2006/main">
+            <a:r>
               <a:rPr lang="en" sz="2000" b="1" dirty="0"/>
               <a:t>" </a:t>
             </a:r>
-            <a:r xmlns:a="http://schemas.openxmlformats.org/drawingml/2006/main">
+            <a:r>
               <a:rPr lang="en" sz="2000" dirty="0"/>
               <a:t>to 2.</a:t>
             </a:r>
-            <a:endParaRPr xmlns:a="http://schemas.openxmlformats.org/drawingml/2006/main" lang="en-US" sz="2000" dirty="0"/>
+            <a:endParaRPr lang="en-US" sz="2000" dirty="0"/>
           </a:p>
         </p:txBody>
       </p:sp>
@@ -6841,27 +6811,23 @@
           </a:bodyPr>
           <a:lstStyle/>
           <a:p>
-            <a:r xmlns:a="http://schemas.openxmlformats.org/drawingml/2006/main">
+            <a:r>
               <a:rPr lang="en" sz="2000" b="1" dirty="0"/>
               <a:t>COUNTBLANK </a:t>
             </a:r>
-            <a:r xmlns:a="http://schemas.openxmlformats.org/drawingml/2006/main">
+            <a:r>
               <a:rPr lang="en" sz="2000" dirty="0"/>
-              <a:t>function </a:t>
-            </a:r>
-            <a:r xmlns:a="http://schemas.openxmlformats.org/drawingml/2006/main">
-              <a:rPr lang="en" sz="2000" dirty="0"/>
-              <a:t>with </a:t>
-            </a:r>
-            <a:r xmlns:a="http://schemas.openxmlformats.org/drawingml/2006/main">
+              <a:t>function with </a:t>
+            </a:r>
+            <a:r>
               <a:rPr lang="en" sz="2000" b="1" dirty="0"/>
               <a:t>DISTINCTCOUNTNOBLANK </a:t>
             </a:r>
-            <a:r xmlns:a="http://schemas.openxmlformats.org/drawingml/2006/main">
+            <a:r>
               <a:rPr lang="en" sz="2000" dirty="0"/>
               <a:t>.</a:t>
             </a:r>
-            <a:endParaRPr xmlns:a="http://schemas.openxmlformats.org/drawingml/2006/main" lang="en-US" sz="2000" dirty="0"/>
+            <a:endParaRPr lang="en-US" sz="2000" dirty="0"/>
           </a:p>
         </p:txBody>
       </p:sp>
@@ -6917,11 +6883,11 @@
           </a:bodyPr>
           <a:lstStyle/>
           <a:p>
-            <a:r xmlns:a="http://schemas.openxmlformats.org/drawingml/2006/main">
+            <a:r>
               <a:rPr lang="en" b="1" dirty="0" smtClean="0"/>
               <a:t>COUNTNOBLANC &amp; DISTINCTCOUNTNOBLANK</a:t>
             </a:r>
-            <a:endParaRPr xmlns:a="http://schemas.openxmlformats.org/drawingml/2006/main" lang="en-US" b="1" dirty="0"/>
+            <a:endParaRPr lang="en-US" b="1" dirty="0"/>
           </a:p>
         </p:txBody>
       </p:sp>
@@ -6946,7 +6912,7 @@
           </a:bodyPr>
           <a:lstStyle/>
           <a:p>
-            <a:pPr xmlns:a="http://schemas.openxmlformats.org/drawingml/2006/main" lvl="0">
+            <a:pPr lvl="0">
               <a:lnSpc>
                 <a:spcPct val="107000"/>
               </a:lnSpc>
@@ -6954,7 +6920,7 @@
                 <a:spcPts val="800"/>
               </a:spcAft>
             </a:pPr>
-            <a:r xmlns:a="http://schemas.openxmlformats.org/drawingml/2006/main">
+            <a:r>
               <a:rPr lang="en" dirty="0" smtClean="0">
                 <a:latin typeface="Segoe UI" panose="020B0502040204020203" pitchFamily="34" charset="0"/>
                 <a:ea typeface="Calibri" panose="020F0502020204030204" pitchFamily="34" charset="0"/>
@@ -6962,7 +6928,7 @@
               </a:rPr>
               <a:t>Note that there are 19 entries that match non-empty product names</a:t>
             </a:r>
-            <a:endParaRPr xmlns:a="http://schemas.openxmlformats.org/drawingml/2006/main" lang="en-US" sz="1400" dirty="0">
+            <a:endParaRPr lang="en-US" sz="1400" dirty="0">
               <a:effectLst/>
               <a:latin typeface="Calibri" panose="020F0502020204030204" pitchFamily="34" charset="0"/>
               <a:ea typeface="Calibri" panose="020F0502020204030204" pitchFamily="34" charset="0"/>
@@ -7095,8 +7061,8 @@
         </p:nvSpPr>
         <p:spPr>
           <a:xfrm>
-            <a:off x="4359988" y="2389315"/>
-            <a:ext cx="3456395" cy="1569660"/>
+            <a:off x="2854321" y="2506193"/>
+            <a:ext cx="6230360" cy="1569660"/>
           </a:xfrm>
           <a:prstGeom prst="rect">
             <a:avLst/>
@@ -7109,8 +7075,8 @@
           </a:bodyPr>
           <a:lstStyle/>
           <a:p>
-            <a:r xmlns:a="http://schemas.openxmlformats.org/drawingml/2006/main">
-              <a:rPr lang="en" sz="9600" b="1" dirty="0" smtClean="0">
+            <a:r>
+              <a:rPr lang="en-US" sz="9600" b="1" dirty="0" smtClean="0">
                 <a:solidFill>
                   <a:srgbClr val="7030A0"/>
                 </a:solidFill>
@@ -7118,9 +7084,9 @@
                 <a:ea typeface="Verdana" panose="020B0604030504040204" pitchFamily="34" charset="0"/>
                 <a:cs typeface="Segoe UI" panose="020B0502040204020203" pitchFamily="34" charset="0"/>
               </a:rPr>
-              <a:t>THANKS</a:t>
-            </a:r>
-            <a:endParaRPr xmlns:a="http://schemas.openxmlformats.org/drawingml/2006/main" lang="en-US" sz="9600" b="1" dirty="0">
+              <a:t>Thank you</a:t>
+            </a:r>
+            <a:endParaRPr lang="en-US" sz="9600" b="1" dirty="0">
               <a:solidFill>
                 <a:srgbClr val="7030A0"/>
               </a:solidFill>
@@ -7139,8 +7105,8 @@
         </p:nvSpPr>
         <p:spPr>
           <a:xfrm>
-            <a:off x="4289745" y="2320989"/>
-            <a:ext cx="3456395" cy="1569660"/>
+            <a:off x="2784078" y="2437867"/>
+            <a:ext cx="6230360" cy="1569660"/>
           </a:xfrm>
           <a:prstGeom prst="rect">
             <a:avLst/>
@@ -7153,8 +7119,8 @@
           </a:bodyPr>
           <a:lstStyle/>
           <a:p>
-            <a:r xmlns:a="http://schemas.openxmlformats.org/drawingml/2006/main">
-              <a:rPr lang="en" sz="9600" b="1" dirty="0" smtClean="0">
+            <a:r>
+              <a:rPr lang="en-US" sz="9600" b="1" dirty="0" smtClean="0">
                 <a:solidFill>
                   <a:schemeClr val="bg1"/>
                 </a:solidFill>
@@ -7162,9 +7128,9 @@
                 <a:ea typeface="Verdana" panose="020B0604030504040204" pitchFamily="34" charset="0"/>
                 <a:cs typeface="Segoe UI" panose="020B0502040204020203" pitchFamily="34" charset="0"/>
               </a:rPr>
-              <a:t>THANKS</a:t>
-            </a:r>
-            <a:endParaRPr xmlns:a="http://schemas.openxmlformats.org/drawingml/2006/main" lang="en-US" sz="9600" b="1" dirty="0">
+              <a:t>Thank you</a:t>
+            </a:r>
+            <a:endParaRPr lang="en-US" sz="9600" b="1" dirty="0">
               <a:solidFill>
                 <a:schemeClr val="bg1"/>
               </a:solidFill>

--- a/English/5.DAX/6.COUNTNOBLANK and DISTINCTCOUNTNOBLANK.pptx
+++ b/English/5.DAX/6.COUNTNOBLANK and DISTINCTCOUNTNOBLANK.pptx
@@ -202,7 +202,7 @@
           <a:p>
             <a:fld id="{056BA3B8-9F76-4D81-B71D-76CB85363062}" type="datetimeFigureOut">
               <a:rPr lang="en-US" smtClean="0"/>
-              <a:t>4/3/2025</a:t>
+              <a:t>4/7/2025</a:t>
             </a:fld>
             <a:endParaRPr lang="en-US"/>
           </a:p>
@@ -601,7 +601,7 @@
           <a:p>
             <a:fld id="{6F01DA4D-20EA-48D2-973C-0311EC3005D6}" type="datetimeFigureOut">
               <a:rPr lang="en-US" smtClean="0"/>
-              <a:t>4/3/2025</a:t>
+              <a:t>4/7/2025</a:t>
             </a:fld>
             <a:endParaRPr lang="en-US"/>
           </a:p>
@@ -771,7 +771,7 @@
           <a:p>
             <a:fld id="{6F01DA4D-20EA-48D2-973C-0311EC3005D6}" type="datetimeFigureOut">
               <a:rPr lang="en-US" smtClean="0"/>
-              <a:t>4/3/2025</a:t>
+              <a:t>4/7/2025</a:t>
             </a:fld>
             <a:endParaRPr lang="en-US"/>
           </a:p>
@@ -951,7 +951,7 @@
           <a:p>
             <a:fld id="{6F01DA4D-20EA-48D2-973C-0311EC3005D6}" type="datetimeFigureOut">
               <a:rPr lang="en-US" smtClean="0"/>
-              <a:t>4/3/2025</a:t>
+              <a:t>4/7/2025</a:t>
             </a:fld>
             <a:endParaRPr lang="en-US"/>
           </a:p>
@@ -1121,7 +1121,7 @@
           <a:p>
             <a:fld id="{6F01DA4D-20EA-48D2-973C-0311EC3005D6}" type="datetimeFigureOut">
               <a:rPr lang="en-US" smtClean="0"/>
-              <a:t>4/3/2025</a:t>
+              <a:t>4/7/2025</a:t>
             </a:fld>
             <a:endParaRPr lang="en-US"/>
           </a:p>
@@ -1367,7 +1367,7 @@
           <a:p>
             <a:fld id="{6F01DA4D-20EA-48D2-973C-0311EC3005D6}" type="datetimeFigureOut">
               <a:rPr lang="en-US" smtClean="0"/>
-              <a:t>4/3/2025</a:t>
+              <a:t>4/7/2025</a:t>
             </a:fld>
             <a:endParaRPr lang="en-US"/>
           </a:p>
@@ -1599,7 +1599,7 @@
           <a:p>
             <a:fld id="{6F01DA4D-20EA-48D2-973C-0311EC3005D6}" type="datetimeFigureOut">
               <a:rPr lang="en-US" smtClean="0"/>
-              <a:t>4/3/2025</a:t>
+              <a:t>4/7/2025</a:t>
             </a:fld>
             <a:endParaRPr lang="en-US"/>
           </a:p>
@@ -1966,7 +1966,7 @@
           <a:p>
             <a:fld id="{6F01DA4D-20EA-48D2-973C-0311EC3005D6}" type="datetimeFigureOut">
               <a:rPr lang="en-US" smtClean="0"/>
-              <a:t>4/3/2025</a:t>
+              <a:t>4/7/2025</a:t>
             </a:fld>
             <a:endParaRPr lang="en-US"/>
           </a:p>
@@ -2084,7 +2084,7 @@
           <a:p>
             <a:fld id="{6F01DA4D-20EA-48D2-973C-0311EC3005D6}" type="datetimeFigureOut">
               <a:rPr lang="en-US" smtClean="0"/>
-              <a:t>4/3/2025</a:t>
+              <a:t>4/7/2025</a:t>
             </a:fld>
             <a:endParaRPr lang="en-US"/>
           </a:p>
@@ -2179,7 +2179,7 @@
           <a:p>
             <a:fld id="{6F01DA4D-20EA-48D2-973C-0311EC3005D6}" type="datetimeFigureOut">
               <a:rPr lang="en-US" smtClean="0"/>
-              <a:t>4/3/2025</a:t>
+              <a:t>4/7/2025</a:t>
             </a:fld>
             <a:endParaRPr lang="en-US"/>
           </a:p>
@@ -2456,7 +2456,7 @@
           <a:p>
             <a:fld id="{6F01DA4D-20EA-48D2-973C-0311EC3005D6}" type="datetimeFigureOut">
               <a:rPr lang="en-US" smtClean="0"/>
-              <a:t>4/3/2025</a:t>
+              <a:t>4/7/2025</a:t>
             </a:fld>
             <a:endParaRPr lang="en-US"/>
           </a:p>
@@ -2709,7 +2709,7 @@
           <a:p>
             <a:fld id="{6F01DA4D-20EA-48D2-973C-0311EC3005D6}" type="datetimeFigureOut">
               <a:rPr lang="en-US" smtClean="0"/>
-              <a:t>4/3/2025</a:t>
+              <a:t>4/7/2025</a:t>
             </a:fld>
             <a:endParaRPr lang="en-US"/>
           </a:p>
@@ -2922,7 +2922,7 @@
           <a:p>
             <a:fld id="{6F01DA4D-20EA-48D2-973C-0311EC3005D6}" type="datetimeFigureOut">
               <a:rPr lang="en-US" smtClean="0"/>
-              <a:t>4/3/2025</a:t>
+              <a:t>4/7/2025</a:t>
             </a:fld>
             <a:endParaRPr lang="en-US"/>
           </a:p>
